--- a/Apresentação - Python Big Data.pptx
+++ b/Apresentação - Python Big Data.pptx
@@ -5,23 +5,31 @@
     <p:sldMasterId id="2147483648" r:id="rId1"/>
   </p:sldMasterIdLst>
   <p:notesMasterIdLst>
-    <p:notesMasterId r:id="rId16"/>
+    <p:notesMasterId r:id="rId24"/>
   </p:notesMasterIdLst>
   <p:sldIdLst>
     <p:sldId id="256" r:id="rId2"/>
     <p:sldId id="291" r:id="rId3"/>
     <p:sldId id="331" r:id="rId4"/>
     <p:sldId id="332" r:id="rId5"/>
-    <p:sldId id="368" r:id="rId6"/>
-    <p:sldId id="334" r:id="rId7"/>
-    <p:sldId id="335" r:id="rId8"/>
-    <p:sldId id="340" r:id="rId9"/>
-    <p:sldId id="284" r:id="rId10"/>
-    <p:sldId id="276" r:id="rId11"/>
-    <p:sldId id="279" r:id="rId12"/>
-    <p:sldId id="336" r:id="rId13"/>
-    <p:sldId id="341" r:id="rId14"/>
-    <p:sldId id="309" r:id="rId15"/>
+    <p:sldId id="376" r:id="rId6"/>
+    <p:sldId id="377" r:id="rId7"/>
+    <p:sldId id="368" r:id="rId8"/>
+    <p:sldId id="334" r:id="rId9"/>
+    <p:sldId id="369" r:id="rId10"/>
+    <p:sldId id="370" r:id="rId11"/>
+    <p:sldId id="371" r:id="rId12"/>
+    <p:sldId id="372" r:id="rId13"/>
+    <p:sldId id="335" r:id="rId14"/>
+    <p:sldId id="340" r:id="rId15"/>
+    <p:sldId id="284" r:id="rId16"/>
+    <p:sldId id="279" r:id="rId17"/>
+    <p:sldId id="336" r:id="rId18"/>
+    <p:sldId id="373" r:id="rId19"/>
+    <p:sldId id="341" r:id="rId20"/>
+    <p:sldId id="374" r:id="rId21"/>
+    <p:sldId id="375" r:id="rId22"/>
+    <p:sldId id="309" r:id="rId23"/>
   </p:sldIdLst>
   <p:sldSz cx="9144000" cy="5143500" type="screen16x9"/>
   <p:notesSz cx="6858000" cy="9144000"/>
@@ -573,6 +581,534 @@
 </p:notes>
 </file>
 
+<file path=ppt/notesSlides/notesSlide10.xml><?xml version="1.0" encoding="utf-8"?>
+<p:notes xmlns:a="http://schemas.openxmlformats.org/drawingml/2006/main" xmlns:r="http://schemas.openxmlformats.org/officeDocument/2006/relationships" xmlns:p="http://schemas.openxmlformats.org/presentationml/2006/main">
+  <p:cSld>
+    <p:spTree>
+      <p:nvGrpSpPr>
+        <p:cNvPr id="1" name=""/>
+        <p:cNvGrpSpPr/>
+        <p:nvPr/>
+      </p:nvGrpSpPr>
+      <p:grpSpPr>
+        <a:xfrm>
+          <a:off x="0" y="0"/>
+          <a:ext cx="0" cy="0"/>
+          <a:chOff x="0" y="0"/>
+          <a:chExt cx="0" cy="0"/>
+        </a:xfrm>
+      </p:grpSpPr>
+      <p:sp>
+        <p:nvSpPr>
+          <p:cNvPr id="2" name="Espaço Reservado para Imagem de Slide 1"/>
+          <p:cNvSpPr>
+            <a:spLocks noGrp="1" noRot="1" noChangeAspect="1"/>
+          </p:cNvSpPr>
+          <p:nvPr>
+            <p:ph type="sldImg"/>
+          </p:nvPr>
+        </p:nvSpPr>
+        <p:spPr>
+          <a:xfrm>
+            <a:off x="381000" y="685800"/>
+            <a:ext cx="6096000" cy="3429000"/>
+          </a:xfrm>
+        </p:spPr>
+      </p:sp>
+      <p:sp>
+        <p:nvSpPr>
+          <p:cNvPr id="3" name="Espaço Reservado para Anotações 2"/>
+          <p:cNvSpPr>
+            <a:spLocks noGrp="1"/>
+          </p:cNvSpPr>
+          <p:nvPr>
+            <p:ph type="body" idx="1"/>
+          </p:nvPr>
+        </p:nvSpPr>
+        <p:spPr/>
+        <p:txBody>
+          <a:bodyPr/>
+          <a:lstStyle/>
+          <a:p>
+            <a:endParaRPr lang="pt-BR" dirty="0"/>
+          </a:p>
+        </p:txBody>
+      </p:sp>
+    </p:spTree>
+    <p:extLst>
+      <p:ext uri="{BB962C8B-B14F-4D97-AF65-F5344CB8AC3E}">
+        <p14:creationId xmlns:p14="http://schemas.microsoft.com/office/powerpoint/2010/main" val="2870208653"/>
+      </p:ext>
+    </p:extLst>
+  </p:cSld>
+  <p:clrMapOvr>
+    <a:masterClrMapping/>
+  </p:clrMapOvr>
+</p:notes>
+</file>
+
+<file path=ppt/notesSlides/notesSlide11.xml><?xml version="1.0" encoding="utf-8"?>
+<p:notes xmlns:a="http://schemas.openxmlformats.org/drawingml/2006/main" xmlns:r="http://schemas.openxmlformats.org/officeDocument/2006/relationships" xmlns:p="http://schemas.openxmlformats.org/presentationml/2006/main">
+  <p:cSld>
+    <p:spTree>
+      <p:nvGrpSpPr>
+        <p:cNvPr id="1" name=""/>
+        <p:cNvGrpSpPr/>
+        <p:nvPr/>
+      </p:nvGrpSpPr>
+      <p:grpSpPr>
+        <a:xfrm>
+          <a:off x="0" y="0"/>
+          <a:ext cx="0" cy="0"/>
+          <a:chOff x="0" y="0"/>
+          <a:chExt cx="0" cy="0"/>
+        </a:xfrm>
+      </p:grpSpPr>
+      <p:sp>
+        <p:nvSpPr>
+          <p:cNvPr id="2" name="Espaço Reservado para Imagem de Slide 1"/>
+          <p:cNvSpPr>
+            <a:spLocks noGrp="1" noRot="1" noChangeAspect="1"/>
+          </p:cNvSpPr>
+          <p:nvPr>
+            <p:ph type="sldImg"/>
+          </p:nvPr>
+        </p:nvSpPr>
+        <p:spPr>
+          <a:xfrm>
+            <a:off x="381000" y="685800"/>
+            <a:ext cx="6096000" cy="3429000"/>
+          </a:xfrm>
+        </p:spPr>
+      </p:sp>
+      <p:sp>
+        <p:nvSpPr>
+          <p:cNvPr id="3" name="Espaço Reservado para Anotações 2"/>
+          <p:cNvSpPr>
+            <a:spLocks noGrp="1"/>
+          </p:cNvSpPr>
+          <p:nvPr>
+            <p:ph type="body" idx="1"/>
+          </p:nvPr>
+        </p:nvSpPr>
+        <p:spPr/>
+        <p:txBody>
+          <a:bodyPr/>
+          <a:lstStyle/>
+          <a:p>
+            <a:endParaRPr lang="pt-BR" dirty="0"/>
+          </a:p>
+        </p:txBody>
+      </p:sp>
+    </p:spTree>
+    <p:extLst>
+      <p:ext uri="{BB962C8B-B14F-4D97-AF65-F5344CB8AC3E}">
+        <p14:creationId xmlns:p14="http://schemas.microsoft.com/office/powerpoint/2010/main" val="2690279454"/>
+      </p:ext>
+    </p:extLst>
+  </p:cSld>
+  <p:clrMapOvr>
+    <a:masterClrMapping/>
+  </p:clrMapOvr>
+</p:notes>
+</file>
+
+<file path=ppt/notesSlides/notesSlide12.xml><?xml version="1.0" encoding="utf-8"?>
+<p:notes xmlns:a="http://schemas.openxmlformats.org/drawingml/2006/main" xmlns:r="http://schemas.openxmlformats.org/officeDocument/2006/relationships" xmlns:p="http://schemas.openxmlformats.org/presentationml/2006/main">
+  <p:cSld>
+    <p:spTree>
+      <p:nvGrpSpPr>
+        <p:cNvPr id="1" name=""/>
+        <p:cNvGrpSpPr/>
+        <p:nvPr/>
+      </p:nvGrpSpPr>
+      <p:grpSpPr>
+        <a:xfrm>
+          <a:off x="0" y="0"/>
+          <a:ext cx="0" cy="0"/>
+          <a:chOff x="0" y="0"/>
+          <a:chExt cx="0" cy="0"/>
+        </a:xfrm>
+      </p:grpSpPr>
+      <p:sp>
+        <p:nvSpPr>
+          <p:cNvPr id="2" name="Espaço Reservado para Imagem de Slide 1"/>
+          <p:cNvSpPr>
+            <a:spLocks noGrp="1" noRot="1" noChangeAspect="1"/>
+          </p:cNvSpPr>
+          <p:nvPr>
+            <p:ph type="sldImg"/>
+          </p:nvPr>
+        </p:nvSpPr>
+        <p:spPr>
+          <a:xfrm>
+            <a:off x="381000" y="685800"/>
+            <a:ext cx="6096000" cy="3429000"/>
+          </a:xfrm>
+        </p:spPr>
+      </p:sp>
+      <p:sp>
+        <p:nvSpPr>
+          <p:cNvPr id="3" name="Espaço Reservado para Anotações 2"/>
+          <p:cNvSpPr>
+            <a:spLocks noGrp="1"/>
+          </p:cNvSpPr>
+          <p:nvPr>
+            <p:ph type="body" idx="1"/>
+          </p:nvPr>
+        </p:nvSpPr>
+        <p:spPr/>
+        <p:txBody>
+          <a:bodyPr/>
+          <a:lstStyle/>
+          <a:p>
+            <a:endParaRPr lang="pt-BR" dirty="0"/>
+          </a:p>
+        </p:txBody>
+      </p:sp>
+    </p:spTree>
+    <p:extLst>
+      <p:ext uri="{BB962C8B-B14F-4D97-AF65-F5344CB8AC3E}">
+        <p14:creationId xmlns:p14="http://schemas.microsoft.com/office/powerpoint/2010/main" val="371893395"/>
+      </p:ext>
+    </p:extLst>
+  </p:cSld>
+  <p:clrMapOvr>
+    <a:masterClrMapping/>
+  </p:clrMapOvr>
+</p:notes>
+</file>
+
+<file path=ppt/notesSlides/notesSlide13.xml><?xml version="1.0" encoding="utf-8"?>
+<p:notes xmlns:a="http://schemas.openxmlformats.org/drawingml/2006/main" xmlns:r="http://schemas.openxmlformats.org/officeDocument/2006/relationships" xmlns:p="http://schemas.openxmlformats.org/presentationml/2006/main">
+  <p:cSld>
+    <p:spTree>
+      <p:nvGrpSpPr>
+        <p:cNvPr id="1" name=""/>
+        <p:cNvGrpSpPr/>
+        <p:nvPr/>
+      </p:nvGrpSpPr>
+      <p:grpSpPr>
+        <a:xfrm>
+          <a:off x="0" y="0"/>
+          <a:ext cx="0" cy="0"/>
+          <a:chOff x="0" y="0"/>
+          <a:chExt cx="0" cy="0"/>
+        </a:xfrm>
+      </p:grpSpPr>
+      <p:sp>
+        <p:nvSpPr>
+          <p:cNvPr id="2" name="Espaço Reservado para Imagem de Slide 1"/>
+          <p:cNvSpPr>
+            <a:spLocks noGrp="1" noRot="1" noChangeAspect="1"/>
+          </p:cNvSpPr>
+          <p:nvPr>
+            <p:ph type="sldImg"/>
+          </p:nvPr>
+        </p:nvSpPr>
+        <p:spPr>
+          <a:xfrm>
+            <a:off x="381000" y="685800"/>
+            <a:ext cx="6096000" cy="3429000"/>
+          </a:xfrm>
+        </p:spPr>
+      </p:sp>
+      <p:sp>
+        <p:nvSpPr>
+          <p:cNvPr id="3" name="Espaço Reservado para Anotações 2"/>
+          <p:cNvSpPr>
+            <a:spLocks noGrp="1"/>
+          </p:cNvSpPr>
+          <p:nvPr>
+            <p:ph type="body" idx="1"/>
+          </p:nvPr>
+        </p:nvSpPr>
+        <p:spPr/>
+        <p:txBody>
+          <a:bodyPr/>
+          <a:lstStyle/>
+          <a:p>
+            <a:endParaRPr lang="pt-BR" dirty="0"/>
+          </a:p>
+        </p:txBody>
+      </p:sp>
+    </p:spTree>
+    <p:extLst>
+      <p:ext uri="{BB962C8B-B14F-4D97-AF65-F5344CB8AC3E}">
+        <p14:creationId xmlns:p14="http://schemas.microsoft.com/office/powerpoint/2010/main" val="2567907220"/>
+      </p:ext>
+    </p:extLst>
+  </p:cSld>
+  <p:clrMapOvr>
+    <a:masterClrMapping/>
+  </p:clrMapOvr>
+</p:notes>
+</file>
+
+<file path=ppt/notesSlides/notesSlide14.xml><?xml version="1.0" encoding="utf-8"?>
+<p:notes xmlns:a="http://schemas.openxmlformats.org/drawingml/2006/main" xmlns:r="http://schemas.openxmlformats.org/officeDocument/2006/relationships" xmlns:p="http://schemas.openxmlformats.org/presentationml/2006/main">
+  <p:cSld>
+    <p:spTree>
+      <p:nvGrpSpPr>
+        <p:cNvPr id="1" name=""/>
+        <p:cNvGrpSpPr/>
+        <p:nvPr/>
+      </p:nvGrpSpPr>
+      <p:grpSpPr>
+        <a:xfrm>
+          <a:off x="0" y="0"/>
+          <a:ext cx="0" cy="0"/>
+          <a:chOff x="0" y="0"/>
+          <a:chExt cx="0" cy="0"/>
+        </a:xfrm>
+      </p:grpSpPr>
+      <p:sp>
+        <p:nvSpPr>
+          <p:cNvPr id="2" name="Espaço Reservado para Imagem de Slide 1"/>
+          <p:cNvSpPr>
+            <a:spLocks noGrp="1" noRot="1" noChangeAspect="1"/>
+          </p:cNvSpPr>
+          <p:nvPr>
+            <p:ph type="sldImg"/>
+          </p:nvPr>
+        </p:nvSpPr>
+        <p:spPr>
+          <a:xfrm>
+            <a:off x="381000" y="685800"/>
+            <a:ext cx="6096000" cy="3429000"/>
+          </a:xfrm>
+        </p:spPr>
+      </p:sp>
+      <p:sp>
+        <p:nvSpPr>
+          <p:cNvPr id="3" name="Espaço Reservado para Anotações 2"/>
+          <p:cNvSpPr>
+            <a:spLocks noGrp="1"/>
+          </p:cNvSpPr>
+          <p:nvPr>
+            <p:ph type="body" idx="1"/>
+          </p:nvPr>
+        </p:nvSpPr>
+        <p:spPr/>
+        <p:txBody>
+          <a:bodyPr/>
+          <a:lstStyle/>
+          <a:p>
+            <a:endParaRPr lang="pt-BR" dirty="0"/>
+          </a:p>
+        </p:txBody>
+      </p:sp>
+    </p:spTree>
+    <p:extLst>
+      <p:ext uri="{BB962C8B-B14F-4D97-AF65-F5344CB8AC3E}">
+        <p14:creationId xmlns:p14="http://schemas.microsoft.com/office/powerpoint/2010/main" val="3974207475"/>
+      </p:ext>
+    </p:extLst>
+  </p:cSld>
+  <p:clrMapOvr>
+    <a:masterClrMapping/>
+  </p:clrMapOvr>
+</p:notes>
+</file>
+
+<file path=ppt/notesSlides/notesSlide15.xml><?xml version="1.0" encoding="utf-8"?>
+<p:notes xmlns:a="http://schemas.openxmlformats.org/drawingml/2006/main" xmlns:r="http://schemas.openxmlformats.org/officeDocument/2006/relationships" xmlns:p="http://schemas.openxmlformats.org/presentationml/2006/main">
+  <p:cSld>
+    <p:spTree>
+      <p:nvGrpSpPr>
+        <p:cNvPr id="1" name=""/>
+        <p:cNvGrpSpPr/>
+        <p:nvPr/>
+      </p:nvGrpSpPr>
+      <p:grpSpPr>
+        <a:xfrm>
+          <a:off x="0" y="0"/>
+          <a:ext cx="0" cy="0"/>
+          <a:chOff x="0" y="0"/>
+          <a:chExt cx="0" cy="0"/>
+        </a:xfrm>
+      </p:grpSpPr>
+      <p:sp>
+        <p:nvSpPr>
+          <p:cNvPr id="2" name="Espaço Reservado para Imagem de Slide 1"/>
+          <p:cNvSpPr>
+            <a:spLocks noGrp="1" noRot="1" noChangeAspect="1"/>
+          </p:cNvSpPr>
+          <p:nvPr>
+            <p:ph type="sldImg"/>
+          </p:nvPr>
+        </p:nvSpPr>
+        <p:spPr>
+          <a:xfrm>
+            <a:off x="381000" y="685800"/>
+            <a:ext cx="6096000" cy="3429000"/>
+          </a:xfrm>
+        </p:spPr>
+      </p:sp>
+      <p:sp>
+        <p:nvSpPr>
+          <p:cNvPr id="3" name="Espaço Reservado para Anotações 2"/>
+          <p:cNvSpPr>
+            <a:spLocks noGrp="1"/>
+          </p:cNvSpPr>
+          <p:nvPr>
+            <p:ph type="body" idx="1"/>
+          </p:nvPr>
+        </p:nvSpPr>
+        <p:spPr/>
+        <p:txBody>
+          <a:bodyPr/>
+          <a:lstStyle/>
+          <a:p>
+            <a:endParaRPr lang="pt-BR" dirty="0"/>
+          </a:p>
+        </p:txBody>
+      </p:sp>
+    </p:spTree>
+    <p:extLst>
+      <p:ext uri="{BB962C8B-B14F-4D97-AF65-F5344CB8AC3E}">
+        <p14:creationId xmlns:p14="http://schemas.microsoft.com/office/powerpoint/2010/main" val="4248038200"/>
+      </p:ext>
+    </p:extLst>
+  </p:cSld>
+  <p:clrMapOvr>
+    <a:masterClrMapping/>
+  </p:clrMapOvr>
+</p:notes>
+</file>
+
+<file path=ppt/notesSlides/notesSlide16.xml><?xml version="1.0" encoding="utf-8"?>
+<p:notes xmlns:a="http://schemas.openxmlformats.org/drawingml/2006/main" xmlns:r="http://schemas.openxmlformats.org/officeDocument/2006/relationships" xmlns:p="http://schemas.openxmlformats.org/presentationml/2006/main">
+  <p:cSld>
+    <p:spTree>
+      <p:nvGrpSpPr>
+        <p:cNvPr id="1" name=""/>
+        <p:cNvGrpSpPr/>
+        <p:nvPr/>
+      </p:nvGrpSpPr>
+      <p:grpSpPr>
+        <a:xfrm>
+          <a:off x="0" y="0"/>
+          <a:ext cx="0" cy="0"/>
+          <a:chOff x="0" y="0"/>
+          <a:chExt cx="0" cy="0"/>
+        </a:xfrm>
+      </p:grpSpPr>
+      <p:sp>
+        <p:nvSpPr>
+          <p:cNvPr id="2" name="Espaço Reservado para Imagem de Slide 1"/>
+          <p:cNvSpPr>
+            <a:spLocks noGrp="1" noRot="1" noChangeAspect="1"/>
+          </p:cNvSpPr>
+          <p:nvPr>
+            <p:ph type="sldImg"/>
+          </p:nvPr>
+        </p:nvSpPr>
+        <p:spPr>
+          <a:xfrm>
+            <a:off x="381000" y="685800"/>
+            <a:ext cx="6096000" cy="3429000"/>
+          </a:xfrm>
+        </p:spPr>
+      </p:sp>
+      <p:sp>
+        <p:nvSpPr>
+          <p:cNvPr id="3" name="Espaço Reservado para Anotações 2"/>
+          <p:cNvSpPr>
+            <a:spLocks noGrp="1"/>
+          </p:cNvSpPr>
+          <p:nvPr>
+            <p:ph type="body" idx="1"/>
+          </p:nvPr>
+        </p:nvSpPr>
+        <p:spPr/>
+        <p:txBody>
+          <a:bodyPr/>
+          <a:lstStyle/>
+          <a:p>
+            <a:endParaRPr lang="pt-BR" dirty="0"/>
+          </a:p>
+        </p:txBody>
+      </p:sp>
+    </p:spTree>
+    <p:extLst>
+      <p:ext uri="{BB962C8B-B14F-4D97-AF65-F5344CB8AC3E}">
+        <p14:creationId xmlns:p14="http://schemas.microsoft.com/office/powerpoint/2010/main" val="3024929233"/>
+      </p:ext>
+    </p:extLst>
+  </p:cSld>
+  <p:clrMapOvr>
+    <a:masterClrMapping/>
+  </p:clrMapOvr>
+</p:notes>
+</file>
+
+<file path=ppt/notesSlides/notesSlide17.xml><?xml version="1.0" encoding="utf-8"?>
+<p:notes xmlns:a="http://schemas.openxmlformats.org/drawingml/2006/main" xmlns:r="http://schemas.openxmlformats.org/officeDocument/2006/relationships" xmlns:p="http://schemas.openxmlformats.org/presentationml/2006/main">
+  <p:cSld>
+    <p:spTree>
+      <p:nvGrpSpPr>
+        <p:cNvPr id="1" name=""/>
+        <p:cNvGrpSpPr/>
+        <p:nvPr/>
+      </p:nvGrpSpPr>
+      <p:grpSpPr>
+        <a:xfrm>
+          <a:off x="0" y="0"/>
+          <a:ext cx="0" cy="0"/>
+          <a:chOff x="0" y="0"/>
+          <a:chExt cx="0" cy="0"/>
+        </a:xfrm>
+      </p:grpSpPr>
+      <p:sp>
+        <p:nvSpPr>
+          <p:cNvPr id="2" name="Espaço Reservado para Imagem de Slide 1"/>
+          <p:cNvSpPr>
+            <a:spLocks noGrp="1" noRot="1" noChangeAspect="1"/>
+          </p:cNvSpPr>
+          <p:nvPr>
+            <p:ph type="sldImg"/>
+          </p:nvPr>
+        </p:nvSpPr>
+        <p:spPr>
+          <a:xfrm>
+            <a:off x="381000" y="685800"/>
+            <a:ext cx="6096000" cy="3429000"/>
+          </a:xfrm>
+        </p:spPr>
+      </p:sp>
+      <p:sp>
+        <p:nvSpPr>
+          <p:cNvPr id="3" name="Espaço Reservado para Anotações 2"/>
+          <p:cNvSpPr>
+            <a:spLocks noGrp="1"/>
+          </p:cNvSpPr>
+          <p:nvPr>
+            <p:ph type="body" idx="1"/>
+          </p:nvPr>
+        </p:nvSpPr>
+        <p:spPr/>
+        <p:txBody>
+          <a:bodyPr/>
+          <a:lstStyle/>
+          <a:p>
+            <a:endParaRPr lang="pt-BR" dirty="0"/>
+          </a:p>
+        </p:txBody>
+      </p:sp>
+    </p:spTree>
+    <p:extLst>
+      <p:ext uri="{BB962C8B-B14F-4D97-AF65-F5344CB8AC3E}">
+        <p14:creationId xmlns:p14="http://schemas.microsoft.com/office/powerpoint/2010/main" val="3843399960"/>
+      </p:ext>
+    </p:extLst>
+  </p:cSld>
+  <p:clrMapOvr>
+    <a:masterClrMapping/>
+  </p:clrMapOvr>
+</p:notes>
+</file>
+
 <file path=ppt/notesSlides/notesSlide2.xml><?xml version="1.0" encoding="utf-8"?>
 <p:notes xmlns:a="http://schemas.openxmlformats.org/drawingml/2006/main" xmlns:r="http://schemas.openxmlformats.org/officeDocument/2006/relationships" xmlns:p="http://schemas.openxmlformats.org/presentationml/2006/main">
   <p:cSld>
@@ -695,7 +1231,7 @@
     </p:spTree>
     <p:extLst>
       <p:ext uri="{BB962C8B-B14F-4D97-AF65-F5344CB8AC3E}">
-        <p14:creationId xmlns:p14="http://schemas.microsoft.com/office/powerpoint/2010/main" val="3369873164"/>
+        <p14:creationId xmlns:p14="http://schemas.microsoft.com/office/powerpoint/2010/main" val="1750304638"/>
       </p:ext>
     </p:extLst>
   </p:cSld>
@@ -761,7 +1297,7 @@
     </p:spTree>
     <p:extLst>
       <p:ext uri="{BB962C8B-B14F-4D97-AF65-F5344CB8AC3E}">
-        <p14:creationId xmlns:p14="http://schemas.microsoft.com/office/powerpoint/2010/main" val="940003229"/>
+        <p14:creationId xmlns:p14="http://schemas.microsoft.com/office/powerpoint/2010/main" val="1949532150"/>
       </p:ext>
     </p:extLst>
   </p:cSld>
@@ -827,7 +1363,7 @@
     </p:spTree>
     <p:extLst>
       <p:ext uri="{BB962C8B-B14F-4D97-AF65-F5344CB8AC3E}">
-        <p14:creationId xmlns:p14="http://schemas.microsoft.com/office/powerpoint/2010/main" val="2690279454"/>
+        <p14:creationId xmlns:p14="http://schemas.microsoft.com/office/powerpoint/2010/main" val="3369873164"/>
       </p:ext>
     </p:extLst>
   </p:cSld>
@@ -893,7 +1429,7 @@
     </p:spTree>
     <p:extLst>
       <p:ext uri="{BB962C8B-B14F-4D97-AF65-F5344CB8AC3E}">
-        <p14:creationId xmlns:p14="http://schemas.microsoft.com/office/powerpoint/2010/main" val="371893395"/>
+        <p14:creationId xmlns:p14="http://schemas.microsoft.com/office/powerpoint/2010/main" val="940003229"/>
       </p:ext>
     </p:extLst>
   </p:cSld>
@@ -959,7 +1495,7 @@
     </p:spTree>
     <p:extLst>
       <p:ext uri="{BB962C8B-B14F-4D97-AF65-F5344CB8AC3E}">
-        <p14:creationId xmlns:p14="http://schemas.microsoft.com/office/powerpoint/2010/main" val="2567907220"/>
+        <p14:creationId xmlns:p14="http://schemas.microsoft.com/office/powerpoint/2010/main" val="397458219"/>
       </p:ext>
     </p:extLst>
   </p:cSld>
@@ -1025,7 +1561,73 @@
     </p:spTree>
     <p:extLst>
       <p:ext uri="{BB962C8B-B14F-4D97-AF65-F5344CB8AC3E}">
-        <p14:creationId xmlns:p14="http://schemas.microsoft.com/office/powerpoint/2010/main" val="4248038200"/>
+        <p14:creationId xmlns:p14="http://schemas.microsoft.com/office/powerpoint/2010/main" val="2915249904"/>
+      </p:ext>
+    </p:extLst>
+  </p:cSld>
+  <p:clrMapOvr>
+    <a:masterClrMapping/>
+  </p:clrMapOvr>
+</p:notes>
+</file>
+
+<file path=ppt/notesSlides/notesSlide9.xml><?xml version="1.0" encoding="utf-8"?>
+<p:notes xmlns:a="http://schemas.openxmlformats.org/drawingml/2006/main" xmlns:r="http://schemas.openxmlformats.org/officeDocument/2006/relationships" xmlns:p="http://schemas.openxmlformats.org/presentationml/2006/main">
+  <p:cSld>
+    <p:spTree>
+      <p:nvGrpSpPr>
+        <p:cNvPr id="1" name=""/>
+        <p:cNvGrpSpPr/>
+        <p:nvPr/>
+      </p:nvGrpSpPr>
+      <p:grpSpPr>
+        <a:xfrm>
+          <a:off x="0" y="0"/>
+          <a:ext cx="0" cy="0"/>
+          <a:chOff x="0" y="0"/>
+          <a:chExt cx="0" cy="0"/>
+        </a:xfrm>
+      </p:grpSpPr>
+      <p:sp>
+        <p:nvSpPr>
+          <p:cNvPr id="2" name="Espaço Reservado para Imagem de Slide 1"/>
+          <p:cNvSpPr>
+            <a:spLocks noGrp="1" noRot="1" noChangeAspect="1"/>
+          </p:cNvSpPr>
+          <p:nvPr>
+            <p:ph type="sldImg"/>
+          </p:nvPr>
+        </p:nvSpPr>
+        <p:spPr>
+          <a:xfrm>
+            <a:off x="381000" y="685800"/>
+            <a:ext cx="6096000" cy="3429000"/>
+          </a:xfrm>
+        </p:spPr>
+      </p:sp>
+      <p:sp>
+        <p:nvSpPr>
+          <p:cNvPr id="3" name="Espaço Reservado para Anotações 2"/>
+          <p:cNvSpPr>
+            <a:spLocks noGrp="1"/>
+          </p:cNvSpPr>
+          <p:nvPr>
+            <p:ph type="body" idx="1"/>
+          </p:nvPr>
+        </p:nvSpPr>
+        <p:spPr/>
+        <p:txBody>
+          <a:bodyPr/>
+          <a:lstStyle/>
+          <a:p>
+            <a:endParaRPr lang="pt-BR" dirty="0"/>
+          </a:p>
+        </p:txBody>
+      </p:sp>
+    </p:spTree>
+    <p:extLst>
+      <p:ext uri="{BB962C8B-B14F-4D97-AF65-F5344CB8AC3E}">
+        <p14:creationId xmlns:p14="http://schemas.microsoft.com/office/powerpoint/2010/main" val="2536180398"/>
       </p:ext>
     </p:extLst>
   </p:cSld>
@@ -4496,388 +5098,6 @@
       </p:grpSpPr>
       <p:sp>
         <p:nvSpPr>
-          <p:cNvPr id="6" name="Espaço Reservado para Número de Slide 5">
-            <a:extLst>
-              <a:ext uri="{FF2B5EF4-FFF2-40B4-BE49-F238E27FC236}">
-                <a16:creationId xmlns:a16="http://schemas.microsoft.com/office/drawing/2014/main" id="{391249D3-C59D-41E6-AF88-D8DF193EA7EB}"/>
-              </a:ext>
-            </a:extLst>
-          </p:cNvPr>
-          <p:cNvSpPr>
-            <a:spLocks noGrp="1"/>
-          </p:cNvSpPr>
-          <p:nvPr>
-            <p:ph type="sldNum" sz="quarter" idx="12"/>
-          </p:nvPr>
-        </p:nvSpPr>
-        <p:spPr>
-          <a:xfrm>
-            <a:off x="8424556" y="4765688"/>
-            <a:ext cx="262247" cy="276995"/>
-          </a:xfrm>
-        </p:spPr>
-        <p:txBody>
-          <a:bodyPr/>
-          <a:lstStyle/>
-          <a:p>
-            <a:fld id="{E50FAC2A-6E90-4BEA-B3BF-15B8E63C5B7E}" type="slidenum">
-              <a:rPr lang="pt-BR" smtClean="0"/>
-              <a:pPr/>
-              <a:t>10</a:t>
-            </a:fld>
-            <a:endParaRPr lang="pt-BR"/>
-          </a:p>
-        </p:txBody>
-      </p:sp>
-      <p:pic>
-        <p:nvPicPr>
-          <p:cNvPr id="12" name="Imagem 11">
-            <a:extLst>
-              <a:ext uri="{FF2B5EF4-FFF2-40B4-BE49-F238E27FC236}">
-                <a16:creationId xmlns:a16="http://schemas.microsoft.com/office/drawing/2014/main" id="{307DB86B-02F5-765F-6C40-9BE4F9FD2FF2}"/>
-              </a:ext>
-            </a:extLst>
-          </p:cNvPr>
-          <p:cNvPicPr>
-            <a:picLocks noChangeAspect="1"/>
-          </p:cNvPicPr>
-          <p:nvPr/>
-        </p:nvPicPr>
-        <p:blipFill rotWithShape="1">
-          <a:blip r:embed="rId2"/>
-          <a:srcRect b="1141"/>
-          <a:stretch/>
-        </p:blipFill>
-        <p:spPr>
-          <a:xfrm>
-            <a:off x="79512" y="1"/>
-            <a:ext cx="8706678" cy="4750904"/>
-          </a:xfrm>
-          <a:prstGeom prst="rect">
-            <a:avLst/>
-          </a:prstGeom>
-        </p:spPr>
-      </p:pic>
-    </p:spTree>
-    <p:extLst>
-      <p:ext uri="{BB962C8B-B14F-4D97-AF65-F5344CB8AC3E}">
-        <p14:creationId xmlns:p14="http://schemas.microsoft.com/office/powerpoint/2010/main" val="2053586027"/>
-      </p:ext>
-    </p:extLst>
-  </p:cSld>
-  <p:clrMapOvr>
-    <a:masterClrMapping/>
-  </p:clrMapOvr>
-</p:sld>
-</file>
-
-<file path=ppt/slides/slide11.xml><?xml version="1.0" encoding="utf-8"?>
-<p:sld xmlns:a="http://schemas.openxmlformats.org/drawingml/2006/main" xmlns:r="http://schemas.openxmlformats.org/officeDocument/2006/relationships" xmlns:p="http://schemas.openxmlformats.org/presentationml/2006/main">
-  <p:cSld>
-    <p:spTree>
-      <p:nvGrpSpPr>
-        <p:cNvPr id="1" name=""/>
-        <p:cNvGrpSpPr/>
-        <p:nvPr/>
-      </p:nvGrpSpPr>
-      <p:grpSpPr>
-        <a:xfrm>
-          <a:off x="0" y="0"/>
-          <a:ext cx="0" cy="0"/>
-          <a:chOff x="0" y="0"/>
-          <a:chExt cx="0" cy="0"/>
-        </a:xfrm>
-      </p:grpSpPr>
-      <p:sp>
-        <p:nvSpPr>
-          <p:cNvPr id="2" name="Título 1">
-            <a:extLst>
-              <a:ext uri="{FF2B5EF4-FFF2-40B4-BE49-F238E27FC236}">
-                <a16:creationId xmlns:a16="http://schemas.microsoft.com/office/drawing/2014/main" id="{BE70F8CA-DC02-4D15-8261-E003DFCF721F}"/>
-              </a:ext>
-            </a:extLst>
-          </p:cNvPr>
-          <p:cNvSpPr>
-            <a:spLocks noGrp="1"/>
-          </p:cNvSpPr>
-          <p:nvPr>
-            <p:ph type="title"/>
-          </p:nvPr>
-        </p:nvSpPr>
-        <p:spPr>
-          <a:xfrm>
-            <a:off x="822960" y="214953"/>
-            <a:ext cx="7543800" cy="1088068"/>
-          </a:xfrm>
-        </p:spPr>
-        <p:txBody>
-          <a:bodyPr>
-            <a:normAutofit/>
-          </a:bodyPr>
-          <a:lstStyle/>
-          <a:p>
-            <a:pPr defTabSz="336947">
-              <a:defRPr/>
-            </a:pPr>
-            <a:r>
-              <a:rPr lang="en-US" sz="4400" b="1" dirty="0" err="1">
-                <a:solidFill>
-                  <a:srgbClr val="0070C0"/>
-                </a:solidFill>
-              </a:rPr>
-              <a:t>Datas</a:t>
-            </a:r>
-            <a:r>
-              <a:rPr lang="en-US" sz="4400" b="1" dirty="0">
-                <a:solidFill>
-                  <a:srgbClr val="0070C0"/>
-                </a:solidFill>
-              </a:rPr>
-              <a:t> </a:t>
-            </a:r>
-            <a:r>
-              <a:rPr lang="en-US" sz="4400" b="1" dirty="0" err="1">
-                <a:solidFill>
-                  <a:srgbClr val="0070C0"/>
-                </a:solidFill>
-              </a:rPr>
-              <a:t>Avaliativas</a:t>
-            </a:r>
-            <a:r>
-              <a:rPr lang="en-US" sz="4400" b="1" dirty="0">
-                <a:solidFill>
-                  <a:srgbClr val="0070C0"/>
-                </a:solidFill>
-              </a:rPr>
-              <a:t> 2024.1</a:t>
-            </a:r>
-            <a:endParaRPr lang="en-US" sz="2400" dirty="0">
-              <a:latin typeface="Calibri"/>
-              <a:cs typeface="Calibri"/>
-            </a:endParaRPr>
-          </a:p>
-        </p:txBody>
-      </p:sp>
-      <p:sp>
-        <p:nvSpPr>
-          <p:cNvPr id="3" name="Espaço Reservado para Conteúdo 2">
-            <a:extLst>
-              <a:ext uri="{FF2B5EF4-FFF2-40B4-BE49-F238E27FC236}">
-                <a16:creationId xmlns:a16="http://schemas.microsoft.com/office/drawing/2014/main" id="{9E0854B4-920E-4A2E-8691-75CA4973B341}"/>
-              </a:ext>
-            </a:extLst>
-          </p:cNvPr>
-          <p:cNvSpPr>
-            <a:spLocks noGrp="1"/>
-          </p:cNvSpPr>
-          <p:nvPr>
-            <p:ph idx="1"/>
-          </p:nvPr>
-        </p:nvSpPr>
-        <p:spPr/>
-        <p:txBody>
-          <a:bodyPr>
-            <a:normAutofit/>
-          </a:bodyPr>
-          <a:lstStyle/>
-          <a:p>
-            <a:r>
-              <a:rPr lang="pt-BR" sz="2000" b="1" dirty="0">
-                <a:solidFill>
-                  <a:schemeClr val="tx1"/>
-                </a:solidFill>
-                <a:latin typeface="Times New Roman" panose="02020603050405020304" pitchFamily="18" charset="0"/>
-                <a:cs typeface="Times New Roman" panose="02020603050405020304" pitchFamily="18" charset="0"/>
-              </a:rPr>
-              <a:t>Avaliando o Aprendizado 1 (Presencial):</a:t>
-            </a:r>
-            <a:r>
-              <a:rPr lang="pt-BR" sz="2000" dirty="0">
-                <a:solidFill>
-                  <a:schemeClr val="tx1"/>
-                </a:solidFill>
-                <a:latin typeface="Times New Roman" panose="02020603050405020304" pitchFamily="18" charset="0"/>
-                <a:cs typeface="Times New Roman" panose="02020603050405020304" pitchFamily="18" charset="0"/>
-              </a:rPr>
-              <a:t> </a:t>
-            </a:r>
-          </a:p>
-          <a:p>
-            <a:endParaRPr lang="pt-BR" sz="2000" b="1" dirty="0">
-              <a:solidFill>
-                <a:schemeClr val="tx1"/>
-              </a:solidFill>
-              <a:latin typeface="Times New Roman" panose="02020603050405020304" pitchFamily="18" charset="0"/>
-              <a:cs typeface="Times New Roman" panose="02020603050405020304" pitchFamily="18" charset="0"/>
-            </a:endParaRPr>
-          </a:p>
-          <a:p>
-            <a:r>
-              <a:rPr lang="pt-BR" sz="2000" b="1" dirty="0">
-                <a:solidFill>
-                  <a:schemeClr val="tx1"/>
-                </a:solidFill>
-                <a:latin typeface="Times New Roman" panose="02020603050405020304" pitchFamily="18" charset="0"/>
-                <a:cs typeface="Times New Roman" panose="02020603050405020304" pitchFamily="18" charset="0"/>
-              </a:rPr>
-              <a:t>Avaliando o Aprendizado 2 (Online):</a:t>
-            </a:r>
-            <a:r>
-              <a:rPr lang="pt-BR" sz="2000" dirty="0">
-                <a:solidFill>
-                  <a:schemeClr val="tx1"/>
-                </a:solidFill>
-                <a:latin typeface="Times New Roman" panose="02020603050405020304" pitchFamily="18" charset="0"/>
-                <a:cs typeface="Times New Roman" panose="02020603050405020304" pitchFamily="18" charset="0"/>
-              </a:rPr>
-              <a:t> </a:t>
-            </a:r>
-            <a:endParaRPr lang="pt-BR" sz="2000" b="1" dirty="0">
-              <a:solidFill>
-                <a:srgbClr val="FF0000"/>
-              </a:solidFill>
-              <a:latin typeface="Times New Roman" panose="02020603050405020304" pitchFamily="18" charset="0"/>
-              <a:cs typeface="Times New Roman" panose="02020603050405020304" pitchFamily="18" charset="0"/>
-            </a:endParaRPr>
-          </a:p>
-          <a:p>
-            <a:endParaRPr lang="pt-BR" sz="2000" b="1" dirty="0">
-              <a:solidFill>
-                <a:schemeClr val="tx1"/>
-              </a:solidFill>
-              <a:latin typeface="Times New Roman" panose="02020603050405020304" pitchFamily="18" charset="0"/>
-              <a:cs typeface="Times New Roman" panose="02020603050405020304" pitchFamily="18" charset="0"/>
-            </a:endParaRPr>
-          </a:p>
-          <a:p>
-            <a:r>
-              <a:rPr lang="pt-BR" sz="2000" b="1" dirty="0">
-                <a:solidFill>
-                  <a:schemeClr val="tx1"/>
-                </a:solidFill>
-                <a:latin typeface="Times New Roman" panose="02020603050405020304" pitchFamily="18" charset="0"/>
-                <a:cs typeface="Times New Roman" panose="02020603050405020304" pitchFamily="18" charset="0"/>
-              </a:rPr>
-              <a:t>AV (Presencial):</a:t>
-            </a:r>
-            <a:r>
-              <a:rPr lang="pt-BR" sz="2000" dirty="0">
-                <a:solidFill>
-                  <a:schemeClr val="tx1"/>
-                </a:solidFill>
-                <a:latin typeface="Times New Roman" panose="02020603050405020304" pitchFamily="18" charset="0"/>
-                <a:cs typeface="Times New Roman" panose="02020603050405020304" pitchFamily="18" charset="0"/>
-              </a:rPr>
-              <a:t> </a:t>
-            </a:r>
-          </a:p>
-          <a:p>
-            <a:endParaRPr lang="pt-BR" sz="2000" b="1" dirty="0">
-              <a:solidFill>
-                <a:srgbClr val="002060"/>
-              </a:solidFill>
-              <a:latin typeface="Times New Roman" panose="02020603050405020304" pitchFamily="18" charset="0"/>
-              <a:cs typeface="Times New Roman" panose="02020603050405020304" pitchFamily="18" charset="0"/>
-            </a:endParaRPr>
-          </a:p>
-          <a:p>
-            <a:r>
-              <a:rPr lang="pt-BR" sz="2000" b="1" dirty="0">
-                <a:solidFill>
-                  <a:srgbClr val="002060"/>
-                </a:solidFill>
-                <a:latin typeface="Times New Roman" panose="02020603050405020304" pitchFamily="18" charset="0"/>
-                <a:cs typeface="Times New Roman" panose="02020603050405020304" pitchFamily="18" charset="0"/>
-              </a:rPr>
-              <a:t>FIM DO SEMESTRE LETIVO:</a:t>
-            </a:r>
-            <a:r>
-              <a:rPr lang="pt-BR" sz="2000" dirty="0">
-                <a:solidFill>
-                  <a:schemeClr val="tx1"/>
-                </a:solidFill>
-                <a:latin typeface="Times New Roman" panose="02020603050405020304" pitchFamily="18" charset="0"/>
-                <a:cs typeface="Times New Roman" panose="02020603050405020304" pitchFamily="18" charset="0"/>
-              </a:rPr>
-              <a:t> </a:t>
-            </a:r>
-            <a:endParaRPr lang="pt-BR" sz="2000" b="1" dirty="0">
-              <a:solidFill>
-                <a:srgbClr val="FF0000"/>
-              </a:solidFill>
-              <a:latin typeface="Times New Roman" panose="02020603050405020304" pitchFamily="18" charset="0"/>
-              <a:cs typeface="Times New Roman" panose="02020603050405020304" pitchFamily="18" charset="0"/>
-            </a:endParaRPr>
-          </a:p>
-        </p:txBody>
-      </p:sp>
-      <p:sp>
-        <p:nvSpPr>
-          <p:cNvPr id="6" name="Espaço Reservado para Número de Slide 5">
-            <a:extLst>
-              <a:ext uri="{FF2B5EF4-FFF2-40B4-BE49-F238E27FC236}">
-                <a16:creationId xmlns:a16="http://schemas.microsoft.com/office/drawing/2014/main" id="{391249D3-C59D-41E6-AF88-D8DF193EA7EB}"/>
-              </a:ext>
-            </a:extLst>
-          </p:cNvPr>
-          <p:cNvSpPr>
-            <a:spLocks noGrp="1"/>
-          </p:cNvSpPr>
-          <p:nvPr>
-            <p:ph type="sldNum" sz="quarter" idx="12"/>
-          </p:nvPr>
-        </p:nvSpPr>
-        <p:spPr>
-          <a:xfrm>
-            <a:off x="8424556" y="4765688"/>
-            <a:ext cx="262247" cy="276995"/>
-          </a:xfrm>
-        </p:spPr>
-        <p:txBody>
-          <a:bodyPr/>
-          <a:lstStyle/>
-          <a:p>
-            <a:fld id="{E50FAC2A-6E90-4BEA-B3BF-15B8E63C5B7E}" type="slidenum">
-              <a:rPr lang="pt-BR" smtClean="0"/>
-              <a:pPr/>
-              <a:t>11</a:t>
-            </a:fld>
-            <a:endParaRPr lang="pt-BR"/>
-          </a:p>
-        </p:txBody>
-      </p:sp>
-    </p:spTree>
-    <p:extLst>
-      <p:ext uri="{BB962C8B-B14F-4D97-AF65-F5344CB8AC3E}">
-        <p14:creationId xmlns:p14="http://schemas.microsoft.com/office/powerpoint/2010/main" val="2726569474"/>
-      </p:ext>
-    </p:extLst>
-  </p:cSld>
-  <p:clrMapOvr>
-    <a:masterClrMapping/>
-  </p:clrMapOvr>
-</p:sld>
-</file>
-
-<file path=ppt/slides/slide12.xml><?xml version="1.0" encoding="utf-8"?>
-<p:sld xmlns:a="http://schemas.openxmlformats.org/drawingml/2006/main" xmlns:r="http://schemas.openxmlformats.org/officeDocument/2006/relationships" xmlns:p="http://schemas.openxmlformats.org/presentationml/2006/main">
-  <p:cSld>
-    <p:spTree>
-      <p:nvGrpSpPr>
-        <p:cNvPr id="1" name=""/>
-        <p:cNvGrpSpPr/>
-        <p:nvPr/>
-      </p:nvGrpSpPr>
-      <p:grpSpPr>
-        <a:xfrm>
-          <a:off x="0" y="0"/>
-          <a:ext cx="0" cy="0"/>
-          <a:chOff x="0" y="0"/>
-          <a:chExt cx="0" cy="0"/>
-        </a:xfrm>
-      </p:grpSpPr>
-      <p:sp>
-        <p:nvSpPr>
           <p:cNvPr id="6" name="Title 1"/>
           <p:cNvSpPr>
             <a:spLocks noGrp="1"/>
@@ -4902,7 +5122,7 @@
                   <a:srgbClr val="0070C0"/>
                 </a:solidFill>
               </a:rPr>
-              <a:t>Referências</a:t>
+              <a:t>Unidades</a:t>
             </a:r>
             <a:r>
               <a:rPr lang="en-US" b="1" dirty="0">
@@ -4910,7 +5130,7 @@
                   <a:srgbClr val="0070C0"/>
                 </a:solidFill>
               </a:rPr>
-              <a:t> </a:t>
+              <a:t>/</a:t>
             </a:r>
             <a:r>
               <a:rPr lang="en-US" b="1" dirty="0" err="1">
@@ -4918,7 +5138,7 @@
                   <a:srgbClr val="0070C0"/>
                 </a:solidFill>
               </a:rPr>
-              <a:t>Bibliográficas</a:t>
+              <a:t>Conteúdos</a:t>
             </a:r>
             <a:endParaRPr lang="en-US" b="1" dirty="0">
               <a:solidFill>
@@ -4940,7 +5160,7 @@
         </p:nvSpPr>
         <p:spPr>
           <a:xfrm>
-            <a:off x="142865" y="1116712"/>
+            <a:off x="142865" y="1104186"/>
             <a:ext cx="8865056" cy="3833334"/>
           </a:xfrm>
         </p:spPr>
@@ -4950,23 +5170,35 @@
           </a:bodyPr>
           <a:lstStyle/>
           <a:p>
-            <a:pPr algn="just" eaLnBrk="0" hangingPunct="0"/>
-            <a:r>
-              <a:rPr lang="pt-BR" sz="1800" b="1" u="sng" dirty="0">
+            <a:pPr marL="457200" indent="-457200" algn="just" eaLnBrk="0" hangingPunct="0">
+              <a:buAutoNum type="arabicPeriod" startAt="3"/>
+            </a:pPr>
+            <a:r>
+              <a:rPr lang="pt-BR" sz="2200" dirty="0" err="1">
                 <a:solidFill>
                   <a:schemeClr val="tx1"/>
                 </a:solidFill>
                 <a:latin typeface="Times New Roman" panose="02020603050405020304" pitchFamily="18" charset="0"/>
                 <a:cs typeface="Times New Roman" panose="02020603050405020304" pitchFamily="18" charset="0"/>
               </a:rPr>
-              <a:t>BÁSICA</a:t>
-            </a:r>
-          </a:p>
-          <a:p>
-            <a:pPr marL="0" indent="0" algn="just" eaLnBrk="0" hangingPunct="0">
-              <a:buNone/>
+              <a:t>Principios</a:t>
+            </a:r>
+            <a:r>
+              <a:rPr lang="pt-BR" sz="2200" dirty="0">
+                <a:solidFill>
+                  <a:schemeClr val="tx1"/>
+                </a:solidFill>
+                <a:latin typeface="Times New Roman" panose="02020603050405020304" pitchFamily="18" charset="0"/>
+                <a:cs typeface="Times New Roman" panose="02020603050405020304" pitchFamily="18" charset="0"/>
+              </a:rPr>
+              <a:t> De Desenvolvimento De Spark Com Python</a:t>
+            </a:r>
+          </a:p>
+          <a:p>
+            <a:pPr marL="457200" indent="-457200" algn="just" eaLnBrk="0" hangingPunct="0">
+              <a:buAutoNum type="arabicPeriod" startAt="3"/>
             </a:pPr>
-            <a:endParaRPr lang="pt-BR" sz="1600" dirty="0">
+            <a:endParaRPr lang="pt-BR" sz="2200" dirty="0">
               <a:solidFill>
                 <a:schemeClr val="tx1"/>
               </a:solidFill>
@@ -4979,15 +5211,167 @@
               <a:buNone/>
             </a:pPr>
             <a:r>
-              <a:rPr lang="pt-BR" sz="1600" dirty="0">
+              <a:rPr lang="pt-BR" sz="2200" dirty="0">
                 <a:solidFill>
                   <a:schemeClr val="tx1"/>
                 </a:solidFill>
                 <a:latin typeface="Times New Roman" panose="02020603050405020304" pitchFamily="18" charset="0"/>
                 <a:cs typeface="Times New Roman" panose="02020603050405020304" pitchFamily="18" charset="0"/>
               </a:rPr>
-              <a:t>	</a:t>
-            </a:r>
+              <a:t>3.1 Introdução Ao Spark</a:t>
+            </a:r>
+          </a:p>
+          <a:p>
+            <a:pPr marL="0" indent="0" algn="just" eaLnBrk="0" hangingPunct="0">
+              <a:buNone/>
+            </a:pPr>
+            <a:endParaRPr lang="pt-BR" sz="2200" dirty="0">
+              <a:solidFill>
+                <a:schemeClr val="tx1"/>
+              </a:solidFill>
+              <a:latin typeface="Times New Roman" panose="02020603050405020304" pitchFamily="18" charset="0"/>
+              <a:cs typeface="Times New Roman" panose="02020603050405020304" pitchFamily="18" charset="0"/>
+            </a:endParaRPr>
+          </a:p>
+          <a:p>
+            <a:pPr marL="0" indent="0" algn="just" eaLnBrk="0" hangingPunct="0">
+              <a:buNone/>
+            </a:pPr>
+            <a:r>
+              <a:rPr lang="pt-BR" sz="2200" dirty="0">
+                <a:solidFill>
+                  <a:schemeClr val="tx1"/>
+                </a:solidFill>
+                <a:latin typeface="Times New Roman" panose="02020603050405020304" pitchFamily="18" charset="0"/>
+                <a:cs typeface="Times New Roman" panose="02020603050405020304" pitchFamily="18" charset="0"/>
+              </a:rPr>
+              <a:t>3.2 Utilizando </a:t>
+            </a:r>
+            <a:r>
+              <a:rPr lang="pt-BR" sz="2200" dirty="0" err="1">
+                <a:solidFill>
+                  <a:schemeClr val="tx1"/>
+                </a:solidFill>
+                <a:latin typeface="Times New Roman" panose="02020603050405020304" pitchFamily="18" charset="0"/>
+                <a:cs typeface="Times New Roman" panose="02020603050405020304" pitchFamily="18" charset="0"/>
+              </a:rPr>
+              <a:t>Pyspark</a:t>
+            </a:r>
+            <a:endParaRPr lang="pt-BR" sz="2200" dirty="0">
+              <a:solidFill>
+                <a:schemeClr val="tx1"/>
+              </a:solidFill>
+              <a:latin typeface="Times New Roman" panose="02020603050405020304" pitchFamily="18" charset="0"/>
+              <a:cs typeface="Times New Roman" panose="02020603050405020304" pitchFamily="18" charset="0"/>
+            </a:endParaRPr>
+          </a:p>
+          <a:p>
+            <a:pPr marL="0" indent="0" algn="just" eaLnBrk="0" hangingPunct="0">
+              <a:buNone/>
+            </a:pPr>
+            <a:endParaRPr lang="pt-BR" sz="2200" dirty="0">
+              <a:solidFill>
+                <a:schemeClr val="tx1"/>
+              </a:solidFill>
+              <a:latin typeface="Times New Roman" panose="02020603050405020304" pitchFamily="18" charset="0"/>
+              <a:cs typeface="Times New Roman" panose="02020603050405020304" pitchFamily="18" charset="0"/>
+            </a:endParaRPr>
+          </a:p>
+          <a:p>
+            <a:pPr marL="0" indent="0" algn="just" eaLnBrk="0" hangingPunct="0">
+              <a:buNone/>
+            </a:pPr>
+            <a:r>
+              <a:rPr lang="pt-BR" sz="2200" dirty="0">
+                <a:solidFill>
+                  <a:schemeClr val="tx1"/>
+                </a:solidFill>
+                <a:latin typeface="Times New Roman" panose="02020603050405020304" pitchFamily="18" charset="0"/>
+                <a:cs typeface="Times New Roman" panose="02020603050405020304" pitchFamily="18" charset="0"/>
+              </a:rPr>
+              <a:t>3.3 Operações De </a:t>
+            </a:r>
+            <a:r>
+              <a:rPr lang="pt-BR" sz="2200" dirty="0" err="1">
+                <a:solidFill>
+                  <a:schemeClr val="tx1"/>
+                </a:solidFill>
+                <a:latin typeface="Times New Roman" panose="02020603050405020304" pitchFamily="18" charset="0"/>
+                <a:cs typeface="Times New Roman" panose="02020603050405020304" pitchFamily="18" charset="0"/>
+              </a:rPr>
+              <a:t>Mapreduce</a:t>
+            </a:r>
+            <a:r>
+              <a:rPr lang="pt-BR" sz="2200" dirty="0">
+                <a:solidFill>
+                  <a:schemeClr val="tx1"/>
+                </a:solidFill>
+                <a:latin typeface="Times New Roman" panose="02020603050405020304" pitchFamily="18" charset="0"/>
+                <a:cs typeface="Times New Roman" panose="02020603050405020304" pitchFamily="18" charset="0"/>
+              </a:rPr>
+              <a:t> Com </a:t>
+            </a:r>
+            <a:r>
+              <a:rPr lang="pt-BR" sz="2200" dirty="0" err="1">
+                <a:solidFill>
+                  <a:schemeClr val="tx1"/>
+                </a:solidFill>
+                <a:latin typeface="Times New Roman" panose="02020603050405020304" pitchFamily="18" charset="0"/>
+                <a:cs typeface="Times New Roman" panose="02020603050405020304" pitchFamily="18" charset="0"/>
+              </a:rPr>
+              <a:t>Pyspark</a:t>
+            </a:r>
+            <a:endParaRPr lang="pt-BR" sz="2200" dirty="0">
+              <a:solidFill>
+                <a:schemeClr val="tx1"/>
+              </a:solidFill>
+              <a:latin typeface="Times New Roman" panose="02020603050405020304" pitchFamily="18" charset="0"/>
+              <a:cs typeface="Times New Roman" panose="02020603050405020304" pitchFamily="18" charset="0"/>
+            </a:endParaRPr>
+          </a:p>
+          <a:p>
+            <a:pPr marL="0" indent="0" algn="just" eaLnBrk="0" hangingPunct="0">
+              <a:buNone/>
+            </a:pPr>
+            <a:endParaRPr lang="pt-BR" sz="2200" dirty="0">
+              <a:solidFill>
+                <a:schemeClr val="tx1"/>
+              </a:solidFill>
+              <a:latin typeface="Times New Roman" panose="02020603050405020304" pitchFamily="18" charset="0"/>
+              <a:cs typeface="Times New Roman" panose="02020603050405020304" pitchFamily="18" charset="0"/>
+            </a:endParaRPr>
+          </a:p>
+          <a:p>
+            <a:pPr marL="0" indent="0" algn="just" eaLnBrk="0" hangingPunct="0">
+              <a:buNone/>
+            </a:pPr>
+            <a:r>
+              <a:rPr lang="pt-BR" sz="2200" dirty="0">
+                <a:solidFill>
+                  <a:schemeClr val="tx1"/>
+                </a:solidFill>
+                <a:latin typeface="Times New Roman" panose="02020603050405020304" pitchFamily="18" charset="0"/>
+                <a:cs typeface="Times New Roman" panose="02020603050405020304" pitchFamily="18" charset="0"/>
+              </a:rPr>
+              <a:t>3.4 Transformações Com </a:t>
+            </a:r>
+            <a:r>
+              <a:rPr lang="pt-BR" sz="2200" dirty="0" err="1">
+                <a:solidFill>
+                  <a:schemeClr val="tx1"/>
+                </a:solidFill>
+                <a:latin typeface="Times New Roman" panose="02020603050405020304" pitchFamily="18" charset="0"/>
+                <a:cs typeface="Times New Roman" panose="02020603050405020304" pitchFamily="18" charset="0"/>
+              </a:rPr>
+              <a:t>Pyspark</a:t>
+            </a:r>
+            <a:endParaRPr lang="pt-BR" sz="2200" dirty="0">
+              <a:solidFill>
+                <a:schemeClr val="tx1"/>
+              </a:solidFill>
+              <a:latin typeface="Times New Roman" panose="02020603050405020304" pitchFamily="18" charset="0"/>
+              <a:cs typeface="Times New Roman" panose="02020603050405020304" pitchFamily="18" charset="0"/>
+            </a:endParaRPr>
           </a:p>
         </p:txBody>
       </p:sp>
@@ -5043,7 +5427,7 @@
     </p:spTree>
     <p:extLst>
       <p:ext uri="{BB962C8B-B14F-4D97-AF65-F5344CB8AC3E}">
-        <p14:creationId xmlns:p14="http://schemas.microsoft.com/office/powerpoint/2010/main" val="3363891325"/>
+        <p14:creationId xmlns:p14="http://schemas.microsoft.com/office/powerpoint/2010/main" val="2583552559"/>
       </p:ext>
     </p:extLst>
   </p:cSld>
@@ -5054,7 +5438,7 @@
 </p:sld>
 </file>
 
-<file path=ppt/slides/slide13.xml><?xml version="1.0" encoding="utf-8"?>
+<file path=ppt/slides/slide11.xml><?xml version="1.0" encoding="utf-8"?>
 <p:sld xmlns:a="http://schemas.openxmlformats.org/drawingml/2006/main" xmlns:r="http://schemas.openxmlformats.org/officeDocument/2006/relationships" xmlns:p="http://schemas.openxmlformats.org/presentationml/2006/main">
   <p:cSld>
     <p:spTree>
@@ -5097,7 +5481,7 @@
                   <a:srgbClr val="0070C0"/>
                 </a:solidFill>
               </a:rPr>
-              <a:t>Referências</a:t>
+              <a:t>Unidades</a:t>
             </a:r>
             <a:r>
               <a:rPr lang="en-US" b="1" dirty="0">
@@ -5105,7 +5489,7 @@
                   <a:srgbClr val="0070C0"/>
                 </a:solidFill>
               </a:rPr>
-              <a:t> </a:t>
+              <a:t>/</a:t>
             </a:r>
             <a:r>
               <a:rPr lang="en-US" b="1" dirty="0" err="1">
@@ -5113,7 +5497,7 @@
                   <a:srgbClr val="0070C0"/>
                 </a:solidFill>
               </a:rPr>
-              <a:t>Bibliográficas</a:t>
+              <a:t>Conteúdos</a:t>
             </a:r>
             <a:endParaRPr lang="en-US" b="1" dirty="0">
               <a:solidFill>
@@ -5145,29 +5529,127 @@
           </a:bodyPr>
           <a:lstStyle/>
           <a:p>
-            <a:pPr algn="just" eaLnBrk="0" hangingPunct="0"/>
-            <a:r>
-              <a:rPr lang="pt-BR" sz="1800" b="1" u="sng" dirty="0">
+            <a:pPr marL="457200" indent="-457200" algn="just" eaLnBrk="0" hangingPunct="0">
+              <a:buAutoNum type="arabicPeriod" startAt="4"/>
+            </a:pPr>
+            <a:r>
+              <a:rPr lang="pt-BR" sz="2200" dirty="0">
                 <a:solidFill>
                   <a:schemeClr val="tx1"/>
                 </a:solidFill>
                 <a:latin typeface="Times New Roman" panose="02020603050405020304" pitchFamily="18" charset="0"/>
                 <a:cs typeface="Times New Roman" panose="02020603050405020304" pitchFamily="18" charset="0"/>
               </a:rPr>
-              <a:t>COMPLEMENTAR</a:t>
-            </a:r>
-          </a:p>
-          <a:p>
-            <a:pPr marL="0" indent="0" algn="just" eaLnBrk="0" hangingPunct="0">
-              <a:buNone/>
+              <a:t>Análise De Dados Em Python Com Pandas</a:t>
+            </a:r>
+          </a:p>
+          <a:p>
+            <a:pPr marL="457200" indent="-457200" algn="just" eaLnBrk="0" hangingPunct="0">
+              <a:buAutoNum type="arabicPeriod" startAt="4"/>
             </a:pPr>
-            <a:endParaRPr lang="pt-BR" altLang="pt-BR" sz="1600" b="1" dirty="0">
+            <a:endParaRPr lang="pt-BR" sz="2200" dirty="0">
               <a:solidFill>
                 <a:schemeClr val="tx1"/>
               </a:solidFill>
               <a:latin typeface="Times New Roman" panose="02020603050405020304" pitchFamily="18" charset="0"/>
               <a:cs typeface="Times New Roman" panose="02020603050405020304" pitchFamily="18" charset="0"/>
             </a:endParaRPr>
+          </a:p>
+          <a:p>
+            <a:pPr marL="0" indent="0" algn="just" eaLnBrk="0" hangingPunct="0">
+              <a:buNone/>
+            </a:pPr>
+            <a:r>
+              <a:rPr lang="pt-BR" sz="2200" dirty="0">
+                <a:solidFill>
+                  <a:schemeClr val="tx1"/>
+                </a:solidFill>
+                <a:latin typeface="Times New Roman" panose="02020603050405020304" pitchFamily="18" charset="0"/>
+                <a:cs typeface="Times New Roman" panose="02020603050405020304" pitchFamily="18" charset="0"/>
+              </a:rPr>
+              <a:t>4.1 Componentes E Sintaxe Do Pandas</a:t>
+            </a:r>
+          </a:p>
+          <a:p>
+            <a:pPr marL="0" indent="0" algn="just" eaLnBrk="0" hangingPunct="0">
+              <a:buNone/>
+            </a:pPr>
+            <a:endParaRPr lang="pt-BR" sz="2200" dirty="0">
+              <a:solidFill>
+                <a:schemeClr val="tx1"/>
+              </a:solidFill>
+              <a:latin typeface="Times New Roman" panose="02020603050405020304" pitchFamily="18" charset="0"/>
+              <a:cs typeface="Times New Roman" panose="02020603050405020304" pitchFamily="18" charset="0"/>
+            </a:endParaRPr>
+          </a:p>
+          <a:p>
+            <a:pPr marL="0" indent="0" algn="just" eaLnBrk="0" hangingPunct="0">
+              <a:buNone/>
+            </a:pPr>
+            <a:r>
+              <a:rPr lang="pt-BR" sz="2200" dirty="0">
+                <a:solidFill>
+                  <a:schemeClr val="tx1"/>
+                </a:solidFill>
+                <a:latin typeface="Times New Roman" panose="02020603050405020304" pitchFamily="18" charset="0"/>
+                <a:cs typeface="Times New Roman" panose="02020603050405020304" pitchFamily="18" charset="0"/>
+              </a:rPr>
+              <a:t>4.2 Preparação De Dados Com Pandas</a:t>
+            </a:r>
+          </a:p>
+          <a:p>
+            <a:pPr marL="0" indent="0" algn="just" eaLnBrk="0" hangingPunct="0">
+              <a:buNone/>
+            </a:pPr>
+            <a:endParaRPr lang="pt-BR" sz="2200" dirty="0">
+              <a:solidFill>
+                <a:schemeClr val="tx1"/>
+              </a:solidFill>
+              <a:latin typeface="Times New Roman" panose="02020603050405020304" pitchFamily="18" charset="0"/>
+              <a:cs typeface="Times New Roman" panose="02020603050405020304" pitchFamily="18" charset="0"/>
+            </a:endParaRPr>
+          </a:p>
+          <a:p>
+            <a:pPr marL="0" indent="0" algn="just" eaLnBrk="0" hangingPunct="0">
+              <a:buNone/>
+            </a:pPr>
+            <a:r>
+              <a:rPr lang="pt-BR" sz="2200" dirty="0">
+                <a:solidFill>
+                  <a:schemeClr val="tx1"/>
+                </a:solidFill>
+                <a:latin typeface="Times New Roman" panose="02020603050405020304" pitchFamily="18" charset="0"/>
+                <a:cs typeface="Times New Roman" panose="02020603050405020304" pitchFamily="18" charset="0"/>
+              </a:rPr>
+              <a:t>4.3 Manipulação De Dados Com Pandas</a:t>
+            </a:r>
+          </a:p>
+          <a:p>
+            <a:pPr marL="0" indent="0" algn="just" eaLnBrk="0" hangingPunct="0">
+              <a:buNone/>
+            </a:pPr>
+            <a:endParaRPr lang="pt-BR" sz="2200" dirty="0">
+              <a:solidFill>
+                <a:schemeClr val="tx1"/>
+              </a:solidFill>
+              <a:latin typeface="Times New Roman" panose="02020603050405020304" pitchFamily="18" charset="0"/>
+              <a:cs typeface="Times New Roman" panose="02020603050405020304" pitchFamily="18" charset="0"/>
+            </a:endParaRPr>
+          </a:p>
+          <a:p>
+            <a:pPr marL="0" indent="0" algn="just" eaLnBrk="0" hangingPunct="0">
+              <a:buNone/>
+            </a:pPr>
+            <a:r>
+              <a:rPr lang="pt-BR" sz="2200" dirty="0">
+                <a:solidFill>
+                  <a:schemeClr val="tx1"/>
+                </a:solidFill>
+                <a:latin typeface="Times New Roman" panose="02020603050405020304" pitchFamily="18" charset="0"/>
+                <a:cs typeface="Times New Roman" panose="02020603050405020304" pitchFamily="18" charset="0"/>
+              </a:rPr>
+              <a:t>4.4 Visualização De Dados Com Pandas</a:t>
+            </a:r>
           </a:p>
         </p:txBody>
       </p:sp>
@@ -5223,7 +5705,7 @@
     </p:spTree>
     <p:extLst>
       <p:ext uri="{BB962C8B-B14F-4D97-AF65-F5344CB8AC3E}">
-        <p14:creationId xmlns:p14="http://schemas.microsoft.com/office/powerpoint/2010/main" val="3489589337"/>
+        <p14:creationId xmlns:p14="http://schemas.microsoft.com/office/powerpoint/2010/main" val="1650409800"/>
       </p:ext>
     </p:extLst>
   </p:cSld>
@@ -5234,1649 +5716,7 @@
 </p:sld>
 </file>
 
-<file path=ppt/slides/slide14.xml><?xml version="1.0" encoding="utf-8"?>
-<p:sld xmlns:a="http://schemas.openxmlformats.org/drawingml/2006/main" xmlns:r="http://schemas.openxmlformats.org/officeDocument/2006/relationships" xmlns:p="http://schemas.openxmlformats.org/presentationml/2006/main">
-  <p:cSld>
-    <p:spTree>
-      <p:nvGrpSpPr>
-        <p:cNvPr id="1" name=""/>
-        <p:cNvGrpSpPr/>
-        <p:nvPr/>
-      </p:nvGrpSpPr>
-      <p:grpSpPr>
-        <a:xfrm>
-          <a:off x="0" y="0"/>
-          <a:ext cx="0" cy="0"/>
-          <a:chOff x="0" y="0"/>
-          <a:chExt cx="0" cy="0"/>
-        </a:xfrm>
-      </p:grpSpPr>
-      <p:pic>
-        <p:nvPicPr>
-          <p:cNvPr id="112" name="Picture 6" descr="Picture 6"/>
-          <p:cNvPicPr>
-            <a:picLocks noChangeAspect="1"/>
-          </p:cNvPicPr>
-          <p:nvPr/>
-        </p:nvPicPr>
-        <p:blipFill>
-          <a:blip r:embed="rId2"/>
-          <a:stretch>
-            <a:fillRect/>
-          </a:stretch>
-        </p:blipFill>
-        <p:spPr>
-          <a:xfrm>
-            <a:off x="0" y="0"/>
-            <a:ext cx="9144000" cy="5143500"/>
-          </a:xfrm>
-          <a:prstGeom prst="rect">
-            <a:avLst/>
-          </a:prstGeom>
-          <a:ln w="12700">
-            <a:miter lim="400000"/>
-            <a:headEnd/>
-            <a:tailEnd/>
-          </a:ln>
-        </p:spPr>
-      </p:pic>
-      <p:pic>
-        <p:nvPicPr>
-          <p:cNvPr id="114" name="Picture 5" descr="Picture 5"/>
-          <p:cNvPicPr>
-            <a:picLocks noChangeAspect="1"/>
-          </p:cNvPicPr>
-          <p:nvPr/>
-        </p:nvPicPr>
-        <p:blipFill>
-          <a:blip r:embed="rId3"/>
-          <a:stretch>
-            <a:fillRect/>
-          </a:stretch>
-        </p:blipFill>
-        <p:spPr>
-          <a:xfrm>
-            <a:off x="469900" y="0"/>
-            <a:ext cx="4391984" cy="171450"/>
-          </a:xfrm>
-          <a:prstGeom prst="rect">
-            <a:avLst/>
-          </a:prstGeom>
-          <a:ln w="12700">
-            <a:miter lim="400000"/>
-            <a:headEnd/>
-            <a:tailEnd/>
-          </a:ln>
-        </p:spPr>
-      </p:pic>
-      <p:pic>
-        <p:nvPicPr>
-          <p:cNvPr id="115" name="Imagem" descr="Imagem"/>
-          <p:cNvPicPr>
-            <a:picLocks noChangeAspect="1"/>
-          </p:cNvPicPr>
-          <p:nvPr/>
-        </p:nvPicPr>
-        <p:blipFill>
-          <a:blip r:embed="rId4"/>
-          <a:stretch>
-            <a:fillRect/>
-          </a:stretch>
-        </p:blipFill>
-        <p:spPr>
-          <a:xfrm>
-            <a:off x="823046" y="300823"/>
-            <a:ext cx="3685692" cy="1189055"/>
-          </a:xfrm>
-          <a:prstGeom prst="rect">
-            <a:avLst/>
-          </a:prstGeom>
-          <a:ln w="12700">
-            <a:miter lim="400000"/>
-            <a:headEnd/>
-            <a:tailEnd/>
-          </a:ln>
-        </p:spPr>
-      </p:pic>
-      <p:sp>
-        <p:nvSpPr>
-          <p:cNvPr id="3" name="Título 2"/>
-          <p:cNvSpPr>
-            <a:spLocks noGrp="1"/>
-          </p:cNvSpPr>
-          <p:nvPr>
-            <p:ph type="title"/>
-          </p:nvPr>
-        </p:nvSpPr>
-        <p:spPr>
-          <a:xfrm>
-            <a:off x="285751" y="2386770"/>
-            <a:ext cx="8615364" cy="1102519"/>
-          </a:xfrm>
-        </p:spPr>
-        <p:txBody>
-          <a:bodyPr>
-            <a:noAutofit/>
-          </a:bodyPr>
-          <a:lstStyle/>
-          <a:p>
-            <a:r>
-              <a:rPr lang="pt-BR" sz="4800" b="1">
-                <a:solidFill>
-                  <a:schemeClr val="bg1"/>
-                </a:solidFill>
-              </a:rPr>
-              <a:t>Python Big Data</a:t>
-            </a:r>
-            <a:endParaRPr lang="pt-BR" sz="4800" b="1" dirty="0">
-              <a:solidFill>
-                <a:schemeClr val="bg1"/>
-              </a:solidFill>
-            </a:endParaRPr>
-          </a:p>
-        </p:txBody>
-      </p:sp>
-      <p:sp>
-        <p:nvSpPr>
-          <p:cNvPr id="6" name="Título 2"/>
-          <p:cNvSpPr txBox="1"/>
-          <p:nvPr/>
-        </p:nvSpPr>
-        <p:spPr>
-          <a:xfrm>
-            <a:off x="975683" y="3866663"/>
-            <a:ext cx="7772400" cy="1102519"/>
-          </a:xfrm>
-          <a:prstGeom prst="rect">
-            <a:avLst/>
-          </a:prstGeom>
-          <a:ln w="12700">
-            <a:miter lim="400000"/>
-          </a:ln>
-        </p:spPr>
-        <p:txBody>
-          <a:bodyPr lIns="45718" tIns="45718" rIns="45718" bIns="45718" anchor="ctr">
-            <a:noAutofit/>
-          </a:bodyPr>
-          <a:lstStyle>
-            <a:lvl1pPr marL="0" marR="0" indent="0" algn="ctr" defTabSz="457200" rtl="0" latinLnBrk="0">
-              <a:lnSpc>
-                <a:spcPct val="100000"/>
-              </a:lnSpc>
-              <a:spcBef>
-                <a:spcPts val="0"/>
-              </a:spcBef>
-              <a:spcAft>
-                <a:spcPts val="0"/>
-              </a:spcAft>
-              <a:buClrTx/>
-              <a:buSzTx/>
-              <a:buFontTx/>
-              <a:buNone/>
-              <a:defRPr sz="4400" b="0" i="0" u="none" strike="noStrike" cap="none" spc="0" baseline="0">
-                <a:ln>
-                  <a:noFill/>
-                </a:ln>
-                <a:solidFill>
-                  <a:srgbClr val="000000"/>
-                </a:solidFill>
-                <a:uFillTx/>
-                <a:latin typeface="+mj-lt"/>
-                <a:ea typeface="+mj-ea"/>
-                <a:cs typeface="+mj-cs"/>
-                <a:sym typeface="Calibri"/>
-              </a:defRPr>
-            </a:lvl1pPr>
-            <a:lvl2pPr marL="0" marR="0" indent="0" algn="ctr" defTabSz="457200" rtl="0" latinLnBrk="0">
-              <a:lnSpc>
-                <a:spcPct val="100000"/>
-              </a:lnSpc>
-              <a:spcBef>
-                <a:spcPts val="0"/>
-              </a:spcBef>
-              <a:spcAft>
-                <a:spcPts val="0"/>
-              </a:spcAft>
-              <a:buClrTx/>
-              <a:buSzTx/>
-              <a:buFontTx/>
-              <a:buNone/>
-              <a:defRPr sz="4400" b="0" i="0" u="none" strike="noStrike" cap="none" spc="0" baseline="0">
-                <a:ln>
-                  <a:noFill/>
-                </a:ln>
-                <a:solidFill>
-                  <a:srgbClr val="000000"/>
-                </a:solidFill>
-                <a:uFillTx/>
-                <a:latin typeface="+mj-lt"/>
-                <a:ea typeface="+mj-ea"/>
-                <a:cs typeface="+mj-cs"/>
-                <a:sym typeface="Calibri"/>
-              </a:defRPr>
-            </a:lvl2pPr>
-            <a:lvl3pPr marL="0" marR="0" indent="0" algn="ctr" defTabSz="457200" rtl="0" latinLnBrk="0">
-              <a:lnSpc>
-                <a:spcPct val="100000"/>
-              </a:lnSpc>
-              <a:spcBef>
-                <a:spcPts val="0"/>
-              </a:spcBef>
-              <a:spcAft>
-                <a:spcPts val="0"/>
-              </a:spcAft>
-              <a:buClrTx/>
-              <a:buSzTx/>
-              <a:buFontTx/>
-              <a:buNone/>
-              <a:defRPr sz="4400" b="0" i="0" u="none" strike="noStrike" cap="none" spc="0" baseline="0">
-                <a:ln>
-                  <a:noFill/>
-                </a:ln>
-                <a:solidFill>
-                  <a:srgbClr val="000000"/>
-                </a:solidFill>
-                <a:uFillTx/>
-                <a:latin typeface="+mj-lt"/>
-                <a:ea typeface="+mj-ea"/>
-                <a:cs typeface="+mj-cs"/>
-                <a:sym typeface="Calibri"/>
-              </a:defRPr>
-            </a:lvl3pPr>
-            <a:lvl4pPr marL="0" marR="0" indent="0" algn="ctr" defTabSz="457200" rtl="0" latinLnBrk="0">
-              <a:lnSpc>
-                <a:spcPct val="100000"/>
-              </a:lnSpc>
-              <a:spcBef>
-                <a:spcPts val="0"/>
-              </a:spcBef>
-              <a:spcAft>
-                <a:spcPts val="0"/>
-              </a:spcAft>
-              <a:buClrTx/>
-              <a:buSzTx/>
-              <a:buFontTx/>
-              <a:buNone/>
-              <a:defRPr sz="4400" b="0" i="0" u="none" strike="noStrike" cap="none" spc="0" baseline="0">
-                <a:ln>
-                  <a:noFill/>
-                </a:ln>
-                <a:solidFill>
-                  <a:srgbClr val="000000"/>
-                </a:solidFill>
-                <a:uFillTx/>
-                <a:latin typeface="+mj-lt"/>
-                <a:ea typeface="+mj-ea"/>
-                <a:cs typeface="+mj-cs"/>
-                <a:sym typeface="Calibri"/>
-              </a:defRPr>
-            </a:lvl4pPr>
-            <a:lvl5pPr marL="0" marR="0" indent="0" algn="ctr" defTabSz="457200" rtl="0" latinLnBrk="0">
-              <a:lnSpc>
-                <a:spcPct val="100000"/>
-              </a:lnSpc>
-              <a:spcBef>
-                <a:spcPts val="0"/>
-              </a:spcBef>
-              <a:spcAft>
-                <a:spcPts val="0"/>
-              </a:spcAft>
-              <a:buClrTx/>
-              <a:buSzTx/>
-              <a:buFontTx/>
-              <a:buNone/>
-              <a:defRPr sz="4400" b="0" i="0" u="none" strike="noStrike" cap="none" spc="0" baseline="0">
-                <a:ln>
-                  <a:noFill/>
-                </a:ln>
-                <a:solidFill>
-                  <a:srgbClr val="000000"/>
-                </a:solidFill>
-                <a:uFillTx/>
-                <a:latin typeface="+mj-lt"/>
-                <a:ea typeface="+mj-ea"/>
-                <a:cs typeface="+mj-cs"/>
-                <a:sym typeface="Calibri"/>
-              </a:defRPr>
-            </a:lvl5pPr>
-            <a:lvl6pPr marL="0" marR="0" indent="0" algn="ctr" defTabSz="457200" rtl="0" latinLnBrk="0">
-              <a:lnSpc>
-                <a:spcPct val="100000"/>
-              </a:lnSpc>
-              <a:spcBef>
-                <a:spcPts val="0"/>
-              </a:spcBef>
-              <a:spcAft>
-                <a:spcPts val="0"/>
-              </a:spcAft>
-              <a:buClrTx/>
-              <a:buSzTx/>
-              <a:buFontTx/>
-              <a:buNone/>
-              <a:defRPr sz="4400" b="0" i="0" u="none" strike="noStrike" cap="none" spc="0" baseline="0">
-                <a:ln>
-                  <a:noFill/>
-                </a:ln>
-                <a:solidFill>
-                  <a:srgbClr val="000000"/>
-                </a:solidFill>
-                <a:uFillTx/>
-                <a:latin typeface="+mj-lt"/>
-                <a:ea typeface="+mj-ea"/>
-                <a:cs typeface="+mj-cs"/>
-                <a:sym typeface="Calibri"/>
-              </a:defRPr>
-            </a:lvl6pPr>
-            <a:lvl7pPr marL="0" marR="0" indent="0" algn="ctr" defTabSz="457200" rtl="0" latinLnBrk="0">
-              <a:lnSpc>
-                <a:spcPct val="100000"/>
-              </a:lnSpc>
-              <a:spcBef>
-                <a:spcPts val="0"/>
-              </a:spcBef>
-              <a:spcAft>
-                <a:spcPts val="0"/>
-              </a:spcAft>
-              <a:buClrTx/>
-              <a:buSzTx/>
-              <a:buFontTx/>
-              <a:buNone/>
-              <a:defRPr sz="4400" b="0" i="0" u="none" strike="noStrike" cap="none" spc="0" baseline="0">
-                <a:ln>
-                  <a:noFill/>
-                </a:ln>
-                <a:solidFill>
-                  <a:srgbClr val="000000"/>
-                </a:solidFill>
-                <a:uFillTx/>
-                <a:latin typeface="+mj-lt"/>
-                <a:ea typeface="+mj-ea"/>
-                <a:cs typeface="+mj-cs"/>
-                <a:sym typeface="Calibri"/>
-              </a:defRPr>
-            </a:lvl7pPr>
-            <a:lvl8pPr marL="0" marR="0" indent="0" algn="ctr" defTabSz="457200" rtl="0" latinLnBrk="0">
-              <a:lnSpc>
-                <a:spcPct val="100000"/>
-              </a:lnSpc>
-              <a:spcBef>
-                <a:spcPts val="0"/>
-              </a:spcBef>
-              <a:spcAft>
-                <a:spcPts val="0"/>
-              </a:spcAft>
-              <a:buClrTx/>
-              <a:buSzTx/>
-              <a:buFontTx/>
-              <a:buNone/>
-              <a:defRPr sz="4400" b="0" i="0" u="none" strike="noStrike" cap="none" spc="0" baseline="0">
-                <a:ln>
-                  <a:noFill/>
-                </a:ln>
-                <a:solidFill>
-                  <a:srgbClr val="000000"/>
-                </a:solidFill>
-                <a:uFillTx/>
-                <a:latin typeface="+mj-lt"/>
-                <a:ea typeface="+mj-ea"/>
-                <a:cs typeface="+mj-cs"/>
-                <a:sym typeface="Calibri"/>
-              </a:defRPr>
-            </a:lvl8pPr>
-            <a:lvl9pPr marL="0" marR="0" indent="0" algn="ctr" defTabSz="457200" rtl="0" latinLnBrk="0">
-              <a:lnSpc>
-                <a:spcPct val="100000"/>
-              </a:lnSpc>
-              <a:spcBef>
-                <a:spcPts val="0"/>
-              </a:spcBef>
-              <a:spcAft>
-                <a:spcPts val="0"/>
-              </a:spcAft>
-              <a:buClrTx/>
-              <a:buSzTx/>
-              <a:buFontTx/>
-              <a:buNone/>
-              <a:defRPr sz="4400" b="0" i="0" u="none" strike="noStrike" cap="none" spc="0" baseline="0">
-                <a:ln>
-                  <a:noFill/>
-                </a:ln>
-                <a:solidFill>
-                  <a:srgbClr val="000000"/>
-                </a:solidFill>
-                <a:uFillTx/>
-                <a:latin typeface="+mj-lt"/>
-                <a:ea typeface="+mj-ea"/>
-                <a:cs typeface="+mj-cs"/>
-                <a:sym typeface="Calibri"/>
-              </a:defRPr>
-            </a:lvl9pPr>
-          </a:lstStyle>
-          <a:p>
-            <a:pPr algn="r" hangingPunct="1"/>
-            <a:r>
-              <a:rPr lang="pt-BR" sz="2000" b="1" dirty="0">
-                <a:solidFill>
-                  <a:schemeClr val="bg1"/>
-                </a:solidFill>
-              </a:rPr>
-              <a:t>Professor </a:t>
-            </a:r>
-            <a:r>
-              <a:rPr lang="pt-BR" sz="2000" b="1">
-                <a:solidFill>
-                  <a:schemeClr val="bg1"/>
-                </a:solidFill>
-              </a:rPr>
-              <a:t>M.Sc</a:t>
-            </a:r>
-            <a:r>
-              <a:rPr lang="pt-BR" sz="2000" b="1" dirty="0">
-                <a:solidFill>
-                  <a:schemeClr val="bg1"/>
-                </a:solidFill>
-              </a:rPr>
-              <a:t>. Heleno Cardoso</a:t>
-            </a:r>
-          </a:p>
-        </p:txBody>
-      </p:sp>
-      <p:sp>
-        <p:nvSpPr>
-          <p:cNvPr id="7" name="Título 2">
-            <a:extLst>
-              <a:ext uri="{FF2B5EF4-FFF2-40B4-BE49-F238E27FC236}">
-                <a16:creationId xmlns:a16="http://schemas.microsoft.com/office/drawing/2014/main" id="{20DAA8A4-7BF8-435F-BB29-C3C9647C597B}"/>
-              </a:ext>
-            </a:extLst>
-          </p:cNvPr>
-          <p:cNvSpPr txBox="1">
-            <a:spLocks/>
-          </p:cNvSpPr>
-          <p:nvPr/>
-        </p:nvSpPr>
-        <p:spPr>
-          <a:xfrm>
-            <a:off x="7484030" y="110109"/>
-            <a:ext cx="1613368" cy="855867"/>
-          </a:xfrm>
-          <a:prstGeom prst="rect">
-            <a:avLst/>
-          </a:prstGeom>
-          <a:ln w="12700">
-            <a:miter lim="400000"/>
-          </a:ln>
-        </p:spPr>
-        <p:txBody>
-          <a:bodyPr lIns="45718" tIns="45718" rIns="45718" bIns="45718" anchor="ctr">
-            <a:noAutofit/>
-          </a:bodyPr>
-          <a:lstStyle>
-            <a:lvl1pPr marL="0" marR="0" indent="0" algn="ctr" defTabSz="457200" rtl="0" latinLnBrk="0">
-              <a:lnSpc>
-                <a:spcPct val="100000"/>
-              </a:lnSpc>
-              <a:spcBef>
-                <a:spcPts val="0"/>
-              </a:spcBef>
-              <a:spcAft>
-                <a:spcPts val="0"/>
-              </a:spcAft>
-              <a:buClrTx/>
-              <a:buSzTx/>
-              <a:buFontTx/>
-              <a:buNone/>
-              <a:defRPr sz="4400" b="0" i="0" u="none" strike="noStrike" cap="none" spc="0" baseline="0">
-                <a:ln>
-                  <a:noFill/>
-                </a:ln>
-                <a:solidFill>
-                  <a:srgbClr val="000000"/>
-                </a:solidFill>
-                <a:uFillTx/>
-                <a:latin typeface="+mj-lt"/>
-                <a:ea typeface="+mj-ea"/>
-                <a:cs typeface="+mj-cs"/>
-                <a:sym typeface="Calibri"/>
-              </a:defRPr>
-            </a:lvl1pPr>
-            <a:lvl2pPr marL="0" marR="0" indent="0" algn="ctr" defTabSz="457200" rtl="0" latinLnBrk="0">
-              <a:lnSpc>
-                <a:spcPct val="100000"/>
-              </a:lnSpc>
-              <a:spcBef>
-                <a:spcPts val="0"/>
-              </a:spcBef>
-              <a:spcAft>
-                <a:spcPts val="0"/>
-              </a:spcAft>
-              <a:buClrTx/>
-              <a:buSzTx/>
-              <a:buFontTx/>
-              <a:buNone/>
-              <a:defRPr sz="4400" b="0" i="0" u="none" strike="noStrike" cap="none" spc="0" baseline="0">
-                <a:ln>
-                  <a:noFill/>
-                </a:ln>
-                <a:solidFill>
-                  <a:srgbClr val="000000"/>
-                </a:solidFill>
-                <a:uFillTx/>
-                <a:latin typeface="+mj-lt"/>
-                <a:ea typeface="+mj-ea"/>
-                <a:cs typeface="+mj-cs"/>
-                <a:sym typeface="Calibri"/>
-              </a:defRPr>
-            </a:lvl2pPr>
-            <a:lvl3pPr marL="0" marR="0" indent="0" algn="ctr" defTabSz="457200" rtl="0" latinLnBrk="0">
-              <a:lnSpc>
-                <a:spcPct val="100000"/>
-              </a:lnSpc>
-              <a:spcBef>
-                <a:spcPts val="0"/>
-              </a:spcBef>
-              <a:spcAft>
-                <a:spcPts val="0"/>
-              </a:spcAft>
-              <a:buClrTx/>
-              <a:buSzTx/>
-              <a:buFontTx/>
-              <a:buNone/>
-              <a:defRPr sz="4400" b="0" i="0" u="none" strike="noStrike" cap="none" spc="0" baseline="0">
-                <a:ln>
-                  <a:noFill/>
-                </a:ln>
-                <a:solidFill>
-                  <a:srgbClr val="000000"/>
-                </a:solidFill>
-                <a:uFillTx/>
-                <a:latin typeface="+mj-lt"/>
-                <a:ea typeface="+mj-ea"/>
-                <a:cs typeface="+mj-cs"/>
-                <a:sym typeface="Calibri"/>
-              </a:defRPr>
-            </a:lvl3pPr>
-            <a:lvl4pPr marL="0" marR="0" indent="0" algn="ctr" defTabSz="457200" rtl="0" latinLnBrk="0">
-              <a:lnSpc>
-                <a:spcPct val="100000"/>
-              </a:lnSpc>
-              <a:spcBef>
-                <a:spcPts val="0"/>
-              </a:spcBef>
-              <a:spcAft>
-                <a:spcPts val="0"/>
-              </a:spcAft>
-              <a:buClrTx/>
-              <a:buSzTx/>
-              <a:buFontTx/>
-              <a:buNone/>
-              <a:defRPr sz="4400" b="0" i="0" u="none" strike="noStrike" cap="none" spc="0" baseline="0">
-                <a:ln>
-                  <a:noFill/>
-                </a:ln>
-                <a:solidFill>
-                  <a:srgbClr val="000000"/>
-                </a:solidFill>
-                <a:uFillTx/>
-                <a:latin typeface="+mj-lt"/>
-                <a:ea typeface="+mj-ea"/>
-                <a:cs typeface="+mj-cs"/>
-                <a:sym typeface="Calibri"/>
-              </a:defRPr>
-            </a:lvl4pPr>
-            <a:lvl5pPr marL="0" marR="0" indent="0" algn="ctr" defTabSz="457200" rtl="0" latinLnBrk="0">
-              <a:lnSpc>
-                <a:spcPct val="100000"/>
-              </a:lnSpc>
-              <a:spcBef>
-                <a:spcPts val="0"/>
-              </a:spcBef>
-              <a:spcAft>
-                <a:spcPts val="0"/>
-              </a:spcAft>
-              <a:buClrTx/>
-              <a:buSzTx/>
-              <a:buFontTx/>
-              <a:buNone/>
-              <a:defRPr sz="4400" b="0" i="0" u="none" strike="noStrike" cap="none" spc="0" baseline="0">
-                <a:ln>
-                  <a:noFill/>
-                </a:ln>
-                <a:solidFill>
-                  <a:srgbClr val="000000"/>
-                </a:solidFill>
-                <a:uFillTx/>
-                <a:latin typeface="+mj-lt"/>
-                <a:ea typeface="+mj-ea"/>
-                <a:cs typeface="+mj-cs"/>
-                <a:sym typeface="Calibri"/>
-              </a:defRPr>
-            </a:lvl5pPr>
-            <a:lvl6pPr marL="0" marR="0" indent="0" algn="ctr" defTabSz="457200" rtl="0" latinLnBrk="0">
-              <a:lnSpc>
-                <a:spcPct val="100000"/>
-              </a:lnSpc>
-              <a:spcBef>
-                <a:spcPts val="0"/>
-              </a:spcBef>
-              <a:spcAft>
-                <a:spcPts val="0"/>
-              </a:spcAft>
-              <a:buClrTx/>
-              <a:buSzTx/>
-              <a:buFontTx/>
-              <a:buNone/>
-              <a:defRPr sz="4400" b="0" i="0" u="none" strike="noStrike" cap="none" spc="0" baseline="0">
-                <a:ln>
-                  <a:noFill/>
-                </a:ln>
-                <a:solidFill>
-                  <a:srgbClr val="000000"/>
-                </a:solidFill>
-                <a:uFillTx/>
-                <a:latin typeface="+mj-lt"/>
-                <a:ea typeface="+mj-ea"/>
-                <a:cs typeface="+mj-cs"/>
-                <a:sym typeface="Calibri"/>
-              </a:defRPr>
-            </a:lvl6pPr>
-            <a:lvl7pPr marL="0" marR="0" indent="0" algn="ctr" defTabSz="457200" rtl="0" latinLnBrk="0">
-              <a:lnSpc>
-                <a:spcPct val="100000"/>
-              </a:lnSpc>
-              <a:spcBef>
-                <a:spcPts val="0"/>
-              </a:spcBef>
-              <a:spcAft>
-                <a:spcPts val="0"/>
-              </a:spcAft>
-              <a:buClrTx/>
-              <a:buSzTx/>
-              <a:buFontTx/>
-              <a:buNone/>
-              <a:defRPr sz="4400" b="0" i="0" u="none" strike="noStrike" cap="none" spc="0" baseline="0">
-                <a:ln>
-                  <a:noFill/>
-                </a:ln>
-                <a:solidFill>
-                  <a:srgbClr val="000000"/>
-                </a:solidFill>
-                <a:uFillTx/>
-                <a:latin typeface="+mj-lt"/>
-                <a:ea typeface="+mj-ea"/>
-                <a:cs typeface="+mj-cs"/>
-                <a:sym typeface="Calibri"/>
-              </a:defRPr>
-            </a:lvl7pPr>
-            <a:lvl8pPr marL="0" marR="0" indent="0" algn="ctr" defTabSz="457200" rtl="0" latinLnBrk="0">
-              <a:lnSpc>
-                <a:spcPct val="100000"/>
-              </a:lnSpc>
-              <a:spcBef>
-                <a:spcPts val="0"/>
-              </a:spcBef>
-              <a:spcAft>
-                <a:spcPts val="0"/>
-              </a:spcAft>
-              <a:buClrTx/>
-              <a:buSzTx/>
-              <a:buFontTx/>
-              <a:buNone/>
-              <a:defRPr sz="4400" b="0" i="0" u="none" strike="noStrike" cap="none" spc="0" baseline="0">
-                <a:ln>
-                  <a:noFill/>
-                </a:ln>
-                <a:solidFill>
-                  <a:srgbClr val="000000"/>
-                </a:solidFill>
-                <a:uFillTx/>
-                <a:latin typeface="+mj-lt"/>
-                <a:ea typeface="+mj-ea"/>
-                <a:cs typeface="+mj-cs"/>
-                <a:sym typeface="Calibri"/>
-              </a:defRPr>
-            </a:lvl8pPr>
-            <a:lvl9pPr marL="0" marR="0" indent="0" algn="ctr" defTabSz="457200" rtl="0" latinLnBrk="0">
-              <a:lnSpc>
-                <a:spcPct val="100000"/>
-              </a:lnSpc>
-              <a:spcBef>
-                <a:spcPts val="0"/>
-              </a:spcBef>
-              <a:spcAft>
-                <a:spcPts val="0"/>
-              </a:spcAft>
-              <a:buClrTx/>
-              <a:buSzTx/>
-              <a:buFontTx/>
-              <a:buNone/>
-              <a:defRPr sz="4400" b="0" i="0" u="none" strike="noStrike" cap="none" spc="0" baseline="0">
-                <a:ln>
-                  <a:noFill/>
-                </a:ln>
-                <a:solidFill>
-                  <a:srgbClr val="000000"/>
-                </a:solidFill>
-                <a:uFillTx/>
-                <a:latin typeface="+mj-lt"/>
-                <a:ea typeface="+mj-ea"/>
-                <a:cs typeface="+mj-cs"/>
-                <a:sym typeface="Calibri"/>
-              </a:defRPr>
-            </a:lvl9pPr>
-          </a:lstStyle>
-          <a:p>
-            <a:pPr hangingPunct="1"/>
-            <a:r>
-              <a:rPr lang="pt-BR" sz="3600" b="1" dirty="0">
-                <a:solidFill>
-                  <a:schemeClr val="bg1"/>
-                </a:solidFill>
-              </a:rPr>
-              <a:t>YDUQS</a:t>
-            </a:r>
-          </a:p>
-        </p:txBody>
-      </p:sp>
-    </p:spTree>
-  </p:cSld>
-  <p:clrMapOvr>
-    <a:masterClrMapping/>
-  </p:clrMapOvr>
-  <p:transition spd="med"/>
-</p:sld>
-</file>
-
-<file path=ppt/slides/slide2.xml><?xml version="1.0" encoding="utf-8"?>
-<p:sld xmlns:a="http://schemas.openxmlformats.org/drawingml/2006/main" xmlns:r="http://schemas.openxmlformats.org/officeDocument/2006/relationships" xmlns:p="http://schemas.openxmlformats.org/presentationml/2006/main">
-  <p:cSld>
-    <p:spTree>
-      <p:nvGrpSpPr>
-        <p:cNvPr id="1" name=""/>
-        <p:cNvGrpSpPr/>
-        <p:nvPr/>
-      </p:nvGrpSpPr>
-      <p:grpSpPr>
-        <a:xfrm>
-          <a:off x="0" y="0"/>
-          <a:ext cx="0" cy="0"/>
-          <a:chOff x="0" y="0"/>
-          <a:chExt cx="0" cy="0"/>
-        </a:xfrm>
-      </p:grpSpPr>
-      <p:pic>
-        <p:nvPicPr>
-          <p:cNvPr id="112" name="Picture 6" descr="Picture 6"/>
-          <p:cNvPicPr>
-            <a:picLocks noChangeAspect="1"/>
-          </p:cNvPicPr>
-          <p:nvPr/>
-        </p:nvPicPr>
-        <p:blipFill>
-          <a:blip r:embed="rId2"/>
-          <a:stretch>
-            <a:fillRect/>
-          </a:stretch>
-        </p:blipFill>
-        <p:spPr>
-          <a:xfrm>
-            <a:off x="0" y="0"/>
-            <a:ext cx="9144000" cy="5143500"/>
-          </a:xfrm>
-          <a:prstGeom prst="rect">
-            <a:avLst/>
-          </a:prstGeom>
-          <a:ln w="12700">
-            <a:miter lim="400000"/>
-            <a:headEnd/>
-            <a:tailEnd/>
-          </a:ln>
-        </p:spPr>
-      </p:pic>
-      <p:pic>
-        <p:nvPicPr>
-          <p:cNvPr id="114" name="Picture 5" descr="Picture 5"/>
-          <p:cNvPicPr>
-            <a:picLocks noChangeAspect="1"/>
-          </p:cNvPicPr>
-          <p:nvPr/>
-        </p:nvPicPr>
-        <p:blipFill>
-          <a:blip r:embed="rId3"/>
-          <a:stretch>
-            <a:fillRect/>
-          </a:stretch>
-        </p:blipFill>
-        <p:spPr>
-          <a:xfrm>
-            <a:off x="469900" y="0"/>
-            <a:ext cx="4391984" cy="171450"/>
-          </a:xfrm>
-          <a:prstGeom prst="rect">
-            <a:avLst/>
-          </a:prstGeom>
-          <a:ln w="12700">
-            <a:miter lim="400000"/>
-            <a:headEnd/>
-            <a:tailEnd/>
-          </a:ln>
-        </p:spPr>
-      </p:pic>
-      <p:sp>
-        <p:nvSpPr>
-          <p:cNvPr id="3" name="Título 2"/>
-          <p:cNvSpPr>
-            <a:spLocks noGrp="1"/>
-          </p:cNvSpPr>
-          <p:nvPr>
-            <p:ph type="title"/>
-          </p:nvPr>
-        </p:nvSpPr>
-        <p:spPr>
-          <a:xfrm>
-            <a:off x="226338" y="1121664"/>
-            <a:ext cx="8681444" cy="3160731"/>
-          </a:xfrm>
-        </p:spPr>
-        <p:txBody>
-          <a:bodyPr>
-            <a:noAutofit/>
-          </a:bodyPr>
-          <a:lstStyle/>
-          <a:p>
-            <a:pPr algn="l" eaLnBrk="0" hangingPunct="0">
-              <a:spcBef>
-                <a:spcPct val="20000"/>
-              </a:spcBef>
-            </a:pPr>
-            <a:br>
-              <a:rPr lang="pt-BR" altLang="pt-BR" sz="3200" b="1" dirty="0">
-                <a:solidFill>
-                  <a:schemeClr val="bg1"/>
-                </a:solidFill>
-              </a:rPr>
-            </a:br>
-            <a:br>
-              <a:rPr lang="pt-BR" altLang="pt-BR" sz="3200" b="1" dirty="0">
-                <a:solidFill>
-                  <a:schemeClr val="bg1"/>
-                </a:solidFill>
-              </a:rPr>
-            </a:br>
-            <a:br>
-              <a:rPr lang="pt-BR" altLang="pt-BR" sz="3200" b="1" dirty="0">
-                <a:solidFill>
-                  <a:schemeClr val="bg1"/>
-                </a:solidFill>
-              </a:rPr>
-            </a:br>
-            <a:r>
-              <a:rPr lang="pt-BR" altLang="pt-BR" sz="3200" b="1" dirty="0">
-                <a:solidFill>
-                  <a:schemeClr val="bg1"/>
-                </a:solidFill>
-              </a:rPr>
-              <a:t>1 – Apresentação Pessoal</a:t>
-            </a:r>
-            <a:br>
-              <a:rPr lang="pt-BR" altLang="pt-BR" sz="3200" b="1" dirty="0">
-                <a:solidFill>
-                  <a:schemeClr val="bg1"/>
-                </a:solidFill>
-              </a:rPr>
-            </a:br>
-            <a:r>
-              <a:rPr lang="pt-BR" altLang="pt-BR" sz="3200" b="1" dirty="0">
-                <a:solidFill>
-                  <a:schemeClr val="bg1"/>
-                </a:solidFill>
-              </a:rPr>
-              <a:t>2 – Visão Geral da Disciplina</a:t>
-            </a:r>
-            <a:br>
-              <a:rPr lang="pt-BR" altLang="pt-BR" sz="3200" b="1" dirty="0">
-                <a:solidFill>
-                  <a:schemeClr val="bg1"/>
-                </a:solidFill>
-              </a:rPr>
-            </a:br>
-            <a:r>
-              <a:rPr lang="pt-BR" altLang="pt-BR" sz="3200" b="1" dirty="0">
-                <a:solidFill>
-                  <a:schemeClr val="bg1"/>
-                </a:solidFill>
-              </a:rPr>
-              <a:t>3 – Objetivos/Habilidades</a:t>
-            </a:r>
-            <a:br>
-              <a:rPr lang="pt-BR" altLang="pt-BR" sz="3200" b="1" dirty="0">
-                <a:solidFill>
-                  <a:schemeClr val="bg1"/>
-                </a:solidFill>
-              </a:rPr>
-            </a:br>
-            <a:r>
-              <a:rPr lang="pt-BR" altLang="pt-BR" sz="3200" b="1" dirty="0">
-                <a:solidFill>
-                  <a:schemeClr val="bg1"/>
-                </a:solidFill>
-              </a:rPr>
-              <a:t>4 – Unidades/Conteúdos</a:t>
-            </a:r>
-            <a:br>
-              <a:rPr lang="pt-BR" altLang="pt-BR" sz="3200" b="1" dirty="0">
-                <a:solidFill>
-                  <a:schemeClr val="bg1"/>
-                </a:solidFill>
-              </a:rPr>
-            </a:br>
-            <a:r>
-              <a:rPr lang="pt-BR" altLang="pt-BR" sz="3200" b="1" dirty="0">
-                <a:solidFill>
-                  <a:schemeClr val="bg1"/>
-                </a:solidFill>
-              </a:rPr>
-              <a:t>5 – Metodologia/Avaliação</a:t>
-            </a:r>
-            <a:br>
-              <a:rPr lang="pt-BR" altLang="pt-BR" sz="3200" b="1" dirty="0">
-                <a:solidFill>
-                  <a:schemeClr val="bg1"/>
-                </a:solidFill>
-              </a:rPr>
-            </a:br>
-            <a:r>
-              <a:rPr lang="pt-BR" altLang="pt-BR" sz="3200" b="1" dirty="0">
-                <a:solidFill>
-                  <a:schemeClr val="bg1"/>
-                </a:solidFill>
-              </a:rPr>
-              <a:t>6 – Referências Bibliográficas</a:t>
-            </a:r>
-            <a:br>
-              <a:rPr lang="pt-BR" altLang="pt-BR" sz="4400" dirty="0"/>
-            </a:br>
-            <a:br>
-              <a:rPr lang="pt-BR" b="1" dirty="0">
-                <a:solidFill>
-                  <a:schemeClr val="bg1"/>
-                </a:solidFill>
-              </a:rPr>
-            </a:br>
-            <a:endParaRPr lang="pt-BR" sz="4800" b="1" dirty="0">
-              <a:solidFill>
-                <a:schemeClr val="bg1"/>
-              </a:solidFill>
-            </a:endParaRPr>
-          </a:p>
-        </p:txBody>
-      </p:sp>
-      <p:sp>
-        <p:nvSpPr>
-          <p:cNvPr id="6" name="Título 2"/>
-          <p:cNvSpPr txBox="1"/>
-          <p:nvPr/>
-        </p:nvSpPr>
-        <p:spPr>
-          <a:xfrm>
-            <a:off x="975683" y="3866663"/>
-            <a:ext cx="7772400" cy="1102519"/>
-          </a:xfrm>
-          <a:prstGeom prst="rect">
-            <a:avLst/>
-          </a:prstGeom>
-          <a:ln w="12700">
-            <a:miter lim="400000"/>
-          </a:ln>
-        </p:spPr>
-        <p:txBody>
-          <a:bodyPr lIns="45718" tIns="45718" rIns="45718" bIns="45718" anchor="ctr">
-            <a:noAutofit/>
-          </a:bodyPr>
-          <a:lstStyle>
-            <a:lvl1pPr marL="0" marR="0" indent="0" algn="ctr" defTabSz="457200" rtl="0" latinLnBrk="0">
-              <a:lnSpc>
-                <a:spcPct val="100000"/>
-              </a:lnSpc>
-              <a:spcBef>
-                <a:spcPts val="0"/>
-              </a:spcBef>
-              <a:spcAft>
-                <a:spcPts val="0"/>
-              </a:spcAft>
-              <a:buClrTx/>
-              <a:buSzTx/>
-              <a:buFontTx/>
-              <a:buNone/>
-              <a:defRPr sz="4400" b="0" i="0" u="none" strike="noStrike" cap="none" spc="0" baseline="0">
-                <a:ln>
-                  <a:noFill/>
-                </a:ln>
-                <a:solidFill>
-                  <a:srgbClr val="000000"/>
-                </a:solidFill>
-                <a:uFillTx/>
-                <a:latin typeface="+mj-lt"/>
-                <a:ea typeface="+mj-ea"/>
-                <a:cs typeface="+mj-cs"/>
-                <a:sym typeface="Calibri"/>
-              </a:defRPr>
-            </a:lvl1pPr>
-            <a:lvl2pPr marL="0" marR="0" indent="0" algn="ctr" defTabSz="457200" rtl="0" latinLnBrk="0">
-              <a:lnSpc>
-                <a:spcPct val="100000"/>
-              </a:lnSpc>
-              <a:spcBef>
-                <a:spcPts val="0"/>
-              </a:spcBef>
-              <a:spcAft>
-                <a:spcPts val="0"/>
-              </a:spcAft>
-              <a:buClrTx/>
-              <a:buSzTx/>
-              <a:buFontTx/>
-              <a:buNone/>
-              <a:defRPr sz="4400" b="0" i="0" u="none" strike="noStrike" cap="none" spc="0" baseline="0">
-                <a:ln>
-                  <a:noFill/>
-                </a:ln>
-                <a:solidFill>
-                  <a:srgbClr val="000000"/>
-                </a:solidFill>
-                <a:uFillTx/>
-                <a:latin typeface="+mj-lt"/>
-                <a:ea typeface="+mj-ea"/>
-                <a:cs typeface="+mj-cs"/>
-                <a:sym typeface="Calibri"/>
-              </a:defRPr>
-            </a:lvl2pPr>
-            <a:lvl3pPr marL="0" marR="0" indent="0" algn="ctr" defTabSz="457200" rtl="0" latinLnBrk="0">
-              <a:lnSpc>
-                <a:spcPct val="100000"/>
-              </a:lnSpc>
-              <a:spcBef>
-                <a:spcPts val="0"/>
-              </a:spcBef>
-              <a:spcAft>
-                <a:spcPts val="0"/>
-              </a:spcAft>
-              <a:buClrTx/>
-              <a:buSzTx/>
-              <a:buFontTx/>
-              <a:buNone/>
-              <a:defRPr sz="4400" b="0" i="0" u="none" strike="noStrike" cap="none" spc="0" baseline="0">
-                <a:ln>
-                  <a:noFill/>
-                </a:ln>
-                <a:solidFill>
-                  <a:srgbClr val="000000"/>
-                </a:solidFill>
-                <a:uFillTx/>
-                <a:latin typeface="+mj-lt"/>
-                <a:ea typeface="+mj-ea"/>
-                <a:cs typeface="+mj-cs"/>
-                <a:sym typeface="Calibri"/>
-              </a:defRPr>
-            </a:lvl3pPr>
-            <a:lvl4pPr marL="0" marR="0" indent="0" algn="ctr" defTabSz="457200" rtl="0" latinLnBrk="0">
-              <a:lnSpc>
-                <a:spcPct val="100000"/>
-              </a:lnSpc>
-              <a:spcBef>
-                <a:spcPts val="0"/>
-              </a:spcBef>
-              <a:spcAft>
-                <a:spcPts val="0"/>
-              </a:spcAft>
-              <a:buClrTx/>
-              <a:buSzTx/>
-              <a:buFontTx/>
-              <a:buNone/>
-              <a:defRPr sz="4400" b="0" i="0" u="none" strike="noStrike" cap="none" spc="0" baseline="0">
-                <a:ln>
-                  <a:noFill/>
-                </a:ln>
-                <a:solidFill>
-                  <a:srgbClr val="000000"/>
-                </a:solidFill>
-                <a:uFillTx/>
-                <a:latin typeface="+mj-lt"/>
-                <a:ea typeface="+mj-ea"/>
-                <a:cs typeface="+mj-cs"/>
-                <a:sym typeface="Calibri"/>
-              </a:defRPr>
-            </a:lvl4pPr>
-            <a:lvl5pPr marL="0" marR="0" indent="0" algn="ctr" defTabSz="457200" rtl="0" latinLnBrk="0">
-              <a:lnSpc>
-                <a:spcPct val="100000"/>
-              </a:lnSpc>
-              <a:spcBef>
-                <a:spcPts val="0"/>
-              </a:spcBef>
-              <a:spcAft>
-                <a:spcPts val="0"/>
-              </a:spcAft>
-              <a:buClrTx/>
-              <a:buSzTx/>
-              <a:buFontTx/>
-              <a:buNone/>
-              <a:defRPr sz="4400" b="0" i="0" u="none" strike="noStrike" cap="none" spc="0" baseline="0">
-                <a:ln>
-                  <a:noFill/>
-                </a:ln>
-                <a:solidFill>
-                  <a:srgbClr val="000000"/>
-                </a:solidFill>
-                <a:uFillTx/>
-                <a:latin typeface="+mj-lt"/>
-                <a:ea typeface="+mj-ea"/>
-                <a:cs typeface="+mj-cs"/>
-                <a:sym typeface="Calibri"/>
-              </a:defRPr>
-            </a:lvl5pPr>
-            <a:lvl6pPr marL="0" marR="0" indent="0" algn="ctr" defTabSz="457200" rtl="0" latinLnBrk="0">
-              <a:lnSpc>
-                <a:spcPct val="100000"/>
-              </a:lnSpc>
-              <a:spcBef>
-                <a:spcPts val="0"/>
-              </a:spcBef>
-              <a:spcAft>
-                <a:spcPts val="0"/>
-              </a:spcAft>
-              <a:buClrTx/>
-              <a:buSzTx/>
-              <a:buFontTx/>
-              <a:buNone/>
-              <a:defRPr sz="4400" b="0" i="0" u="none" strike="noStrike" cap="none" spc="0" baseline="0">
-                <a:ln>
-                  <a:noFill/>
-                </a:ln>
-                <a:solidFill>
-                  <a:srgbClr val="000000"/>
-                </a:solidFill>
-                <a:uFillTx/>
-                <a:latin typeface="+mj-lt"/>
-                <a:ea typeface="+mj-ea"/>
-                <a:cs typeface="+mj-cs"/>
-                <a:sym typeface="Calibri"/>
-              </a:defRPr>
-            </a:lvl6pPr>
-            <a:lvl7pPr marL="0" marR="0" indent="0" algn="ctr" defTabSz="457200" rtl="0" latinLnBrk="0">
-              <a:lnSpc>
-                <a:spcPct val="100000"/>
-              </a:lnSpc>
-              <a:spcBef>
-                <a:spcPts val="0"/>
-              </a:spcBef>
-              <a:spcAft>
-                <a:spcPts val="0"/>
-              </a:spcAft>
-              <a:buClrTx/>
-              <a:buSzTx/>
-              <a:buFontTx/>
-              <a:buNone/>
-              <a:defRPr sz="4400" b="0" i="0" u="none" strike="noStrike" cap="none" spc="0" baseline="0">
-                <a:ln>
-                  <a:noFill/>
-                </a:ln>
-                <a:solidFill>
-                  <a:srgbClr val="000000"/>
-                </a:solidFill>
-                <a:uFillTx/>
-                <a:latin typeface="+mj-lt"/>
-                <a:ea typeface="+mj-ea"/>
-                <a:cs typeface="+mj-cs"/>
-                <a:sym typeface="Calibri"/>
-              </a:defRPr>
-            </a:lvl7pPr>
-            <a:lvl8pPr marL="0" marR="0" indent="0" algn="ctr" defTabSz="457200" rtl="0" latinLnBrk="0">
-              <a:lnSpc>
-                <a:spcPct val="100000"/>
-              </a:lnSpc>
-              <a:spcBef>
-                <a:spcPts val="0"/>
-              </a:spcBef>
-              <a:spcAft>
-                <a:spcPts val="0"/>
-              </a:spcAft>
-              <a:buClrTx/>
-              <a:buSzTx/>
-              <a:buFontTx/>
-              <a:buNone/>
-              <a:defRPr sz="4400" b="0" i="0" u="none" strike="noStrike" cap="none" spc="0" baseline="0">
-                <a:ln>
-                  <a:noFill/>
-                </a:ln>
-                <a:solidFill>
-                  <a:srgbClr val="000000"/>
-                </a:solidFill>
-                <a:uFillTx/>
-                <a:latin typeface="+mj-lt"/>
-                <a:ea typeface="+mj-ea"/>
-                <a:cs typeface="+mj-cs"/>
-                <a:sym typeface="Calibri"/>
-              </a:defRPr>
-            </a:lvl8pPr>
-            <a:lvl9pPr marL="0" marR="0" indent="0" algn="ctr" defTabSz="457200" rtl="0" latinLnBrk="0">
-              <a:lnSpc>
-                <a:spcPct val="100000"/>
-              </a:lnSpc>
-              <a:spcBef>
-                <a:spcPts val="0"/>
-              </a:spcBef>
-              <a:spcAft>
-                <a:spcPts val="0"/>
-              </a:spcAft>
-              <a:buClrTx/>
-              <a:buSzTx/>
-              <a:buFontTx/>
-              <a:buNone/>
-              <a:defRPr sz="4400" b="0" i="0" u="none" strike="noStrike" cap="none" spc="0" baseline="0">
-                <a:ln>
-                  <a:noFill/>
-                </a:ln>
-                <a:solidFill>
-                  <a:srgbClr val="000000"/>
-                </a:solidFill>
-                <a:uFillTx/>
-                <a:latin typeface="+mj-lt"/>
-                <a:ea typeface="+mj-ea"/>
-                <a:cs typeface="+mj-cs"/>
-                <a:sym typeface="Calibri"/>
-              </a:defRPr>
-            </a:lvl9pPr>
-          </a:lstStyle>
-          <a:p>
-            <a:pPr algn="r" hangingPunct="1"/>
-            <a:r>
-              <a:rPr lang="pt-BR" sz="2000" b="1" dirty="0">
-                <a:solidFill>
-                  <a:schemeClr val="bg1"/>
-                </a:solidFill>
-              </a:rPr>
-              <a:t>Professor </a:t>
-            </a:r>
-            <a:r>
-              <a:rPr lang="pt-BR" sz="2000" b="1" dirty="0" err="1">
-                <a:solidFill>
-                  <a:schemeClr val="bg1"/>
-                </a:solidFill>
-              </a:rPr>
-              <a:t>MSc</a:t>
-            </a:r>
-            <a:r>
-              <a:rPr lang="pt-BR" sz="2000" b="1" dirty="0">
-                <a:solidFill>
-                  <a:schemeClr val="bg1"/>
-                </a:solidFill>
-              </a:rPr>
-              <a:t>. Heleno Cardoso</a:t>
-            </a:r>
-          </a:p>
-        </p:txBody>
-      </p:sp>
-      <p:sp>
-        <p:nvSpPr>
-          <p:cNvPr id="7" name="Título 2">
-            <a:extLst>
-              <a:ext uri="{FF2B5EF4-FFF2-40B4-BE49-F238E27FC236}">
-                <a16:creationId xmlns:a16="http://schemas.microsoft.com/office/drawing/2014/main" id="{5C2C7CAD-310B-468E-9BD1-616B15F8050F}"/>
-              </a:ext>
-            </a:extLst>
-          </p:cNvPr>
-          <p:cNvSpPr txBox="1">
-            <a:spLocks/>
-          </p:cNvSpPr>
-          <p:nvPr/>
-        </p:nvSpPr>
-        <p:spPr>
-          <a:xfrm>
-            <a:off x="231278" y="224274"/>
-            <a:ext cx="8681444" cy="675815"/>
-          </a:xfrm>
-          <a:prstGeom prst="rect">
-            <a:avLst/>
-          </a:prstGeom>
-          <a:ln w="12700">
-            <a:miter lim="400000"/>
-          </a:ln>
-        </p:spPr>
-        <p:txBody>
-          <a:bodyPr lIns="45718" tIns="45718" rIns="45718" bIns="45718" anchor="ctr">
-            <a:noAutofit/>
-          </a:bodyPr>
-          <a:lstStyle>
-            <a:lvl1pPr marL="0" marR="0" indent="0" algn="ctr" defTabSz="457200" rtl="0" latinLnBrk="0">
-              <a:lnSpc>
-                <a:spcPct val="100000"/>
-              </a:lnSpc>
-              <a:spcBef>
-                <a:spcPts val="0"/>
-              </a:spcBef>
-              <a:spcAft>
-                <a:spcPts val="0"/>
-              </a:spcAft>
-              <a:buClrTx/>
-              <a:buSzTx/>
-              <a:buFontTx/>
-              <a:buNone/>
-              <a:defRPr sz="4400" b="0" i="0" u="none" strike="noStrike" cap="none" spc="0" baseline="0">
-                <a:ln>
-                  <a:noFill/>
-                </a:ln>
-                <a:solidFill>
-                  <a:srgbClr val="000000"/>
-                </a:solidFill>
-                <a:uFillTx/>
-                <a:latin typeface="+mj-lt"/>
-                <a:ea typeface="+mj-ea"/>
-                <a:cs typeface="+mj-cs"/>
-                <a:sym typeface="Calibri"/>
-              </a:defRPr>
-            </a:lvl1pPr>
-            <a:lvl2pPr marL="0" marR="0" indent="0" algn="ctr" defTabSz="457200" rtl="0" latinLnBrk="0">
-              <a:lnSpc>
-                <a:spcPct val="100000"/>
-              </a:lnSpc>
-              <a:spcBef>
-                <a:spcPts val="0"/>
-              </a:spcBef>
-              <a:spcAft>
-                <a:spcPts val="0"/>
-              </a:spcAft>
-              <a:buClrTx/>
-              <a:buSzTx/>
-              <a:buFontTx/>
-              <a:buNone/>
-              <a:defRPr sz="4400" b="0" i="0" u="none" strike="noStrike" cap="none" spc="0" baseline="0">
-                <a:ln>
-                  <a:noFill/>
-                </a:ln>
-                <a:solidFill>
-                  <a:srgbClr val="000000"/>
-                </a:solidFill>
-                <a:uFillTx/>
-                <a:latin typeface="+mj-lt"/>
-                <a:ea typeface="+mj-ea"/>
-                <a:cs typeface="+mj-cs"/>
-                <a:sym typeface="Calibri"/>
-              </a:defRPr>
-            </a:lvl2pPr>
-            <a:lvl3pPr marL="0" marR="0" indent="0" algn="ctr" defTabSz="457200" rtl="0" latinLnBrk="0">
-              <a:lnSpc>
-                <a:spcPct val="100000"/>
-              </a:lnSpc>
-              <a:spcBef>
-                <a:spcPts val="0"/>
-              </a:spcBef>
-              <a:spcAft>
-                <a:spcPts val="0"/>
-              </a:spcAft>
-              <a:buClrTx/>
-              <a:buSzTx/>
-              <a:buFontTx/>
-              <a:buNone/>
-              <a:defRPr sz="4400" b="0" i="0" u="none" strike="noStrike" cap="none" spc="0" baseline="0">
-                <a:ln>
-                  <a:noFill/>
-                </a:ln>
-                <a:solidFill>
-                  <a:srgbClr val="000000"/>
-                </a:solidFill>
-                <a:uFillTx/>
-                <a:latin typeface="+mj-lt"/>
-                <a:ea typeface="+mj-ea"/>
-                <a:cs typeface="+mj-cs"/>
-                <a:sym typeface="Calibri"/>
-              </a:defRPr>
-            </a:lvl3pPr>
-            <a:lvl4pPr marL="0" marR="0" indent="0" algn="ctr" defTabSz="457200" rtl="0" latinLnBrk="0">
-              <a:lnSpc>
-                <a:spcPct val="100000"/>
-              </a:lnSpc>
-              <a:spcBef>
-                <a:spcPts val="0"/>
-              </a:spcBef>
-              <a:spcAft>
-                <a:spcPts val="0"/>
-              </a:spcAft>
-              <a:buClrTx/>
-              <a:buSzTx/>
-              <a:buFontTx/>
-              <a:buNone/>
-              <a:defRPr sz="4400" b="0" i="0" u="none" strike="noStrike" cap="none" spc="0" baseline="0">
-                <a:ln>
-                  <a:noFill/>
-                </a:ln>
-                <a:solidFill>
-                  <a:srgbClr val="000000"/>
-                </a:solidFill>
-                <a:uFillTx/>
-                <a:latin typeface="+mj-lt"/>
-                <a:ea typeface="+mj-ea"/>
-                <a:cs typeface="+mj-cs"/>
-                <a:sym typeface="Calibri"/>
-              </a:defRPr>
-            </a:lvl4pPr>
-            <a:lvl5pPr marL="0" marR="0" indent="0" algn="ctr" defTabSz="457200" rtl="0" latinLnBrk="0">
-              <a:lnSpc>
-                <a:spcPct val="100000"/>
-              </a:lnSpc>
-              <a:spcBef>
-                <a:spcPts val="0"/>
-              </a:spcBef>
-              <a:spcAft>
-                <a:spcPts val="0"/>
-              </a:spcAft>
-              <a:buClrTx/>
-              <a:buSzTx/>
-              <a:buFontTx/>
-              <a:buNone/>
-              <a:defRPr sz="4400" b="0" i="0" u="none" strike="noStrike" cap="none" spc="0" baseline="0">
-                <a:ln>
-                  <a:noFill/>
-                </a:ln>
-                <a:solidFill>
-                  <a:srgbClr val="000000"/>
-                </a:solidFill>
-                <a:uFillTx/>
-                <a:latin typeface="+mj-lt"/>
-                <a:ea typeface="+mj-ea"/>
-                <a:cs typeface="+mj-cs"/>
-                <a:sym typeface="Calibri"/>
-              </a:defRPr>
-            </a:lvl5pPr>
-            <a:lvl6pPr marL="0" marR="0" indent="0" algn="ctr" defTabSz="457200" rtl="0" latinLnBrk="0">
-              <a:lnSpc>
-                <a:spcPct val="100000"/>
-              </a:lnSpc>
-              <a:spcBef>
-                <a:spcPts val="0"/>
-              </a:spcBef>
-              <a:spcAft>
-                <a:spcPts val="0"/>
-              </a:spcAft>
-              <a:buClrTx/>
-              <a:buSzTx/>
-              <a:buFontTx/>
-              <a:buNone/>
-              <a:defRPr sz="4400" b="0" i="0" u="none" strike="noStrike" cap="none" spc="0" baseline="0">
-                <a:ln>
-                  <a:noFill/>
-                </a:ln>
-                <a:solidFill>
-                  <a:srgbClr val="000000"/>
-                </a:solidFill>
-                <a:uFillTx/>
-                <a:latin typeface="+mj-lt"/>
-                <a:ea typeface="+mj-ea"/>
-                <a:cs typeface="+mj-cs"/>
-                <a:sym typeface="Calibri"/>
-              </a:defRPr>
-            </a:lvl6pPr>
-            <a:lvl7pPr marL="0" marR="0" indent="0" algn="ctr" defTabSz="457200" rtl="0" latinLnBrk="0">
-              <a:lnSpc>
-                <a:spcPct val="100000"/>
-              </a:lnSpc>
-              <a:spcBef>
-                <a:spcPts val="0"/>
-              </a:spcBef>
-              <a:spcAft>
-                <a:spcPts val="0"/>
-              </a:spcAft>
-              <a:buClrTx/>
-              <a:buSzTx/>
-              <a:buFontTx/>
-              <a:buNone/>
-              <a:defRPr sz="4400" b="0" i="0" u="none" strike="noStrike" cap="none" spc="0" baseline="0">
-                <a:ln>
-                  <a:noFill/>
-                </a:ln>
-                <a:solidFill>
-                  <a:srgbClr val="000000"/>
-                </a:solidFill>
-                <a:uFillTx/>
-                <a:latin typeface="+mj-lt"/>
-                <a:ea typeface="+mj-ea"/>
-                <a:cs typeface="+mj-cs"/>
-                <a:sym typeface="Calibri"/>
-              </a:defRPr>
-            </a:lvl7pPr>
-            <a:lvl8pPr marL="0" marR="0" indent="0" algn="ctr" defTabSz="457200" rtl="0" latinLnBrk="0">
-              <a:lnSpc>
-                <a:spcPct val="100000"/>
-              </a:lnSpc>
-              <a:spcBef>
-                <a:spcPts val="0"/>
-              </a:spcBef>
-              <a:spcAft>
-                <a:spcPts val="0"/>
-              </a:spcAft>
-              <a:buClrTx/>
-              <a:buSzTx/>
-              <a:buFontTx/>
-              <a:buNone/>
-              <a:defRPr sz="4400" b="0" i="0" u="none" strike="noStrike" cap="none" spc="0" baseline="0">
-                <a:ln>
-                  <a:noFill/>
-                </a:ln>
-                <a:solidFill>
-                  <a:srgbClr val="000000"/>
-                </a:solidFill>
-                <a:uFillTx/>
-                <a:latin typeface="+mj-lt"/>
-                <a:ea typeface="+mj-ea"/>
-                <a:cs typeface="+mj-cs"/>
-                <a:sym typeface="Calibri"/>
-              </a:defRPr>
-            </a:lvl8pPr>
-            <a:lvl9pPr marL="0" marR="0" indent="0" algn="ctr" defTabSz="457200" rtl="0" latinLnBrk="0">
-              <a:lnSpc>
-                <a:spcPct val="100000"/>
-              </a:lnSpc>
-              <a:spcBef>
-                <a:spcPts val="0"/>
-              </a:spcBef>
-              <a:spcAft>
-                <a:spcPts val="0"/>
-              </a:spcAft>
-              <a:buClrTx/>
-              <a:buSzTx/>
-              <a:buFontTx/>
-              <a:buNone/>
-              <a:defRPr sz="4400" b="0" i="0" u="none" strike="noStrike" cap="none" spc="0" baseline="0">
-                <a:ln>
-                  <a:noFill/>
-                </a:ln>
-                <a:solidFill>
-                  <a:srgbClr val="000000"/>
-                </a:solidFill>
-                <a:uFillTx/>
-                <a:latin typeface="+mj-lt"/>
-                <a:ea typeface="+mj-ea"/>
-                <a:cs typeface="+mj-cs"/>
-                <a:sym typeface="Calibri"/>
-              </a:defRPr>
-            </a:lvl9pPr>
-          </a:lstStyle>
-          <a:p>
-            <a:pPr algn="l" hangingPunct="1"/>
-            <a:r>
-              <a:rPr lang="pt-BR" b="1" dirty="0">
-                <a:solidFill>
-                  <a:schemeClr val="bg1"/>
-                </a:solidFill>
-              </a:rPr>
-              <a:t>Agenda</a:t>
-            </a:r>
-            <a:endParaRPr lang="pt-BR" sz="4800" b="1" dirty="0">
-              <a:solidFill>
-                <a:schemeClr val="bg1"/>
-              </a:solidFill>
-            </a:endParaRPr>
-          </a:p>
-        </p:txBody>
-      </p:sp>
-      <p:cxnSp>
-        <p:nvCxnSpPr>
-          <p:cNvPr id="4" name="Conector reto 3">
-            <a:extLst>
-              <a:ext uri="{FF2B5EF4-FFF2-40B4-BE49-F238E27FC236}">
-                <a16:creationId xmlns:a16="http://schemas.microsoft.com/office/drawing/2014/main" id="{03121D4B-D5B7-4659-8B64-14968B90805C}"/>
-              </a:ext>
-            </a:extLst>
-          </p:cNvPr>
-          <p:cNvCxnSpPr>
-            <a:cxnSpLocks/>
-          </p:cNvCxnSpPr>
-          <p:nvPr/>
-        </p:nvCxnSpPr>
-        <p:spPr>
-          <a:xfrm flipV="1">
-            <a:off x="310728" y="902136"/>
-            <a:ext cx="8699160" cy="40954"/>
-          </a:xfrm>
-          <a:prstGeom prst="line">
-            <a:avLst/>
-          </a:prstGeom>
-          <a:ln w="38100">
-            <a:headEnd type="none" w="med" len="med"/>
-            <a:tailEnd type="none" w="med" len="med"/>
-          </a:ln>
-          <a:scene3d>
-            <a:camera prst="orthographicFront"/>
-            <a:lightRig rig="threePt" dir="t"/>
-          </a:scene3d>
-          <a:sp3d>
-            <a:bevelT prst="convex"/>
-          </a:sp3d>
-        </p:spPr>
-        <p:style>
-          <a:lnRef idx="3">
-            <a:schemeClr val="accent1"/>
-          </a:lnRef>
-          <a:fillRef idx="0">
-            <a:schemeClr val="accent1"/>
-          </a:fillRef>
-          <a:effectRef idx="2">
-            <a:schemeClr val="accent1"/>
-          </a:effectRef>
-          <a:fontRef idx="minor">
-            <a:schemeClr val="tx1"/>
-          </a:fontRef>
-        </p:style>
-      </p:cxnSp>
-    </p:spTree>
-  </p:cSld>
-  <p:clrMapOvr>
-    <a:masterClrMapping/>
-  </p:clrMapOvr>
-  <p:transition spd="med"/>
-</p:sld>
-</file>
-
-<file path=ppt/slides/slide3.xml><?xml version="1.0" encoding="utf-8"?>
+<file path=ppt/slides/slide12.xml><?xml version="1.0" encoding="utf-8"?>
 <p:sld xmlns:a="http://schemas.openxmlformats.org/drawingml/2006/main" xmlns:r="http://schemas.openxmlformats.org/officeDocument/2006/relationships" xmlns:p="http://schemas.openxmlformats.org/presentationml/2006/main">
   <p:cSld>
     <p:spTree>
@@ -6919,7 +5759,7 @@
                   <a:srgbClr val="0070C0"/>
                 </a:solidFill>
               </a:rPr>
-              <a:t>Apresentação</a:t>
+              <a:t>Unidades</a:t>
             </a:r>
             <a:r>
               <a:rPr lang="en-US" b="1" dirty="0">
@@ -6927,7 +5767,7 @@
                   <a:srgbClr val="0070C0"/>
                 </a:solidFill>
               </a:rPr>
-              <a:t> </a:t>
+              <a:t>/</a:t>
             </a:r>
             <a:r>
               <a:rPr lang="en-US" b="1" dirty="0" err="1">
@@ -6935,7 +5775,7 @@
                   <a:srgbClr val="0070C0"/>
                 </a:solidFill>
               </a:rPr>
-              <a:t>Pessoal</a:t>
+              <a:t>Conteúdos</a:t>
             </a:r>
             <a:endParaRPr lang="en-US" b="1" dirty="0">
               <a:solidFill>
@@ -6967,200 +5807,198 @@
           </a:bodyPr>
           <a:lstStyle/>
           <a:p>
-            <a:pPr algn="just" eaLnBrk="0" hangingPunct="0">
-              <a:buFont typeface="Wingdings" panose="05000000000000000000" pitchFamily="2" charset="2"/>
-              <a:buChar char="ü"/>
+            <a:pPr marL="457200" indent="-457200" algn="just" eaLnBrk="0" hangingPunct="0">
+              <a:buAutoNum type="arabicPeriod" startAt="5"/>
             </a:pPr>
             <a:r>
-              <a:rPr lang="pt-BR" altLang="pt-BR" sz="2400" b="1" dirty="0">
-                <a:solidFill>
-                  <a:srgbClr val="FF0000"/>
-                </a:solidFill>
-                <a:latin typeface="Times New Roman" panose="02020603050405020304" pitchFamily="18" charset="0"/>
-                <a:cs typeface="Times New Roman" panose="02020603050405020304" pitchFamily="18" charset="0"/>
-              </a:rPr>
-              <a:t>Analista de Sistemas; Lider SCRUM; Consultor e Docente</a:t>
-            </a:r>
-            <a:endParaRPr lang="pt-BR" altLang="pt-BR" sz="2400" b="1" dirty="0">
+              <a:rPr lang="pt-BR" sz="2200" dirty="0">
+                <a:solidFill>
+                  <a:schemeClr val="tx1"/>
+                </a:solidFill>
+                <a:latin typeface="Times New Roman" panose="02020603050405020304" pitchFamily="18" charset="0"/>
+                <a:cs typeface="Times New Roman" panose="02020603050405020304" pitchFamily="18" charset="0"/>
+              </a:rPr>
+              <a:t>Big Data </a:t>
+            </a:r>
+            <a:r>
+              <a:rPr lang="pt-BR" sz="2200" dirty="0" err="1">
+                <a:solidFill>
+                  <a:schemeClr val="tx1"/>
+                </a:solidFill>
+                <a:latin typeface="Times New Roman" panose="02020603050405020304" pitchFamily="18" charset="0"/>
+                <a:cs typeface="Times New Roman" panose="02020603050405020304" pitchFamily="18" charset="0"/>
+              </a:rPr>
+              <a:t>Analytics</a:t>
+            </a:r>
+            <a:r>
+              <a:rPr lang="pt-BR" sz="2200" dirty="0">
+                <a:solidFill>
+                  <a:schemeClr val="tx1"/>
+                </a:solidFill>
+                <a:latin typeface="Times New Roman" panose="02020603050405020304" pitchFamily="18" charset="0"/>
+                <a:cs typeface="Times New Roman" panose="02020603050405020304" pitchFamily="18" charset="0"/>
+              </a:rPr>
+              <a:t> (Atividade Prática Supervisionada)</a:t>
+            </a:r>
+          </a:p>
+          <a:p>
+            <a:pPr marL="457200" indent="-457200" algn="just" eaLnBrk="0" hangingPunct="0">
+              <a:buAutoNum type="arabicPeriod" startAt="5"/>
+            </a:pPr>
+            <a:endParaRPr lang="pt-BR" sz="2200" dirty="0">
               <a:solidFill>
-                <a:srgbClr val="0070C0"/>
+                <a:schemeClr val="tx1"/>
               </a:solidFill>
               <a:latin typeface="Times New Roman" panose="02020603050405020304" pitchFamily="18" charset="0"/>
               <a:cs typeface="Times New Roman" panose="02020603050405020304" pitchFamily="18" charset="0"/>
             </a:endParaRPr>
           </a:p>
           <a:p>
-            <a:pPr algn="just" eaLnBrk="0" hangingPunct="0">
-              <a:buFont typeface="Wingdings" panose="05000000000000000000" pitchFamily="2" charset="2"/>
-              <a:buChar char="ü"/>
+            <a:pPr marL="0" indent="0" algn="just" eaLnBrk="0" hangingPunct="0">
+              <a:buNone/>
             </a:pPr>
             <a:r>
-              <a:rPr lang="pt-BR" altLang="pt-BR" sz="2400" dirty="0">
-                <a:latin typeface="Times New Roman" panose="02020603050405020304" pitchFamily="18" charset="0"/>
-                <a:cs typeface="Times New Roman" panose="02020603050405020304" pitchFamily="18" charset="0"/>
-              </a:rPr>
-              <a:t>Doutorando Aluno Especial Ciência da Computação - UFBA 2018.2</a:t>
-            </a:r>
-          </a:p>
-          <a:p>
-            <a:pPr algn="just" eaLnBrk="0" hangingPunct="0">
-              <a:buFont typeface="Wingdings" panose="05000000000000000000" pitchFamily="2" charset="2"/>
-              <a:buChar char="ü"/>
-            </a:pPr>
-            <a:r>
-              <a:rPr lang="pt-BR" altLang="pt-BR" sz="2400" b="1" dirty="0" err="1">
-                <a:latin typeface="Times New Roman" panose="02020603050405020304" pitchFamily="18" charset="0"/>
-                <a:cs typeface="Times New Roman" panose="02020603050405020304" pitchFamily="18" charset="0"/>
-              </a:rPr>
-              <a:t>StrictoSensu-MSc</a:t>
-            </a:r>
-            <a:r>
-              <a:rPr lang="pt-BR" altLang="pt-BR" sz="2400" b="1" dirty="0">
-                <a:latin typeface="Times New Roman" panose="02020603050405020304" pitchFamily="18" charset="0"/>
-                <a:cs typeface="Times New Roman" panose="02020603050405020304" pitchFamily="18" charset="0"/>
-              </a:rPr>
-              <a:t> em </a:t>
-            </a:r>
-            <a:r>
-              <a:rPr lang="pt-BR" altLang="pt-BR" sz="2400" b="1" dirty="0" err="1">
-                <a:latin typeface="Times New Roman" panose="02020603050405020304" pitchFamily="18" charset="0"/>
-                <a:cs typeface="Times New Roman" panose="02020603050405020304" pitchFamily="18" charset="0"/>
-              </a:rPr>
-              <a:t>Sist</a:t>
-            </a:r>
-            <a:r>
-              <a:rPr lang="pt-BR" altLang="pt-BR" sz="2400" b="1" dirty="0">
-                <a:latin typeface="Times New Roman" panose="02020603050405020304" pitchFamily="18" charset="0"/>
-                <a:cs typeface="Times New Roman" panose="02020603050405020304" pitchFamily="18" charset="0"/>
-              </a:rPr>
-              <a:t> e Computação - UNIFACS</a:t>
-            </a:r>
-          </a:p>
-          <a:p>
-            <a:pPr algn="just" eaLnBrk="0" hangingPunct="0">
-              <a:buFont typeface="Wingdings" panose="05000000000000000000" pitchFamily="2" charset="2"/>
-              <a:buChar char="ü"/>
-            </a:pPr>
-            <a:r>
-              <a:rPr lang="pt-BR" altLang="pt-BR" sz="2400" b="1" dirty="0" err="1">
-                <a:latin typeface="Times New Roman" panose="02020603050405020304" pitchFamily="18" charset="0"/>
-                <a:cs typeface="Times New Roman" panose="02020603050405020304" pitchFamily="18" charset="0"/>
-              </a:rPr>
-              <a:t>LatoSensu</a:t>
-            </a:r>
-            <a:r>
-              <a:rPr lang="pt-BR" altLang="pt-BR" sz="2400" b="1" dirty="0">
-                <a:latin typeface="Times New Roman" panose="02020603050405020304" pitchFamily="18" charset="0"/>
-                <a:cs typeface="Times New Roman" panose="02020603050405020304" pitchFamily="18" charset="0"/>
-              </a:rPr>
-              <a:t>-MBA Gestão de Informação - UNIFACS</a:t>
-            </a:r>
-          </a:p>
-          <a:p>
-            <a:pPr algn="just" eaLnBrk="0" hangingPunct="0">
-              <a:buFont typeface="Wingdings" panose="05000000000000000000" pitchFamily="2" charset="2"/>
-              <a:buChar char="ü"/>
-            </a:pPr>
-            <a:r>
-              <a:rPr lang="pt-BR" altLang="pt-BR" sz="2400" b="1" dirty="0">
-                <a:solidFill>
-                  <a:schemeClr val="accent3">
-                    <a:lumMod val="50000"/>
-                  </a:schemeClr>
-                </a:solidFill>
-                <a:highlight>
-                  <a:srgbClr val="FFFF00"/>
-                </a:highlight>
-                <a:latin typeface="Times New Roman" panose="02020603050405020304" pitchFamily="18" charset="0"/>
-                <a:cs typeface="Times New Roman" panose="02020603050405020304" pitchFamily="18" charset="0"/>
-              </a:rPr>
-              <a:t>Engenheiro Eletricista 9º Semestre - </a:t>
-            </a:r>
-            <a:r>
-              <a:rPr lang="pt-BR" altLang="pt-BR" sz="2400" b="1" dirty="0" err="1">
-                <a:solidFill>
-                  <a:schemeClr val="accent3">
-                    <a:lumMod val="50000"/>
-                  </a:schemeClr>
-                </a:solidFill>
-                <a:highlight>
-                  <a:srgbClr val="FFFF00"/>
-                </a:highlight>
-                <a:latin typeface="Times New Roman" panose="02020603050405020304" pitchFamily="18" charset="0"/>
-                <a:cs typeface="Times New Roman" panose="02020603050405020304" pitchFamily="18" charset="0"/>
-              </a:rPr>
-              <a:t>UniRuy</a:t>
-            </a:r>
-            <a:r>
-              <a:rPr lang="pt-BR" altLang="pt-BR" sz="2400" b="1" dirty="0">
-                <a:solidFill>
-                  <a:schemeClr val="accent3">
-                    <a:lumMod val="50000"/>
-                  </a:schemeClr>
-                </a:solidFill>
-                <a:highlight>
-                  <a:srgbClr val="FFFF00"/>
-                </a:highlight>
-                <a:latin typeface="Times New Roman" panose="02020603050405020304" pitchFamily="18" charset="0"/>
-                <a:cs typeface="Times New Roman" panose="02020603050405020304" pitchFamily="18" charset="0"/>
-              </a:rPr>
-              <a:t> (Cursando)</a:t>
-            </a:r>
-          </a:p>
-          <a:p>
-            <a:pPr algn="just" eaLnBrk="0" hangingPunct="0">
-              <a:buFont typeface="Wingdings" panose="05000000000000000000" pitchFamily="2" charset="2"/>
-              <a:buChar char="ü"/>
-            </a:pPr>
-            <a:r>
-              <a:rPr lang="pt-BR" altLang="pt-BR" sz="2400" b="1" dirty="0">
-                <a:solidFill>
-                  <a:srgbClr val="0070C0"/>
-                </a:solidFill>
-                <a:latin typeface="Times New Roman" panose="02020603050405020304" pitchFamily="18" charset="0"/>
-                <a:cs typeface="Times New Roman" panose="02020603050405020304" pitchFamily="18" charset="0"/>
-              </a:rPr>
-              <a:t>Licenciatura R2 Matemática</a:t>
-            </a:r>
-          </a:p>
-          <a:p>
-            <a:pPr algn="just" eaLnBrk="0" hangingPunct="0">
-              <a:buFont typeface="Wingdings" panose="05000000000000000000" pitchFamily="2" charset="2"/>
-              <a:buChar char="ü"/>
-            </a:pPr>
-            <a:r>
-              <a:rPr lang="pt-BR" altLang="pt-BR" sz="2400" b="1" dirty="0">
-                <a:solidFill>
-                  <a:srgbClr val="FF0000"/>
-                </a:solidFill>
-                <a:latin typeface="Times New Roman" panose="02020603050405020304" pitchFamily="18" charset="0"/>
-                <a:cs typeface="Times New Roman" panose="02020603050405020304" pitchFamily="18" charset="0"/>
-              </a:rPr>
-              <a:t>Bacharel  em Ciências Estatísticas - ESEB</a:t>
-            </a:r>
-          </a:p>
-          <a:p>
-            <a:pPr algn="just" eaLnBrk="0" hangingPunct="0">
-              <a:buFont typeface="Wingdings" panose="05000000000000000000" pitchFamily="2" charset="2"/>
-              <a:buChar char="ü"/>
-            </a:pPr>
-            <a:r>
-              <a:rPr lang="pt-BR" altLang="pt-BR" sz="2400" b="1" dirty="0">
-                <a:solidFill>
-                  <a:srgbClr val="00B050"/>
-                </a:solidFill>
-                <a:latin typeface="Times New Roman" panose="02020603050405020304" pitchFamily="18" charset="0"/>
-                <a:cs typeface="Times New Roman" panose="02020603050405020304" pitchFamily="18" charset="0"/>
-              </a:rPr>
-              <a:t>Processamento Dados Profissionalizante - EEEMBA</a:t>
-            </a:r>
-            <a:endParaRPr lang="pt-BR" sz="2400" b="1" dirty="0">
+              <a:rPr lang="pt-BR" sz="2200" dirty="0">
+                <a:solidFill>
+                  <a:schemeClr val="tx1"/>
+                </a:solidFill>
+                <a:latin typeface="Times New Roman" panose="02020603050405020304" pitchFamily="18" charset="0"/>
+                <a:cs typeface="Times New Roman" panose="02020603050405020304" pitchFamily="18" charset="0"/>
+              </a:rPr>
+              <a:t>5.1 Compreendendo À Descoberta Do Conhecimento ­ </a:t>
+            </a:r>
+            <a:r>
+              <a:rPr lang="pt-BR" sz="2200" dirty="0" err="1">
+                <a:solidFill>
+                  <a:schemeClr val="tx1"/>
+                </a:solidFill>
+                <a:latin typeface="Times New Roman" panose="02020603050405020304" pitchFamily="18" charset="0"/>
+                <a:cs typeface="Times New Roman" panose="02020603050405020304" pitchFamily="18" charset="0"/>
+              </a:rPr>
+              <a:t>Kdd</a:t>
+            </a:r>
+            <a:endParaRPr lang="pt-BR" sz="2200" dirty="0">
               <a:solidFill>
-                <a:srgbClr val="00B050"/>
+                <a:schemeClr val="tx1"/>
               </a:solidFill>
               <a:latin typeface="Times New Roman" panose="02020603050405020304" pitchFamily="18" charset="0"/>
               <a:cs typeface="Times New Roman" panose="02020603050405020304" pitchFamily="18" charset="0"/>
             </a:endParaRPr>
+          </a:p>
+          <a:p>
+            <a:pPr marL="0" indent="0" algn="just" eaLnBrk="0" hangingPunct="0">
+              <a:buNone/>
+            </a:pPr>
+            <a:endParaRPr lang="pt-BR" sz="2200" dirty="0">
+              <a:solidFill>
+                <a:schemeClr val="tx1"/>
+              </a:solidFill>
+              <a:latin typeface="Times New Roman" panose="02020603050405020304" pitchFamily="18" charset="0"/>
+              <a:cs typeface="Times New Roman" panose="02020603050405020304" pitchFamily="18" charset="0"/>
+            </a:endParaRPr>
+          </a:p>
+          <a:p>
+            <a:pPr marL="0" indent="0" algn="just" eaLnBrk="0" hangingPunct="0">
+              <a:buNone/>
+            </a:pPr>
+            <a:r>
+              <a:rPr lang="pt-BR" sz="2200" dirty="0">
+                <a:solidFill>
+                  <a:schemeClr val="tx1"/>
+                </a:solidFill>
+                <a:latin typeface="Times New Roman" panose="02020603050405020304" pitchFamily="18" charset="0"/>
+                <a:cs typeface="Times New Roman" panose="02020603050405020304" pitchFamily="18" charset="0"/>
+              </a:rPr>
+              <a:t>5.2 Desmistificando Inteligência </a:t>
+            </a:r>
+            <a:r>
+              <a:rPr lang="pt-BR" sz="2200" dirty="0" err="1">
+                <a:solidFill>
+                  <a:schemeClr val="tx1"/>
+                </a:solidFill>
+                <a:latin typeface="Times New Roman" panose="02020603050405020304" pitchFamily="18" charset="0"/>
+                <a:cs typeface="Times New Roman" panose="02020603050405020304" pitchFamily="18" charset="0"/>
+              </a:rPr>
+              <a:t>Artifical</a:t>
+            </a:r>
+            <a:endParaRPr lang="pt-BR" sz="2200" dirty="0">
+              <a:solidFill>
+                <a:schemeClr val="tx1"/>
+              </a:solidFill>
+              <a:latin typeface="Times New Roman" panose="02020603050405020304" pitchFamily="18" charset="0"/>
+              <a:cs typeface="Times New Roman" panose="02020603050405020304" pitchFamily="18" charset="0"/>
+            </a:endParaRPr>
+          </a:p>
+          <a:p>
+            <a:pPr marL="0" indent="0" algn="just" eaLnBrk="0" hangingPunct="0">
+              <a:buNone/>
+            </a:pPr>
+            <a:endParaRPr lang="pt-BR" sz="2200" dirty="0">
+              <a:solidFill>
+                <a:schemeClr val="tx1"/>
+              </a:solidFill>
+              <a:latin typeface="Times New Roman" panose="02020603050405020304" pitchFamily="18" charset="0"/>
+              <a:cs typeface="Times New Roman" panose="02020603050405020304" pitchFamily="18" charset="0"/>
+            </a:endParaRPr>
+          </a:p>
+          <a:p>
+            <a:pPr marL="0" indent="0" algn="just" eaLnBrk="0" hangingPunct="0">
+              <a:buNone/>
+            </a:pPr>
+            <a:r>
+              <a:rPr lang="pt-BR" sz="2200" dirty="0">
+                <a:solidFill>
+                  <a:schemeClr val="tx1"/>
+                </a:solidFill>
+                <a:latin typeface="Times New Roman" panose="02020603050405020304" pitchFamily="18" charset="0"/>
+                <a:cs typeface="Times New Roman" panose="02020603050405020304" pitchFamily="18" charset="0"/>
+              </a:rPr>
+              <a:t>5.3 Aplicações De Aprendizado De Máquina Com </a:t>
+            </a:r>
+            <a:r>
+              <a:rPr lang="pt-BR" sz="2200" dirty="0" err="1">
+                <a:solidFill>
+                  <a:schemeClr val="tx1"/>
+                </a:solidFill>
+                <a:latin typeface="Times New Roman" panose="02020603050405020304" pitchFamily="18" charset="0"/>
+                <a:cs typeface="Times New Roman" panose="02020603050405020304" pitchFamily="18" charset="0"/>
+              </a:rPr>
+              <a:t>Tensor­flow</a:t>
+            </a:r>
+            <a:endParaRPr lang="pt-BR" sz="2200" dirty="0">
+              <a:solidFill>
+                <a:schemeClr val="tx1"/>
+              </a:solidFill>
+              <a:latin typeface="Times New Roman" panose="02020603050405020304" pitchFamily="18" charset="0"/>
+              <a:cs typeface="Times New Roman" panose="02020603050405020304" pitchFamily="18" charset="0"/>
+            </a:endParaRPr>
+          </a:p>
+          <a:p>
+            <a:pPr marL="0" indent="0" algn="just" eaLnBrk="0" hangingPunct="0">
+              <a:buNone/>
+            </a:pPr>
+            <a:endParaRPr lang="pt-BR" sz="2200" dirty="0">
+              <a:solidFill>
+                <a:schemeClr val="tx1"/>
+              </a:solidFill>
+              <a:latin typeface="Times New Roman" panose="02020603050405020304" pitchFamily="18" charset="0"/>
+              <a:cs typeface="Times New Roman" panose="02020603050405020304" pitchFamily="18" charset="0"/>
+            </a:endParaRPr>
+          </a:p>
+          <a:p>
+            <a:pPr marL="0" indent="0" algn="just" eaLnBrk="0" hangingPunct="0">
+              <a:buNone/>
+            </a:pPr>
+            <a:r>
+              <a:rPr lang="pt-BR" sz="2200" dirty="0">
+                <a:solidFill>
+                  <a:schemeClr val="tx1"/>
+                </a:solidFill>
+                <a:latin typeface="Times New Roman" panose="02020603050405020304" pitchFamily="18" charset="0"/>
+                <a:cs typeface="Times New Roman" panose="02020603050405020304" pitchFamily="18" charset="0"/>
+              </a:rPr>
+              <a:t>5.4 Aplicações De Aprendizado Profundo </a:t>
+            </a:r>
           </a:p>
         </p:txBody>
       </p:sp>
@@ -7216,7 +6054,7 @@
     </p:spTree>
     <p:extLst>
       <p:ext uri="{BB962C8B-B14F-4D97-AF65-F5344CB8AC3E}">
-        <p14:creationId xmlns:p14="http://schemas.microsoft.com/office/powerpoint/2010/main" val="1362980025"/>
+        <p14:creationId xmlns:p14="http://schemas.microsoft.com/office/powerpoint/2010/main" val="2413327699"/>
       </p:ext>
     </p:extLst>
   </p:cSld>
@@ -7227,578 +6065,7 @@
 </p:sld>
 </file>
 
-<file path=ppt/slides/slide4.xml><?xml version="1.0" encoding="utf-8"?>
-<p:sld xmlns:a="http://schemas.openxmlformats.org/drawingml/2006/main" xmlns:r="http://schemas.openxmlformats.org/officeDocument/2006/relationships" xmlns:p="http://schemas.openxmlformats.org/presentationml/2006/main">
-  <p:cSld>
-    <p:spTree>
-      <p:nvGrpSpPr>
-        <p:cNvPr id="1" name=""/>
-        <p:cNvGrpSpPr/>
-        <p:nvPr/>
-      </p:nvGrpSpPr>
-      <p:grpSpPr>
-        <a:xfrm>
-          <a:off x="0" y="0"/>
-          <a:ext cx="0" cy="0"/>
-          <a:chOff x="0" y="0"/>
-          <a:chExt cx="0" cy="0"/>
-        </a:xfrm>
-      </p:grpSpPr>
-      <p:sp>
-        <p:nvSpPr>
-          <p:cNvPr id="6" name="Title 1"/>
-          <p:cNvSpPr>
-            <a:spLocks noGrp="1"/>
-          </p:cNvSpPr>
-          <p:nvPr>
-            <p:ph type="title"/>
-          </p:nvPr>
-        </p:nvSpPr>
-        <p:spPr>
-          <a:xfrm>
-            <a:off x="457200" y="205980"/>
-            <a:ext cx="8229600" cy="857251"/>
-          </a:xfrm>
-        </p:spPr>
-        <p:txBody>
-          <a:bodyPr/>
-          <a:lstStyle/>
-          <a:p>
-            <a:r>
-              <a:rPr lang="en-US" b="1" dirty="0" err="1">
-                <a:solidFill>
-                  <a:srgbClr val="0070C0"/>
-                </a:solidFill>
-              </a:rPr>
-              <a:t>Visão</a:t>
-            </a:r>
-            <a:r>
-              <a:rPr lang="en-US" b="1" dirty="0">
-                <a:solidFill>
-                  <a:srgbClr val="0070C0"/>
-                </a:solidFill>
-              </a:rPr>
-              <a:t> </a:t>
-            </a:r>
-            <a:r>
-              <a:rPr lang="en-US" b="1" dirty="0" err="1">
-                <a:solidFill>
-                  <a:srgbClr val="0070C0"/>
-                </a:solidFill>
-              </a:rPr>
-              <a:t>Geral</a:t>
-            </a:r>
-            <a:r>
-              <a:rPr lang="en-US" b="1" dirty="0">
-                <a:solidFill>
-                  <a:srgbClr val="0070C0"/>
-                </a:solidFill>
-              </a:rPr>
-              <a:t> da </a:t>
-            </a:r>
-            <a:r>
-              <a:rPr lang="en-US" b="1" dirty="0" err="1">
-                <a:solidFill>
-                  <a:srgbClr val="0070C0"/>
-                </a:solidFill>
-              </a:rPr>
-              <a:t>Disciplina</a:t>
-            </a:r>
-            <a:endParaRPr lang="en-US" b="1" dirty="0">
-              <a:solidFill>
-                <a:srgbClr val="0070C0"/>
-              </a:solidFill>
-            </a:endParaRPr>
-          </a:p>
-        </p:txBody>
-      </p:sp>
-      <p:sp>
-        <p:nvSpPr>
-          <p:cNvPr id="8" name="Text Placeholder 2"/>
-          <p:cNvSpPr>
-            <a:spLocks noGrp="1"/>
-          </p:cNvSpPr>
-          <p:nvPr>
-            <p:ph type="body" sz="half" idx="1"/>
-          </p:nvPr>
-        </p:nvSpPr>
-        <p:spPr>
-          <a:xfrm>
-            <a:off x="142865" y="1104186"/>
-            <a:ext cx="8865056" cy="3957406"/>
-          </a:xfrm>
-        </p:spPr>
-        <p:txBody>
-          <a:bodyPr>
-            <a:noAutofit/>
-          </a:bodyPr>
-          <a:lstStyle/>
-          <a:p>
-            <a:pPr marL="0" indent="0" algn="just" eaLnBrk="0" hangingPunct="0">
-              <a:buNone/>
-            </a:pPr>
-            <a:r>
-              <a:rPr lang="pt-BR" altLang="pt-BR" sz="2000" dirty="0">
-                <a:solidFill>
-                  <a:schemeClr val="tx1"/>
-                </a:solidFill>
-                <a:latin typeface="Times New Roman" panose="02020603050405020304" pitchFamily="18" charset="0"/>
-                <a:cs typeface="Times New Roman" panose="02020603050405020304" pitchFamily="18" charset="0"/>
-              </a:rPr>
-              <a:t>A disciplina visa habilitar o discente na área da Ciência de Dados que se dedica ao estudo e desenvolvimento de técnicas na analise em grande volume de dados. </a:t>
-            </a:r>
-          </a:p>
-        </p:txBody>
-      </p:sp>
-      <p:cxnSp>
-        <p:nvCxnSpPr>
-          <p:cNvPr id="4" name="Conector reto 3">
-            <a:extLst>
-              <a:ext uri="{FF2B5EF4-FFF2-40B4-BE49-F238E27FC236}">
-                <a16:creationId xmlns:a16="http://schemas.microsoft.com/office/drawing/2014/main" id="{53C1D5BE-B08D-43BA-9100-4319F7669DAD}"/>
-              </a:ext>
-            </a:extLst>
-          </p:cNvPr>
-          <p:cNvCxnSpPr>
-            <a:cxnSpLocks/>
-          </p:cNvCxnSpPr>
-          <p:nvPr/>
-        </p:nvCxnSpPr>
-        <p:spPr>
-          <a:xfrm flipV="1">
-            <a:off x="310728" y="902136"/>
-            <a:ext cx="8699160" cy="40954"/>
-          </a:xfrm>
-          <a:prstGeom prst="line">
-            <a:avLst/>
-          </a:prstGeom>
-          <a:ln w="38100">
-            <a:headEnd type="none" w="med" len="med"/>
-            <a:tailEnd type="none" w="med" len="med"/>
-          </a:ln>
-          <a:scene3d>
-            <a:camera prst="orthographicFront"/>
-            <a:lightRig rig="threePt" dir="t"/>
-          </a:scene3d>
-          <a:sp3d>
-            <a:bevelT prst="convex"/>
-          </a:sp3d>
-        </p:spPr>
-        <p:style>
-          <a:lnRef idx="3">
-            <a:schemeClr val="accent1"/>
-          </a:lnRef>
-          <a:fillRef idx="0">
-            <a:schemeClr val="accent1"/>
-          </a:fillRef>
-          <a:effectRef idx="2">
-            <a:schemeClr val="accent1"/>
-          </a:effectRef>
-          <a:fontRef idx="minor">
-            <a:schemeClr val="tx1"/>
-          </a:fontRef>
-        </p:style>
-      </p:cxnSp>
-    </p:spTree>
-    <p:extLst>
-      <p:ext uri="{BB962C8B-B14F-4D97-AF65-F5344CB8AC3E}">
-        <p14:creationId xmlns:p14="http://schemas.microsoft.com/office/powerpoint/2010/main" val="1798440960"/>
-      </p:ext>
-    </p:extLst>
-  </p:cSld>
-  <p:clrMapOvr>
-    <a:masterClrMapping/>
-  </p:clrMapOvr>
-  <p:transition spd="med"/>
-</p:sld>
-</file>
-
-<file path=ppt/slides/slide5.xml><?xml version="1.0" encoding="utf-8"?>
-<p:sld xmlns:a="http://schemas.openxmlformats.org/drawingml/2006/main" xmlns:r="http://schemas.openxmlformats.org/officeDocument/2006/relationships" xmlns:p="http://schemas.openxmlformats.org/presentationml/2006/main">
-  <p:cSld>
-    <p:spTree>
-      <p:nvGrpSpPr>
-        <p:cNvPr id="1" name=""/>
-        <p:cNvGrpSpPr/>
-        <p:nvPr/>
-      </p:nvGrpSpPr>
-      <p:grpSpPr>
-        <a:xfrm>
-          <a:off x="0" y="0"/>
-          <a:ext cx="0" cy="0"/>
-          <a:chOff x="0" y="0"/>
-          <a:chExt cx="0" cy="0"/>
-        </a:xfrm>
-      </p:grpSpPr>
-      <p:sp>
-        <p:nvSpPr>
-          <p:cNvPr id="6" name="Title 1"/>
-          <p:cNvSpPr>
-            <a:spLocks noGrp="1"/>
-          </p:cNvSpPr>
-          <p:nvPr>
-            <p:ph type="title"/>
-          </p:nvPr>
-        </p:nvSpPr>
-        <p:spPr>
-          <a:xfrm>
-            <a:off x="457200" y="205980"/>
-            <a:ext cx="8229600" cy="857251"/>
-          </a:xfrm>
-        </p:spPr>
-        <p:txBody>
-          <a:bodyPr/>
-          <a:lstStyle/>
-          <a:p>
-            <a:r>
-              <a:rPr lang="en-US" b="1" dirty="0" err="1">
-                <a:solidFill>
-                  <a:srgbClr val="0070C0"/>
-                </a:solidFill>
-              </a:rPr>
-              <a:t>Objetivos</a:t>
-            </a:r>
-            <a:r>
-              <a:rPr lang="en-US" b="1" dirty="0">
-                <a:solidFill>
-                  <a:srgbClr val="0070C0"/>
-                </a:solidFill>
-              </a:rPr>
-              <a:t>/</a:t>
-            </a:r>
-            <a:r>
-              <a:rPr lang="en-US" b="1" dirty="0" err="1">
-                <a:solidFill>
-                  <a:srgbClr val="0070C0"/>
-                </a:solidFill>
-              </a:rPr>
-              <a:t>Habilidades</a:t>
-            </a:r>
-            <a:endParaRPr lang="en-US" b="1" dirty="0">
-              <a:solidFill>
-                <a:srgbClr val="0070C0"/>
-              </a:solidFill>
-            </a:endParaRPr>
-          </a:p>
-        </p:txBody>
-      </p:sp>
-      <p:sp>
-        <p:nvSpPr>
-          <p:cNvPr id="8" name="Text Placeholder 2"/>
-          <p:cNvSpPr>
-            <a:spLocks noGrp="1"/>
-          </p:cNvSpPr>
-          <p:nvPr>
-            <p:ph type="body" sz="half" idx="1"/>
-          </p:nvPr>
-        </p:nvSpPr>
-        <p:spPr>
-          <a:xfrm>
-            <a:off x="142865" y="1104186"/>
-            <a:ext cx="8865056" cy="3833334"/>
-          </a:xfrm>
-        </p:spPr>
-        <p:txBody>
-          <a:bodyPr>
-            <a:noAutofit/>
-          </a:bodyPr>
-          <a:lstStyle/>
-          <a:p>
-            <a:pPr algn="just" eaLnBrk="0" hangingPunct="0">
-              <a:buFont typeface="Wingdings" panose="05000000000000000000" pitchFamily="2" charset="2"/>
-              <a:buChar char="§"/>
-            </a:pPr>
-            <a:r>
-              <a:rPr lang="pt-BR" sz="2000" dirty="0">
-                <a:solidFill>
-                  <a:schemeClr val="tx1"/>
-                </a:solidFill>
-                <a:latin typeface="Times New Roman" panose="02020603050405020304" pitchFamily="18" charset="0"/>
-                <a:cs typeface="Times New Roman" panose="02020603050405020304" pitchFamily="18" charset="0"/>
-              </a:rPr>
-              <a:t>Aplicar os principais conceitos de </a:t>
-            </a:r>
-            <a:r>
-              <a:rPr lang="pt-BR" sz="2000" dirty="0" err="1">
-                <a:solidFill>
-                  <a:schemeClr val="tx1"/>
-                </a:solidFill>
-                <a:latin typeface="Times New Roman" panose="02020603050405020304" pitchFamily="18" charset="0"/>
-                <a:cs typeface="Times New Roman" panose="02020603050405020304" pitchFamily="18" charset="0"/>
-              </a:rPr>
-              <a:t>bigdata</a:t>
-            </a:r>
-            <a:r>
-              <a:rPr lang="pt-BR" sz="2000" dirty="0">
-                <a:solidFill>
-                  <a:schemeClr val="tx1"/>
-                </a:solidFill>
-                <a:latin typeface="Times New Roman" panose="02020603050405020304" pitchFamily="18" charset="0"/>
-                <a:cs typeface="Times New Roman" panose="02020603050405020304" pitchFamily="18" charset="0"/>
-              </a:rPr>
-              <a:t> para desenvolver habilidades de resolução de problemas em computação.</a:t>
-            </a:r>
-          </a:p>
-        </p:txBody>
-      </p:sp>
-      <p:cxnSp>
-        <p:nvCxnSpPr>
-          <p:cNvPr id="4" name="Conector reto 3">
-            <a:extLst>
-              <a:ext uri="{FF2B5EF4-FFF2-40B4-BE49-F238E27FC236}">
-                <a16:creationId xmlns:a16="http://schemas.microsoft.com/office/drawing/2014/main" id="{53C1D5BE-B08D-43BA-9100-4319F7669DAD}"/>
-              </a:ext>
-            </a:extLst>
-          </p:cNvPr>
-          <p:cNvCxnSpPr>
-            <a:cxnSpLocks/>
-          </p:cNvCxnSpPr>
-          <p:nvPr/>
-        </p:nvCxnSpPr>
-        <p:spPr>
-          <a:xfrm flipV="1">
-            <a:off x="310728" y="902136"/>
-            <a:ext cx="8699160" cy="40954"/>
-          </a:xfrm>
-          <a:prstGeom prst="line">
-            <a:avLst/>
-          </a:prstGeom>
-          <a:ln w="38100">
-            <a:headEnd type="none" w="med" len="med"/>
-            <a:tailEnd type="none" w="med" len="med"/>
-          </a:ln>
-          <a:scene3d>
-            <a:camera prst="orthographicFront"/>
-            <a:lightRig rig="threePt" dir="t"/>
-          </a:scene3d>
-          <a:sp3d>
-            <a:bevelT prst="convex"/>
-          </a:sp3d>
-        </p:spPr>
-        <p:style>
-          <a:lnRef idx="3">
-            <a:schemeClr val="accent1"/>
-          </a:lnRef>
-          <a:fillRef idx="0">
-            <a:schemeClr val="accent1"/>
-          </a:fillRef>
-          <a:effectRef idx="2">
-            <a:schemeClr val="accent1"/>
-          </a:effectRef>
-          <a:fontRef idx="minor">
-            <a:schemeClr val="tx1"/>
-          </a:fontRef>
-        </p:style>
-      </p:cxnSp>
-    </p:spTree>
-    <p:extLst>
-      <p:ext uri="{BB962C8B-B14F-4D97-AF65-F5344CB8AC3E}">
-        <p14:creationId xmlns:p14="http://schemas.microsoft.com/office/powerpoint/2010/main" val="3905993212"/>
-      </p:ext>
-    </p:extLst>
-  </p:cSld>
-  <p:clrMapOvr>
-    <a:masterClrMapping/>
-  </p:clrMapOvr>
-  <p:transition spd="med"/>
-</p:sld>
-</file>
-
-<file path=ppt/slides/slide6.xml><?xml version="1.0" encoding="utf-8"?>
-<p:sld xmlns:a="http://schemas.openxmlformats.org/drawingml/2006/main" xmlns:r="http://schemas.openxmlformats.org/officeDocument/2006/relationships" xmlns:p="http://schemas.openxmlformats.org/presentationml/2006/main">
-  <p:cSld>
-    <p:spTree>
-      <p:nvGrpSpPr>
-        <p:cNvPr id="1" name=""/>
-        <p:cNvGrpSpPr/>
-        <p:nvPr/>
-      </p:nvGrpSpPr>
-      <p:grpSpPr>
-        <a:xfrm>
-          <a:off x="0" y="0"/>
-          <a:ext cx="0" cy="0"/>
-          <a:chOff x="0" y="0"/>
-          <a:chExt cx="0" cy="0"/>
-        </a:xfrm>
-      </p:grpSpPr>
-      <p:sp>
-        <p:nvSpPr>
-          <p:cNvPr id="6" name="Title 1"/>
-          <p:cNvSpPr>
-            <a:spLocks noGrp="1"/>
-          </p:cNvSpPr>
-          <p:nvPr>
-            <p:ph type="title"/>
-          </p:nvPr>
-        </p:nvSpPr>
-        <p:spPr>
-          <a:xfrm>
-            <a:off x="457200" y="205980"/>
-            <a:ext cx="8229600" cy="857251"/>
-          </a:xfrm>
-        </p:spPr>
-        <p:txBody>
-          <a:bodyPr/>
-          <a:lstStyle/>
-          <a:p>
-            <a:r>
-              <a:rPr lang="en-US" b="1" dirty="0" err="1">
-                <a:solidFill>
-                  <a:srgbClr val="0070C0"/>
-                </a:solidFill>
-              </a:rPr>
-              <a:t>Unidades</a:t>
-            </a:r>
-            <a:r>
-              <a:rPr lang="en-US" b="1" dirty="0">
-                <a:solidFill>
-                  <a:srgbClr val="0070C0"/>
-                </a:solidFill>
-              </a:rPr>
-              <a:t>/</a:t>
-            </a:r>
-            <a:r>
-              <a:rPr lang="en-US" b="1" dirty="0" err="1">
-                <a:solidFill>
-                  <a:srgbClr val="0070C0"/>
-                </a:solidFill>
-              </a:rPr>
-              <a:t>Conteúdos</a:t>
-            </a:r>
-            <a:endParaRPr lang="en-US" b="1" dirty="0">
-              <a:solidFill>
-                <a:srgbClr val="0070C0"/>
-              </a:solidFill>
-            </a:endParaRPr>
-          </a:p>
-        </p:txBody>
-      </p:sp>
-      <p:sp>
-        <p:nvSpPr>
-          <p:cNvPr id="8" name="Text Placeholder 2"/>
-          <p:cNvSpPr>
-            <a:spLocks noGrp="1"/>
-          </p:cNvSpPr>
-          <p:nvPr>
-            <p:ph type="body" sz="half" idx="1"/>
-          </p:nvPr>
-        </p:nvSpPr>
-        <p:spPr>
-          <a:xfrm>
-            <a:off x="142865" y="1104186"/>
-            <a:ext cx="8865056" cy="3833334"/>
-          </a:xfrm>
-        </p:spPr>
-        <p:txBody>
-          <a:bodyPr>
-            <a:noAutofit/>
-          </a:bodyPr>
-          <a:lstStyle/>
-          <a:p>
-            <a:pPr marL="0" indent="0" algn="just" eaLnBrk="0" hangingPunct="0">
-              <a:buNone/>
-            </a:pPr>
-            <a:endParaRPr lang="pt-BR" sz="2200" dirty="0">
-              <a:solidFill>
-                <a:schemeClr val="tx1"/>
-              </a:solidFill>
-              <a:latin typeface="Times New Roman" panose="02020603050405020304" pitchFamily="18" charset="0"/>
-              <a:cs typeface="Times New Roman" panose="02020603050405020304" pitchFamily="18" charset="0"/>
-            </a:endParaRPr>
-          </a:p>
-          <a:p>
-            <a:pPr marL="0" indent="0" algn="just" eaLnBrk="0" hangingPunct="0">
-              <a:buNone/>
-            </a:pPr>
-            <a:endParaRPr lang="pt-BR" sz="2200" dirty="0">
-              <a:solidFill>
-                <a:schemeClr val="tx1"/>
-              </a:solidFill>
-              <a:latin typeface="Times New Roman" panose="02020603050405020304" pitchFamily="18" charset="0"/>
-              <a:cs typeface="Times New Roman" panose="02020603050405020304" pitchFamily="18" charset="0"/>
-            </a:endParaRPr>
-          </a:p>
-          <a:p>
-            <a:pPr marL="0" indent="0" algn="just" eaLnBrk="0" hangingPunct="0">
-              <a:buNone/>
-            </a:pPr>
-            <a:r>
-              <a:rPr lang="pt-BR" sz="2200" dirty="0">
-                <a:solidFill>
-                  <a:schemeClr val="tx1"/>
-                </a:solidFill>
-                <a:latin typeface="Times New Roman" panose="02020603050405020304" pitchFamily="18" charset="0"/>
-                <a:cs typeface="Times New Roman" panose="02020603050405020304" pitchFamily="18" charset="0"/>
-              </a:rPr>
-              <a:t>Conforme plano de ensino.</a:t>
-            </a:r>
-          </a:p>
-        </p:txBody>
-      </p:sp>
-      <p:cxnSp>
-        <p:nvCxnSpPr>
-          <p:cNvPr id="4" name="Conector reto 3">
-            <a:extLst>
-              <a:ext uri="{FF2B5EF4-FFF2-40B4-BE49-F238E27FC236}">
-                <a16:creationId xmlns:a16="http://schemas.microsoft.com/office/drawing/2014/main" id="{53C1D5BE-B08D-43BA-9100-4319F7669DAD}"/>
-              </a:ext>
-            </a:extLst>
-          </p:cNvPr>
-          <p:cNvCxnSpPr>
-            <a:cxnSpLocks/>
-          </p:cNvCxnSpPr>
-          <p:nvPr/>
-        </p:nvCxnSpPr>
-        <p:spPr>
-          <a:xfrm flipV="1">
-            <a:off x="310728" y="902136"/>
-            <a:ext cx="8699160" cy="40954"/>
-          </a:xfrm>
-          <a:prstGeom prst="line">
-            <a:avLst/>
-          </a:prstGeom>
-          <a:ln w="38100">
-            <a:headEnd type="none" w="med" len="med"/>
-            <a:tailEnd type="none" w="med" len="med"/>
-          </a:ln>
-          <a:scene3d>
-            <a:camera prst="orthographicFront"/>
-            <a:lightRig rig="threePt" dir="t"/>
-          </a:scene3d>
-          <a:sp3d>
-            <a:bevelT prst="convex"/>
-          </a:sp3d>
-        </p:spPr>
-        <p:style>
-          <a:lnRef idx="3">
-            <a:schemeClr val="accent1"/>
-          </a:lnRef>
-          <a:fillRef idx="0">
-            <a:schemeClr val="accent1"/>
-          </a:fillRef>
-          <a:effectRef idx="2">
-            <a:schemeClr val="accent1"/>
-          </a:effectRef>
-          <a:fontRef idx="minor">
-            <a:schemeClr val="tx1"/>
-          </a:fontRef>
-        </p:style>
-      </p:cxnSp>
-    </p:spTree>
-    <p:extLst>
-      <p:ext uri="{BB962C8B-B14F-4D97-AF65-F5344CB8AC3E}">
-        <p14:creationId xmlns:p14="http://schemas.microsoft.com/office/powerpoint/2010/main" val="1452653908"/>
-      </p:ext>
-    </p:extLst>
-  </p:cSld>
-  <p:clrMapOvr>
-    <a:masterClrMapping/>
-  </p:clrMapOvr>
-  <p:transition spd="med"/>
-</p:sld>
-</file>
-
-<file path=ppt/slides/slide7.xml><?xml version="1.0" encoding="utf-8"?>
+<file path=ppt/slides/slide13.xml><?xml version="1.0" encoding="utf-8"?>
 <p:sld xmlns:a="http://schemas.openxmlformats.org/drawingml/2006/main" xmlns:r="http://schemas.openxmlformats.org/officeDocument/2006/relationships" xmlns:p="http://schemas.openxmlformats.org/presentationml/2006/main">
   <p:cSld>
     <p:spTree>
@@ -8129,7 +6396,7 @@
 </p:sld>
 </file>
 
-<file path=ppt/slides/slide8.xml><?xml version="1.0" encoding="utf-8"?>
+<file path=ppt/slides/slide14.xml><?xml version="1.0" encoding="utf-8"?>
 <p:sld xmlns:a="http://schemas.openxmlformats.org/drawingml/2006/main" xmlns:r="http://schemas.openxmlformats.org/officeDocument/2006/relationships" xmlns:p="http://schemas.openxmlformats.org/presentationml/2006/main">
   <p:cSld>
     <p:spTree>
@@ -8452,7 +6719,7 @@
 </p:sld>
 </file>
 
-<file path=ppt/slides/slide9.xml><?xml version="1.0" encoding="utf-8"?>
+<file path=ppt/slides/slide15.xml><?xml version="1.0" encoding="utf-8"?>
 <p:sld xmlns:a="http://schemas.openxmlformats.org/drawingml/2006/main" xmlns:r="http://schemas.openxmlformats.org/officeDocument/2006/relationships" xmlns:p="http://schemas.openxmlformats.org/presentationml/2006/main">
   <p:cSld>
     <p:spTree>
@@ -8533,7 +6800,7 @@
             <a:fld id="{E50FAC2A-6E90-4BEA-B3BF-15B8E63C5B7E}" type="slidenum">
               <a:rPr lang="pt-BR" smtClean="0"/>
               <a:pPr/>
-              <a:t>9</a:t>
+              <a:t>15</a:t>
             </a:fld>
             <a:endParaRPr lang="pt-BR"/>
           </a:p>
@@ -9453,6 +7720,5590 @@
       </p:par>
     </p:tnLst>
   </p:timing>
+</p:sld>
+</file>
+
+<file path=ppt/slides/slide16.xml><?xml version="1.0" encoding="utf-8"?>
+<p:sld xmlns:a="http://schemas.openxmlformats.org/drawingml/2006/main" xmlns:r="http://schemas.openxmlformats.org/officeDocument/2006/relationships" xmlns:p="http://schemas.openxmlformats.org/presentationml/2006/main">
+  <p:cSld>
+    <p:spTree>
+      <p:nvGrpSpPr>
+        <p:cNvPr id="1" name=""/>
+        <p:cNvGrpSpPr/>
+        <p:nvPr/>
+      </p:nvGrpSpPr>
+      <p:grpSpPr>
+        <a:xfrm>
+          <a:off x="0" y="0"/>
+          <a:ext cx="0" cy="0"/>
+          <a:chOff x="0" y="0"/>
+          <a:chExt cx="0" cy="0"/>
+        </a:xfrm>
+      </p:grpSpPr>
+      <p:sp>
+        <p:nvSpPr>
+          <p:cNvPr id="2" name="Título 1">
+            <a:extLst>
+              <a:ext uri="{FF2B5EF4-FFF2-40B4-BE49-F238E27FC236}">
+                <a16:creationId xmlns:a16="http://schemas.microsoft.com/office/drawing/2014/main" id="{BE70F8CA-DC02-4D15-8261-E003DFCF721F}"/>
+              </a:ext>
+            </a:extLst>
+          </p:cNvPr>
+          <p:cNvSpPr>
+            <a:spLocks noGrp="1"/>
+          </p:cNvSpPr>
+          <p:nvPr>
+            <p:ph type="title"/>
+          </p:nvPr>
+        </p:nvSpPr>
+        <p:spPr>
+          <a:xfrm>
+            <a:off x="822960" y="214953"/>
+            <a:ext cx="7543800" cy="1088068"/>
+          </a:xfrm>
+        </p:spPr>
+        <p:txBody>
+          <a:bodyPr>
+            <a:normAutofit/>
+          </a:bodyPr>
+          <a:lstStyle/>
+          <a:p>
+            <a:pPr defTabSz="336947">
+              <a:defRPr/>
+            </a:pPr>
+            <a:r>
+              <a:rPr lang="en-US" sz="4400" b="1" dirty="0" err="1">
+                <a:solidFill>
+                  <a:srgbClr val="0070C0"/>
+                </a:solidFill>
+              </a:rPr>
+              <a:t>Datas</a:t>
+            </a:r>
+            <a:r>
+              <a:rPr lang="en-US" sz="4400" b="1" dirty="0">
+                <a:solidFill>
+                  <a:srgbClr val="0070C0"/>
+                </a:solidFill>
+              </a:rPr>
+              <a:t> </a:t>
+            </a:r>
+            <a:r>
+              <a:rPr lang="en-US" sz="4400" b="1" dirty="0" err="1">
+                <a:solidFill>
+                  <a:srgbClr val="0070C0"/>
+                </a:solidFill>
+              </a:rPr>
+              <a:t>Avaliativas</a:t>
+            </a:r>
+            <a:r>
+              <a:rPr lang="en-US" sz="4400" b="1" dirty="0">
+                <a:solidFill>
+                  <a:srgbClr val="0070C0"/>
+                </a:solidFill>
+              </a:rPr>
+              <a:t> 2024.1</a:t>
+            </a:r>
+            <a:endParaRPr lang="en-US" sz="2400" dirty="0">
+              <a:latin typeface="Calibri"/>
+              <a:cs typeface="Calibri"/>
+            </a:endParaRPr>
+          </a:p>
+        </p:txBody>
+      </p:sp>
+      <p:sp>
+        <p:nvSpPr>
+          <p:cNvPr id="3" name="Espaço Reservado para Conteúdo 2">
+            <a:extLst>
+              <a:ext uri="{FF2B5EF4-FFF2-40B4-BE49-F238E27FC236}">
+                <a16:creationId xmlns:a16="http://schemas.microsoft.com/office/drawing/2014/main" id="{9E0854B4-920E-4A2E-8691-75CA4973B341}"/>
+              </a:ext>
+            </a:extLst>
+          </p:cNvPr>
+          <p:cNvSpPr>
+            <a:spLocks noGrp="1"/>
+          </p:cNvSpPr>
+          <p:nvPr>
+            <p:ph idx="1"/>
+          </p:nvPr>
+        </p:nvSpPr>
+        <p:spPr/>
+        <p:txBody>
+          <a:bodyPr>
+            <a:normAutofit/>
+          </a:bodyPr>
+          <a:lstStyle/>
+          <a:p>
+            <a:r>
+              <a:rPr lang="pt-BR" sz="2000" b="1" dirty="0">
+                <a:solidFill>
+                  <a:schemeClr val="tx1"/>
+                </a:solidFill>
+                <a:latin typeface="Times New Roman" panose="02020603050405020304" pitchFamily="18" charset="0"/>
+                <a:cs typeface="Times New Roman" panose="02020603050405020304" pitchFamily="18" charset="0"/>
+              </a:rPr>
+              <a:t>Avaliando o Aprendizado 1 (Presencial):</a:t>
+            </a:r>
+            <a:r>
+              <a:rPr lang="pt-BR" sz="2000" dirty="0">
+                <a:solidFill>
+                  <a:schemeClr val="tx1"/>
+                </a:solidFill>
+                <a:latin typeface="Times New Roman" panose="02020603050405020304" pitchFamily="18" charset="0"/>
+                <a:cs typeface="Times New Roman" panose="02020603050405020304" pitchFamily="18" charset="0"/>
+              </a:rPr>
+              <a:t> </a:t>
+            </a:r>
+          </a:p>
+          <a:p>
+            <a:endParaRPr lang="pt-BR" sz="2000" b="1" dirty="0">
+              <a:solidFill>
+                <a:schemeClr val="tx1"/>
+              </a:solidFill>
+              <a:latin typeface="Times New Roman" panose="02020603050405020304" pitchFamily="18" charset="0"/>
+              <a:cs typeface="Times New Roman" panose="02020603050405020304" pitchFamily="18" charset="0"/>
+            </a:endParaRPr>
+          </a:p>
+          <a:p>
+            <a:r>
+              <a:rPr lang="pt-BR" sz="2000" b="1" dirty="0">
+                <a:solidFill>
+                  <a:schemeClr val="tx1"/>
+                </a:solidFill>
+                <a:latin typeface="Times New Roman" panose="02020603050405020304" pitchFamily="18" charset="0"/>
+                <a:cs typeface="Times New Roman" panose="02020603050405020304" pitchFamily="18" charset="0"/>
+              </a:rPr>
+              <a:t>Avaliando o Aprendizado 2 (Online):</a:t>
+            </a:r>
+            <a:r>
+              <a:rPr lang="pt-BR" sz="2000" dirty="0">
+                <a:solidFill>
+                  <a:schemeClr val="tx1"/>
+                </a:solidFill>
+                <a:latin typeface="Times New Roman" panose="02020603050405020304" pitchFamily="18" charset="0"/>
+                <a:cs typeface="Times New Roman" panose="02020603050405020304" pitchFamily="18" charset="0"/>
+              </a:rPr>
+              <a:t> </a:t>
+            </a:r>
+            <a:endParaRPr lang="pt-BR" sz="2000" b="1" dirty="0">
+              <a:solidFill>
+                <a:srgbClr val="FF0000"/>
+              </a:solidFill>
+              <a:latin typeface="Times New Roman" panose="02020603050405020304" pitchFamily="18" charset="0"/>
+              <a:cs typeface="Times New Roman" panose="02020603050405020304" pitchFamily="18" charset="0"/>
+            </a:endParaRPr>
+          </a:p>
+          <a:p>
+            <a:endParaRPr lang="pt-BR" sz="2000" b="1" dirty="0">
+              <a:solidFill>
+                <a:schemeClr val="tx1"/>
+              </a:solidFill>
+              <a:latin typeface="Times New Roman" panose="02020603050405020304" pitchFamily="18" charset="0"/>
+              <a:cs typeface="Times New Roman" panose="02020603050405020304" pitchFamily="18" charset="0"/>
+            </a:endParaRPr>
+          </a:p>
+          <a:p>
+            <a:r>
+              <a:rPr lang="pt-BR" sz="2000" b="1" dirty="0">
+                <a:solidFill>
+                  <a:schemeClr val="tx1"/>
+                </a:solidFill>
+                <a:latin typeface="Times New Roman" panose="02020603050405020304" pitchFamily="18" charset="0"/>
+                <a:cs typeface="Times New Roman" panose="02020603050405020304" pitchFamily="18" charset="0"/>
+              </a:rPr>
+              <a:t>AV (Presencial):</a:t>
+            </a:r>
+            <a:r>
+              <a:rPr lang="pt-BR" sz="2000" dirty="0">
+                <a:solidFill>
+                  <a:schemeClr val="tx1"/>
+                </a:solidFill>
+                <a:latin typeface="Times New Roman" panose="02020603050405020304" pitchFamily="18" charset="0"/>
+                <a:cs typeface="Times New Roman" panose="02020603050405020304" pitchFamily="18" charset="0"/>
+              </a:rPr>
+              <a:t> </a:t>
+            </a:r>
+          </a:p>
+          <a:p>
+            <a:endParaRPr lang="pt-BR" sz="2000" b="1" dirty="0">
+              <a:solidFill>
+                <a:srgbClr val="002060"/>
+              </a:solidFill>
+              <a:latin typeface="Times New Roman" panose="02020603050405020304" pitchFamily="18" charset="0"/>
+              <a:cs typeface="Times New Roman" panose="02020603050405020304" pitchFamily="18" charset="0"/>
+            </a:endParaRPr>
+          </a:p>
+          <a:p>
+            <a:r>
+              <a:rPr lang="pt-BR" sz="2000" b="1" dirty="0">
+                <a:solidFill>
+                  <a:srgbClr val="002060"/>
+                </a:solidFill>
+                <a:latin typeface="Times New Roman" panose="02020603050405020304" pitchFamily="18" charset="0"/>
+                <a:cs typeface="Times New Roman" panose="02020603050405020304" pitchFamily="18" charset="0"/>
+              </a:rPr>
+              <a:t>FIM DO SEMESTRE LETIVO:</a:t>
+            </a:r>
+            <a:r>
+              <a:rPr lang="pt-BR" sz="2000" dirty="0">
+                <a:solidFill>
+                  <a:schemeClr val="tx1"/>
+                </a:solidFill>
+                <a:latin typeface="Times New Roman" panose="02020603050405020304" pitchFamily="18" charset="0"/>
+                <a:cs typeface="Times New Roman" panose="02020603050405020304" pitchFamily="18" charset="0"/>
+              </a:rPr>
+              <a:t> </a:t>
+            </a:r>
+            <a:endParaRPr lang="pt-BR" sz="2000" b="1" dirty="0">
+              <a:solidFill>
+                <a:srgbClr val="FF0000"/>
+              </a:solidFill>
+              <a:latin typeface="Times New Roman" panose="02020603050405020304" pitchFamily="18" charset="0"/>
+              <a:cs typeface="Times New Roman" panose="02020603050405020304" pitchFamily="18" charset="0"/>
+            </a:endParaRPr>
+          </a:p>
+        </p:txBody>
+      </p:sp>
+      <p:sp>
+        <p:nvSpPr>
+          <p:cNvPr id="6" name="Espaço Reservado para Número de Slide 5">
+            <a:extLst>
+              <a:ext uri="{FF2B5EF4-FFF2-40B4-BE49-F238E27FC236}">
+                <a16:creationId xmlns:a16="http://schemas.microsoft.com/office/drawing/2014/main" id="{391249D3-C59D-41E6-AF88-D8DF193EA7EB}"/>
+              </a:ext>
+            </a:extLst>
+          </p:cNvPr>
+          <p:cNvSpPr>
+            <a:spLocks noGrp="1"/>
+          </p:cNvSpPr>
+          <p:nvPr>
+            <p:ph type="sldNum" sz="quarter" idx="12"/>
+          </p:nvPr>
+        </p:nvSpPr>
+        <p:spPr>
+          <a:xfrm>
+            <a:off x="8424556" y="4765688"/>
+            <a:ext cx="262247" cy="276995"/>
+          </a:xfrm>
+        </p:spPr>
+        <p:txBody>
+          <a:bodyPr/>
+          <a:lstStyle/>
+          <a:p>
+            <a:fld id="{E50FAC2A-6E90-4BEA-B3BF-15B8E63C5B7E}" type="slidenum">
+              <a:rPr lang="pt-BR" smtClean="0"/>
+              <a:pPr/>
+              <a:t>16</a:t>
+            </a:fld>
+            <a:endParaRPr lang="pt-BR"/>
+          </a:p>
+        </p:txBody>
+      </p:sp>
+    </p:spTree>
+    <p:extLst>
+      <p:ext uri="{BB962C8B-B14F-4D97-AF65-F5344CB8AC3E}">
+        <p14:creationId xmlns:p14="http://schemas.microsoft.com/office/powerpoint/2010/main" val="2726569474"/>
+      </p:ext>
+    </p:extLst>
+  </p:cSld>
+  <p:clrMapOvr>
+    <a:masterClrMapping/>
+  </p:clrMapOvr>
+</p:sld>
+</file>
+
+<file path=ppt/slides/slide17.xml><?xml version="1.0" encoding="utf-8"?>
+<p:sld xmlns:a="http://schemas.openxmlformats.org/drawingml/2006/main" xmlns:r="http://schemas.openxmlformats.org/officeDocument/2006/relationships" xmlns:p="http://schemas.openxmlformats.org/presentationml/2006/main">
+  <p:cSld>
+    <p:spTree>
+      <p:nvGrpSpPr>
+        <p:cNvPr id="1" name=""/>
+        <p:cNvGrpSpPr/>
+        <p:nvPr/>
+      </p:nvGrpSpPr>
+      <p:grpSpPr>
+        <a:xfrm>
+          <a:off x="0" y="0"/>
+          <a:ext cx="0" cy="0"/>
+          <a:chOff x="0" y="0"/>
+          <a:chExt cx="0" cy="0"/>
+        </a:xfrm>
+      </p:grpSpPr>
+      <p:sp>
+        <p:nvSpPr>
+          <p:cNvPr id="6" name="Title 1"/>
+          <p:cNvSpPr>
+            <a:spLocks noGrp="1"/>
+          </p:cNvSpPr>
+          <p:nvPr>
+            <p:ph type="title"/>
+          </p:nvPr>
+        </p:nvSpPr>
+        <p:spPr>
+          <a:xfrm>
+            <a:off x="457200" y="205980"/>
+            <a:ext cx="8229600" cy="857251"/>
+          </a:xfrm>
+        </p:spPr>
+        <p:txBody>
+          <a:bodyPr/>
+          <a:lstStyle/>
+          <a:p>
+            <a:r>
+              <a:rPr lang="en-US" b="1" dirty="0" err="1">
+                <a:solidFill>
+                  <a:srgbClr val="0070C0"/>
+                </a:solidFill>
+              </a:rPr>
+              <a:t>Referências</a:t>
+            </a:r>
+            <a:r>
+              <a:rPr lang="en-US" b="1" dirty="0">
+                <a:solidFill>
+                  <a:srgbClr val="0070C0"/>
+                </a:solidFill>
+              </a:rPr>
+              <a:t> </a:t>
+            </a:r>
+            <a:r>
+              <a:rPr lang="en-US" b="1" dirty="0" err="1">
+                <a:solidFill>
+                  <a:srgbClr val="0070C0"/>
+                </a:solidFill>
+              </a:rPr>
+              <a:t>Bibliográficas</a:t>
+            </a:r>
+            <a:endParaRPr lang="en-US" b="1" dirty="0">
+              <a:solidFill>
+                <a:srgbClr val="0070C0"/>
+              </a:solidFill>
+            </a:endParaRPr>
+          </a:p>
+        </p:txBody>
+      </p:sp>
+      <p:sp>
+        <p:nvSpPr>
+          <p:cNvPr id="8" name="Text Placeholder 2"/>
+          <p:cNvSpPr>
+            <a:spLocks noGrp="1"/>
+          </p:cNvSpPr>
+          <p:nvPr>
+            <p:ph type="body" sz="half" idx="1"/>
+          </p:nvPr>
+        </p:nvSpPr>
+        <p:spPr>
+          <a:xfrm>
+            <a:off x="142865" y="1116712"/>
+            <a:ext cx="8865056" cy="3833334"/>
+          </a:xfrm>
+        </p:spPr>
+        <p:txBody>
+          <a:bodyPr>
+            <a:noAutofit/>
+          </a:bodyPr>
+          <a:lstStyle/>
+          <a:p>
+            <a:pPr algn="just" eaLnBrk="0" hangingPunct="0"/>
+            <a:r>
+              <a:rPr lang="pt-BR" sz="1800" b="1" u="sng" dirty="0">
+                <a:solidFill>
+                  <a:schemeClr val="tx1"/>
+                </a:solidFill>
+                <a:latin typeface="Times New Roman" panose="02020603050405020304" pitchFamily="18" charset="0"/>
+                <a:cs typeface="Times New Roman" panose="02020603050405020304" pitchFamily="18" charset="0"/>
+              </a:rPr>
+              <a:t>BÁSICA</a:t>
+            </a:r>
+          </a:p>
+          <a:p>
+            <a:pPr marL="0" indent="0" algn="just" eaLnBrk="0" hangingPunct="0">
+              <a:buNone/>
+            </a:pPr>
+            <a:endParaRPr lang="pt-BR" sz="1600" dirty="0">
+              <a:solidFill>
+                <a:schemeClr val="tx1"/>
+              </a:solidFill>
+              <a:latin typeface="Times New Roman" panose="02020603050405020304" pitchFamily="18" charset="0"/>
+              <a:cs typeface="Times New Roman" panose="02020603050405020304" pitchFamily="18" charset="0"/>
+            </a:endParaRPr>
+          </a:p>
+          <a:p>
+            <a:pPr marL="0" indent="0" algn="just" eaLnBrk="0" hangingPunct="0">
+              <a:buNone/>
+            </a:pPr>
+            <a:r>
+              <a:rPr lang="pt-BR" sz="1600" b="1" dirty="0">
+                <a:solidFill>
+                  <a:srgbClr val="FF0000"/>
+                </a:solidFill>
+                <a:latin typeface="Times New Roman" panose="02020603050405020304" pitchFamily="18" charset="0"/>
+                <a:cs typeface="Times New Roman" panose="02020603050405020304" pitchFamily="18" charset="0"/>
+              </a:rPr>
+              <a:t>FACELI, </a:t>
+            </a:r>
+            <a:r>
+              <a:rPr lang="pt-BR" sz="1600" b="1" dirty="0" err="1">
+                <a:solidFill>
+                  <a:srgbClr val="FF0000"/>
+                </a:solidFill>
+                <a:latin typeface="Times New Roman" panose="02020603050405020304" pitchFamily="18" charset="0"/>
+                <a:cs typeface="Times New Roman" panose="02020603050405020304" pitchFamily="18" charset="0"/>
+              </a:rPr>
+              <a:t>Katti</a:t>
+            </a:r>
+            <a:r>
+              <a:rPr lang="pt-BR" sz="1600" dirty="0">
+                <a:solidFill>
+                  <a:schemeClr val="tx1"/>
+                </a:solidFill>
+                <a:latin typeface="Times New Roman" panose="02020603050405020304" pitchFamily="18" charset="0"/>
+                <a:cs typeface="Times New Roman" panose="02020603050405020304" pitchFamily="18" charset="0"/>
+              </a:rPr>
+              <a:t>. Inteligência Artificial ​ Uma abordagem de aprendizado de máquina [BV:MB]. 2ª</a:t>
+            </a:r>
+          </a:p>
+          <a:p>
+            <a:pPr marL="0" indent="0" algn="just" eaLnBrk="0" hangingPunct="0">
+              <a:buNone/>
+            </a:pPr>
+            <a:r>
+              <a:rPr lang="pt-BR" sz="1600" dirty="0">
+                <a:solidFill>
+                  <a:schemeClr val="tx1"/>
+                </a:solidFill>
+                <a:latin typeface="Times New Roman" panose="02020603050405020304" pitchFamily="18" charset="0"/>
+                <a:cs typeface="Times New Roman" panose="02020603050405020304" pitchFamily="18" charset="0"/>
+              </a:rPr>
+              <a:t>Ed.. Rio de Janeiro: LTC, 2021.</a:t>
+            </a:r>
+          </a:p>
+          <a:p>
+            <a:pPr marL="0" indent="0" algn="just" eaLnBrk="0" hangingPunct="0">
+              <a:buNone/>
+            </a:pPr>
+            <a:r>
+              <a:rPr lang="pt-BR" sz="1600" b="1" dirty="0">
+                <a:solidFill>
+                  <a:schemeClr val="tx1"/>
+                </a:solidFill>
+                <a:latin typeface="Times New Roman" panose="02020603050405020304" pitchFamily="18" charset="0"/>
+                <a:cs typeface="Times New Roman" panose="02020603050405020304" pitchFamily="18" charset="0"/>
+              </a:rPr>
+              <a:t>Disponível em</a:t>
+            </a:r>
+            <a:r>
+              <a:rPr lang="pt-BR" sz="1600" dirty="0">
+                <a:solidFill>
+                  <a:schemeClr val="tx1"/>
+                </a:solidFill>
+                <a:latin typeface="Times New Roman" panose="02020603050405020304" pitchFamily="18" charset="0"/>
+                <a:cs typeface="Times New Roman" panose="02020603050405020304" pitchFamily="18" charset="0"/>
+              </a:rPr>
+              <a:t>: https://integrada.minhabiblioteca.com.br/books/9788521637509/</a:t>
+            </a:r>
+          </a:p>
+          <a:p>
+            <a:pPr marL="0" indent="0" algn="just" eaLnBrk="0" hangingPunct="0">
+              <a:buNone/>
+            </a:pPr>
+            <a:endParaRPr lang="pt-BR" sz="1600" dirty="0">
+              <a:solidFill>
+                <a:schemeClr val="tx1"/>
+              </a:solidFill>
+              <a:latin typeface="Times New Roman" panose="02020603050405020304" pitchFamily="18" charset="0"/>
+              <a:cs typeface="Times New Roman" panose="02020603050405020304" pitchFamily="18" charset="0"/>
+            </a:endParaRPr>
+          </a:p>
+          <a:p>
+            <a:pPr marL="0" indent="0" algn="just" eaLnBrk="0" hangingPunct="0">
+              <a:buNone/>
+            </a:pPr>
+            <a:r>
+              <a:rPr lang="pt-BR" sz="1600" b="1" dirty="0">
+                <a:solidFill>
+                  <a:srgbClr val="FF0000"/>
+                </a:solidFill>
+                <a:latin typeface="Times New Roman" panose="02020603050405020304" pitchFamily="18" charset="0"/>
+                <a:cs typeface="Times New Roman" panose="02020603050405020304" pitchFamily="18" charset="0"/>
+              </a:rPr>
+              <a:t>FREZATTI, Fábio. </a:t>
+            </a:r>
+            <a:r>
+              <a:rPr lang="pt-BR" sz="1600" dirty="0">
+                <a:solidFill>
+                  <a:schemeClr val="tx1"/>
+                </a:solidFill>
+                <a:latin typeface="Times New Roman" panose="02020603050405020304" pitchFamily="18" charset="0"/>
+                <a:cs typeface="Times New Roman" panose="02020603050405020304" pitchFamily="18" charset="0"/>
+              </a:rPr>
+              <a:t>Aprendizagem Baseada em Problemas. São Paulo: Grupo GEN, 2018.</a:t>
+            </a:r>
+          </a:p>
+          <a:p>
+            <a:pPr marL="0" indent="0" algn="just" eaLnBrk="0" hangingPunct="0">
+              <a:buNone/>
+            </a:pPr>
+            <a:endParaRPr lang="pt-BR" sz="1600" dirty="0">
+              <a:solidFill>
+                <a:schemeClr val="tx1"/>
+              </a:solidFill>
+              <a:latin typeface="Times New Roman" panose="02020603050405020304" pitchFamily="18" charset="0"/>
+              <a:cs typeface="Times New Roman" panose="02020603050405020304" pitchFamily="18" charset="0"/>
+            </a:endParaRPr>
+          </a:p>
+          <a:p>
+            <a:pPr marL="0" indent="0" algn="just" eaLnBrk="0" hangingPunct="0">
+              <a:buNone/>
+            </a:pPr>
+            <a:r>
+              <a:rPr lang="pt-BR" sz="1600" b="1" dirty="0">
+                <a:solidFill>
+                  <a:srgbClr val="FF0000"/>
+                </a:solidFill>
+                <a:latin typeface="Times New Roman" panose="02020603050405020304" pitchFamily="18" charset="0"/>
+                <a:cs typeface="Times New Roman" panose="02020603050405020304" pitchFamily="18" charset="0"/>
+              </a:rPr>
+              <a:t>GOLDSCHMIDT, Ronaldo</a:t>
+            </a:r>
+            <a:r>
+              <a:rPr lang="pt-BR" sz="1600" dirty="0">
+                <a:solidFill>
+                  <a:schemeClr val="tx1"/>
+                </a:solidFill>
+                <a:latin typeface="Times New Roman" panose="02020603050405020304" pitchFamily="18" charset="0"/>
+                <a:cs typeface="Times New Roman" panose="02020603050405020304" pitchFamily="18" charset="0"/>
+              </a:rPr>
+              <a:t>. Data Mining ­ Conceitos, técnicas, algoritmos, orientações e</a:t>
+            </a:r>
+          </a:p>
+          <a:p>
+            <a:pPr marL="0" indent="0" algn="just" eaLnBrk="0" hangingPunct="0">
+              <a:buNone/>
+            </a:pPr>
+            <a:r>
+              <a:rPr lang="pt-BR" sz="1600" dirty="0">
+                <a:solidFill>
+                  <a:schemeClr val="tx1"/>
+                </a:solidFill>
+                <a:latin typeface="Times New Roman" panose="02020603050405020304" pitchFamily="18" charset="0"/>
+                <a:cs typeface="Times New Roman" panose="02020603050405020304" pitchFamily="18" charset="0"/>
+              </a:rPr>
+              <a:t>aplicações [BV:MB]. Rio de Janeiro: Elsevier, 2015.</a:t>
+            </a:r>
+          </a:p>
+          <a:p>
+            <a:pPr marL="0" indent="0" algn="just" eaLnBrk="0" hangingPunct="0">
+              <a:buNone/>
+            </a:pPr>
+            <a:r>
+              <a:rPr lang="pt-BR" sz="1600" b="1" dirty="0">
+                <a:solidFill>
+                  <a:schemeClr val="tx1"/>
+                </a:solidFill>
+                <a:latin typeface="Times New Roman" panose="02020603050405020304" pitchFamily="18" charset="0"/>
+                <a:cs typeface="Times New Roman" panose="02020603050405020304" pitchFamily="18" charset="0"/>
+              </a:rPr>
+              <a:t>Disponível em</a:t>
+            </a:r>
+            <a:r>
+              <a:rPr lang="pt-BR" sz="1600" dirty="0">
+                <a:solidFill>
+                  <a:schemeClr val="tx1"/>
+                </a:solidFill>
+                <a:latin typeface="Times New Roman" panose="02020603050405020304" pitchFamily="18" charset="0"/>
+                <a:cs typeface="Times New Roman" panose="02020603050405020304" pitchFamily="18" charset="0"/>
+              </a:rPr>
+              <a:t>: https://integrada.minhabiblioteca.com.br/books/9788595156395/</a:t>
+            </a:r>
+          </a:p>
+        </p:txBody>
+      </p:sp>
+      <p:cxnSp>
+        <p:nvCxnSpPr>
+          <p:cNvPr id="4" name="Conector reto 3">
+            <a:extLst>
+              <a:ext uri="{FF2B5EF4-FFF2-40B4-BE49-F238E27FC236}">
+                <a16:creationId xmlns:a16="http://schemas.microsoft.com/office/drawing/2014/main" id="{53C1D5BE-B08D-43BA-9100-4319F7669DAD}"/>
+              </a:ext>
+            </a:extLst>
+          </p:cNvPr>
+          <p:cNvCxnSpPr>
+            <a:cxnSpLocks/>
+          </p:cNvCxnSpPr>
+          <p:nvPr/>
+        </p:nvCxnSpPr>
+        <p:spPr>
+          <a:xfrm flipV="1">
+            <a:off x="310728" y="902136"/>
+            <a:ext cx="8699160" cy="40954"/>
+          </a:xfrm>
+          <a:prstGeom prst="line">
+            <a:avLst/>
+          </a:prstGeom>
+          <a:ln w="38100">
+            <a:headEnd type="none" w="med" len="med"/>
+            <a:tailEnd type="none" w="med" len="med"/>
+          </a:ln>
+          <a:scene3d>
+            <a:camera prst="orthographicFront"/>
+            <a:lightRig rig="threePt" dir="t"/>
+          </a:scene3d>
+          <a:sp3d>
+            <a:bevelT prst="convex"/>
+          </a:sp3d>
+        </p:spPr>
+        <p:style>
+          <a:lnRef idx="3">
+            <a:schemeClr val="accent1"/>
+          </a:lnRef>
+          <a:fillRef idx="0">
+            <a:schemeClr val="accent1"/>
+          </a:fillRef>
+          <a:effectRef idx="2">
+            <a:schemeClr val="accent1"/>
+          </a:effectRef>
+          <a:fontRef idx="minor">
+            <a:schemeClr val="tx1"/>
+          </a:fontRef>
+        </p:style>
+      </p:cxnSp>
+    </p:spTree>
+    <p:extLst>
+      <p:ext uri="{BB962C8B-B14F-4D97-AF65-F5344CB8AC3E}">
+        <p14:creationId xmlns:p14="http://schemas.microsoft.com/office/powerpoint/2010/main" val="3363891325"/>
+      </p:ext>
+    </p:extLst>
+  </p:cSld>
+  <p:clrMapOvr>
+    <a:masterClrMapping/>
+  </p:clrMapOvr>
+  <p:transition spd="med"/>
+</p:sld>
+</file>
+
+<file path=ppt/slides/slide18.xml><?xml version="1.0" encoding="utf-8"?>
+<p:sld xmlns:a="http://schemas.openxmlformats.org/drawingml/2006/main" xmlns:r="http://schemas.openxmlformats.org/officeDocument/2006/relationships" xmlns:p="http://schemas.openxmlformats.org/presentationml/2006/main">
+  <p:cSld>
+    <p:spTree>
+      <p:nvGrpSpPr>
+        <p:cNvPr id="1" name=""/>
+        <p:cNvGrpSpPr/>
+        <p:nvPr/>
+      </p:nvGrpSpPr>
+      <p:grpSpPr>
+        <a:xfrm>
+          <a:off x="0" y="0"/>
+          <a:ext cx="0" cy="0"/>
+          <a:chOff x="0" y="0"/>
+          <a:chExt cx="0" cy="0"/>
+        </a:xfrm>
+      </p:grpSpPr>
+      <p:sp>
+        <p:nvSpPr>
+          <p:cNvPr id="6" name="Title 1"/>
+          <p:cNvSpPr>
+            <a:spLocks noGrp="1"/>
+          </p:cNvSpPr>
+          <p:nvPr>
+            <p:ph type="title"/>
+          </p:nvPr>
+        </p:nvSpPr>
+        <p:spPr>
+          <a:xfrm>
+            <a:off x="457200" y="205980"/>
+            <a:ext cx="8229600" cy="857251"/>
+          </a:xfrm>
+        </p:spPr>
+        <p:txBody>
+          <a:bodyPr/>
+          <a:lstStyle/>
+          <a:p>
+            <a:r>
+              <a:rPr lang="en-US" b="1" dirty="0" err="1">
+                <a:solidFill>
+                  <a:srgbClr val="0070C0"/>
+                </a:solidFill>
+              </a:rPr>
+              <a:t>Referências</a:t>
+            </a:r>
+            <a:r>
+              <a:rPr lang="en-US" b="1" dirty="0">
+                <a:solidFill>
+                  <a:srgbClr val="0070C0"/>
+                </a:solidFill>
+              </a:rPr>
+              <a:t> </a:t>
+            </a:r>
+            <a:r>
+              <a:rPr lang="en-US" b="1" dirty="0" err="1">
+                <a:solidFill>
+                  <a:srgbClr val="0070C0"/>
+                </a:solidFill>
+              </a:rPr>
+              <a:t>Bibliográficas</a:t>
+            </a:r>
+            <a:endParaRPr lang="en-US" b="1" dirty="0">
+              <a:solidFill>
+                <a:srgbClr val="0070C0"/>
+              </a:solidFill>
+            </a:endParaRPr>
+          </a:p>
+        </p:txBody>
+      </p:sp>
+      <p:sp>
+        <p:nvSpPr>
+          <p:cNvPr id="8" name="Text Placeholder 2"/>
+          <p:cNvSpPr>
+            <a:spLocks noGrp="1"/>
+          </p:cNvSpPr>
+          <p:nvPr>
+            <p:ph type="body" sz="half" idx="1"/>
+          </p:nvPr>
+        </p:nvSpPr>
+        <p:spPr>
+          <a:xfrm>
+            <a:off x="142865" y="1116712"/>
+            <a:ext cx="8865056" cy="3833334"/>
+          </a:xfrm>
+        </p:spPr>
+        <p:txBody>
+          <a:bodyPr>
+            <a:noAutofit/>
+          </a:bodyPr>
+          <a:lstStyle/>
+          <a:p>
+            <a:pPr algn="just" eaLnBrk="0" hangingPunct="0"/>
+            <a:r>
+              <a:rPr lang="pt-BR" sz="1800" b="1" u="sng" dirty="0">
+                <a:solidFill>
+                  <a:schemeClr val="tx1"/>
+                </a:solidFill>
+                <a:latin typeface="Times New Roman" panose="02020603050405020304" pitchFamily="18" charset="0"/>
+                <a:cs typeface="Times New Roman" panose="02020603050405020304" pitchFamily="18" charset="0"/>
+              </a:rPr>
+              <a:t>BÁSICA</a:t>
+            </a:r>
+          </a:p>
+          <a:p>
+            <a:pPr marL="0" indent="0" algn="just" eaLnBrk="0" hangingPunct="0">
+              <a:buNone/>
+            </a:pPr>
+            <a:endParaRPr lang="pt-BR" sz="1600" dirty="0">
+              <a:solidFill>
+                <a:schemeClr val="tx1"/>
+              </a:solidFill>
+              <a:latin typeface="Times New Roman" panose="02020603050405020304" pitchFamily="18" charset="0"/>
+              <a:cs typeface="Times New Roman" panose="02020603050405020304" pitchFamily="18" charset="0"/>
+            </a:endParaRPr>
+          </a:p>
+          <a:p>
+            <a:pPr marL="0" indent="0" algn="just" eaLnBrk="0" hangingPunct="0">
+              <a:buNone/>
+            </a:pPr>
+            <a:r>
+              <a:rPr lang="pt-BR" sz="1600" b="1" dirty="0">
+                <a:solidFill>
+                  <a:srgbClr val="FF0000"/>
+                </a:solidFill>
+                <a:latin typeface="Times New Roman" panose="02020603050405020304" pitchFamily="18" charset="0"/>
+                <a:cs typeface="Times New Roman" panose="02020603050405020304" pitchFamily="18" charset="0"/>
+              </a:rPr>
+              <a:t>PEREIRA, Mariana Araújo. </a:t>
+            </a:r>
+            <a:r>
+              <a:rPr lang="pt-BR" sz="1600" dirty="0">
+                <a:solidFill>
+                  <a:schemeClr val="tx1"/>
+                </a:solidFill>
+                <a:latin typeface="Times New Roman" panose="02020603050405020304" pitchFamily="18" charset="0"/>
+                <a:cs typeface="Times New Roman" panose="02020603050405020304" pitchFamily="18" charset="0"/>
+              </a:rPr>
+              <a:t>Framework de Big Data [BV:MB]. Porto Alegre: SAGAH, 2019.</a:t>
+            </a:r>
+          </a:p>
+          <a:p>
+            <a:pPr marL="0" indent="0" algn="just" eaLnBrk="0" hangingPunct="0">
+              <a:buNone/>
+            </a:pPr>
+            <a:r>
+              <a:rPr lang="pt-BR" sz="1600" b="1" dirty="0">
+                <a:solidFill>
+                  <a:schemeClr val="tx1"/>
+                </a:solidFill>
+                <a:latin typeface="Times New Roman" panose="02020603050405020304" pitchFamily="18" charset="0"/>
+                <a:cs typeface="Times New Roman" panose="02020603050405020304" pitchFamily="18" charset="0"/>
+              </a:rPr>
+              <a:t>Disponível em</a:t>
+            </a:r>
+            <a:r>
+              <a:rPr lang="pt-BR" sz="1600" dirty="0">
+                <a:solidFill>
+                  <a:schemeClr val="tx1"/>
+                </a:solidFill>
+                <a:latin typeface="Times New Roman" panose="02020603050405020304" pitchFamily="18" charset="0"/>
+                <a:cs typeface="Times New Roman" panose="02020603050405020304" pitchFamily="18" charset="0"/>
+              </a:rPr>
+              <a:t>: https://integrada.minhabiblioteca.com.br/books/9786556900803/	</a:t>
+            </a:r>
+          </a:p>
+        </p:txBody>
+      </p:sp>
+      <p:cxnSp>
+        <p:nvCxnSpPr>
+          <p:cNvPr id="4" name="Conector reto 3">
+            <a:extLst>
+              <a:ext uri="{FF2B5EF4-FFF2-40B4-BE49-F238E27FC236}">
+                <a16:creationId xmlns:a16="http://schemas.microsoft.com/office/drawing/2014/main" id="{53C1D5BE-B08D-43BA-9100-4319F7669DAD}"/>
+              </a:ext>
+            </a:extLst>
+          </p:cNvPr>
+          <p:cNvCxnSpPr>
+            <a:cxnSpLocks/>
+          </p:cNvCxnSpPr>
+          <p:nvPr/>
+        </p:nvCxnSpPr>
+        <p:spPr>
+          <a:xfrm flipV="1">
+            <a:off x="310728" y="902136"/>
+            <a:ext cx="8699160" cy="40954"/>
+          </a:xfrm>
+          <a:prstGeom prst="line">
+            <a:avLst/>
+          </a:prstGeom>
+          <a:ln w="38100">
+            <a:headEnd type="none" w="med" len="med"/>
+            <a:tailEnd type="none" w="med" len="med"/>
+          </a:ln>
+          <a:scene3d>
+            <a:camera prst="orthographicFront"/>
+            <a:lightRig rig="threePt" dir="t"/>
+          </a:scene3d>
+          <a:sp3d>
+            <a:bevelT prst="convex"/>
+          </a:sp3d>
+        </p:spPr>
+        <p:style>
+          <a:lnRef idx="3">
+            <a:schemeClr val="accent1"/>
+          </a:lnRef>
+          <a:fillRef idx="0">
+            <a:schemeClr val="accent1"/>
+          </a:fillRef>
+          <a:effectRef idx="2">
+            <a:schemeClr val="accent1"/>
+          </a:effectRef>
+          <a:fontRef idx="minor">
+            <a:schemeClr val="tx1"/>
+          </a:fontRef>
+        </p:style>
+      </p:cxnSp>
+    </p:spTree>
+    <p:extLst>
+      <p:ext uri="{BB962C8B-B14F-4D97-AF65-F5344CB8AC3E}">
+        <p14:creationId xmlns:p14="http://schemas.microsoft.com/office/powerpoint/2010/main" val="60544467"/>
+      </p:ext>
+    </p:extLst>
+  </p:cSld>
+  <p:clrMapOvr>
+    <a:masterClrMapping/>
+  </p:clrMapOvr>
+  <p:transition spd="med"/>
+</p:sld>
+</file>
+
+<file path=ppt/slides/slide19.xml><?xml version="1.0" encoding="utf-8"?>
+<p:sld xmlns:a="http://schemas.openxmlformats.org/drawingml/2006/main" xmlns:r="http://schemas.openxmlformats.org/officeDocument/2006/relationships" xmlns:p="http://schemas.openxmlformats.org/presentationml/2006/main">
+  <p:cSld>
+    <p:spTree>
+      <p:nvGrpSpPr>
+        <p:cNvPr id="1" name=""/>
+        <p:cNvGrpSpPr/>
+        <p:nvPr/>
+      </p:nvGrpSpPr>
+      <p:grpSpPr>
+        <a:xfrm>
+          <a:off x="0" y="0"/>
+          <a:ext cx="0" cy="0"/>
+          <a:chOff x="0" y="0"/>
+          <a:chExt cx="0" cy="0"/>
+        </a:xfrm>
+      </p:grpSpPr>
+      <p:sp>
+        <p:nvSpPr>
+          <p:cNvPr id="6" name="Title 1"/>
+          <p:cNvSpPr>
+            <a:spLocks noGrp="1"/>
+          </p:cNvSpPr>
+          <p:nvPr>
+            <p:ph type="title"/>
+          </p:nvPr>
+        </p:nvSpPr>
+        <p:spPr>
+          <a:xfrm>
+            <a:off x="457200" y="205980"/>
+            <a:ext cx="8229600" cy="857251"/>
+          </a:xfrm>
+        </p:spPr>
+        <p:txBody>
+          <a:bodyPr/>
+          <a:lstStyle/>
+          <a:p>
+            <a:r>
+              <a:rPr lang="en-US" b="1" dirty="0" err="1">
+                <a:solidFill>
+                  <a:srgbClr val="0070C0"/>
+                </a:solidFill>
+              </a:rPr>
+              <a:t>Referências</a:t>
+            </a:r>
+            <a:r>
+              <a:rPr lang="en-US" b="1" dirty="0">
+                <a:solidFill>
+                  <a:srgbClr val="0070C0"/>
+                </a:solidFill>
+              </a:rPr>
+              <a:t> </a:t>
+            </a:r>
+            <a:r>
+              <a:rPr lang="en-US" b="1" dirty="0" err="1">
+                <a:solidFill>
+                  <a:srgbClr val="0070C0"/>
+                </a:solidFill>
+              </a:rPr>
+              <a:t>Bibliográficas</a:t>
+            </a:r>
+            <a:endParaRPr lang="en-US" b="1" dirty="0">
+              <a:solidFill>
+                <a:srgbClr val="0070C0"/>
+              </a:solidFill>
+            </a:endParaRPr>
+          </a:p>
+        </p:txBody>
+      </p:sp>
+      <p:sp>
+        <p:nvSpPr>
+          <p:cNvPr id="8" name="Text Placeholder 2"/>
+          <p:cNvSpPr>
+            <a:spLocks noGrp="1"/>
+          </p:cNvSpPr>
+          <p:nvPr>
+            <p:ph type="body" sz="half" idx="1"/>
+          </p:nvPr>
+        </p:nvSpPr>
+        <p:spPr>
+          <a:xfrm>
+            <a:off x="142865" y="1104186"/>
+            <a:ext cx="8865056" cy="3833334"/>
+          </a:xfrm>
+        </p:spPr>
+        <p:txBody>
+          <a:bodyPr>
+            <a:noAutofit/>
+          </a:bodyPr>
+          <a:lstStyle/>
+          <a:p>
+            <a:pPr algn="just" eaLnBrk="0" hangingPunct="0"/>
+            <a:r>
+              <a:rPr lang="pt-BR" sz="1800" b="1" u="sng" dirty="0">
+                <a:solidFill>
+                  <a:schemeClr val="tx1"/>
+                </a:solidFill>
+                <a:latin typeface="Times New Roman" panose="02020603050405020304" pitchFamily="18" charset="0"/>
+                <a:cs typeface="Times New Roman" panose="02020603050405020304" pitchFamily="18" charset="0"/>
+              </a:rPr>
+              <a:t>COMPLEMENTAR</a:t>
+            </a:r>
+          </a:p>
+          <a:p>
+            <a:pPr marL="0" indent="0" algn="just" eaLnBrk="0" hangingPunct="0">
+              <a:buNone/>
+            </a:pPr>
+            <a:endParaRPr lang="pt-BR" altLang="pt-BR" sz="1600" b="1" dirty="0">
+              <a:solidFill>
+                <a:schemeClr val="tx1"/>
+              </a:solidFill>
+              <a:latin typeface="Times New Roman" panose="02020603050405020304" pitchFamily="18" charset="0"/>
+              <a:cs typeface="Times New Roman" panose="02020603050405020304" pitchFamily="18" charset="0"/>
+            </a:endParaRPr>
+          </a:p>
+          <a:p>
+            <a:pPr marL="0" indent="0" algn="just" eaLnBrk="0" hangingPunct="0">
+              <a:buNone/>
+            </a:pPr>
+            <a:r>
+              <a:rPr lang="pt-BR" altLang="pt-BR" sz="1600" b="1" dirty="0">
+                <a:solidFill>
+                  <a:srgbClr val="FF0000"/>
+                </a:solidFill>
+                <a:latin typeface="Times New Roman" panose="02020603050405020304" pitchFamily="18" charset="0"/>
+                <a:cs typeface="Times New Roman" panose="02020603050405020304" pitchFamily="18" charset="0"/>
+              </a:rPr>
+              <a:t>BANIN, Sérgio Luiz</a:t>
+            </a:r>
+            <a:r>
+              <a:rPr lang="pt-BR" altLang="pt-BR" sz="1600" dirty="0">
+                <a:solidFill>
+                  <a:schemeClr val="tx1"/>
+                </a:solidFill>
+                <a:latin typeface="Times New Roman" panose="02020603050405020304" pitchFamily="18" charset="0"/>
+                <a:cs typeface="Times New Roman" panose="02020603050405020304" pitchFamily="18" charset="0"/>
+              </a:rPr>
+              <a:t>. Python 3 ­ Conceitos e Aplicações ­ Uma Abordagem Didática [BV:MB]. São</a:t>
+            </a:r>
+          </a:p>
+          <a:p>
+            <a:pPr marL="0" indent="0" algn="just" eaLnBrk="0" hangingPunct="0">
+              <a:buNone/>
+            </a:pPr>
+            <a:r>
+              <a:rPr lang="pt-BR" altLang="pt-BR" sz="1600" dirty="0">
+                <a:solidFill>
+                  <a:schemeClr val="tx1"/>
+                </a:solidFill>
+                <a:latin typeface="Times New Roman" panose="02020603050405020304" pitchFamily="18" charset="0"/>
+                <a:cs typeface="Times New Roman" panose="02020603050405020304" pitchFamily="18" charset="0"/>
+              </a:rPr>
+              <a:t>Paulo: Érica, 2018.</a:t>
+            </a:r>
+          </a:p>
+          <a:p>
+            <a:pPr marL="0" indent="0" algn="just" eaLnBrk="0" hangingPunct="0">
+              <a:buNone/>
+            </a:pPr>
+            <a:r>
+              <a:rPr lang="pt-BR" altLang="pt-BR" sz="1600" b="1" dirty="0">
+                <a:solidFill>
+                  <a:schemeClr val="tx1"/>
+                </a:solidFill>
+                <a:latin typeface="Times New Roman" panose="02020603050405020304" pitchFamily="18" charset="0"/>
+                <a:cs typeface="Times New Roman" panose="02020603050405020304" pitchFamily="18" charset="0"/>
+              </a:rPr>
+              <a:t>Disponível em</a:t>
+            </a:r>
+            <a:r>
+              <a:rPr lang="pt-BR" altLang="pt-BR" sz="1600" dirty="0">
+                <a:solidFill>
+                  <a:schemeClr val="tx1"/>
+                </a:solidFill>
+                <a:latin typeface="Times New Roman" panose="02020603050405020304" pitchFamily="18" charset="0"/>
+                <a:cs typeface="Times New Roman" panose="02020603050405020304" pitchFamily="18" charset="0"/>
+              </a:rPr>
+              <a:t>: https://integrada.minhabiblioteca.com.br/books/9788536530253/</a:t>
+            </a:r>
+          </a:p>
+          <a:p>
+            <a:pPr marL="0" indent="0" algn="just" eaLnBrk="0" hangingPunct="0">
+              <a:buNone/>
+            </a:pPr>
+            <a:endParaRPr lang="pt-BR" altLang="pt-BR" sz="1600" dirty="0">
+              <a:solidFill>
+                <a:schemeClr val="tx1"/>
+              </a:solidFill>
+              <a:latin typeface="Times New Roman" panose="02020603050405020304" pitchFamily="18" charset="0"/>
+              <a:cs typeface="Times New Roman" panose="02020603050405020304" pitchFamily="18" charset="0"/>
+            </a:endParaRPr>
+          </a:p>
+          <a:p>
+            <a:pPr marL="0" indent="0" algn="just" eaLnBrk="0" hangingPunct="0">
+              <a:buNone/>
+            </a:pPr>
+            <a:r>
+              <a:rPr lang="pt-BR" altLang="pt-BR" sz="1600" b="1" dirty="0">
+                <a:solidFill>
+                  <a:srgbClr val="FF0000"/>
+                </a:solidFill>
+                <a:latin typeface="Times New Roman" panose="02020603050405020304" pitchFamily="18" charset="0"/>
+                <a:cs typeface="Times New Roman" panose="02020603050405020304" pitchFamily="18" charset="0"/>
+              </a:rPr>
+              <a:t>Batista, M.D. C. [BV:MB]. </a:t>
+            </a:r>
+            <a:r>
+              <a:rPr lang="pt-BR" altLang="pt-BR" sz="1600" dirty="0">
+                <a:solidFill>
+                  <a:schemeClr val="tx1"/>
+                </a:solidFill>
+                <a:latin typeface="Times New Roman" panose="02020603050405020304" pitchFamily="18" charset="0"/>
+                <a:cs typeface="Times New Roman" panose="02020603050405020304" pitchFamily="18" charset="0"/>
+              </a:rPr>
+              <a:t>Data Mining. Porto Alegre: SAGAH, 2021.</a:t>
+            </a:r>
+          </a:p>
+          <a:p>
+            <a:pPr marL="0" indent="0" algn="just" eaLnBrk="0" hangingPunct="0">
+              <a:buNone/>
+            </a:pPr>
+            <a:r>
+              <a:rPr lang="pt-BR" altLang="pt-BR" sz="1600" b="1" dirty="0">
+                <a:solidFill>
+                  <a:schemeClr val="tx1"/>
+                </a:solidFill>
+                <a:latin typeface="Times New Roman" panose="02020603050405020304" pitchFamily="18" charset="0"/>
+                <a:cs typeface="Times New Roman" panose="02020603050405020304" pitchFamily="18" charset="0"/>
+              </a:rPr>
+              <a:t>Disponível em</a:t>
+            </a:r>
+            <a:r>
+              <a:rPr lang="pt-BR" altLang="pt-BR" sz="1600" dirty="0">
+                <a:solidFill>
+                  <a:schemeClr val="tx1"/>
+                </a:solidFill>
+                <a:latin typeface="Times New Roman" panose="02020603050405020304" pitchFamily="18" charset="0"/>
+                <a:cs typeface="Times New Roman" panose="02020603050405020304" pitchFamily="18" charset="0"/>
+              </a:rPr>
+              <a:t>: https://integrada.minhabiblioteca.com.br/#/books/9786556900292/</a:t>
+            </a:r>
+          </a:p>
+          <a:p>
+            <a:pPr marL="0" indent="0" algn="just" eaLnBrk="0" hangingPunct="0">
+              <a:buNone/>
+            </a:pPr>
+            <a:endParaRPr lang="pt-BR" altLang="pt-BR" sz="1600" dirty="0">
+              <a:solidFill>
+                <a:schemeClr val="tx1"/>
+              </a:solidFill>
+              <a:latin typeface="Times New Roman" panose="02020603050405020304" pitchFamily="18" charset="0"/>
+              <a:cs typeface="Times New Roman" panose="02020603050405020304" pitchFamily="18" charset="0"/>
+            </a:endParaRPr>
+          </a:p>
+          <a:p>
+            <a:pPr marL="0" indent="0" algn="just" eaLnBrk="0" hangingPunct="0">
+              <a:buNone/>
+            </a:pPr>
+            <a:r>
+              <a:rPr lang="pt-BR" altLang="pt-BR" sz="1600" b="1" dirty="0">
+                <a:solidFill>
+                  <a:srgbClr val="FF0000"/>
+                </a:solidFill>
+                <a:latin typeface="Times New Roman" panose="02020603050405020304" pitchFamily="18" charset="0"/>
+                <a:cs typeface="Times New Roman" panose="02020603050405020304" pitchFamily="18" charset="0"/>
+              </a:rPr>
+              <a:t>BENDER, William N</a:t>
+            </a:r>
+            <a:r>
+              <a:rPr lang="pt-BR" altLang="pt-BR" sz="1600" dirty="0">
+                <a:solidFill>
+                  <a:schemeClr val="tx1"/>
+                </a:solidFill>
+                <a:latin typeface="Times New Roman" panose="02020603050405020304" pitchFamily="18" charset="0"/>
+                <a:cs typeface="Times New Roman" panose="02020603050405020304" pitchFamily="18" charset="0"/>
+              </a:rPr>
+              <a:t>. Aprendizagem baseada em projetos: educação diferenciada para o século</a:t>
+            </a:r>
+          </a:p>
+          <a:p>
+            <a:pPr marL="0" indent="0" algn="just" eaLnBrk="0" hangingPunct="0">
+              <a:buNone/>
+            </a:pPr>
+            <a:r>
+              <a:rPr lang="pt-BR" altLang="pt-BR" sz="1600" dirty="0">
+                <a:solidFill>
+                  <a:schemeClr val="tx1"/>
+                </a:solidFill>
+                <a:latin typeface="Times New Roman" panose="02020603050405020304" pitchFamily="18" charset="0"/>
+                <a:cs typeface="Times New Roman" panose="02020603050405020304" pitchFamily="18" charset="0"/>
+              </a:rPr>
+              <a:t>XXI. Porto Alegre: Penso, 2014.</a:t>
+            </a:r>
+          </a:p>
+        </p:txBody>
+      </p:sp>
+      <p:cxnSp>
+        <p:nvCxnSpPr>
+          <p:cNvPr id="4" name="Conector reto 3">
+            <a:extLst>
+              <a:ext uri="{FF2B5EF4-FFF2-40B4-BE49-F238E27FC236}">
+                <a16:creationId xmlns:a16="http://schemas.microsoft.com/office/drawing/2014/main" id="{53C1D5BE-B08D-43BA-9100-4319F7669DAD}"/>
+              </a:ext>
+            </a:extLst>
+          </p:cNvPr>
+          <p:cNvCxnSpPr>
+            <a:cxnSpLocks/>
+          </p:cNvCxnSpPr>
+          <p:nvPr/>
+        </p:nvCxnSpPr>
+        <p:spPr>
+          <a:xfrm flipV="1">
+            <a:off x="310728" y="902136"/>
+            <a:ext cx="8699160" cy="40954"/>
+          </a:xfrm>
+          <a:prstGeom prst="line">
+            <a:avLst/>
+          </a:prstGeom>
+          <a:ln w="38100">
+            <a:headEnd type="none" w="med" len="med"/>
+            <a:tailEnd type="none" w="med" len="med"/>
+          </a:ln>
+          <a:scene3d>
+            <a:camera prst="orthographicFront"/>
+            <a:lightRig rig="threePt" dir="t"/>
+          </a:scene3d>
+          <a:sp3d>
+            <a:bevelT prst="convex"/>
+          </a:sp3d>
+        </p:spPr>
+        <p:style>
+          <a:lnRef idx="3">
+            <a:schemeClr val="accent1"/>
+          </a:lnRef>
+          <a:fillRef idx="0">
+            <a:schemeClr val="accent1"/>
+          </a:fillRef>
+          <a:effectRef idx="2">
+            <a:schemeClr val="accent1"/>
+          </a:effectRef>
+          <a:fontRef idx="minor">
+            <a:schemeClr val="tx1"/>
+          </a:fontRef>
+        </p:style>
+      </p:cxnSp>
+    </p:spTree>
+    <p:extLst>
+      <p:ext uri="{BB962C8B-B14F-4D97-AF65-F5344CB8AC3E}">
+        <p14:creationId xmlns:p14="http://schemas.microsoft.com/office/powerpoint/2010/main" val="3489589337"/>
+      </p:ext>
+    </p:extLst>
+  </p:cSld>
+  <p:clrMapOvr>
+    <a:masterClrMapping/>
+  </p:clrMapOvr>
+  <p:transition spd="med"/>
+</p:sld>
+</file>
+
+<file path=ppt/slides/slide2.xml><?xml version="1.0" encoding="utf-8"?>
+<p:sld xmlns:a="http://schemas.openxmlformats.org/drawingml/2006/main" xmlns:r="http://schemas.openxmlformats.org/officeDocument/2006/relationships" xmlns:p="http://schemas.openxmlformats.org/presentationml/2006/main">
+  <p:cSld>
+    <p:spTree>
+      <p:nvGrpSpPr>
+        <p:cNvPr id="1" name=""/>
+        <p:cNvGrpSpPr/>
+        <p:nvPr/>
+      </p:nvGrpSpPr>
+      <p:grpSpPr>
+        <a:xfrm>
+          <a:off x="0" y="0"/>
+          <a:ext cx="0" cy="0"/>
+          <a:chOff x="0" y="0"/>
+          <a:chExt cx="0" cy="0"/>
+        </a:xfrm>
+      </p:grpSpPr>
+      <p:pic>
+        <p:nvPicPr>
+          <p:cNvPr id="112" name="Picture 6" descr="Picture 6"/>
+          <p:cNvPicPr>
+            <a:picLocks noChangeAspect="1"/>
+          </p:cNvPicPr>
+          <p:nvPr/>
+        </p:nvPicPr>
+        <p:blipFill>
+          <a:blip r:embed="rId2"/>
+          <a:stretch>
+            <a:fillRect/>
+          </a:stretch>
+        </p:blipFill>
+        <p:spPr>
+          <a:xfrm>
+            <a:off x="0" y="0"/>
+            <a:ext cx="9144000" cy="5143500"/>
+          </a:xfrm>
+          <a:prstGeom prst="rect">
+            <a:avLst/>
+          </a:prstGeom>
+          <a:ln w="12700">
+            <a:miter lim="400000"/>
+            <a:headEnd/>
+            <a:tailEnd/>
+          </a:ln>
+        </p:spPr>
+      </p:pic>
+      <p:pic>
+        <p:nvPicPr>
+          <p:cNvPr id="114" name="Picture 5" descr="Picture 5"/>
+          <p:cNvPicPr>
+            <a:picLocks noChangeAspect="1"/>
+          </p:cNvPicPr>
+          <p:nvPr/>
+        </p:nvPicPr>
+        <p:blipFill>
+          <a:blip r:embed="rId3"/>
+          <a:stretch>
+            <a:fillRect/>
+          </a:stretch>
+        </p:blipFill>
+        <p:spPr>
+          <a:xfrm>
+            <a:off x="469900" y="0"/>
+            <a:ext cx="4391984" cy="171450"/>
+          </a:xfrm>
+          <a:prstGeom prst="rect">
+            <a:avLst/>
+          </a:prstGeom>
+          <a:ln w="12700">
+            <a:miter lim="400000"/>
+            <a:headEnd/>
+            <a:tailEnd/>
+          </a:ln>
+        </p:spPr>
+      </p:pic>
+      <p:sp>
+        <p:nvSpPr>
+          <p:cNvPr id="3" name="Título 2"/>
+          <p:cNvSpPr>
+            <a:spLocks noGrp="1"/>
+          </p:cNvSpPr>
+          <p:nvPr>
+            <p:ph type="title"/>
+          </p:nvPr>
+        </p:nvSpPr>
+        <p:spPr>
+          <a:xfrm>
+            <a:off x="226338" y="1121664"/>
+            <a:ext cx="8681444" cy="3160731"/>
+          </a:xfrm>
+        </p:spPr>
+        <p:txBody>
+          <a:bodyPr>
+            <a:noAutofit/>
+          </a:bodyPr>
+          <a:lstStyle/>
+          <a:p>
+            <a:pPr algn="l" eaLnBrk="0" hangingPunct="0">
+              <a:spcBef>
+                <a:spcPct val="20000"/>
+              </a:spcBef>
+            </a:pPr>
+            <a:br>
+              <a:rPr lang="pt-BR" altLang="pt-BR" sz="3200" b="1" dirty="0">
+                <a:solidFill>
+                  <a:schemeClr val="bg1"/>
+                </a:solidFill>
+              </a:rPr>
+            </a:br>
+            <a:br>
+              <a:rPr lang="pt-BR" altLang="pt-BR" sz="3200" b="1" dirty="0">
+                <a:solidFill>
+                  <a:schemeClr val="bg1"/>
+                </a:solidFill>
+              </a:rPr>
+            </a:br>
+            <a:br>
+              <a:rPr lang="pt-BR" altLang="pt-BR" sz="3200" b="1" dirty="0">
+                <a:solidFill>
+                  <a:schemeClr val="bg1"/>
+                </a:solidFill>
+              </a:rPr>
+            </a:br>
+            <a:r>
+              <a:rPr lang="pt-BR" altLang="pt-BR" sz="3200" b="1" dirty="0">
+                <a:solidFill>
+                  <a:schemeClr val="bg1"/>
+                </a:solidFill>
+              </a:rPr>
+              <a:t>1 – Apresentação Pessoal</a:t>
+            </a:r>
+            <a:br>
+              <a:rPr lang="pt-BR" altLang="pt-BR" sz="3200" b="1" dirty="0">
+                <a:solidFill>
+                  <a:schemeClr val="bg1"/>
+                </a:solidFill>
+              </a:rPr>
+            </a:br>
+            <a:r>
+              <a:rPr lang="pt-BR" altLang="pt-BR" sz="3200" b="1" dirty="0">
+                <a:solidFill>
+                  <a:schemeClr val="bg1"/>
+                </a:solidFill>
+              </a:rPr>
+              <a:t>2 – Visão Geral da Disciplina</a:t>
+            </a:r>
+            <a:br>
+              <a:rPr lang="pt-BR" altLang="pt-BR" sz="3200" b="1" dirty="0">
+                <a:solidFill>
+                  <a:schemeClr val="bg1"/>
+                </a:solidFill>
+              </a:rPr>
+            </a:br>
+            <a:r>
+              <a:rPr lang="pt-BR" altLang="pt-BR" sz="3200" b="1" dirty="0">
+                <a:solidFill>
+                  <a:schemeClr val="bg1"/>
+                </a:solidFill>
+              </a:rPr>
+              <a:t>3 – Objetivos/Habilidades</a:t>
+            </a:r>
+            <a:br>
+              <a:rPr lang="pt-BR" altLang="pt-BR" sz="3200" b="1" dirty="0">
+                <a:solidFill>
+                  <a:schemeClr val="bg1"/>
+                </a:solidFill>
+              </a:rPr>
+            </a:br>
+            <a:r>
+              <a:rPr lang="pt-BR" altLang="pt-BR" sz="3200" b="1" dirty="0">
+                <a:solidFill>
+                  <a:schemeClr val="bg1"/>
+                </a:solidFill>
+              </a:rPr>
+              <a:t>4 – Unidades/Conteúdos</a:t>
+            </a:r>
+            <a:br>
+              <a:rPr lang="pt-BR" altLang="pt-BR" sz="3200" b="1" dirty="0">
+                <a:solidFill>
+                  <a:schemeClr val="bg1"/>
+                </a:solidFill>
+              </a:rPr>
+            </a:br>
+            <a:r>
+              <a:rPr lang="pt-BR" altLang="pt-BR" sz="3200" b="1" dirty="0">
+                <a:solidFill>
+                  <a:schemeClr val="bg1"/>
+                </a:solidFill>
+              </a:rPr>
+              <a:t>5 – Metodologia/Avaliação</a:t>
+            </a:r>
+            <a:br>
+              <a:rPr lang="pt-BR" altLang="pt-BR" sz="3200" b="1" dirty="0">
+                <a:solidFill>
+                  <a:schemeClr val="bg1"/>
+                </a:solidFill>
+              </a:rPr>
+            </a:br>
+            <a:r>
+              <a:rPr lang="pt-BR" altLang="pt-BR" sz="3200" b="1" dirty="0">
+                <a:solidFill>
+                  <a:schemeClr val="bg1"/>
+                </a:solidFill>
+              </a:rPr>
+              <a:t>6 – Referências Bibliográficas</a:t>
+            </a:r>
+            <a:br>
+              <a:rPr lang="pt-BR" altLang="pt-BR" sz="4400" dirty="0"/>
+            </a:br>
+            <a:br>
+              <a:rPr lang="pt-BR" b="1" dirty="0">
+                <a:solidFill>
+                  <a:schemeClr val="bg1"/>
+                </a:solidFill>
+              </a:rPr>
+            </a:br>
+            <a:endParaRPr lang="pt-BR" sz="4800" b="1" dirty="0">
+              <a:solidFill>
+                <a:schemeClr val="bg1"/>
+              </a:solidFill>
+            </a:endParaRPr>
+          </a:p>
+        </p:txBody>
+      </p:sp>
+      <p:sp>
+        <p:nvSpPr>
+          <p:cNvPr id="6" name="Título 2"/>
+          <p:cNvSpPr txBox="1"/>
+          <p:nvPr/>
+        </p:nvSpPr>
+        <p:spPr>
+          <a:xfrm>
+            <a:off x="975683" y="3866663"/>
+            <a:ext cx="7772400" cy="1102519"/>
+          </a:xfrm>
+          <a:prstGeom prst="rect">
+            <a:avLst/>
+          </a:prstGeom>
+          <a:ln w="12700">
+            <a:miter lim="400000"/>
+          </a:ln>
+        </p:spPr>
+        <p:txBody>
+          <a:bodyPr lIns="45718" tIns="45718" rIns="45718" bIns="45718" anchor="ctr">
+            <a:noAutofit/>
+          </a:bodyPr>
+          <a:lstStyle>
+            <a:lvl1pPr marL="0" marR="0" indent="0" algn="ctr" defTabSz="457200" rtl="0" latinLnBrk="0">
+              <a:lnSpc>
+                <a:spcPct val="100000"/>
+              </a:lnSpc>
+              <a:spcBef>
+                <a:spcPts val="0"/>
+              </a:spcBef>
+              <a:spcAft>
+                <a:spcPts val="0"/>
+              </a:spcAft>
+              <a:buClrTx/>
+              <a:buSzTx/>
+              <a:buFontTx/>
+              <a:buNone/>
+              <a:defRPr sz="4400" b="0" i="0" u="none" strike="noStrike" cap="none" spc="0" baseline="0">
+                <a:ln>
+                  <a:noFill/>
+                </a:ln>
+                <a:solidFill>
+                  <a:srgbClr val="000000"/>
+                </a:solidFill>
+                <a:uFillTx/>
+                <a:latin typeface="+mj-lt"/>
+                <a:ea typeface="+mj-ea"/>
+                <a:cs typeface="+mj-cs"/>
+                <a:sym typeface="Calibri"/>
+              </a:defRPr>
+            </a:lvl1pPr>
+            <a:lvl2pPr marL="0" marR="0" indent="0" algn="ctr" defTabSz="457200" rtl="0" latinLnBrk="0">
+              <a:lnSpc>
+                <a:spcPct val="100000"/>
+              </a:lnSpc>
+              <a:spcBef>
+                <a:spcPts val="0"/>
+              </a:spcBef>
+              <a:spcAft>
+                <a:spcPts val="0"/>
+              </a:spcAft>
+              <a:buClrTx/>
+              <a:buSzTx/>
+              <a:buFontTx/>
+              <a:buNone/>
+              <a:defRPr sz="4400" b="0" i="0" u="none" strike="noStrike" cap="none" spc="0" baseline="0">
+                <a:ln>
+                  <a:noFill/>
+                </a:ln>
+                <a:solidFill>
+                  <a:srgbClr val="000000"/>
+                </a:solidFill>
+                <a:uFillTx/>
+                <a:latin typeface="+mj-lt"/>
+                <a:ea typeface="+mj-ea"/>
+                <a:cs typeface="+mj-cs"/>
+                <a:sym typeface="Calibri"/>
+              </a:defRPr>
+            </a:lvl2pPr>
+            <a:lvl3pPr marL="0" marR="0" indent="0" algn="ctr" defTabSz="457200" rtl="0" latinLnBrk="0">
+              <a:lnSpc>
+                <a:spcPct val="100000"/>
+              </a:lnSpc>
+              <a:spcBef>
+                <a:spcPts val="0"/>
+              </a:spcBef>
+              <a:spcAft>
+                <a:spcPts val="0"/>
+              </a:spcAft>
+              <a:buClrTx/>
+              <a:buSzTx/>
+              <a:buFontTx/>
+              <a:buNone/>
+              <a:defRPr sz="4400" b="0" i="0" u="none" strike="noStrike" cap="none" spc="0" baseline="0">
+                <a:ln>
+                  <a:noFill/>
+                </a:ln>
+                <a:solidFill>
+                  <a:srgbClr val="000000"/>
+                </a:solidFill>
+                <a:uFillTx/>
+                <a:latin typeface="+mj-lt"/>
+                <a:ea typeface="+mj-ea"/>
+                <a:cs typeface="+mj-cs"/>
+                <a:sym typeface="Calibri"/>
+              </a:defRPr>
+            </a:lvl3pPr>
+            <a:lvl4pPr marL="0" marR="0" indent="0" algn="ctr" defTabSz="457200" rtl="0" latinLnBrk="0">
+              <a:lnSpc>
+                <a:spcPct val="100000"/>
+              </a:lnSpc>
+              <a:spcBef>
+                <a:spcPts val="0"/>
+              </a:spcBef>
+              <a:spcAft>
+                <a:spcPts val="0"/>
+              </a:spcAft>
+              <a:buClrTx/>
+              <a:buSzTx/>
+              <a:buFontTx/>
+              <a:buNone/>
+              <a:defRPr sz="4400" b="0" i="0" u="none" strike="noStrike" cap="none" spc="0" baseline="0">
+                <a:ln>
+                  <a:noFill/>
+                </a:ln>
+                <a:solidFill>
+                  <a:srgbClr val="000000"/>
+                </a:solidFill>
+                <a:uFillTx/>
+                <a:latin typeface="+mj-lt"/>
+                <a:ea typeface="+mj-ea"/>
+                <a:cs typeface="+mj-cs"/>
+                <a:sym typeface="Calibri"/>
+              </a:defRPr>
+            </a:lvl4pPr>
+            <a:lvl5pPr marL="0" marR="0" indent="0" algn="ctr" defTabSz="457200" rtl="0" latinLnBrk="0">
+              <a:lnSpc>
+                <a:spcPct val="100000"/>
+              </a:lnSpc>
+              <a:spcBef>
+                <a:spcPts val="0"/>
+              </a:spcBef>
+              <a:spcAft>
+                <a:spcPts val="0"/>
+              </a:spcAft>
+              <a:buClrTx/>
+              <a:buSzTx/>
+              <a:buFontTx/>
+              <a:buNone/>
+              <a:defRPr sz="4400" b="0" i="0" u="none" strike="noStrike" cap="none" spc="0" baseline="0">
+                <a:ln>
+                  <a:noFill/>
+                </a:ln>
+                <a:solidFill>
+                  <a:srgbClr val="000000"/>
+                </a:solidFill>
+                <a:uFillTx/>
+                <a:latin typeface="+mj-lt"/>
+                <a:ea typeface="+mj-ea"/>
+                <a:cs typeface="+mj-cs"/>
+                <a:sym typeface="Calibri"/>
+              </a:defRPr>
+            </a:lvl5pPr>
+            <a:lvl6pPr marL="0" marR="0" indent="0" algn="ctr" defTabSz="457200" rtl="0" latinLnBrk="0">
+              <a:lnSpc>
+                <a:spcPct val="100000"/>
+              </a:lnSpc>
+              <a:spcBef>
+                <a:spcPts val="0"/>
+              </a:spcBef>
+              <a:spcAft>
+                <a:spcPts val="0"/>
+              </a:spcAft>
+              <a:buClrTx/>
+              <a:buSzTx/>
+              <a:buFontTx/>
+              <a:buNone/>
+              <a:defRPr sz="4400" b="0" i="0" u="none" strike="noStrike" cap="none" spc="0" baseline="0">
+                <a:ln>
+                  <a:noFill/>
+                </a:ln>
+                <a:solidFill>
+                  <a:srgbClr val="000000"/>
+                </a:solidFill>
+                <a:uFillTx/>
+                <a:latin typeface="+mj-lt"/>
+                <a:ea typeface="+mj-ea"/>
+                <a:cs typeface="+mj-cs"/>
+                <a:sym typeface="Calibri"/>
+              </a:defRPr>
+            </a:lvl6pPr>
+            <a:lvl7pPr marL="0" marR="0" indent="0" algn="ctr" defTabSz="457200" rtl="0" latinLnBrk="0">
+              <a:lnSpc>
+                <a:spcPct val="100000"/>
+              </a:lnSpc>
+              <a:spcBef>
+                <a:spcPts val="0"/>
+              </a:spcBef>
+              <a:spcAft>
+                <a:spcPts val="0"/>
+              </a:spcAft>
+              <a:buClrTx/>
+              <a:buSzTx/>
+              <a:buFontTx/>
+              <a:buNone/>
+              <a:defRPr sz="4400" b="0" i="0" u="none" strike="noStrike" cap="none" spc="0" baseline="0">
+                <a:ln>
+                  <a:noFill/>
+                </a:ln>
+                <a:solidFill>
+                  <a:srgbClr val="000000"/>
+                </a:solidFill>
+                <a:uFillTx/>
+                <a:latin typeface="+mj-lt"/>
+                <a:ea typeface="+mj-ea"/>
+                <a:cs typeface="+mj-cs"/>
+                <a:sym typeface="Calibri"/>
+              </a:defRPr>
+            </a:lvl7pPr>
+            <a:lvl8pPr marL="0" marR="0" indent="0" algn="ctr" defTabSz="457200" rtl="0" latinLnBrk="0">
+              <a:lnSpc>
+                <a:spcPct val="100000"/>
+              </a:lnSpc>
+              <a:spcBef>
+                <a:spcPts val="0"/>
+              </a:spcBef>
+              <a:spcAft>
+                <a:spcPts val="0"/>
+              </a:spcAft>
+              <a:buClrTx/>
+              <a:buSzTx/>
+              <a:buFontTx/>
+              <a:buNone/>
+              <a:defRPr sz="4400" b="0" i="0" u="none" strike="noStrike" cap="none" spc="0" baseline="0">
+                <a:ln>
+                  <a:noFill/>
+                </a:ln>
+                <a:solidFill>
+                  <a:srgbClr val="000000"/>
+                </a:solidFill>
+                <a:uFillTx/>
+                <a:latin typeface="+mj-lt"/>
+                <a:ea typeface="+mj-ea"/>
+                <a:cs typeface="+mj-cs"/>
+                <a:sym typeface="Calibri"/>
+              </a:defRPr>
+            </a:lvl8pPr>
+            <a:lvl9pPr marL="0" marR="0" indent="0" algn="ctr" defTabSz="457200" rtl="0" latinLnBrk="0">
+              <a:lnSpc>
+                <a:spcPct val="100000"/>
+              </a:lnSpc>
+              <a:spcBef>
+                <a:spcPts val="0"/>
+              </a:spcBef>
+              <a:spcAft>
+                <a:spcPts val="0"/>
+              </a:spcAft>
+              <a:buClrTx/>
+              <a:buSzTx/>
+              <a:buFontTx/>
+              <a:buNone/>
+              <a:defRPr sz="4400" b="0" i="0" u="none" strike="noStrike" cap="none" spc="0" baseline="0">
+                <a:ln>
+                  <a:noFill/>
+                </a:ln>
+                <a:solidFill>
+                  <a:srgbClr val="000000"/>
+                </a:solidFill>
+                <a:uFillTx/>
+                <a:latin typeface="+mj-lt"/>
+                <a:ea typeface="+mj-ea"/>
+                <a:cs typeface="+mj-cs"/>
+                <a:sym typeface="Calibri"/>
+              </a:defRPr>
+            </a:lvl9pPr>
+          </a:lstStyle>
+          <a:p>
+            <a:pPr algn="r" hangingPunct="1"/>
+            <a:r>
+              <a:rPr lang="pt-BR" sz="2000" b="1" dirty="0">
+                <a:solidFill>
+                  <a:schemeClr val="bg1"/>
+                </a:solidFill>
+              </a:rPr>
+              <a:t>Professor </a:t>
+            </a:r>
+            <a:r>
+              <a:rPr lang="pt-BR" sz="2000" b="1" dirty="0" err="1">
+                <a:solidFill>
+                  <a:schemeClr val="bg1"/>
+                </a:solidFill>
+              </a:rPr>
+              <a:t>MSc</a:t>
+            </a:r>
+            <a:r>
+              <a:rPr lang="pt-BR" sz="2000" b="1" dirty="0">
+                <a:solidFill>
+                  <a:schemeClr val="bg1"/>
+                </a:solidFill>
+              </a:rPr>
+              <a:t>. Heleno Cardoso</a:t>
+            </a:r>
+          </a:p>
+        </p:txBody>
+      </p:sp>
+      <p:sp>
+        <p:nvSpPr>
+          <p:cNvPr id="7" name="Título 2">
+            <a:extLst>
+              <a:ext uri="{FF2B5EF4-FFF2-40B4-BE49-F238E27FC236}">
+                <a16:creationId xmlns:a16="http://schemas.microsoft.com/office/drawing/2014/main" id="{5C2C7CAD-310B-468E-9BD1-616B15F8050F}"/>
+              </a:ext>
+            </a:extLst>
+          </p:cNvPr>
+          <p:cNvSpPr txBox="1">
+            <a:spLocks/>
+          </p:cNvSpPr>
+          <p:nvPr/>
+        </p:nvSpPr>
+        <p:spPr>
+          <a:xfrm>
+            <a:off x="231278" y="224274"/>
+            <a:ext cx="8681444" cy="675815"/>
+          </a:xfrm>
+          <a:prstGeom prst="rect">
+            <a:avLst/>
+          </a:prstGeom>
+          <a:ln w="12700">
+            <a:miter lim="400000"/>
+          </a:ln>
+        </p:spPr>
+        <p:txBody>
+          <a:bodyPr lIns="45718" tIns="45718" rIns="45718" bIns="45718" anchor="ctr">
+            <a:noAutofit/>
+          </a:bodyPr>
+          <a:lstStyle>
+            <a:lvl1pPr marL="0" marR="0" indent="0" algn="ctr" defTabSz="457200" rtl="0" latinLnBrk="0">
+              <a:lnSpc>
+                <a:spcPct val="100000"/>
+              </a:lnSpc>
+              <a:spcBef>
+                <a:spcPts val="0"/>
+              </a:spcBef>
+              <a:spcAft>
+                <a:spcPts val="0"/>
+              </a:spcAft>
+              <a:buClrTx/>
+              <a:buSzTx/>
+              <a:buFontTx/>
+              <a:buNone/>
+              <a:defRPr sz="4400" b="0" i="0" u="none" strike="noStrike" cap="none" spc="0" baseline="0">
+                <a:ln>
+                  <a:noFill/>
+                </a:ln>
+                <a:solidFill>
+                  <a:srgbClr val="000000"/>
+                </a:solidFill>
+                <a:uFillTx/>
+                <a:latin typeface="+mj-lt"/>
+                <a:ea typeface="+mj-ea"/>
+                <a:cs typeface="+mj-cs"/>
+                <a:sym typeface="Calibri"/>
+              </a:defRPr>
+            </a:lvl1pPr>
+            <a:lvl2pPr marL="0" marR="0" indent="0" algn="ctr" defTabSz="457200" rtl="0" latinLnBrk="0">
+              <a:lnSpc>
+                <a:spcPct val="100000"/>
+              </a:lnSpc>
+              <a:spcBef>
+                <a:spcPts val="0"/>
+              </a:spcBef>
+              <a:spcAft>
+                <a:spcPts val="0"/>
+              </a:spcAft>
+              <a:buClrTx/>
+              <a:buSzTx/>
+              <a:buFontTx/>
+              <a:buNone/>
+              <a:defRPr sz="4400" b="0" i="0" u="none" strike="noStrike" cap="none" spc="0" baseline="0">
+                <a:ln>
+                  <a:noFill/>
+                </a:ln>
+                <a:solidFill>
+                  <a:srgbClr val="000000"/>
+                </a:solidFill>
+                <a:uFillTx/>
+                <a:latin typeface="+mj-lt"/>
+                <a:ea typeface="+mj-ea"/>
+                <a:cs typeface="+mj-cs"/>
+                <a:sym typeface="Calibri"/>
+              </a:defRPr>
+            </a:lvl2pPr>
+            <a:lvl3pPr marL="0" marR="0" indent="0" algn="ctr" defTabSz="457200" rtl="0" latinLnBrk="0">
+              <a:lnSpc>
+                <a:spcPct val="100000"/>
+              </a:lnSpc>
+              <a:spcBef>
+                <a:spcPts val="0"/>
+              </a:spcBef>
+              <a:spcAft>
+                <a:spcPts val="0"/>
+              </a:spcAft>
+              <a:buClrTx/>
+              <a:buSzTx/>
+              <a:buFontTx/>
+              <a:buNone/>
+              <a:defRPr sz="4400" b="0" i="0" u="none" strike="noStrike" cap="none" spc="0" baseline="0">
+                <a:ln>
+                  <a:noFill/>
+                </a:ln>
+                <a:solidFill>
+                  <a:srgbClr val="000000"/>
+                </a:solidFill>
+                <a:uFillTx/>
+                <a:latin typeface="+mj-lt"/>
+                <a:ea typeface="+mj-ea"/>
+                <a:cs typeface="+mj-cs"/>
+                <a:sym typeface="Calibri"/>
+              </a:defRPr>
+            </a:lvl3pPr>
+            <a:lvl4pPr marL="0" marR="0" indent="0" algn="ctr" defTabSz="457200" rtl="0" latinLnBrk="0">
+              <a:lnSpc>
+                <a:spcPct val="100000"/>
+              </a:lnSpc>
+              <a:spcBef>
+                <a:spcPts val="0"/>
+              </a:spcBef>
+              <a:spcAft>
+                <a:spcPts val="0"/>
+              </a:spcAft>
+              <a:buClrTx/>
+              <a:buSzTx/>
+              <a:buFontTx/>
+              <a:buNone/>
+              <a:defRPr sz="4400" b="0" i="0" u="none" strike="noStrike" cap="none" spc="0" baseline="0">
+                <a:ln>
+                  <a:noFill/>
+                </a:ln>
+                <a:solidFill>
+                  <a:srgbClr val="000000"/>
+                </a:solidFill>
+                <a:uFillTx/>
+                <a:latin typeface="+mj-lt"/>
+                <a:ea typeface="+mj-ea"/>
+                <a:cs typeface="+mj-cs"/>
+                <a:sym typeface="Calibri"/>
+              </a:defRPr>
+            </a:lvl4pPr>
+            <a:lvl5pPr marL="0" marR="0" indent="0" algn="ctr" defTabSz="457200" rtl="0" latinLnBrk="0">
+              <a:lnSpc>
+                <a:spcPct val="100000"/>
+              </a:lnSpc>
+              <a:spcBef>
+                <a:spcPts val="0"/>
+              </a:spcBef>
+              <a:spcAft>
+                <a:spcPts val="0"/>
+              </a:spcAft>
+              <a:buClrTx/>
+              <a:buSzTx/>
+              <a:buFontTx/>
+              <a:buNone/>
+              <a:defRPr sz="4400" b="0" i="0" u="none" strike="noStrike" cap="none" spc="0" baseline="0">
+                <a:ln>
+                  <a:noFill/>
+                </a:ln>
+                <a:solidFill>
+                  <a:srgbClr val="000000"/>
+                </a:solidFill>
+                <a:uFillTx/>
+                <a:latin typeface="+mj-lt"/>
+                <a:ea typeface="+mj-ea"/>
+                <a:cs typeface="+mj-cs"/>
+                <a:sym typeface="Calibri"/>
+              </a:defRPr>
+            </a:lvl5pPr>
+            <a:lvl6pPr marL="0" marR="0" indent="0" algn="ctr" defTabSz="457200" rtl="0" latinLnBrk="0">
+              <a:lnSpc>
+                <a:spcPct val="100000"/>
+              </a:lnSpc>
+              <a:spcBef>
+                <a:spcPts val="0"/>
+              </a:spcBef>
+              <a:spcAft>
+                <a:spcPts val="0"/>
+              </a:spcAft>
+              <a:buClrTx/>
+              <a:buSzTx/>
+              <a:buFontTx/>
+              <a:buNone/>
+              <a:defRPr sz="4400" b="0" i="0" u="none" strike="noStrike" cap="none" spc="0" baseline="0">
+                <a:ln>
+                  <a:noFill/>
+                </a:ln>
+                <a:solidFill>
+                  <a:srgbClr val="000000"/>
+                </a:solidFill>
+                <a:uFillTx/>
+                <a:latin typeface="+mj-lt"/>
+                <a:ea typeface="+mj-ea"/>
+                <a:cs typeface="+mj-cs"/>
+                <a:sym typeface="Calibri"/>
+              </a:defRPr>
+            </a:lvl6pPr>
+            <a:lvl7pPr marL="0" marR="0" indent="0" algn="ctr" defTabSz="457200" rtl="0" latinLnBrk="0">
+              <a:lnSpc>
+                <a:spcPct val="100000"/>
+              </a:lnSpc>
+              <a:spcBef>
+                <a:spcPts val="0"/>
+              </a:spcBef>
+              <a:spcAft>
+                <a:spcPts val="0"/>
+              </a:spcAft>
+              <a:buClrTx/>
+              <a:buSzTx/>
+              <a:buFontTx/>
+              <a:buNone/>
+              <a:defRPr sz="4400" b="0" i="0" u="none" strike="noStrike" cap="none" spc="0" baseline="0">
+                <a:ln>
+                  <a:noFill/>
+                </a:ln>
+                <a:solidFill>
+                  <a:srgbClr val="000000"/>
+                </a:solidFill>
+                <a:uFillTx/>
+                <a:latin typeface="+mj-lt"/>
+                <a:ea typeface="+mj-ea"/>
+                <a:cs typeface="+mj-cs"/>
+                <a:sym typeface="Calibri"/>
+              </a:defRPr>
+            </a:lvl7pPr>
+            <a:lvl8pPr marL="0" marR="0" indent="0" algn="ctr" defTabSz="457200" rtl="0" latinLnBrk="0">
+              <a:lnSpc>
+                <a:spcPct val="100000"/>
+              </a:lnSpc>
+              <a:spcBef>
+                <a:spcPts val="0"/>
+              </a:spcBef>
+              <a:spcAft>
+                <a:spcPts val="0"/>
+              </a:spcAft>
+              <a:buClrTx/>
+              <a:buSzTx/>
+              <a:buFontTx/>
+              <a:buNone/>
+              <a:defRPr sz="4400" b="0" i="0" u="none" strike="noStrike" cap="none" spc="0" baseline="0">
+                <a:ln>
+                  <a:noFill/>
+                </a:ln>
+                <a:solidFill>
+                  <a:srgbClr val="000000"/>
+                </a:solidFill>
+                <a:uFillTx/>
+                <a:latin typeface="+mj-lt"/>
+                <a:ea typeface="+mj-ea"/>
+                <a:cs typeface="+mj-cs"/>
+                <a:sym typeface="Calibri"/>
+              </a:defRPr>
+            </a:lvl8pPr>
+            <a:lvl9pPr marL="0" marR="0" indent="0" algn="ctr" defTabSz="457200" rtl="0" latinLnBrk="0">
+              <a:lnSpc>
+                <a:spcPct val="100000"/>
+              </a:lnSpc>
+              <a:spcBef>
+                <a:spcPts val="0"/>
+              </a:spcBef>
+              <a:spcAft>
+                <a:spcPts val="0"/>
+              </a:spcAft>
+              <a:buClrTx/>
+              <a:buSzTx/>
+              <a:buFontTx/>
+              <a:buNone/>
+              <a:defRPr sz="4400" b="0" i="0" u="none" strike="noStrike" cap="none" spc="0" baseline="0">
+                <a:ln>
+                  <a:noFill/>
+                </a:ln>
+                <a:solidFill>
+                  <a:srgbClr val="000000"/>
+                </a:solidFill>
+                <a:uFillTx/>
+                <a:latin typeface="+mj-lt"/>
+                <a:ea typeface="+mj-ea"/>
+                <a:cs typeface="+mj-cs"/>
+                <a:sym typeface="Calibri"/>
+              </a:defRPr>
+            </a:lvl9pPr>
+          </a:lstStyle>
+          <a:p>
+            <a:pPr algn="l" hangingPunct="1"/>
+            <a:r>
+              <a:rPr lang="pt-BR" b="1" dirty="0">
+                <a:solidFill>
+                  <a:schemeClr val="bg1"/>
+                </a:solidFill>
+              </a:rPr>
+              <a:t>Agenda</a:t>
+            </a:r>
+            <a:endParaRPr lang="pt-BR" sz="4800" b="1" dirty="0">
+              <a:solidFill>
+                <a:schemeClr val="bg1"/>
+              </a:solidFill>
+            </a:endParaRPr>
+          </a:p>
+        </p:txBody>
+      </p:sp>
+      <p:cxnSp>
+        <p:nvCxnSpPr>
+          <p:cNvPr id="4" name="Conector reto 3">
+            <a:extLst>
+              <a:ext uri="{FF2B5EF4-FFF2-40B4-BE49-F238E27FC236}">
+                <a16:creationId xmlns:a16="http://schemas.microsoft.com/office/drawing/2014/main" id="{03121D4B-D5B7-4659-8B64-14968B90805C}"/>
+              </a:ext>
+            </a:extLst>
+          </p:cNvPr>
+          <p:cNvCxnSpPr>
+            <a:cxnSpLocks/>
+          </p:cNvCxnSpPr>
+          <p:nvPr/>
+        </p:nvCxnSpPr>
+        <p:spPr>
+          <a:xfrm flipV="1">
+            <a:off x="310728" y="902136"/>
+            <a:ext cx="8699160" cy="40954"/>
+          </a:xfrm>
+          <a:prstGeom prst="line">
+            <a:avLst/>
+          </a:prstGeom>
+          <a:ln w="38100">
+            <a:headEnd type="none" w="med" len="med"/>
+            <a:tailEnd type="none" w="med" len="med"/>
+          </a:ln>
+          <a:scene3d>
+            <a:camera prst="orthographicFront"/>
+            <a:lightRig rig="threePt" dir="t"/>
+          </a:scene3d>
+          <a:sp3d>
+            <a:bevelT prst="convex"/>
+          </a:sp3d>
+        </p:spPr>
+        <p:style>
+          <a:lnRef idx="3">
+            <a:schemeClr val="accent1"/>
+          </a:lnRef>
+          <a:fillRef idx="0">
+            <a:schemeClr val="accent1"/>
+          </a:fillRef>
+          <a:effectRef idx="2">
+            <a:schemeClr val="accent1"/>
+          </a:effectRef>
+          <a:fontRef idx="minor">
+            <a:schemeClr val="tx1"/>
+          </a:fontRef>
+        </p:style>
+      </p:cxnSp>
+    </p:spTree>
+  </p:cSld>
+  <p:clrMapOvr>
+    <a:masterClrMapping/>
+  </p:clrMapOvr>
+  <p:transition spd="med"/>
+</p:sld>
+</file>
+
+<file path=ppt/slides/slide20.xml><?xml version="1.0" encoding="utf-8"?>
+<p:sld xmlns:a="http://schemas.openxmlformats.org/drawingml/2006/main" xmlns:r="http://schemas.openxmlformats.org/officeDocument/2006/relationships" xmlns:p="http://schemas.openxmlformats.org/presentationml/2006/main">
+  <p:cSld>
+    <p:spTree>
+      <p:nvGrpSpPr>
+        <p:cNvPr id="1" name=""/>
+        <p:cNvGrpSpPr/>
+        <p:nvPr/>
+      </p:nvGrpSpPr>
+      <p:grpSpPr>
+        <a:xfrm>
+          <a:off x="0" y="0"/>
+          <a:ext cx="0" cy="0"/>
+          <a:chOff x="0" y="0"/>
+          <a:chExt cx="0" cy="0"/>
+        </a:xfrm>
+      </p:grpSpPr>
+      <p:sp>
+        <p:nvSpPr>
+          <p:cNvPr id="6" name="Title 1"/>
+          <p:cNvSpPr>
+            <a:spLocks noGrp="1"/>
+          </p:cNvSpPr>
+          <p:nvPr>
+            <p:ph type="title"/>
+          </p:nvPr>
+        </p:nvSpPr>
+        <p:spPr>
+          <a:xfrm>
+            <a:off x="457200" y="205980"/>
+            <a:ext cx="8229600" cy="857251"/>
+          </a:xfrm>
+        </p:spPr>
+        <p:txBody>
+          <a:bodyPr/>
+          <a:lstStyle/>
+          <a:p>
+            <a:r>
+              <a:rPr lang="en-US" b="1" dirty="0" err="1">
+                <a:solidFill>
+                  <a:srgbClr val="0070C0"/>
+                </a:solidFill>
+              </a:rPr>
+              <a:t>Referências</a:t>
+            </a:r>
+            <a:r>
+              <a:rPr lang="en-US" b="1" dirty="0">
+                <a:solidFill>
+                  <a:srgbClr val="0070C0"/>
+                </a:solidFill>
+              </a:rPr>
+              <a:t> </a:t>
+            </a:r>
+            <a:r>
+              <a:rPr lang="en-US" b="1" dirty="0" err="1">
+                <a:solidFill>
+                  <a:srgbClr val="0070C0"/>
+                </a:solidFill>
+              </a:rPr>
+              <a:t>Bibliográficas</a:t>
+            </a:r>
+            <a:endParaRPr lang="en-US" b="1" dirty="0">
+              <a:solidFill>
+                <a:srgbClr val="0070C0"/>
+              </a:solidFill>
+            </a:endParaRPr>
+          </a:p>
+        </p:txBody>
+      </p:sp>
+      <p:sp>
+        <p:nvSpPr>
+          <p:cNvPr id="8" name="Text Placeholder 2"/>
+          <p:cNvSpPr>
+            <a:spLocks noGrp="1"/>
+          </p:cNvSpPr>
+          <p:nvPr>
+            <p:ph type="body" sz="half" idx="1"/>
+          </p:nvPr>
+        </p:nvSpPr>
+        <p:spPr>
+          <a:xfrm>
+            <a:off x="142865" y="1104186"/>
+            <a:ext cx="8865056" cy="3833334"/>
+          </a:xfrm>
+        </p:spPr>
+        <p:txBody>
+          <a:bodyPr>
+            <a:noAutofit/>
+          </a:bodyPr>
+          <a:lstStyle/>
+          <a:p>
+            <a:pPr algn="just" eaLnBrk="0" hangingPunct="0"/>
+            <a:r>
+              <a:rPr lang="pt-BR" sz="1800" b="1" u="sng" dirty="0">
+                <a:solidFill>
+                  <a:schemeClr val="tx1"/>
+                </a:solidFill>
+                <a:latin typeface="Times New Roman" panose="02020603050405020304" pitchFamily="18" charset="0"/>
+                <a:cs typeface="Times New Roman" panose="02020603050405020304" pitchFamily="18" charset="0"/>
+              </a:rPr>
+              <a:t>COMPLEMENTAR</a:t>
+            </a:r>
+          </a:p>
+          <a:p>
+            <a:pPr marL="0" indent="0" algn="just" eaLnBrk="0" hangingPunct="0">
+              <a:buNone/>
+            </a:pPr>
+            <a:endParaRPr lang="pt-BR" altLang="pt-BR" sz="1600" b="1" dirty="0">
+              <a:solidFill>
+                <a:schemeClr val="tx1"/>
+              </a:solidFill>
+              <a:latin typeface="Times New Roman" panose="02020603050405020304" pitchFamily="18" charset="0"/>
+              <a:cs typeface="Times New Roman" panose="02020603050405020304" pitchFamily="18" charset="0"/>
+            </a:endParaRPr>
+          </a:p>
+          <a:p>
+            <a:pPr marL="0" indent="0" algn="just" eaLnBrk="0" hangingPunct="0">
+              <a:buNone/>
+            </a:pPr>
+            <a:r>
+              <a:rPr lang="pt-BR" altLang="pt-BR" sz="1600" b="1" dirty="0">
+                <a:solidFill>
+                  <a:srgbClr val="FF0000"/>
+                </a:solidFill>
+                <a:latin typeface="Times New Roman" panose="02020603050405020304" pitchFamily="18" charset="0"/>
+                <a:cs typeface="Times New Roman" panose="02020603050405020304" pitchFamily="18" charset="0"/>
+              </a:rPr>
+              <a:t>MELLO, </a:t>
+            </a:r>
+            <a:r>
+              <a:rPr lang="pt-BR" altLang="pt-BR" sz="1600" b="1" dirty="0" err="1">
+                <a:solidFill>
+                  <a:srgbClr val="FF0000"/>
+                </a:solidFill>
+                <a:latin typeface="Times New Roman" panose="02020603050405020304" pitchFamily="18" charset="0"/>
+                <a:cs typeface="Times New Roman" panose="02020603050405020304" pitchFamily="18" charset="0"/>
+              </a:rPr>
+              <a:t>Cleyson</a:t>
+            </a:r>
+            <a:r>
+              <a:rPr lang="pt-BR" altLang="pt-BR" sz="1600" b="1" dirty="0">
+                <a:solidFill>
+                  <a:srgbClr val="FF0000"/>
+                </a:solidFill>
+                <a:latin typeface="Times New Roman" panose="02020603050405020304" pitchFamily="18" charset="0"/>
+                <a:cs typeface="Times New Roman" panose="02020603050405020304" pitchFamily="18" charset="0"/>
+              </a:rPr>
+              <a:t> de Moraes; ALMEIDA, José Rogério Moura de Neto; PETRILLO, Regina</a:t>
+            </a:r>
+          </a:p>
+          <a:p>
+            <a:pPr marL="0" indent="0" algn="just" eaLnBrk="0" hangingPunct="0">
+              <a:buNone/>
+            </a:pPr>
+            <a:r>
+              <a:rPr lang="pt-BR" altLang="pt-BR" sz="1600" b="1" dirty="0">
+                <a:solidFill>
+                  <a:srgbClr val="FF0000"/>
+                </a:solidFill>
+                <a:latin typeface="Times New Roman" panose="02020603050405020304" pitchFamily="18" charset="0"/>
+                <a:cs typeface="Times New Roman" panose="02020603050405020304" pitchFamily="18" charset="0"/>
+              </a:rPr>
+              <a:t>Pentagna</a:t>
+            </a:r>
+            <a:r>
+              <a:rPr lang="pt-BR" altLang="pt-BR" sz="1600" dirty="0">
+                <a:solidFill>
+                  <a:schemeClr val="tx1"/>
+                </a:solidFill>
+                <a:latin typeface="Times New Roman" panose="02020603050405020304" pitchFamily="18" charset="0"/>
+                <a:cs typeface="Times New Roman" panose="02020603050405020304" pitchFamily="18" charset="0"/>
+              </a:rPr>
+              <a:t>. </a:t>
+            </a:r>
+            <a:r>
+              <a:rPr lang="pt-BR" altLang="pt-BR" sz="1600" dirty="0" err="1">
+                <a:solidFill>
+                  <a:schemeClr val="tx1"/>
+                </a:solidFill>
+                <a:latin typeface="Times New Roman" panose="02020603050405020304" pitchFamily="18" charset="0"/>
+                <a:cs typeface="Times New Roman" panose="02020603050405020304" pitchFamily="18" charset="0"/>
+              </a:rPr>
+              <a:t>Curricularização</a:t>
+            </a:r>
+            <a:r>
+              <a:rPr lang="pt-BR" altLang="pt-BR" sz="1600" dirty="0">
+                <a:solidFill>
+                  <a:schemeClr val="tx1"/>
+                </a:solidFill>
+                <a:latin typeface="Times New Roman" panose="02020603050405020304" pitchFamily="18" charset="0"/>
+                <a:cs typeface="Times New Roman" panose="02020603050405020304" pitchFamily="18" charset="0"/>
+              </a:rPr>
+              <a:t> da Extensão Universitária. 2ª. Rio de Janeiro: Processo, 2022.</a:t>
+            </a:r>
+          </a:p>
+          <a:p>
+            <a:pPr marL="0" indent="0" algn="just" eaLnBrk="0" hangingPunct="0">
+              <a:buNone/>
+            </a:pPr>
+            <a:r>
+              <a:rPr lang="pt-BR" altLang="pt-BR" sz="1600" b="1" dirty="0">
+                <a:solidFill>
+                  <a:schemeClr val="tx1"/>
+                </a:solidFill>
+                <a:latin typeface="Times New Roman" panose="02020603050405020304" pitchFamily="18" charset="0"/>
+                <a:cs typeface="Times New Roman" panose="02020603050405020304" pitchFamily="18" charset="0"/>
+              </a:rPr>
+              <a:t>Disponível em</a:t>
+            </a:r>
+            <a:r>
+              <a:rPr lang="pt-BR" altLang="pt-BR" sz="1600" dirty="0">
+                <a:solidFill>
+                  <a:schemeClr val="tx1"/>
+                </a:solidFill>
+                <a:latin typeface="Times New Roman" panose="02020603050405020304" pitchFamily="18" charset="0"/>
+                <a:cs typeface="Times New Roman" panose="02020603050405020304" pitchFamily="18" charset="0"/>
+              </a:rPr>
+              <a:t>: https://plataforma.bvirtual.com.br/Leitor/Publicacao/198121/pdf/0?</a:t>
+            </a:r>
+          </a:p>
+          <a:p>
+            <a:pPr marL="0" indent="0" algn="just" eaLnBrk="0" hangingPunct="0">
+              <a:buNone/>
+            </a:pPr>
+            <a:r>
+              <a:rPr lang="pt-BR" altLang="pt-BR" sz="1600" dirty="0" err="1">
+                <a:solidFill>
+                  <a:schemeClr val="tx1"/>
+                </a:solidFill>
+                <a:latin typeface="Times New Roman" panose="02020603050405020304" pitchFamily="18" charset="0"/>
+                <a:cs typeface="Times New Roman" panose="02020603050405020304" pitchFamily="18" charset="0"/>
+              </a:rPr>
+              <a:t>code</a:t>
+            </a:r>
+            <a:r>
+              <a:rPr lang="pt-BR" altLang="pt-BR" sz="1600" dirty="0">
+                <a:solidFill>
+                  <a:schemeClr val="tx1"/>
+                </a:solidFill>
+                <a:latin typeface="Times New Roman" panose="02020603050405020304" pitchFamily="18" charset="0"/>
+                <a:cs typeface="Times New Roman" panose="02020603050405020304" pitchFamily="18" charset="0"/>
+              </a:rPr>
+              <a:t>=haO8b9eyXWALpYNVRvgcTpaKKTWSEC5yk7VHx8YkVA7x4ZpohYv3u0gjs</a:t>
+            </a:r>
+          </a:p>
+          <a:p>
+            <a:pPr marL="0" indent="0" algn="just" eaLnBrk="0" hangingPunct="0">
+              <a:buNone/>
+            </a:pPr>
+            <a:endParaRPr lang="pt-BR" altLang="pt-BR" sz="1600" dirty="0">
+              <a:solidFill>
+                <a:schemeClr val="tx1"/>
+              </a:solidFill>
+              <a:latin typeface="Times New Roman" panose="02020603050405020304" pitchFamily="18" charset="0"/>
+              <a:cs typeface="Times New Roman" panose="02020603050405020304" pitchFamily="18" charset="0"/>
+            </a:endParaRPr>
+          </a:p>
+          <a:p>
+            <a:pPr marL="0" indent="0" algn="just" eaLnBrk="0" hangingPunct="0">
+              <a:buNone/>
+            </a:pPr>
+            <a:r>
+              <a:rPr lang="pt-BR" altLang="pt-BR" sz="1600" b="1" dirty="0">
+                <a:solidFill>
+                  <a:srgbClr val="FF0000"/>
+                </a:solidFill>
+                <a:latin typeface="Times New Roman" panose="02020603050405020304" pitchFamily="18" charset="0"/>
+                <a:cs typeface="Times New Roman" panose="02020603050405020304" pitchFamily="18" charset="0"/>
+              </a:rPr>
+              <a:t>MORAIS, </a:t>
+            </a:r>
+            <a:r>
+              <a:rPr lang="pt-BR" altLang="pt-BR" sz="1600" b="1" dirty="0" err="1">
+                <a:solidFill>
+                  <a:srgbClr val="FF0000"/>
+                </a:solidFill>
+                <a:latin typeface="Times New Roman" panose="02020603050405020304" pitchFamily="18" charset="0"/>
+                <a:cs typeface="Times New Roman" panose="02020603050405020304" pitchFamily="18" charset="0"/>
+              </a:rPr>
+              <a:t>Izabelly</a:t>
+            </a:r>
+            <a:r>
+              <a:rPr lang="pt-BR" altLang="pt-BR" sz="1600" dirty="0">
+                <a:solidFill>
+                  <a:schemeClr val="tx1"/>
+                </a:solidFill>
+                <a:latin typeface="Times New Roman" panose="02020603050405020304" pitchFamily="18" charset="0"/>
+                <a:cs typeface="Times New Roman" panose="02020603050405020304" pitchFamily="18" charset="0"/>
+              </a:rPr>
+              <a:t>. Introdução a Big Data e Internet das Coisas (IOT) [BV:MB]. Porto Alegre:</a:t>
+            </a:r>
+          </a:p>
+          <a:p>
+            <a:pPr marL="0" indent="0" algn="just" eaLnBrk="0" hangingPunct="0">
+              <a:buNone/>
+            </a:pPr>
+            <a:r>
+              <a:rPr lang="pt-BR" altLang="pt-BR" sz="1600" dirty="0">
+                <a:solidFill>
+                  <a:schemeClr val="tx1"/>
+                </a:solidFill>
+                <a:latin typeface="Times New Roman" panose="02020603050405020304" pitchFamily="18" charset="0"/>
+                <a:cs typeface="Times New Roman" panose="02020603050405020304" pitchFamily="18" charset="0"/>
+              </a:rPr>
+              <a:t>SAGAH, 2018.</a:t>
+            </a:r>
+          </a:p>
+          <a:p>
+            <a:pPr marL="0" indent="0" algn="just" eaLnBrk="0" hangingPunct="0">
+              <a:buNone/>
+            </a:pPr>
+            <a:r>
+              <a:rPr lang="pt-BR" altLang="pt-BR" sz="1600" b="1" dirty="0">
+                <a:solidFill>
+                  <a:srgbClr val="FF0000"/>
+                </a:solidFill>
+                <a:latin typeface="Times New Roman" panose="02020603050405020304" pitchFamily="18" charset="0"/>
+                <a:cs typeface="Times New Roman" panose="02020603050405020304" pitchFamily="18" charset="0"/>
+              </a:rPr>
+              <a:t>Disponível em</a:t>
+            </a:r>
+            <a:r>
+              <a:rPr lang="pt-BR" altLang="pt-BR" sz="1600" dirty="0">
+                <a:solidFill>
+                  <a:schemeClr val="tx1"/>
+                </a:solidFill>
+                <a:latin typeface="Times New Roman" panose="02020603050405020304" pitchFamily="18" charset="0"/>
+                <a:cs typeface="Times New Roman" panose="02020603050405020304" pitchFamily="18" charset="0"/>
+              </a:rPr>
+              <a:t>: https://integrada.minhabiblioteca.com.br/books/9788595027640/</a:t>
+            </a:r>
+          </a:p>
+        </p:txBody>
+      </p:sp>
+      <p:cxnSp>
+        <p:nvCxnSpPr>
+          <p:cNvPr id="4" name="Conector reto 3">
+            <a:extLst>
+              <a:ext uri="{FF2B5EF4-FFF2-40B4-BE49-F238E27FC236}">
+                <a16:creationId xmlns:a16="http://schemas.microsoft.com/office/drawing/2014/main" id="{53C1D5BE-B08D-43BA-9100-4319F7669DAD}"/>
+              </a:ext>
+            </a:extLst>
+          </p:cNvPr>
+          <p:cNvCxnSpPr>
+            <a:cxnSpLocks/>
+          </p:cNvCxnSpPr>
+          <p:nvPr/>
+        </p:nvCxnSpPr>
+        <p:spPr>
+          <a:xfrm flipV="1">
+            <a:off x="310728" y="902136"/>
+            <a:ext cx="8699160" cy="40954"/>
+          </a:xfrm>
+          <a:prstGeom prst="line">
+            <a:avLst/>
+          </a:prstGeom>
+          <a:ln w="38100">
+            <a:headEnd type="none" w="med" len="med"/>
+            <a:tailEnd type="none" w="med" len="med"/>
+          </a:ln>
+          <a:scene3d>
+            <a:camera prst="orthographicFront"/>
+            <a:lightRig rig="threePt" dir="t"/>
+          </a:scene3d>
+          <a:sp3d>
+            <a:bevelT prst="convex"/>
+          </a:sp3d>
+        </p:spPr>
+        <p:style>
+          <a:lnRef idx="3">
+            <a:schemeClr val="accent1"/>
+          </a:lnRef>
+          <a:fillRef idx="0">
+            <a:schemeClr val="accent1"/>
+          </a:fillRef>
+          <a:effectRef idx="2">
+            <a:schemeClr val="accent1"/>
+          </a:effectRef>
+          <a:fontRef idx="minor">
+            <a:schemeClr val="tx1"/>
+          </a:fontRef>
+        </p:style>
+      </p:cxnSp>
+    </p:spTree>
+    <p:extLst>
+      <p:ext uri="{BB962C8B-B14F-4D97-AF65-F5344CB8AC3E}">
+        <p14:creationId xmlns:p14="http://schemas.microsoft.com/office/powerpoint/2010/main" val="2473566618"/>
+      </p:ext>
+    </p:extLst>
+  </p:cSld>
+  <p:clrMapOvr>
+    <a:masterClrMapping/>
+  </p:clrMapOvr>
+  <p:transition spd="med"/>
+</p:sld>
+</file>
+
+<file path=ppt/slides/slide21.xml><?xml version="1.0" encoding="utf-8"?>
+<p:sld xmlns:a="http://schemas.openxmlformats.org/drawingml/2006/main" xmlns:r="http://schemas.openxmlformats.org/officeDocument/2006/relationships" xmlns:p="http://schemas.openxmlformats.org/presentationml/2006/main">
+  <p:cSld>
+    <p:spTree>
+      <p:nvGrpSpPr>
+        <p:cNvPr id="1" name=""/>
+        <p:cNvGrpSpPr/>
+        <p:nvPr/>
+      </p:nvGrpSpPr>
+      <p:grpSpPr>
+        <a:xfrm>
+          <a:off x="0" y="0"/>
+          <a:ext cx="0" cy="0"/>
+          <a:chOff x="0" y="0"/>
+          <a:chExt cx="0" cy="0"/>
+        </a:xfrm>
+      </p:grpSpPr>
+      <p:sp>
+        <p:nvSpPr>
+          <p:cNvPr id="6" name="Title 1"/>
+          <p:cNvSpPr>
+            <a:spLocks noGrp="1"/>
+          </p:cNvSpPr>
+          <p:nvPr>
+            <p:ph type="title"/>
+          </p:nvPr>
+        </p:nvSpPr>
+        <p:spPr>
+          <a:xfrm>
+            <a:off x="457200" y="205980"/>
+            <a:ext cx="8229600" cy="857251"/>
+          </a:xfrm>
+        </p:spPr>
+        <p:txBody>
+          <a:bodyPr/>
+          <a:lstStyle/>
+          <a:p>
+            <a:r>
+              <a:rPr lang="en-US" b="1" dirty="0" err="1">
+                <a:solidFill>
+                  <a:srgbClr val="0070C0"/>
+                </a:solidFill>
+              </a:rPr>
+              <a:t>Referências</a:t>
+            </a:r>
+            <a:r>
+              <a:rPr lang="en-US" b="1" dirty="0">
+                <a:solidFill>
+                  <a:srgbClr val="0070C0"/>
+                </a:solidFill>
+              </a:rPr>
+              <a:t> </a:t>
+            </a:r>
+            <a:r>
+              <a:rPr lang="en-US" b="1" dirty="0" err="1">
+                <a:solidFill>
+                  <a:srgbClr val="0070C0"/>
+                </a:solidFill>
+              </a:rPr>
+              <a:t>Bibliográficas</a:t>
+            </a:r>
+            <a:endParaRPr lang="en-US" b="1" dirty="0">
+              <a:solidFill>
+                <a:srgbClr val="0070C0"/>
+              </a:solidFill>
+            </a:endParaRPr>
+          </a:p>
+        </p:txBody>
+      </p:sp>
+      <p:sp>
+        <p:nvSpPr>
+          <p:cNvPr id="8" name="Text Placeholder 2"/>
+          <p:cNvSpPr>
+            <a:spLocks noGrp="1"/>
+          </p:cNvSpPr>
+          <p:nvPr>
+            <p:ph type="body" sz="half" idx="1"/>
+          </p:nvPr>
+        </p:nvSpPr>
+        <p:spPr>
+          <a:xfrm>
+            <a:off x="142865" y="1104186"/>
+            <a:ext cx="8865056" cy="3833334"/>
+          </a:xfrm>
+        </p:spPr>
+        <p:txBody>
+          <a:bodyPr>
+            <a:noAutofit/>
+          </a:bodyPr>
+          <a:lstStyle/>
+          <a:p>
+            <a:pPr algn="just" eaLnBrk="0" hangingPunct="0"/>
+            <a:r>
+              <a:rPr lang="pt-BR" sz="1800" b="1" u="sng" dirty="0">
+                <a:solidFill>
+                  <a:schemeClr val="tx1"/>
+                </a:solidFill>
+                <a:latin typeface="Times New Roman" panose="02020603050405020304" pitchFamily="18" charset="0"/>
+                <a:cs typeface="Times New Roman" panose="02020603050405020304" pitchFamily="18" charset="0"/>
+              </a:rPr>
+              <a:t>COMPLEMENTAR</a:t>
+            </a:r>
+          </a:p>
+          <a:p>
+            <a:pPr marL="0" indent="0" algn="just" eaLnBrk="0" hangingPunct="0">
+              <a:buNone/>
+            </a:pPr>
+            <a:endParaRPr lang="pt-BR" altLang="pt-BR" sz="1600" b="1" dirty="0">
+              <a:solidFill>
+                <a:schemeClr val="tx1"/>
+              </a:solidFill>
+              <a:latin typeface="Times New Roman" panose="02020603050405020304" pitchFamily="18" charset="0"/>
+              <a:cs typeface="Times New Roman" panose="02020603050405020304" pitchFamily="18" charset="0"/>
+            </a:endParaRPr>
+          </a:p>
+          <a:p>
+            <a:pPr marL="0" indent="0" algn="just" eaLnBrk="0" hangingPunct="0">
+              <a:buNone/>
+            </a:pPr>
+            <a:r>
+              <a:rPr lang="pt-BR" altLang="pt-BR" sz="1600" b="1" dirty="0">
+                <a:solidFill>
+                  <a:srgbClr val="FF0000"/>
+                </a:solidFill>
+                <a:latin typeface="Times New Roman" panose="02020603050405020304" pitchFamily="18" charset="0"/>
+                <a:cs typeface="Times New Roman" panose="02020603050405020304" pitchFamily="18" charset="0"/>
+              </a:rPr>
+              <a:t>MUELLER, John Paul</a:t>
+            </a:r>
+            <a:r>
+              <a:rPr lang="pt-BR" altLang="pt-BR" sz="1600" dirty="0">
+                <a:solidFill>
+                  <a:schemeClr val="tx1"/>
+                </a:solidFill>
+                <a:latin typeface="Times New Roman" panose="02020603050405020304" pitchFamily="18" charset="0"/>
+                <a:cs typeface="Times New Roman" panose="02020603050405020304" pitchFamily="18" charset="0"/>
+              </a:rPr>
+              <a:t>. Aprendizado Profundo para Leigos [BV:MB]. Rio de Janeiro: Alta Books,</a:t>
+            </a:r>
+          </a:p>
+          <a:p>
+            <a:pPr marL="0" indent="0" algn="just" eaLnBrk="0" hangingPunct="0">
+              <a:buNone/>
+            </a:pPr>
+            <a:r>
+              <a:rPr lang="pt-BR" altLang="pt-BR" sz="1600" dirty="0">
+                <a:solidFill>
+                  <a:schemeClr val="tx1"/>
+                </a:solidFill>
+                <a:latin typeface="Times New Roman" panose="02020603050405020304" pitchFamily="18" charset="0"/>
+                <a:cs typeface="Times New Roman" panose="02020603050405020304" pitchFamily="18" charset="0"/>
+              </a:rPr>
+              <a:t>2020.</a:t>
+            </a:r>
+          </a:p>
+          <a:p>
+            <a:pPr marL="0" indent="0" algn="just" eaLnBrk="0" hangingPunct="0">
+              <a:buNone/>
+            </a:pPr>
+            <a:r>
+              <a:rPr lang="pt-BR" altLang="pt-BR" sz="1600" b="1" dirty="0">
+                <a:solidFill>
+                  <a:schemeClr val="tx1"/>
+                </a:solidFill>
+                <a:latin typeface="Times New Roman" panose="02020603050405020304" pitchFamily="18" charset="0"/>
+                <a:cs typeface="Times New Roman" panose="02020603050405020304" pitchFamily="18" charset="0"/>
+              </a:rPr>
+              <a:t>Disponível em</a:t>
+            </a:r>
+            <a:r>
+              <a:rPr lang="pt-BR" altLang="pt-BR" sz="1600" dirty="0">
+                <a:solidFill>
+                  <a:schemeClr val="tx1"/>
+                </a:solidFill>
+                <a:latin typeface="Times New Roman" panose="02020603050405020304" pitchFamily="18" charset="0"/>
+                <a:cs typeface="Times New Roman" panose="02020603050405020304" pitchFamily="18" charset="0"/>
+              </a:rPr>
+              <a:t>: https://integrada.minhabiblioteca.com.br/books/9788550816982/</a:t>
+            </a:r>
+          </a:p>
+          <a:p>
+            <a:pPr marL="0" indent="0" algn="just" eaLnBrk="0" hangingPunct="0">
+              <a:buNone/>
+            </a:pPr>
+            <a:endParaRPr lang="pt-BR" altLang="pt-BR" sz="1600" dirty="0">
+              <a:solidFill>
+                <a:schemeClr val="tx1"/>
+              </a:solidFill>
+              <a:latin typeface="Times New Roman" panose="02020603050405020304" pitchFamily="18" charset="0"/>
+              <a:cs typeface="Times New Roman" panose="02020603050405020304" pitchFamily="18" charset="0"/>
+            </a:endParaRPr>
+          </a:p>
+          <a:p>
+            <a:pPr marL="0" indent="0" algn="just" eaLnBrk="0" hangingPunct="0">
+              <a:buNone/>
+            </a:pPr>
+            <a:r>
+              <a:rPr lang="pt-BR" altLang="pt-BR" sz="1600" b="1" dirty="0">
+                <a:solidFill>
+                  <a:srgbClr val="FF0000"/>
+                </a:solidFill>
+                <a:latin typeface="Times New Roman" panose="02020603050405020304" pitchFamily="18" charset="0"/>
+                <a:cs typeface="Times New Roman" panose="02020603050405020304" pitchFamily="18" charset="0"/>
+              </a:rPr>
+              <a:t>PERKOVIC, Ljubomir</a:t>
+            </a:r>
+            <a:r>
+              <a:rPr lang="pt-BR" altLang="pt-BR" sz="1600" dirty="0">
+                <a:solidFill>
+                  <a:schemeClr val="tx1"/>
+                </a:solidFill>
+                <a:latin typeface="Times New Roman" panose="02020603050405020304" pitchFamily="18" charset="0"/>
+                <a:cs typeface="Times New Roman" panose="02020603050405020304" pitchFamily="18" charset="0"/>
+              </a:rPr>
+              <a:t>. Introdução à Computação Usando Python ­ Um Foco no Desenvolvimento</a:t>
+            </a:r>
+          </a:p>
+          <a:p>
+            <a:pPr marL="0" indent="0" algn="just" eaLnBrk="0" hangingPunct="0">
+              <a:buNone/>
+            </a:pPr>
+            <a:r>
+              <a:rPr lang="pt-BR" altLang="pt-BR" sz="1600" dirty="0">
+                <a:solidFill>
+                  <a:schemeClr val="tx1"/>
+                </a:solidFill>
+                <a:latin typeface="Times New Roman" panose="02020603050405020304" pitchFamily="18" charset="0"/>
+                <a:cs typeface="Times New Roman" panose="02020603050405020304" pitchFamily="18" charset="0"/>
+              </a:rPr>
+              <a:t>de Aplicações [BV:MB]. 1ª Ed. Rio de Janeiro: LTC, 2016.</a:t>
+            </a:r>
+          </a:p>
+          <a:p>
+            <a:pPr marL="0" indent="0" algn="just" eaLnBrk="0" hangingPunct="0">
+              <a:buNone/>
+            </a:pPr>
+            <a:r>
+              <a:rPr lang="pt-BR" altLang="pt-BR" sz="1600" b="1" dirty="0">
+                <a:solidFill>
+                  <a:schemeClr val="tx1"/>
+                </a:solidFill>
+                <a:latin typeface="Times New Roman" panose="02020603050405020304" pitchFamily="18" charset="0"/>
+                <a:cs typeface="Times New Roman" panose="02020603050405020304" pitchFamily="18" charset="0"/>
+              </a:rPr>
+              <a:t>Disponível em</a:t>
+            </a:r>
+            <a:r>
+              <a:rPr lang="pt-BR" altLang="pt-BR" sz="1600" dirty="0">
+                <a:solidFill>
+                  <a:schemeClr val="tx1"/>
+                </a:solidFill>
+                <a:latin typeface="Times New Roman" panose="02020603050405020304" pitchFamily="18" charset="0"/>
+                <a:cs typeface="Times New Roman" panose="02020603050405020304" pitchFamily="18" charset="0"/>
+              </a:rPr>
+              <a:t>: https://integrada.minhabiblioteca.com.br/books/9788521630937</a:t>
+            </a:r>
+          </a:p>
+        </p:txBody>
+      </p:sp>
+      <p:cxnSp>
+        <p:nvCxnSpPr>
+          <p:cNvPr id="4" name="Conector reto 3">
+            <a:extLst>
+              <a:ext uri="{FF2B5EF4-FFF2-40B4-BE49-F238E27FC236}">
+                <a16:creationId xmlns:a16="http://schemas.microsoft.com/office/drawing/2014/main" id="{53C1D5BE-B08D-43BA-9100-4319F7669DAD}"/>
+              </a:ext>
+            </a:extLst>
+          </p:cNvPr>
+          <p:cNvCxnSpPr>
+            <a:cxnSpLocks/>
+          </p:cNvCxnSpPr>
+          <p:nvPr/>
+        </p:nvCxnSpPr>
+        <p:spPr>
+          <a:xfrm flipV="1">
+            <a:off x="310728" y="902136"/>
+            <a:ext cx="8699160" cy="40954"/>
+          </a:xfrm>
+          <a:prstGeom prst="line">
+            <a:avLst/>
+          </a:prstGeom>
+          <a:ln w="38100">
+            <a:headEnd type="none" w="med" len="med"/>
+            <a:tailEnd type="none" w="med" len="med"/>
+          </a:ln>
+          <a:scene3d>
+            <a:camera prst="orthographicFront"/>
+            <a:lightRig rig="threePt" dir="t"/>
+          </a:scene3d>
+          <a:sp3d>
+            <a:bevelT prst="convex"/>
+          </a:sp3d>
+        </p:spPr>
+        <p:style>
+          <a:lnRef idx="3">
+            <a:schemeClr val="accent1"/>
+          </a:lnRef>
+          <a:fillRef idx="0">
+            <a:schemeClr val="accent1"/>
+          </a:fillRef>
+          <a:effectRef idx="2">
+            <a:schemeClr val="accent1"/>
+          </a:effectRef>
+          <a:fontRef idx="minor">
+            <a:schemeClr val="tx1"/>
+          </a:fontRef>
+        </p:style>
+      </p:cxnSp>
+    </p:spTree>
+    <p:extLst>
+      <p:ext uri="{BB962C8B-B14F-4D97-AF65-F5344CB8AC3E}">
+        <p14:creationId xmlns:p14="http://schemas.microsoft.com/office/powerpoint/2010/main" val="3471335419"/>
+      </p:ext>
+    </p:extLst>
+  </p:cSld>
+  <p:clrMapOvr>
+    <a:masterClrMapping/>
+  </p:clrMapOvr>
+  <p:transition spd="med"/>
+</p:sld>
+</file>
+
+<file path=ppt/slides/slide22.xml><?xml version="1.0" encoding="utf-8"?>
+<p:sld xmlns:a="http://schemas.openxmlformats.org/drawingml/2006/main" xmlns:r="http://schemas.openxmlformats.org/officeDocument/2006/relationships" xmlns:p="http://schemas.openxmlformats.org/presentationml/2006/main">
+  <p:cSld>
+    <p:spTree>
+      <p:nvGrpSpPr>
+        <p:cNvPr id="1" name=""/>
+        <p:cNvGrpSpPr/>
+        <p:nvPr/>
+      </p:nvGrpSpPr>
+      <p:grpSpPr>
+        <a:xfrm>
+          <a:off x="0" y="0"/>
+          <a:ext cx="0" cy="0"/>
+          <a:chOff x="0" y="0"/>
+          <a:chExt cx="0" cy="0"/>
+        </a:xfrm>
+      </p:grpSpPr>
+      <p:pic>
+        <p:nvPicPr>
+          <p:cNvPr id="112" name="Picture 6" descr="Picture 6"/>
+          <p:cNvPicPr>
+            <a:picLocks noChangeAspect="1"/>
+          </p:cNvPicPr>
+          <p:nvPr/>
+        </p:nvPicPr>
+        <p:blipFill>
+          <a:blip r:embed="rId2"/>
+          <a:stretch>
+            <a:fillRect/>
+          </a:stretch>
+        </p:blipFill>
+        <p:spPr>
+          <a:xfrm>
+            <a:off x="0" y="0"/>
+            <a:ext cx="9144000" cy="5143500"/>
+          </a:xfrm>
+          <a:prstGeom prst="rect">
+            <a:avLst/>
+          </a:prstGeom>
+          <a:ln w="12700">
+            <a:miter lim="400000"/>
+            <a:headEnd/>
+            <a:tailEnd/>
+          </a:ln>
+        </p:spPr>
+      </p:pic>
+      <p:pic>
+        <p:nvPicPr>
+          <p:cNvPr id="114" name="Picture 5" descr="Picture 5"/>
+          <p:cNvPicPr>
+            <a:picLocks noChangeAspect="1"/>
+          </p:cNvPicPr>
+          <p:nvPr/>
+        </p:nvPicPr>
+        <p:blipFill>
+          <a:blip r:embed="rId3"/>
+          <a:stretch>
+            <a:fillRect/>
+          </a:stretch>
+        </p:blipFill>
+        <p:spPr>
+          <a:xfrm>
+            <a:off x="469900" y="0"/>
+            <a:ext cx="4391984" cy="171450"/>
+          </a:xfrm>
+          <a:prstGeom prst="rect">
+            <a:avLst/>
+          </a:prstGeom>
+          <a:ln w="12700">
+            <a:miter lim="400000"/>
+            <a:headEnd/>
+            <a:tailEnd/>
+          </a:ln>
+        </p:spPr>
+      </p:pic>
+      <p:pic>
+        <p:nvPicPr>
+          <p:cNvPr id="115" name="Imagem" descr="Imagem"/>
+          <p:cNvPicPr>
+            <a:picLocks noChangeAspect="1"/>
+          </p:cNvPicPr>
+          <p:nvPr/>
+        </p:nvPicPr>
+        <p:blipFill>
+          <a:blip r:embed="rId4"/>
+          <a:stretch>
+            <a:fillRect/>
+          </a:stretch>
+        </p:blipFill>
+        <p:spPr>
+          <a:xfrm>
+            <a:off x="823046" y="300823"/>
+            <a:ext cx="3685692" cy="1189055"/>
+          </a:xfrm>
+          <a:prstGeom prst="rect">
+            <a:avLst/>
+          </a:prstGeom>
+          <a:ln w="12700">
+            <a:miter lim="400000"/>
+            <a:headEnd/>
+            <a:tailEnd/>
+          </a:ln>
+        </p:spPr>
+      </p:pic>
+      <p:sp>
+        <p:nvSpPr>
+          <p:cNvPr id="3" name="Título 2"/>
+          <p:cNvSpPr>
+            <a:spLocks noGrp="1"/>
+          </p:cNvSpPr>
+          <p:nvPr>
+            <p:ph type="title"/>
+          </p:nvPr>
+        </p:nvSpPr>
+        <p:spPr>
+          <a:xfrm>
+            <a:off x="285751" y="2386770"/>
+            <a:ext cx="8615364" cy="1102519"/>
+          </a:xfrm>
+        </p:spPr>
+        <p:txBody>
+          <a:bodyPr>
+            <a:noAutofit/>
+          </a:bodyPr>
+          <a:lstStyle/>
+          <a:p>
+            <a:r>
+              <a:rPr lang="pt-BR" sz="4800" b="1">
+                <a:solidFill>
+                  <a:schemeClr val="bg1"/>
+                </a:solidFill>
+              </a:rPr>
+              <a:t>Python Big Data</a:t>
+            </a:r>
+            <a:endParaRPr lang="pt-BR" sz="4800" b="1" dirty="0">
+              <a:solidFill>
+                <a:schemeClr val="bg1"/>
+              </a:solidFill>
+            </a:endParaRPr>
+          </a:p>
+        </p:txBody>
+      </p:sp>
+      <p:sp>
+        <p:nvSpPr>
+          <p:cNvPr id="6" name="Título 2"/>
+          <p:cNvSpPr txBox="1"/>
+          <p:nvPr/>
+        </p:nvSpPr>
+        <p:spPr>
+          <a:xfrm>
+            <a:off x="975683" y="3866663"/>
+            <a:ext cx="7772400" cy="1102519"/>
+          </a:xfrm>
+          <a:prstGeom prst="rect">
+            <a:avLst/>
+          </a:prstGeom>
+          <a:ln w="12700">
+            <a:miter lim="400000"/>
+          </a:ln>
+        </p:spPr>
+        <p:txBody>
+          <a:bodyPr lIns="45718" tIns="45718" rIns="45718" bIns="45718" anchor="ctr">
+            <a:noAutofit/>
+          </a:bodyPr>
+          <a:lstStyle>
+            <a:lvl1pPr marL="0" marR="0" indent="0" algn="ctr" defTabSz="457200" rtl="0" latinLnBrk="0">
+              <a:lnSpc>
+                <a:spcPct val="100000"/>
+              </a:lnSpc>
+              <a:spcBef>
+                <a:spcPts val="0"/>
+              </a:spcBef>
+              <a:spcAft>
+                <a:spcPts val="0"/>
+              </a:spcAft>
+              <a:buClrTx/>
+              <a:buSzTx/>
+              <a:buFontTx/>
+              <a:buNone/>
+              <a:defRPr sz="4400" b="0" i="0" u="none" strike="noStrike" cap="none" spc="0" baseline="0">
+                <a:ln>
+                  <a:noFill/>
+                </a:ln>
+                <a:solidFill>
+                  <a:srgbClr val="000000"/>
+                </a:solidFill>
+                <a:uFillTx/>
+                <a:latin typeface="+mj-lt"/>
+                <a:ea typeface="+mj-ea"/>
+                <a:cs typeface="+mj-cs"/>
+                <a:sym typeface="Calibri"/>
+              </a:defRPr>
+            </a:lvl1pPr>
+            <a:lvl2pPr marL="0" marR="0" indent="0" algn="ctr" defTabSz="457200" rtl="0" latinLnBrk="0">
+              <a:lnSpc>
+                <a:spcPct val="100000"/>
+              </a:lnSpc>
+              <a:spcBef>
+                <a:spcPts val="0"/>
+              </a:spcBef>
+              <a:spcAft>
+                <a:spcPts val="0"/>
+              </a:spcAft>
+              <a:buClrTx/>
+              <a:buSzTx/>
+              <a:buFontTx/>
+              <a:buNone/>
+              <a:defRPr sz="4400" b="0" i="0" u="none" strike="noStrike" cap="none" spc="0" baseline="0">
+                <a:ln>
+                  <a:noFill/>
+                </a:ln>
+                <a:solidFill>
+                  <a:srgbClr val="000000"/>
+                </a:solidFill>
+                <a:uFillTx/>
+                <a:latin typeface="+mj-lt"/>
+                <a:ea typeface="+mj-ea"/>
+                <a:cs typeface="+mj-cs"/>
+                <a:sym typeface="Calibri"/>
+              </a:defRPr>
+            </a:lvl2pPr>
+            <a:lvl3pPr marL="0" marR="0" indent="0" algn="ctr" defTabSz="457200" rtl="0" latinLnBrk="0">
+              <a:lnSpc>
+                <a:spcPct val="100000"/>
+              </a:lnSpc>
+              <a:spcBef>
+                <a:spcPts val="0"/>
+              </a:spcBef>
+              <a:spcAft>
+                <a:spcPts val="0"/>
+              </a:spcAft>
+              <a:buClrTx/>
+              <a:buSzTx/>
+              <a:buFontTx/>
+              <a:buNone/>
+              <a:defRPr sz="4400" b="0" i="0" u="none" strike="noStrike" cap="none" spc="0" baseline="0">
+                <a:ln>
+                  <a:noFill/>
+                </a:ln>
+                <a:solidFill>
+                  <a:srgbClr val="000000"/>
+                </a:solidFill>
+                <a:uFillTx/>
+                <a:latin typeface="+mj-lt"/>
+                <a:ea typeface="+mj-ea"/>
+                <a:cs typeface="+mj-cs"/>
+                <a:sym typeface="Calibri"/>
+              </a:defRPr>
+            </a:lvl3pPr>
+            <a:lvl4pPr marL="0" marR="0" indent="0" algn="ctr" defTabSz="457200" rtl="0" latinLnBrk="0">
+              <a:lnSpc>
+                <a:spcPct val="100000"/>
+              </a:lnSpc>
+              <a:spcBef>
+                <a:spcPts val="0"/>
+              </a:spcBef>
+              <a:spcAft>
+                <a:spcPts val="0"/>
+              </a:spcAft>
+              <a:buClrTx/>
+              <a:buSzTx/>
+              <a:buFontTx/>
+              <a:buNone/>
+              <a:defRPr sz="4400" b="0" i="0" u="none" strike="noStrike" cap="none" spc="0" baseline="0">
+                <a:ln>
+                  <a:noFill/>
+                </a:ln>
+                <a:solidFill>
+                  <a:srgbClr val="000000"/>
+                </a:solidFill>
+                <a:uFillTx/>
+                <a:latin typeface="+mj-lt"/>
+                <a:ea typeface="+mj-ea"/>
+                <a:cs typeface="+mj-cs"/>
+                <a:sym typeface="Calibri"/>
+              </a:defRPr>
+            </a:lvl4pPr>
+            <a:lvl5pPr marL="0" marR="0" indent="0" algn="ctr" defTabSz="457200" rtl="0" latinLnBrk="0">
+              <a:lnSpc>
+                <a:spcPct val="100000"/>
+              </a:lnSpc>
+              <a:spcBef>
+                <a:spcPts val="0"/>
+              </a:spcBef>
+              <a:spcAft>
+                <a:spcPts val="0"/>
+              </a:spcAft>
+              <a:buClrTx/>
+              <a:buSzTx/>
+              <a:buFontTx/>
+              <a:buNone/>
+              <a:defRPr sz="4400" b="0" i="0" u="none" strike="noStrike" cap="none" spc="0" baseline="0">
+                <a:ln>
+                  <a:noFill/>
+                </a:ln>
+                <a:solidFill>
+                  <a:srgbClr val="000000"/>
+                </a:solidFill>
+                <a:uFillTx/>
+                <a:latin typeface="+mj-lt"/>
+                <a:ea typeface="+mj-ea"/>
+                <a:cs typeface="+mj-cs"/>
+                <a:sym typeface="Calibri"/>
+              </a:defRPr>
+            </a:lvl5pPr>
+            <a:lvl6pPr marL="0" marR="0" indent="0" algn="ctr" defTabSz="457200" rtl="0" latinLnBrk="0">
+              <a:lnSpc>
+                <a:spcPct val="100000"/>
+              </a:lnSpc>
+              <a:spcBef>
+                <a:spcPts val="0"/>
+              </a:spcBef>
+              <a:spcAft>
+                <a:spcPts val="0"/>
+              </a:spcAft>
+              <a:buClrTx/>
+              <a:buSzTx/>
+              <a:buFontTx/>
+              <a:buNone/>
+              <a:defRPr sz="4400" b="0" i="0" u="none" strike="noStrike" cap="none" spc="0" baseline="0">
+                <a:ln>
+                  <a:noFill/>
+                </a:ln>
+                <a:solidFill>
+                  <a:srgbClr val="000000"/>
+                </a:solidFill>
+                <a:uFillTx/>
+                <a:latin typeface="+mj-lt"/>
+                <a:ea typeface="+mj-ea"/>
+                <a:cs typeface="+mj-cs"/>
+                <a:sym typeface="Calibri"/>
+              </a:defRPr>
+            </a:lvl6pPr>
+            <a:lvl7pPr marL="0" marR="0" indent="0" algn="ctr" defTabSz="457200" rtl="0" latinLnBrk="0">
+              <a:lnSpc>
+                <a:spcPct val="100000"/>
+              </a:lnSpc>
+              <a:spcBef>
+                <a:spcPts val="0"/>
+              </a:spcBef>
+              <a:spcAft>
+                <a:spcPts val="0"/>
+              </a:spcAft>
+              <a:buClrTx/>
+              <a:buSzTx/>
+              <a:buFontTx/>
+              <a:buNone/>
+              <a:defRPr sz="4400" b="0" i="0" u="none" strike="noStrike" cap="none" spc="0" baseline="0">
+                <a:ln>
+                  <a:noFill/>
+                </a:ln>
+                <a:solidFill>
+                  <a:srgbClr val="000000"/>
+                </a:solidFill>
+                <a:uFillTx/>
+                <a:latin typeface="+mj-lt"/>
+                <a:ea typeface="+mj-ea"/>
+                <a:cs typeface="+mj-cs"/>
+                <a:sym typeface="Calibri"/>
+              </a:defRPr>
+            </a:lvl7pPr>
+            <a:lvl8pPr marL="0" marR="0" indent="0" algn="ctr" defTabSz="457200" rtl="0" latinLnBrk="0">
+              <a:lnSpc>
+                <a:spcPct val="100000"/>
+              </a:lnSpc>
+              <a:spcBef>
+                <a:spcPts val="0"/>
+              </a:spcBef>
+              <a:spcAft>
+                <a:spcPts val="0"/>
+              </a:spcAft>
+              <a:buClrTx/>
+              <a:buSzTx/>
+              <a:buFontTx/>
+              <a:buNone/>
+              <a:defRPr sz="4400" b="0" i="0" u="none" strike="noStrike" cap="none" spc="0" baseline="0">
+                <a:ln>
+                  <a:noFill/>
+                </a:ln>
+                <a:solidFill>
+                  <a:srgbClr val="000000"/>
+                </a:solidFill>
+                <a:uFillTx/>
+                <a:latin typeface="+mj-lt"/>
+                <a:ea typeface="+mj-ea"/>
+                <a:cs typeface="+mj-cs"/>
+                <a:sym typeface="Calibri"/>
+              </a:defRPr>
+            </a:lvl8pPr>
+            <a:lvl9pPr marL="0" marR="0" indent="0" algn="ctr" defTabSz="457200" rtl="0" latinLnBrk="0">
+              <a:lnSpc>
+                <a:spcPct val="100000"/>
+              </a:lnSpc>
+              <a:spcBef>
+                <a:spcPts val="0"/>
+              </a:spcBef>
+              <a:spcAft>
+                <a:spcPts val="0"/>
+              </a:spcAft>
+              <a:buClrTx/>
+              <a:buSzTx/>
+              <a:buFontTx/>
+              <a:buNone/>
+              <a:defRPr sz="4400" b="0" i="0" u="none" strike="noStrike" cap="none" spc="0" baseline="0">
+                <a:ln>
+                  <a:noFill/>
+                </a:ln>
+                <a:solidFill>
+                  <a:srgbClr val="000000"/>
+                </a:solidFill>
+                <a:uFillTx/>
+                <a:latin typeface="+mj-lt"/>
+                <a:ea typeface="+mj-ea"/>
+                <a:cs typeface="+mj-cs"/>
+                <a:sym typeface="Calibri"/>
+              </a:defRPr>
+            </a:lvl9pPr>
+          </a:lstStyle>
+          <a:p>
+            <a:pPr algn="r" hangingPunct="1"/>
+            <a:r>
+              <a:rPr lang="pt-BR" sz="2000" b="1" dirty="0">
+                <a:solidFill>
+                  <a:schemeClr val="bg1"/>
+                </a:solidFill>
+              </a:rPr>
+              <a:t>Professor </a:t>
+            </a:r>
+            <a:r>
+              <a:rPr lang="pt-BR" sz="2000" b="1">
+                <a:solidFill>
+                  <a:schemeClr val="bg1"/>
+                </a:solidFill>
+              </a:rPr>
+              <a:t>M.Sc</a:t>
+            </a:r>
+            <a:r>
+              <a:rPr lang="pt-BR" sz="2000" b="1" dirty="0">
+                <a:solidFill>
+                  <a:schemeClr val="bg1"/>
+                </a:solidFill>
+              </a:rPr>
+              <a:t>. Heleno Cardoso</a:t>
+            </a:r>
+          </a:p>
+        </p:txBody>
+      </p:sp>
+      <p:sp>
+        <p:nvSpPr>
+          <p:cNvPr id="7" name="Título 2">
+            <a:extLst>
+              <a:ext uri="{FF2B5EF4-FFF2-40B4-BE49-F238E27FC236}">
+                <a16:creationId xmlns:a16="http://schemas.microsoft.com/office/drawing/2014/main" id="{20DAA8A4-7BF8-435F-BB29-C3C9647C597B}"/>
+              </a:ext>
+            </a:extLst>
+          </p:cNvPr>
+          <p:cNvSpPr txBox="1">
+            <a:spLocks/>
+          </p:cNvSpPr>
+          <p:nvPr/>
+        </p:nvSpPr>
+        <p:spPr>
+          <a:xfrm>
+            <a:off x="7484030" y="110109"/>
+            <a:ext cx="1613368" cy="855867"/>
+          </a:xfrm>
+          <a:prstGeom prst="rect">
+            <a:avLst/>
+          </a:prstGeom>
+          <a:ln w="12700">
+            <a:miter lim="400000"/>
+          </a:ln>
+        </p:spPr>
+        <p:txBody>
+          <a:bodyPr lIns="45718" tIns="45718" rIns="45718" bIns="45718" anchor="ctr">
+            <a:noAutofit/>
+          </a:bodyPr>
+          <a:lstStyle>
+            <a:lvl1pPr marL="0" marR="0" indent="0" algn="ctr" defTabSz="457200" rtl="0" latinLnBrk="0">
+              <a:lnSpc>
+                <a:spcPct val="100000"/>
+              </a:lnSpc>
+              <a:spcBef>
+                <a:spcPts val="0"/>
+              </a:spcBef>
+              <a:spcAft>
+                <a:spcPts val="0"/>
+              </a:spcAft>
+              <a:buClrTx/>
+              <a:buSzTx/>
+              <a:buFontTx/>
+              <a:buNone/>
+              <a:defRPr sz="4400" b="0" i="0" u="none" strike="noStrike" cap="none" spc="0" baseline="0">
+                <a:ln>
+                  <a:noFill/>
+                </a:ln>
+                <a:solidFill>
+                  <a:srgbClr val="000000"/>
+                </a:solidFill>
+                <a:uFillTx/>
+                <a:latin typeface="+mj-lt"/>
+                <a:ea typeface="+mj-ea"/>
+                <a:cs typeface="+mj-cs"/>
+                <a:sym typeface="Calibri"/>
+              </a:defRPr>
+            </a:lvl1pPr>
+            <a:lvl2pPr marL="0" marR="0" indent="0" algn="ctr" defTabSz="457200" rtl="0" latinLnBrk="0">
+              <a:lnSpc>
+                <a:spcPct val="100000"/>
+              </a:lnSpc>
+              <a:spcBef>
+                <a:spcPts val="0"/>
+              </a:spcBef>
+              <a:spcAft>
+                <a:spcPts val="0"/>
+              </a:spcAft>
+              <a:buClrTx/>
+              <a:buSzTx/>
+              <a:buFontTx/>
+              <a:buNone/>
+              <a:defRPr sz="4400" b="0" i="0" u="none" strike="noStrike" cap="none" spc="0" baseline="0">
+                <a:ln>
+                  <a:noFill/>
+                </a:ln>
+                <a:solidFill>
+                  <a:srgbClr val="000000"/>
+                </a:solidFill>
+                <a:uFillTx/>
+                <a:latin typeface="+mj-lt"/>
+                <a:ea typeface="+mj-ea"/>
+                <a:cs typeface="+mj-cs"/>
+                <a:sym typeface="Calibri"/>
+              </a:defRPr>
+            </a:lvl2pPr>
+            <a:lvl3pPr marL="0" marR="0" indent="0" algn="ctr" defTabSz="457200" rtl="0" latinLnBrk="0">
+              <a:lnSpc>
+                <a:spcPct val="100000"/>
+              </a:lnSpc>
+              <a:spcBef>
+                <a:spcPts val="0"/>
+              </a:spcBef>
+              <a:spcAft>
+                <a:spcPts val="0"/>
+              </a:spcAft>
+              <a:buClrTx/>
+              <a:buSzTx/>
+              <a:buFontTx/>
+              <a:buNone/>
+              <a:defRPr sz="4400" b="0" i="0" u="none" strike="noStrike" cap="none" spc="0" baseline="0">
+                <a:ln>
+                  <a:noFill/>
+                </a:ln>
+                <a:solidFill>
+                  <a:srgbClr val="000000"/>
+                </a:solidFill>
+                <a:uFillTx/>
+                <a:latin typeface="+mj-lt"/>
+                <a:ea typeface="+mj-ea"/>
+                <a:cs typeface="+mj-cs"/>
+                <a:sym typeface="Calibri"/>
+              </a:defRPr>
+            </a:lvl3pPr>
+            <a:lvl4pPr marL="0" marR="0" indent="0" algn="ctr" defTabSz="457200" rtl="0" latinLnBrk="0">
+              <a:lnSpc>
+                <a:spcPct val="100000"/>
+              </a:lnSpc>
+              <a:spcBef>
+                <a:spcPts val="0"/>
+              </a:spcBef>
+              <a:spcAft>
+                <a:spcPts val="0"/>
+              </a:spcAft>
+              <a:buClrTx/>
+              <a:buSzTx/>
+              <a:buFontTx/>
+              <a:buNone/>
+              <a:defRPr sz="4400" b="0" i="0" u="none" strike="noStrike" cap="none" spc="0" baseline="0">
+                <a:ln>
+                  <a:noFill/>
+                </a:ln>
+                <a:solidFill>
+                  <a:srgbClr val="000000"/>
+                </a:solidFill>
+                <a:uFillTx/>
+                <a:latin typeface="+mj-lt"/>
+                <a:ea typeface="+mj-ea"/>
+                <a:cs typeface="+mj-cs"/>
+                <a:sym typeface="Calibri"/>
+              </a:defRPr>
+            </a:lvl4pPr>
+            <a:lvl5pPr marL="0" marR="0" indent="0" algn="ctr" defTabSz="457200" rtl="0" latinLnBrk="0">
+              <a:lnSpc>
+                <a:spcPct val="100000"/>
+              </a:lnSpc>
+              <a:spcBef>
+                <a:spcPts val="0"/>
+              </a:spcBef>
+              <a:spcAft>
+                <a:spcPts val="0"/>
+              </a:spcAft>
+              <a:buClrTx/>
+              <a:buSzTx/>
+              <a:buFontTx/>
+              <a:buNone/>
+              <a:defRPr sz="4400" b="0" i="0" u="none" strike="noStrike" cap="none" spc="0" baseline="0">
+                <a:ln>
+                  <a:noFill/>
+                </a:ln>
+                <a:solidFill>
+                  <a:srgbClr val="000000"/>
+                </a:solidFill>
+                <a:uFillTx/>
+                <a:latin typeface="+mj-lt"/>
+                <a:ea typeface="+mj-ea"/>
+                <a:cs typeface="+mj-cs"/>
+                <a:sym typeface="Calibri"/>
+              </a:defRPr>
+            </a:lvl5pPr>
+            <a:lvl6pPr marL="0" marR="0" indent="0" algn="ctr" defTabSz="457200" rtl="0" latinLnBrk="0">
+              <a:lnSpc>
+                <a:spcPct val="100000"/>
+              </a:lnSpc>
+              <a:spcBef>
+                <a:spcPts val="0"/>
+              </a:spcBef>
+              <a:spcAft>
+                <a:spcPts val="0"/>
+              </a:spcAft>
+              <a:buClrTx/>
+              <a:buSzTx/>
+              <a:buFontTx/>
+              <a:buNone/>
+              <a:defRPr sz="4400" b="0" i="0" u="none" strike="noStrike" cap="none" spc="0" baseline="0">
+                <a:ln>
+                  <a:noFill/>
+                </a:ln>
+                <a:solidFill>
+                  <a:srgbClr val="000000"/>
+                </a:solidFill>
+                <a:uFillTx/>
+                <a:latin typeface="+mj-lt"/>
+                <a:ea typeface="+mj-ea"/>
+                <a:cs typeface="+mj-cs"/>
+                <a:sym typeface="Calibri"/>
+              </a:defRPr>
+            </a:lvl6pPr>
+            <a:lvl7pPr marL="0" marR="0" indent="0" algn="ctr" defTabSz="457200" rtl="0" latinLnBrk="0">
+              <a:lnSpc>
+                <a:spcPct val="100000"/>
+              </a:lnSpc>
+              <a:spcBef>
+                <a:spcPts val="0"/>
+              </a:spcBef>
+              <a:spcAft>
+                <a:spcPts val="0"/>
+              </a:spcAft>
+              <a:buClrTx/>
+              <a:buSzTx/>
+              <a:buFontTx/>
+              <a:buNone/>
+              <a:defRPr sz="4400" b="0" i="0" u="none" strike="noStrike" cap="none" spc="0" baseline="0">
+                <a:ln>
+                  <a:noFill/>
+                </a:ln>
+                <a:solidFill>
+                  <a:srgbClr val="000000"/>
+                </a:solidFill>
+                <a:uFillTx/>
+                <a:latin typeface="+mj-lt"/>
+                <a:ea typeface="+mj-ea"/>
+                <a:cs typeface="+mj-cs"/>
+                <a:sym typeface="Calibri"/>
+              </a:defRPr>
+            </a:lvl7pPr>
+            <a:lvl8pPr marL="0" marR="0" indent="0" algn="ctr" defTabSz="457200" rtl="0" latinLnBrk="0">
+              <a:lnSpc>
+                <a:spcPct val="100000"/>
+              </a:lnSpc>
+              <a:spcBef>
+                <a:spcPts val="0"/>
+              </a:spcBef>
+              <a:spcAft>
+                <a:spcPts val="0"/>
+              </a:spcAft>
+              <a:buClrTx/>
+              <a:buSzTx/>
+              <a:buFontTx/>
+              <a:buNone/>
+              <a:defRPr sz="4400" b="0" i="0" u="none" strike="noStrike" cap="none" spc="0" baseline="0">
+                <a:ln>
+                  <a:noFill/>
+                </a:ln>
+                <a:solidFill>
+                  <a:srgbClr val="000000"/>
+                </a:solidFill>
+                <a:uFillTx/>
+                <a:latin typeface="+mj-lt"/>
+                <a:ea typeface="+mj-ea"/>
+                <a:cs typeface="+mj-cs"/>
+                <a:sym typeface="Calibri"/>
+              </a:defRPr>
+            </a:lvl8pPr>
+            <a:lvl9pPr marL="0" marR="0" indent="0" algn="ctr" defTabSz="457200" rtl="0" latinLnBrk="0">
+              <a:lnSpc>
+                <a:spcPct val="100000"/>
+              </a:lnSpc>
+              <a:spcBef>
+                <a:spcPts val="0"/>
+              </a:spcBef>
+              <a:spcAft>
+                <a:spcPts val="0"/>
+              </a:spcAft>
+              <a:buClrTx/>
+              <a:buSzTx/>
+              <a:buFontTx/>
+              <a:buNone/>
+              <a:defRPr sz="4400" b="0" i="0" u="none" strike="noStrike" cap="none" spc="0" baseline="0">
+                <a:ln>
+                  <a:noFill/>
+                </a:ln>
+                <a:solidFill>
+                  <a:srgbClr val="000000"/>
+                </a:solidFill>
+                <a:uFillTx/>
+                <a:latin typeface="+mj-lt"/>
+                <a:ea typeface="+mj-ea"/>
+                <a:cs typeface="+mj-cs"/>
+                <a:sym typeface="Calibri"/>
+              </a:defRPr>
+            </a:lvl9pPr>
+          </a:lstStyle>
+          <a:p>
+            <a:pPr hangingPunct="1"/>
+            <a:r>
+              <a:rPr lang="pt-BR" sz="3600" b="1" dirty="0">
+                <a:solidFill>
+                  <a:schemeClr val="bg1"/>
+                </a:solidFill>
+              </a:rPr>
+              <a:t>YDUQS</a:t>
+            </a:r>
+          </a:p>
+        </p:txBody>
+      </p:sp>
+    </p:spTree>
+  </p:cSld>
+  <p:clrMapOvr>
+    <a:masterClrMapping/>
+  </p:clrMapOvr>
+  <p:transition spd="med"/>
+</p:sld>
+</file>
+
+<file path=ppt/slides/slide3.xml><?xml version="1.0" encoding="utf-8"?>
+<p:sld xmlns:a="http://schemas.openxmlformats.org/drawingml/2006/main" xmlns:r="http://schemas.openxmlformats.org/officeDocument/2006/relationships" xmlns:p="http://schemas.openxmlformats.org/presentationml/2006/main">
+  <p:cSld>
+    <p:spTree>
+      <p:nvGrpSpPr>
+        <p:cNvPr id="1" name=""/>
+        <p:cNvGrpSpPr/>
+        <p:nvPr/>
+      </p:nvGrpSpPr>
+      <p:grpSpPr>
+        <a:xfrm>
+          <a:off x="0" y="0"/>
+          <a:ext cx="0" cy="0"/>
+          <a:chOff x="0" y="0"/>
+          <a:chExt cx="0" cy="0"/>
+        </a:xfrm>
+      </p:grpSpPr>
+      <p:sp>
+        <p:nvSpPr>
+          <p:cNvPr id="6" name="Title 1"/>
+          <p:cNvSpPr>
+            <a:spLocks noGrp="1"/>
+          </p:cNvSpPr>
+          <p:nvPr>
+            <p:ph type="title"/>
+          </p:nvPr>
+        </p:nvSpPr>
+        <p:spPr>
+          <a:xfrm>
+            <a:off x="457200" y="205980"/>
+            <a:ext cx="8229600" cy="857251"/>
+          </a:xfrm>
+        </p:spPr>
+        <p:txBody>
+          <a:bodyPr/>
+          <a:lstStyle/>
+          <a:p>
+            <a:r>
+              <a:rPr lang="en-US" b="1" dirty="0" err="1">
+                <a:solidFill>
+                  <a:srgbClr val="0070C0"/>
+                </a:solidFill>
+              </a:rPr>
+              <a:t>Apresentação</a:t>
+            </a:r>
+            <a:r>
+              <a:rPr lang="en-US" b="1" dirty="0">
+                <a:solidFill>
+                  <a:srgbClr val="0070C0"/>
+                </a:solidFill>
+              </a:rPr>
+              <a:t> </a:t>
+            </a:r>
+            <a:r>
+              <a:rPr lang="en-US" b="1" dirty="0" err="1">
+                <a:solidFill>
+                  <a:srgbClr val="0070C0"/>
+                </a:solidFill>
+              </a:rPr>
+              <a:t>Pessoal</a:t>
+            </a:r>
+            <a:endParaRPr lang="en-US" b="1" dirty="0">
+              <a:solidFill>
+                <a:srgbClr val="0070C0"/>
+              </a:solidFill>
+            </a:endParaRPr>
+          </a:p>
+        </p:txBody>
+      </p:sp>
+      <p:sp>
+        <p:nvSpPr>
+          <p:cNvPr id="8" name="Text Placeholder 2"/>
+          <p:cNvSpPr>
+            <a:spLocks noGrp="1"/>
+          </p:cNvSpPr>
+          <p:nvPr>
+            <p:ph type="body" sz="half" idx="1"/>
+          </p:nvPr>
+        </p:nvSpPr>
+        <p:spPr>
+          <a:xfrm>
+            <a:off x="142865" y="1104186"/>
+            <a:ext cx="8865056" cy="3833334"/>
+          </a:xfrm>
+        </p:spPr>
+        <p:txBody>
+          <a:bodyPr>
+            <a:noAutofit/>
+          </a:bodyPr>
+          <a:lstStyle/>
+          <a:p>
+            <a:pPr algn="just" eaLnBrk="0" hangingPunct="0">
+              <a:buFont typeface="Wingdings" panose="05000000000000000000" pitchFamily="2" charset="2"/>
+              <a:buChar char="ü"/>
+            </a:pPr>
+            <a:r>
+              <a:rPr lang="pt-BR" altLang="pt-BR" sz="2400" b="1" dirty="0">
+                <a:solidFill>
+                  <a:srgbClr val="FF0000"/>
+                </a:solidFill>
+                <a:latin typeface="Times New Roman" panose="02020603050405020304" pitchFamily="18" charset="0"/>
+                <a:cs typeface="Times New Roman" panose="02020603050405020304" pitchFamily="18" charset="0"/>
+              </a:rPr>
+              <a:t>Analista de Sistemas; Lider SCRUM; Consultor e Docente</a:t>
+            </a:r>
+            <a:endParaRPr lang="pt-BR" altLang="pt-BR" sz="2400" b="1" dirty="0">
+              <a:solidFill>
+                <a:srgbClr val="0070C0"/>
+              </a:solidFill>
+              <a:latin typeface="Times New Roman" panose="02020603050405020304" pitchFamily="18" charset="0"/>
+              <a:cs typeface="Times New Roman" panose="02020603050405020304" pitchFamily="18" charset="0"/>
+            </a:endParaRPr>
+          </a:p>
+          <a:p>
+            <a:pPr algn="just" eaLnBrk="0" hangingPunct="0">
+              <a:buFont typeface="Wingdings" panose="05000000000000000000" pitchFamily="2" charset="2"/>
+              <a:buChar char="ü"/>
+            </a:pPr>
+            <a:r>
+              <a:rPr lang="pt-BR" altLang="pt-BR" sz="2400" dirty="0">
+                <a:latin typeface="Times New Roman" panose="02020603050405020304" pitchFamily="18" charset="0"/>
+                <a:cs typeface="Times New Roman" panose="02020603050405020304" pitchFamily="18" charset="0"/>
+              </a:rPr>
+              <a:t>Doutorando Aluno Especial Ciência da Computação - UFBA 2018.2</a:t>
+            </a:r>
+          </a:p>
+          <a:p>
+            <a:pPr algn="just" eaLnBrk="0" hangingPunct="0">
+              <a:buFont typeface="Wingdings" panose="05000000000000000000" pitchFamily="2" charset="2"/>
+              <a:buChar char="ü"/>
+            </a:pPr>
+            <a:r>
+              <a:rPr lang="pt-BR" altLang="pt-BR" sz="2400" b="1" dirty="0" err="1">
+                <a:latin typeface="Times New Roman" panose="02020603050405020304" pitchFamily="18" charset="0"/>
+                <a:cs typeface="Times New Roman" panose="02020603050405020304" pitchFamily="18" charset="0"/>
+              </a:rPr>
+              <a:t>StrictoSensu-MSc</a:t>
+            </a:r>
+            <a:r>
+              <a:rPr lang="pt-BR" altLang="pt-BR" sz="2400" b="1" dirty="0">
+                <a:latin typeface="Times New Roman" panose="02020603050405020304" pitchFamily="18" charset="0"/>
+                <a:cs typeface="Times New Roman" panose="02020603050405020304" pitchFamily="18" charset="0"/>
+              </a:rPr>
+              <a:t> em </a:t>
+            </a:r>
+            <a:r>
+              <a:rPr lang="pt-BR" altLang="pt-BR" sz="2400" b="1" dirty="0" err="1">
+                <a:latin typeface="Times New Roman" panose="02020603050405020304" pitchFamily="18" charset="0"/>
+                <a:cs typeface="Times New Roman" panose="02020603050405020304" pitchFamily="18" charset="0"/>
+              </a:rPr>
+              <a:t>Sist</a:t>
+            </a:r>
+            <a:r>
+              <a:rPr lang="pt-BR" altLang="pt-BR" sz="2400" b="1" dirty="0">
+                <a:latin typeface="Times New Roman" panose="02020603050405020304" pitchFamily="18" charset="0"/>
+                <a:cs typeface="Times New Roman" panose="02020603050405020304" pitchFamily="18" charset="0"/>
+              </a:rPr>
+              <a:t> e Computação - UNIFACS</a:t>
+            </a:r>
+          </a:p>
+          <a:p>
+            <a:pPr algn="just" eaLnBrk="0" hangingPunct="0">
+              <a:buFont typeface="Wingdings" panose="05000000000000000000" pitchFamily="2" charset="2"/>
+              <a:buChar char="ü"/>
+            </a:pPr>
+            <a:r>
+              <a:rPr lang="pt-BR" altLang="pt-BR" sz="2400" b="1" dirty="0" err="1">
+                <a:latin typeface="Times New Roman" panose="02020603050405020304" pitchFamily="18" charset="0"/>
+                <a:cs typeface="Times New Roman" panose="02020603050405020304" pitchFamily="18" charset="0"/>
+              </a:rPr>
+              <a:t>LatoSensu</a:t>
+            </a:r>
+            <a:r>
+              <a:rPr lang="pt-BR" altLang="pt-BR" sz="2400" b="1" dirty="0">
+                <a:latin typeface="Times New Roman" panose="02020603050405020304" pitchFamily="18" charset="0"/>
+                <a:cs typeface="Times New Roman" panose="02020603050405020304" pitchFamily="18" charset="0"/>
+              </a:rPr>
+              <a:t>-MBA Gestão de Informação - UNIFACS</a:t>
+            </a:r>
+          </a:p>
+          <a:p>
+            <a:pPr algn="just" eaLnBrk="0" hangingPunct="0">
+              <a:buFont typeface="Wingdings" panose="05000000000000000000" pitchFamily="2" charset="2"/>
+              <a:buChar char="ü"/>
+            </a:pPr>
+            <a:r>
+              <a:rPr lang="pt-BR" altLang="pt-BR" sz="2400" b="1" dirty="0">
+                <a:solidFill>
+                  <a:schemeClr val="accent3">
+                    <a:lumMod val="50000"/>
+                  </a:schemeClr>
+                </a:solidFill>
+                <a:highlight>
+                  <a:srgbClr val="FFFF00"/>
+                </a:highlight>
+                <a:latin typeface="Times New Roman" panose="02020603050405020304" pitchFamily="18" charset="0"/>
+                <a:cs typeface="Times New Roman" panose="02020603050405020304" pitchFamily="18" charset="0"/>
+              </a:rPr>
+              <a:t>Engenheiro Eletricista 9º Semestre - </a:t>
+            </a:r>
+            <a:r>
+              <a:rPr lang="pt-BR" altLang="pt-BR" sz="2400" b="1" dirty="0" err="1">
+                <a:solidFill>
+                  <a:schemeClr val="accent3">
+                    <a:lumMod val="50000"/>
+                  </a:schemeClr>
+                </a:solidFill>
+                <a:highlight>
+                  <a:srgbClr val="FFFF00"/>
+                </a:highlight>
+                <a:latin typeface="Times New Roman" panose="02020603050405020304" pitchFamily="18" charset="0"/>
+                <a:cs typeface="Times New Roman" panose="02020603050405020304" pitchFamily="18" charset="0"/>
+              </a:rPr>
+              <a:t>UniRuy</a:t>
+            </a:r>
+            <a:r>
+              <a:rPr lang="pt-BR" altLang="pt-BR" sz="2400" b="1" dirty="0">
+                <a:solidFill>
+                  <a:schemeClr val="accent3">
+                    <a:lumMod val="50000"/>
+                  </a:schemeClr>
+                </a:solidFill>
+                <a:highlight>
+                  <a:srgbClr val="FFFF00"/>
+                </a:highlight>
+                <a:latin typeface="Times New Roman" panose="02020603050405020304" pitchFamily="18" charset="0"/>
+                <a:cs typeface="Times New Roman" panose="02020603050405020304" pitchFamily="18" charset="0"/>
+              </a:rPr>
+              <a:t> (Cursando)</a:t>
+            </a:r>
+          </a:p>
+          <a:p>
+            <a:pPr algn="just" eaLnBrk="0" hangingPunct="0">
+              <a:buFont typeface="Wingdings" panose="05000000000000000000" pitchFamily="2" charset="2"/>
+              <a:buChar char="ü"/>
+            </a:pPr>
+            <a:r>
+              <a:rPr lang="pt-BR" altLang="pt-BR" sz="2400" b="1" dirty="0">
+                <a:solidFill>
+                  <a:srgbClr val="0070C0"/>
+                </a:solidFill>
+                <a:latin typeface="Times New Roman" panose="02020603050405020304" pitchFamily="18" charset="0"/>
+                <a:cs typeface="Times New Roman" panose="02020603050405020304" pitchFamily="18" charset="0"/>
+              </a:rPr>
+              <a:t>Licenciatura R2 Matemática</a:t>
+            </a:r>
+          </a:p>
+          <a:p>
+            <a:pPr algn="just" eaLnBrk="0" hangingPunct="0">
+              <a:buFont typeface="Wingdings" panose="05000000000000000000" pitchFamily="2" charset="2"/>
+              <a:buChar char="ü"/>
+            </a:pPr>
+            <a:r>
+              <a:rPr lang="pt-BR" altLang="pt-BR" sz="2400" b="1" dirty="0">
+                <a:solidFill>
+                  <a:srgbClr val="FF0000"/>
+                </a:solidFill>
+                <a:latin typeface="Times New Roman" panose="02020603050405020304" pitchFamily="18" charset="0"/>
+                <a:cs typeface="Times New Roman" panose="02020603050405020304" pitchFamily="18" charset="0"/>
+              </a:rPr>
+              <a:t>Bacharel  em Ciências Estatísticas - ESEB</a:t>
+            </a:r>
+          </a:p>
+          <a:p>
+            <a:pPr algn="just" eaLnBrk="0" hangingPunct="0">
+              <a:buFont typeface="Wingdings" panose="05000000000000000000" pitchFamily="2" charset="2"/>
+              <a:buChar char="ü"/>
+            </a:pPr>
+            <a:r>
+              <a:rPr lang="pt-BR" altLang="pt-BR" sz="2400" b="1" dirty="0">
+                <a:solidFill>
+                  <a:srgbClr val="00B050"/>
+                </a:solidFill>
+                <a:latin typeface="Times New Roman" panose="02020603050405020304" pitchFamily="18" charset="0"/>
+                <a:cs typeface="Times New Roman" panose="02020603050405020304" pitchFamily="18" charset="0"/>
+              </a:rPr>
+              <a:t>Processamento Dados Profissionalizante - EEEMBA</a:t>
+            </a:r>
+            <a:endParaRPr lang="pt-BR" sz="2400" b="1" dirty="0">
+              <a:solidFill>
+                <a:srgbClr val="00B050"/>
+              </a:solidFill>
+              <a:latin typeface="Times New Roman" panose="02020603050405020304" pitchFamily="18" charset="0"/>
+              <a:cs typeface="Times New Roman" panose="02020603050405020304" pitchFamily="18" charset="0"/>
+            </a:endParaRPr>
+          </a:p>
+        </p:txBody>
+      </p:sp>
+      <p:cxnSp>
+        <p:nvCxnSpPr>
+          <p:cNvPr id="4" name="Conector reto 3">
+            <a:extLst>
+              <a:ext uri="{FF2B5EF4-FFF2-40B4-BE49-F238E27FC236}">
+                <a16:creationId xmlns:a16="http://schemas.microsoft.com/office/drawing/2014/main" id="{53C1D5BE-B08D-43BA-9100-4319F7669DAD}"/>
+              </a:ext>
+            </a:extLst>
+          </p:cNvPr>
+          <p:cNvCxnSpPr>
+            <a:cxnSpLocks/>
+          </p:cNvCxnSpPr>
+          <p:nvPr/>
+        </p:nvCxnSpPr>
+        <p:spPr>
+          <a:xfrm flipV="1">
+            <a:off x="310728" y="902136"/>
+            <a:ext cx="8699160" cy="40954"/>
+          </a:xfrm>
+          <a:prstGeom prst="line">
+            <a:avLst/>
+          </a:prstGeom>
+          <a:ln w="38100">
+            <a:headEnd type="none" w="med" len="med"/>
+            <a:tailEnd type="none" w="med" len="med"/>
+          </a:ln>
+          <a:scene3d>
+            <a:camera prst="orthographicFront"/>
+            <a:lightRig rig="threePt" dir="t"/>
+          </a:scene3d>
+          <a:sp3d>
+            <a:bevelT prst="convex"/>
+          </a:sp3d>
+        </p:spPr>
+        <p:style>
+          <a:lnRef idx="3">
+            <a:schemeClr val="accent1"/>
+          </a:lnRef>
+          <a:fillRef idx="0">
+            <a:schemeClr val="accent1"/>
+          </a:fillRef>
+          <a:effectRef idx="2">
+            <a:schemeClr val="accent1"/>
+          </a:effectRef>
+          <a:fontRef idx="minor">
+            <a:schemeClr val="tx1"/>
+          </a:fontRef>
+        </p:style>
+      </p:cxnSp>
+    </p:spTree>
+    <p:extLst>
+      <p:ext uri="{BB962C8B-B14F-4D97-AF65-F5344CB8AC3E}">
+        <p14:creationId xmlns:p14="http://schemas.microsoft.com/office/powerpoint/2010/main" val="1362980025"/>
+      </p:ext>
+    </p:extLst>
+  </p:cSld>
+  <p:clrMapOvr>
+    <a:masterClrMapping/>
+  </p:clrMapOvr>
+  <p:transition spd="med"/>
+</p:sld>
+</file>
+
+<file path=ppt/slides/slide4.xml><?xml version="1.0" encoding="utf-8"?>
+<p:sld xmlns:a="http://schemas.openxmlformats.org/drawingml/2006/main" xmlns:r="http://schemas.openxmlformats.org/officeDocument/2006/relationships" xmlns:p="http://schemas.openxmlformats.org/presentationml/2006/main">
+  <p:cSld>
+    <p:spTree>
+      <p:nvGrpSpPr>
+        <p:cNvPr id="1" name=""/>
+        <p:cNvGrpSpPr/>
+        <p:nvPr/>
+      </p:nvGrpSpPr>
+      <p:grpSpPr>
+        <a:xfrm>
+          <a:off x="0" y="0"/>
+          <a:ext cx="0" cy="0"/>
+          <a:chOff x="0" y="0"/>
+          <a:chExt cx="0" cy="0"/>
+        </a:xfrm>
+      </p:grpSpPr>
+      <p:sp>
+        <p:nvSpPr>
+          <p:cNvPr id="6" name="Title 1"/>
+          <p:cNvSpPr>
+            <a:spLocks noGrp="1"/>
+          </p:cNvSpPr>
+          <p:nvPr>
+            <p:ph type="title"/>
+          </p:nvPr>
+        </p:nvSpPr>
+        <p:spPr>
+          <a:xfrm>
+            <a:off x="457200" y="205980"/>
+            <a:ext cx="8229600" cy="857251"/>
+          </a:xfrm>
+        </p:spPr>
+        <p:txBody>
+          <a:bodyPr/>
+          <a:lstStyle/>
+          <a:p>
+            <a:r>
+              <a:rPr lang="en-US" b="1" dirty="0" err="1">
+                <a:solidFill>
+                  <a:srgbClr val="0070C0"/>
+                </a:solidFill>
+              </a:rPr>
+              <a:t>Visão</a:t>
+            </a:r>
+            <a:r>
+              <a:rPr lang="en-US" b="1" dirty="0">
+                <a:solidFill>
+                  <a:srgbClr val="0070C0"/>
+                </a:solidFill>
+              </a:rPr>
+              <a:t> </a:t>
+            </a:r>
+            <a:r>
+              <a:rPr lang="en-US" b="1" dirty="0" err="1">
+                <a:solidFill>
+                  <a:srgbClr val="0070C0"/>
+                </a:solidFill>
+              </a:rPr>
+              <a:t>Geral</a:t>
+            </a:r>
+            <a:r>
+              <a:rPr lang="en-US" b="1" dirty="0">
+                <a:solidFill>
+                  <a:srgbClr val="0070C0"/>
+                </a:solidFill>
+              </a:rPr>
+              <a:t> da </a:t>
+            </a:r>
+            <a:r>
+              <a:rPr lang="en-US" b="1" dirty="0" err="1">
+                <a:solidFill>
+                  <a:srgbClr val="0070C0"/>
+                </a:solidFill>
+              </a:rPr>
+              <a:t>Disciplina</a:t>
+            </a:r>
+            <a:endParaRPr lang="en-US" b="1" dirty="0">
+              <a:solidFill>
+                <a:srgbClr val="0070C0"/>
+              </a:solidFill>
+            </a:endParaRPr>
+          </a:p>
+        </p:txBody>
+      </p:sp>
+      <p:sp>
+        <p:nvSpPr>
+          <p:cNvPr id="8" name="Text Placeholder 2"/>
+          <p:cNvSpPr>
+            <a:spLocks noGrp="1"/>
+          </p:cNvSpPr>
+          <p:nvPr>
+            <p:ph type="body" sz="half" idx="1"/>
+          </p:nvPr>
+        </p:nvSpPr>
+        <p:spPr>
+          <a:xfrm>
+            <a:off x="142865" y="1104186"/>
+            <a:ext cx="8865056" cy="3957406"/>
+          </a:xfrm>
+        </p:spPr>
+        <p:txBody>
+          <a:bodyPr>
+            <a:noAutofit/>
+          </a:bodyPr>
+          <a:lstStyle/>
+          <a:p>
+            <a:pPr marL="0" indent="0" algn="just" eaLnBrk="0" hangingPunct="0">
+              <a:buNone/>
+            </a:pPr>
+            <a:r>
+              <a:rPr lang="pt-BR" altLang="pt-BR" sz="2000" dirty="0">
+                <a:solidFill>
+                  <a:schemeClr val="tx1"/>
+                </a:solidFill>
+                <a:latin typeface="Times New Roman" panose="02020603050405020304" pitchFamily="18" charset="0"/>
+                <a:cs typeface="Times New Roman" panose="02020603050405020304" pitchFamily="18" charset="0"/>
+              </a:rPr>
+              <a:t>A disciplina visa habilitar o discente na área da Ciência de Dados que se dedica ao estudo e desenvolvimento de técnicas na analise em grande volume de dados. </a:t>
+            </a:r>
+          </a:p>
+          <a:p>
+            <a:pPr marL="0" indent="0" algn="just" eaLnBrk="0" hangingPunct="0">
+              <a:buNone/>
+            </a:pPr>
+            <a:endParaRPr lang="pt-BR" altLang="pt-BR" sz="2000" dirty="0">
+              <a:solidFill>
+                <a:schemeClr val="tx1"/>
+              </a:solidFill>
+              <a:latin typeface="Times New Roman" panose="02020603050405020304" pitchFamily="18" charset="0"/>
+              <a:cs typeface="Times New Roman" panose="02020603050405020304" pitchFamily="18" charset="0"/>
+            </a:endParaRPr>
+          </a:p>
+          <a:p>
+            <a:pPr marL="0" indent="0" algn="just" eaLnBrk="0" hangingPunct="0">
+              <a:buNone/>
+            </a:pPr>
+            <a:r>
+              <a:rPr lang="pt-BR" altLang="pt-BR" sz="2000" dirty="0">
+                <a:solidFill>
+                  <a:schemeClr val="tx1"/>
+                </a:solidFill>
+                <a:latin typeface="Times New Roman" panose="02020603050405020304" pitchFamily="18" charset="0"/>
+                <a:cs typeface="Times New Roman" panose="02020603050405020304" pitchFamily="18" charset="0"/>
+              </a:rPr>
+              <a:t>Criticar os processos de trabalho e obter interpretações rápidas e valiosas sobre tendências de mercado, baseando­-se nos princípios de Big Data, para planejar o processamento de uma quantidade enorme de informações fazendo isso com alto desempenho e disponibilidade.</a:t>
+            </a:r>
+          </a:p>
+          <a:p>
+            <a:pPr marL="0" indent="0" algn="just" eaLnBrk="0" hangingPunct="0">
+              <a:buNone/>
+            </a:pPr>
+            <a:endParaRPr lang="pt-BR" altLang="pt-BR" sz="2000" dirty="0">
+              <a:solidFill>
+                <a:schemeClr val="tx1"/>
+              </a:solidFill>
+              <a:latin typeface="Times New Roman" panose="02020603050405020304" pitchFamily="18" charset="0"/>
+              <a:cs typeface="Times New Roman" panose="02020603050405020304" pitchFamily="18" charset="0"/>
+            </a:endParaRPr>
+          </a:p>
+        </p:txBody>
+      </p:sp>
+      <p:cxnSp>
+        <p:nvCxnSpPr>
+          <p:cNvPr id="4" name="Conector reto 3">
+            <a:extLst>
+              <a:ext uri="{FF2B5EF4-FFF2-40B4-BE49-F238E27FC236}">
+                <a16:creationId xmlns:a16="http://schemas.microsoft.com/office/drawing/2014/main" id="{53C1D5BE-B08D-43BA-9100-4319F7669DAD}"/>
+              </a:ext>
+            </a:extLst>
+          </p:cNvPr>
+          <p:cNvCxnSpPr>
+            <a:cxnSpLocks/>
+          </p:cNvCxnSpPr>
+          <p:nvPr/>
+        </p:nvCxnSpPr>
+        <p:spPr>
+          <a:xfrm flipV="1">
+            <a:off x="310728" y="902136"/>
+            <a:ext cx="8699160" cy="40954"/>
+          </a:xfrm>
+          <a:prstGeom prst="line">
+            <a:avLst/>
+          </a:prstGeom>
+          <a:ln w="38100">
+            <a:headEnd type="none" w="med" len="med"/>
+            <a:tailEnd type="none" w="med" len="med"/>
+          </a:ln>
+          <a:scene3d>
+            <a:camera prst="orthographicFront"/>
+            <a:lightRig rig="threePt" dir="t"/>
+          </a:scene3d>
+          <a:sp3d>
+            <a:bevelT prst="convex"/>
+          </a:sp3d>
+        </p:spPr>
+        <p:style>
+          <a:lnRef idx="3">
+            <a:schemeClr val="accent1"/>
+          </a:lnRef>
+          <a:fillRef idx="0">
+            <a:schemeClr val="accent1"/>
+          </a:fillRef>
+          <a:effectRef idx="2">
+            <a:schemeClr val="accent1"/>
+          </a:effectRef>
+          <a:fontRef idx="minor">
+            <a:schemeClr val="tx1"/>
+          </a:fontRef>
+        </p:style>
+      </p:cxnSp>
+    </p:spTree>
+    <p:extLst>
+      <p:ext uri="{BB962C8B-B14F-4D97-AF65-F5344CB8AC3E}">
+        <p14:creationId xmlns:p14="http://schemas.microsoft.com/office/powerpoint/2010/main" val="1798440960"/>
+      </p:ext>
+    </p:extLst>
+  </p:cSld>
+  <p:clrMapOvr>
+    <a:masterClrMapping/>
+  </p:clrMapOvr>
+  <p:transition spd="med"/>
+</p:sld>
+</file>
+
+<file path=ppt/slides/slide5.xml><?xml version="1.0" encoding="utf-8"?>
+<p:sld xmlns:a="http://schemas.openxmlformats.org/drawingml/2006/main" xmlns:r="http://schemas.openxmlformats.org/officeDocument/2006/relationships" xmlns:p="http://schemas.openxmlformats.org/presentationml/2006/main">
+  <p:cSld>
+    <p:spTree>
+      <p:nvGrpSpPr>
+        <p:cNvPr id="1" name=""/>
+        <p:cNvGrpSpPr/>
+        <p:nvPr/>
+      </p:nvGrpSpPr>
+      <p:grpSpPr>
+        <a:xfrm>
+          <a:off x="0" y="0"/>
+          <a:ext cx="0" cy="0"/>
+          <a:chOff x="0" y="0"/>
+          <a:chExt cx="0" cy="0"/>
+        </a:xfrm>
+      </p:grpSpPr>
+      <p:sp>
+        <p:nvSpPr>
+          <p:cNvPr id="6" name="Title 1"/>
+          <p:cNvSpPr>
+            <a:spLocks noGrp="1"/>
+          </p:cNvSpPr>
+          <p:nvPr>
+            <p:ph type="title"/>
+          </p:nvPr>
+        </p:nvSpPr>
+        <p:spPr>
+          <a:xfrm>
+            <a:off x="457200" y="205980"/>
+            <a:ext cx="8229600" cy="857251"/>
+          </a:xfrm>
+        </p:spPr>
+        <p:txBody>
+          <a:bodyPr/>
+          <a:lstStyle/>
+          <a:p>
+            <a:r>
+              <a:rPr lang="en-US" b="1" dirty="0" err="1">
+                <a:solidFill>
+                  <a:srgbClr val="0070C0"/>
+                </a:solidFill>
+              </a:rPr>
+              <a:t>Visão</a:t>
+            </a:r>
+            <a:r>
+              <a:rPr lang="en-US" b="1" dirty="0">
+                <a:solidFill>
+                  <a:srgbClr val="0070C0"/>
+                </a:solidFill>
+              </a:rPr>
+              <a:t> </a:t>
+            </a:r>
+            <a:r>
+              <a:rPr lang="en-US" b="1" dirty="0" err="1">
+                <a:solidFill>
+                  <a:srgbClr val="0070C0"/>
+                </a:solidFill>
+              </a:rPr>
+              <a:t>Geral</a:t>
+            </a:r>
+            <a:r>
+              <a:rPr lang="en-US" b="1" dirty="0">
+                <a:solidFill>
+                  <a:srgbClr val="0070C0"/>
+                </a:solidFill>
+              </a:rPr>
+              <a:t> da </a:t>
+            </a:r>
+            <a:r>
+              <a:rPr lang="en-US" b="1" dirty="0" err="1">
+                <a:solidFill>
+                  <a:srgbClr val="0070C0"/>
+                </a:solidFill>
+              </a:rPr>
+              <a:t>Disciplina</a:t>
+            </a:r>
+            <a:endParaRPr lang="en-US" b="1" dirty="0">
+              <a:solidFill>
+                <a:srgbClr val="0070C0"/>
+              </a:solidFill>
+            </a:endParaRPr>
+          </a:p>
+        </p:txBody>
+      </p:sp>
+      <p:sp>
+        <p:nvSpPr>
+          <p:cNvPr id="8" name="Text Placeholder 2"/>
+          <p:cNvSpPr>
+            <a:spLocks noGrp="1"/>
+          </p:cNvSpPr>
+          <p:nvPr>
+            <p:ph type="body" sz="half" idx="1"/>
+          </p:nvPr>
+        </p:nvSpPr>
+        <p:spPr>
+          <a:xfrm>
+            <a:off x="142865" y="1104186"/>
+            <a:ext cx="8865056" cy="3957406"/>
+          </a:xfrm>
+        </p:spPr>
+        <p:txBody>
+          <a:bodyPr>
+            <a:noAutofit/>
+          </a:bodyPr>
+          <a:lstStyle/>
+          <a:p>
+            <a:pPr marL="0" indent="0" algn="just" eaLnBrk="0" hangingPunct="0">
+              <a:buNone/>
+            </a:pPr>
+            <a:r>
+              <a:rPr lang="pt-BR" altLang="pt-BR" sz="2000" dirty="0">
+                <a:solidFill>
+                  <a:schemeClr val="tx1"/>
+                </a:solidFill>
+                <a:latin typeface="Times New Roman" panose="02020603050405020304" pitchFamily="18" charset="0"/>
+                <a:cs typeface="Times New Roman" panose="02020603050405020304" pitchFamily="18" charset="0"/>
+              </a:rPr>
+              <a:t>Esquematizar o armazenamento e processamento distribuído de grandes conjuntos de dados, utilizando a plataforma de código aberto </a:t>
+            </a:r>
+            <a:r>
+              <a:rPr lang="pt-BR" altLang="pt-BR" sz="2000" dirty="0" err="1">
+                <a:solidFill>
+                  <a:schemeClr val="tx1"/>
+                </a:solidFill>
+                <a:latin typeface="Times New Roman" panose="02020603050405020304" pitchFamily="18" charset="0"/>
+                <a:cs typeface="Times New Roman" panose="02020603050405020304" pitchFamily="18" charset="0"/>
+              </a:rPr>
+              <a:t>Hadoop</a:t>
+            </a:r>
+            <a:r>
+              <a:rPr lang="pt-BR" altLang="pt-BR" sz="2000" dirty="0">
+                <a:solidFill>
+                  <a:schemeClr val="tx1"/>
+                </a:solidFill>
+                <a:latin typeface="Times New Roman" panose="02020603050405020304" pitchFamily="18" charset="0"/>
+                <a:cs typeface="Times New Roman" panose="02020603050405020304" pitchFamily="18" charset="0"/>
+              </a:rPr>
+              <a:t>, para criar clusters de computadores com hardware commodity obtendo armazenamento, processamento, acesso, governança, segurança e operações de dados.</a:t>
+            </a:r>
+          </a:p>
+          <a:p>
+            <a:pPr marL="0" indent="0" algn="just" eaLnBrk="0" hangingPunct="0">
+              <a:buNone/>
+            </a:pPr>
+            <a:endParaRPr lang="pt-BR" altLang="pt-BR" sz="2000" dirty="0">
+              <a:solidFill>
+                <a:schemeClr val="tx1"/>
+              </a:solidFill>
+              <a:latin typeface="Times New Roman" panose="02020603050405020304" pitchFamily="18" charset="0"/>
+              <a:cs typeface="Times New Roman" panose="02020603050405020304" pitchFamily="18" charset="0"/>
+            </a:endParaRPr>
+          </a:p>
+          <a:p>
+            <a:pPr marL="0" indent="0" algn="just" eaLnBrk="0" hangingPunct="0">
+              <a:buNone/>
+            </a:pPr>
+            <a:r>
+              <a:rPr lang="pt-BR" altLang="pt-BR" sz="2000" dirty="0">
+                <a:solidFill>
+                  <a:schemeClr val="tx1"/>
+                </a:solidFill>
+                <a:latin typeface="Times New Roman" panose="02020603050405020304" pitchFamily="18" charset="0"/>
+                <a:cs typeface="Times New Roman" panose="02020603050405020304" pitchFamily="18" charset="0"/>
+              </a:rPr>
+              <a:t>Construir aplicações de computação paralela, tendo como ferramenta o </a:t>
+            </a:r>
+            <a:r>
+              <a:rPr lang="pt-BR" altLang="pt-BR" sz="2000" dirty="0" err="1">
+                <a:solidFill>
+                  <a:schemeClr val="tx1"/>
+                </a:solidFill>
+                <a:latin typeface="Times New Roman" panose="02020603050405020304" pitchFamily="18" charset="0"/>
+                <a:cs typeface="Times New Roman" panose="02020603050405020304" pitchFamily="18" charset="0"/>
+              </a:rPr>
+              <a:t>PySpark</a:t>
+            </a:r>
+            <a:r>
+              <a:rPr lang="pt-BR" altLang="pt-BR" sz="2000" dirty="0">
+                <a:solidFill>
+                  <a:schemeClr val="tx1"/>
+                </a:solidFill>
+                <a:latin typeface="Times New Roman" panose="02020603050405020304" pitchFamily="18" charset="0"/>
+                <a:cs typeface="Times New Roman" panose="02020603050405020304" pitchFamily="18" charset="0"/>
+              </a:rPr>
+              <a:t>, para criar aplicações com pipeline de aprendizado de máquina realizando previsões nos dados. construir algoritmos de inteligência artificial.</a:t>
+            </a:r>
+          </a:p>
+        </p:txBody>
+      </p:sp>
+      <p:cxnSp>
+        <p:nvCxnSpPr>
+          <p:cNvPr id="4" name="Conector reto 3">
+            <a:extLst>
+              <a:ext uri="{FF2B5EF4-FFF2-40B4-BE49-F238E27FC236}">
+                <a16:creationId xmlns:a16="http://schemas.microsoft.com/office/drawing/2014/main" id="{53C1D5BE-B08D-43BA-9100-4319F7669DAD}"/>
+              </a:ext>
+            </a:extLst>
+          </p:cNvPr>
+          <p:cNvCxnSpPr>
+            <a:cxnSpLocks/>
+          </p:cNvCxnSpPr>
+          <p:nvPr/>
+        </p:nvCxnSpPr>
+        <p:spPr>
+          <a:xfrm flipV="1">
+            <a:off x="310728" y="902136"/>
+            <a:ext cx="8699160" cy="40954"/>
+          </a:xfrm>
+          <a:prstGeom prst="line">
+            <a:avLst/>
+          </a:prstGeom>
+          <a:ln w="38100">
+            <a:headEnd type="none" w="med" len="med"/>
+            <a:tailEnd type="none" w="med" len="med"/>
+          </a:ln>
+          <a:scene3d>
+            <a:camera prst="orthographicFront"/>
+            <a:lightRig rig="threePt" dir="t"/>
+          </a:scene3d>
+          <a:sp3d>
+            <a:bevelT prst="convex"/>
+          </a:sp3d>
+        </p:spPr>
+        <p:style>
+          <a:lnRef idx="3">
+            <a:schemeClr val="accent1"/>
+          </a:lnRef>
+          <a:fillRef idx="0">
+            <a:schemeClr val="accent1"/>
+          </a:fillRef>
+          <a:effectRef idx="2">
+            <a:schemeClr val="accent1"/>
+          </a:effectRef>
+          <a:fontRef idx="minor">
+            <a:schemeClr val="tx1"/>
+          </a:fontRef>
+        </p:style>
+      </p:cxnSp>
+    </p:spTree>
+    <p:extLst>
+      <p:ext uri="{BB962C8B-B14F-4D97-AF65-F5344CB8AC3E}">
+        <p14:creationId xmlns:p14="http://schemas.microsoft.com/office/powerpoint/2010/main" val="4250994512"/>
+      </p:ext>
+    </p:extLst>
+  </p:cSld>
+  <p:clrMapOvr>
+    <a:masterClrMapping/>
+  </p:clrMapOvr>
+  <p:transition spd="med"/>
+</p:sld>
+</file>
+
+<file path=ppt/slides/slide6.xml><?xml version="1.0" encoding="utf-8"?>
+<p:sld xmlns:a="http://schemas.openxmlformats.org/drawingml/2006/main" xmlns:r="http://schemas.openxmlformats.org/officeDocument/2006/relationships" xmlns:p="http://schemas.openxmlformats.org/presentationml/2006/main">
+  <p:cSld>
+    <p:spTree>
+      <p:nvGrpSpPr>
+        <p:cNvPr id="1" name=""/>
+        <p:cNvGrpSpPr/>
+        <p:nvPr/>
+      </p:nvGrpSpPr>
+      <p:grpSpPr>
+        <a:xfrm>
+          <a:off x="0" y="0"/>
+          <a:ext cx="0" cy="0"/>
+          <a:chOff x="0" y="0"/>
+          <a:chExt cx="0" cy="0"/>
+        </a:xfrm>
+      </p:grpSpPr>
+      <p:sp>
+        <p:nvSpPr>
+          <p:cNvPr id="6" name="Title 1"/>
+          <p:cNvSpPr>
+            <a:spLocks noGrp="1"/>
+          </p:cNvSpPr>
+          <p:nvPr>
+            <p:ph type="title"/>
+          </p:nvPr>
+        </p:nvSpPr>
+        <p:spPr>
+          <a:xfrm>
+            <a:off x="457200" y="205980"/>
+            <a:ext cx="8229600" cy="857251"/>
+          </a:xfrm>
+        </p:spPr>
+        <p:txBody>
+          <a:bodyPr/>
+          <a:lstStyle/>
+          <a:p>
+            <a:r>
+              <a:rPr lang="en-US" b="1" dirty="0" err="1">
+                <a:solidFill>
+                  <a:srgbClr val="0070C0"/>
+                </a:solidFill>
+              </a:rPr>
+              <a:t>Visão</a:t>
+            </a:r>
+            <a:r>
+              <a:rPr lang="en-US" b="1" dirty="0">
+                <a:solidFill>
+                  <a:srgbClr val="0070C0"/>
+                </a:solidFill>
+              </a:rPr>
+              <a:t> </a:t>
+            </a:r>
+            <a:r>
+              <a:rPr lang="en-US" b="1" dirty="0" err="1">
+                <a:solidFill>
+                  <a:srgbClr val="0070C0"/>
+                </a:solidFill>
+              </a:rPr>
+              <a:t>Geral</a:t>
+            </a:r>
+            <a:r>
+              <a:rPr lang="en-US" b="1" dirty="0">
+                <a:solidFill>
+                  <a:srgbClr val="0070C0"/>
+                </a:solidFill>
+              </a:rPr>
+              <a:t> da </a:t>
+            </a:r>
+            <a:r>
+              <a:rPr lang="en-US" b="1" dirty="0" err="1">
+                <a:solidFill>
+                  <a:srgbClr val="0070C0"/>
+                </a:solidFill>
+              </a:rPr>
+              <a:t>Disciplina</a:t>
+            </a:r>
+            <a:endParaRPr lang="en-US" b="1" dirty="0">
+              <a:solidFill>
+                <a:srgbClr val="0070C0"/>
+              </a:solidFill>
+            </a:endParaRPr>
+          </a:p>
+        </p:txBody>
+      </p:sp>
+      <p:sp>
+        <p:nvSpPr>
+          <p:cNvPr id="8" name="Text Placeholder 2"/>
+          <p:cNvSpPr>
+            <a:spLocks noGrp="1"/>
+          </p:cNvSpPr>
+          <p:nvPr>
+            <p:ph type="body" sz="half" idx="1"/>
+          </p:nvPr>
+        </p:nvSpPr>
+        <p:spPr>
+          <a:xfrm>
+            <a:off x="142865" y="1104186"/>
+            <a:ext cx="8865056" cy="3957406"/>
+          </a:xfrm>
+        </p:spPr>
+        <p:txBody>
+          <a:bodyPr>
+            <a:noAutofit/>
+          </a:bodyPr>
+          <a:lstStyle/>
+          <a:p>
+            <a:pPr marL="0" indent="0" algn="just" eaLnBrk="0" hangingPunct="0">
+              <a:buNone/>
+            </a:pPr>
+            <a:r>
+              <a:rPr lang="pt-BR" altLang="pt-BR" sz="2000" dirty="0">
+                <a:solidFill>
+                  <a:schemeClr val="tx1"/>
+                </a:solidFill>
+                <a:latin typeface="Times New Roman" panose="02020603050405020304" pitchFamily="18" charset="0"/>
+                <a:cs typeface="Times New Roman" panose="02020603050405020304" pitchFamily="18" charset="0"/>
+              </a:rPr>
+              <a:t>Analisar grandes volumes de dados, utilizando a biblioteca Pandas, para propor a utilização de técnicas avançadas de análise de dados.</a:t>
+            </a:r>
+          </a:p>
+          <a:p>
+            <a:pPr marL="0" indent="0" algn="just" eaLnBrk="0" hangingPunct="0">
+              <a:buNone/>
+            </a:pPr>
+            <a:endParaRPr lang="pt-BR" altLang="pt-BR" sz="2000" dirty="0">
+              <a:solidFill>
+                <a:schemeClr val="tx1"/>
+              </a:solidFill>
+              <a:latin typeface="Times New Roman" panose="02020603050405020304" pitchFamily="18" charset="0"/>
+              <a:cs typeface="Times New Roman" panose="02020603050405020304" pitchFamily="18" charset="0"/>
+            </a:endParaRPr>
+          </a:p>
+          <a:p>
+            <a:pPr marL="0" indent="0" algn="just" eaLnBrk="0" hangingPunct="0">
+              <a:buNone/>
+            </a:pPr>
+            <a:r>
+              <a:rPr lang="pt-BR" altLang="pt-BR" sz="2000" dirty="0">
+                <a:solidFill>
+                  <a:schemeClr val="tx1"/>
+                </a:solidFill>
+                <a:latin typeface="Times New Roman" panose="02020603050405020304" pitchFamily="18" charset="0"/>
+                <a:cs typeface="Times New Roman" panose="02020603050405020304" pitchFamily="18" charset="0"/>
+              </a:rPr>
+              <a:t>Esquematizar modelo de analises de dados estruturados e semiestruturados, baseando-se em técnicas de descoberta do conhecimento, para construir algoritmos de inteligência artificial.</a:t>
+            </a:r>
+          </a:p>
+        </p:txBody>
+      </p:sp>
+      <p:cxnSp>
+        <p:nvCxnSpPr>
+          <p:cNvPr id="4" name="Conector reto 3">
+            <a:extLst>
+              <a:ext uri="{FF2B5EF4-FFF2-40B4-BE49-F238E27FC236}">
+                <a16:creationId xmlns:a16="http://schemas.microsoft.com/office/drawing/2014/main" id="{53C1D5BE-B08D-43BA-9100-4319F7669DAD}"/>
+              </a:ext>
+            </a:extLst>
+          </p:cNvPr>
+          <p:cNvCxnSpPr>
+            <a:cxnSpLocks/>
+          </p:cNvCxnSpPr>
+          <p:nvPr/>
+        </p:nvCxnSpPr>
+        <p:spPr>
+          <a:xfrm flipV="1">
+            <a:off x="310728" y="902136"/>
+            <a:ext cx="8699160" cy="40954"/>
+          </a:xfrm>
+          <a:prstGeom prst="line">
+            <a:avLst/>
+          </a:prstGeom>
+          <a:ln w="38100">
+            <a:headEnd type="none" w="med" len="med"/>
+            <a:tailEnd type="none" w="med" len="med"/>
+          </a:ln>
+          <a:scene3d>
+            <a:camera prst="orthographicFront"/>
+            <a:lightRig rig="threePt" dir="t"/>
+          </a:scene3d>
+          <a:sp3d>
+            <a:bevelT prst="convex"/>
+          </a:sp3d>
+        </p:spPr>
+        <p:style>
+          <a:lnRef idx="3">
+            <a:schemeClr val="accent1"/>
+          </a:lnRef>
+          <a:fillRef idx="0">
+            <a:schemeClr val="accent1"/>
+          </a:fillRef>
+          <a:effectRef idx="2">
+            <a:schemeClr val="accent1"/>
+          </a:effectRef>
+          <a:fontRef idx="minor">
+            <a:schemeClr val="tx1"/>
+          </a:fontRef>
+        </p:style>
+      </p:cxnSp>
+    </p:spTree>
+    <p:extLst>
+      <p:ext uri="{BB962C8B-B14F-4D97-AF65-F5344CB8AC3E}">
+        <p14:creationId xmlns:p14="http://schemas.microsoft.com/office/powerpoint/2010/main" val="2509281728"/>
+      </p:ext>
+    </p:extLst>
+  </p:cSld>
+  <p:clrMapOvr>
+    <a:masterClrMapping/>
+  </p:clrMapOvr>
+  <p:transition spd="med"/>
+</p:sld>
+</file>
+
+<file path=ppt/slides/slide7.xml><?xml version="1.0" encoding="utf-8"?>
+<p:sld xmlns:a="http://schemas.openxmlformats.org/drawingml/2006/main" xmlns:r="http://schemas.openxmlformats.org/officeDocument/2006/relationships" xmlns:p="http://schemas.openxmlformats.org/presentationml/2006/main">
+  <p:cSld>
+    <p:spTree>
+      <p:nvGrpSpPr>
+        <p:cNvPr id="1" name=""/>
+        <p:cNvGrpSpPr/>
+        <p:nvPr/>
+      </p:nvGrpSpPr>
+      <p:grpSpPr>
+        <a:xfrm>
+          <a:off x="0" y="0"/>
+          <a:ext cx="0" cy="0"/>
+          <a:chOff x="0" y="0"/>
+          <a:chExt cx="0" cy="0"/>
+        </a:xfrm>
+      </p:grpSpPr>
+      <p:sp>
+        <p:nvSpPr>
+          <p:cNvPr id="6" name="Title 1"/>
+          <p:cNvSpPr>
+            <a:spLocks noGrp="1"/>
+          </p:cNvSpPr>
+          <p:nvPr>
+            <p:ph type="title"/>
+          </p:nvPr>
+        </p:nvSpPr>
+        <p:spPr>
+          <a:xfrm>
+            <a:off x="457200" y="205980"/>
+            <a:ext cx="8229600" cy="857251"/>
+          </a:xfrm>
+        </p:spPr>
+        <p:txBody>
+          <a:bodyPr/>
+          <a:lstStyle/>
+          <a:p>
+            <a:r>
+              <a:rPr lang="en-US" b="1" dirty="0" err="1">
+                <a:solidFill>
+                  <a:srgbClr val="0070C0"/>
+                </a:solidFill>
+              </a:rPr>
+              <a:t>Objetivos</a:t>
+            </a:r>
+            <a:r>
+              <a:rPr lang="en-US" b="1" dirty="0">
+                <a:solidFill>
+                  <a:srgbClr val="0070C0"/>
+                </a:solidFill>
+              </a:rPr>
+              <a:t>/</a:t>
+            </a:r>
+            <a:r>
+              <a:rPr lang="en-US" b="1" dirty="0" err="1">
+                <a:solidFill>
+                  <a:srgbClr val="0070C0"/>
+                </a:solidFill>
+              </a:rPr>
+              <a:t>Habilidades</a:t>
+            </a:r>
+            <a:endParaRPr lang="en-US" b="1" dirty="0">
+              <a:solidFill>
+                <a:srgbClr val="0070C0"/>
+              </a:solidFill>
+            </a:endParaRPr>
+          </a:p>
+        </p:txBody>
+      </p:sp>
+      <p:sp>
+        <p:nvSpPr>
+          <p:cNvPr id="8" name="Text Placeholder 2"/>
+          <p:cNvSpPr>
+            <a:spLocks noGrp="1"/>
+          </p:cNvSpPr>
+          <p:nvPr>
+            <p:ph type="body" sz="half" idx="1"/>
+          </p:nvPr>
+        </p:nvSpPr>
+        <p:spPr>
+          <a:xfrm>
+            <a:off x="142865" y="1104186"/>
+            <a:ext cx="8865056" cy="3833334"/>
+          </a:xfrm>
+        </p:spPr>
+        <p:txBody>
+          <a:bodyPr>
+            <a:noAutofit/>
+          </a:bodyPr>
+          <a:lstStyle/>
+          <a:p>
+            <a:pPr marL="0" indent="0" algn="just" eaLnBrk="0" hangingPunct="0">
+              <a:buNone/>
+            </a:pPr>
+            <a:r>
+              <a:rPr lang="pt-BR" sz="2000" b="1" dirty="0">
+                <a:solidFill>
+                  <a:schemeClr val="tx1"/>
+                </a:solidFill>
+                <a:latin typeface="Times New Roman" panose="02020603050405020304" pitchFamily="18" charset="0"/>
+                <a:cs typeface="Times New Roman" panose="02020603050405020304" pitchFamily="18" charset="0"/>
+              </a:rPr>
+              <a:t>Competências técnicas</a:t>
+            </a:r>
+            <a:r>
+              <a:rPr lang="pt-BR" sz="2000" dirty="0">
+                <a:solidFill>
+                  <a:schemeClr val="tx1"/>
+                </a:solidFill>
+                <a:latin typeface="Times New Roman" panose="02020603050405020304" pitchFamily="18" charset="0"/>
+                <a:cs typeface="Times New Roman" panose="02020603050405020304" pitchFamily="18" charset="0"/>
+              </a:rPr>
+              <a:t>: gerência, organização e recuperação das informações; proficiência em técnicas, habilidades e ferramentas emergentes; análise de dados para tomada de decisão.</a:t>
+            </a:r>
+          </a:p>
+          <a:p>
+            <a:pPr marL="0" indent="0" algn="just" eaLnBrk="0" hangingPunct="0">
+              <a:buNone/>
+            </a:pPr>
+            <a:endParaRPr lang="pt-BR" sz="2000" dirty="0">
+              <a:solidFill>
+                <a:schemeClr val="tx1"/>
+              </a:solidFill>
+              <a:latin typeface="Times New Roman" panose="02020603050405020304" pitchFamily="18" charset="0"/>
+              <a:cs typeface="Times New Roman" panose="02020603050405020304" pitchFamily="18" charset="0"/>
+            </a:endParaRPr>
+          </a:p>
+          <a:p>
+            <a:pPr marL="0" indent="0" algn="just" eaLnBrk="0" hangingPunct="0">
+              <a:buNone/>
+            </a:pPr>
+            <a:endParaRPr lang="pt-BR" sz="2000" dirty="0">
+              <a:solidFill>
+                <a:schemeClr val="tx1"/>
+              </a:solidFill>
+              <a:latin typeface="Times New Roman" panose="02020603050405020304" pitchFamily="18" charset="0"/>
+              <a:cs typeface="Times New Roman" panose="02020603050405020304" pitchFamily="18" charset="0"/>
+            </a:endParaRPr>
+          </a:p>
+          <a:p>
+            <a:pPr marL="0" indent="0" algn="just" eaLnBrk="0" hangingPunct="0">
+              <a:buNone/>
+            </a:pPr>
+            <a:r>
+              <a:rPr lang="pt-BR" sz="2000" b="1" dirty="0">
+                <a:solidFill>
+                  <a:schemeClr val="tx1"/>
+                </a:solidFill>
+                <a:latin typeface="Times New Roman" panose="02020603050405020304" pitchFamily="18" charset="0"/>
+                <a:cs typeface="Times New Roman" panose="02020603050405020304" pitchFamily="18" charset="0"/>
+              </a:rPr>
+              <a:t>Competências socioemocionais</a:t>
+            </a:r>
+            <a:r>
+              <a:rPr lang="pt-BR" sz="2000" dirty="0">
+                <a:solidFill>
+                  <a:schemeClr val="tx1"/>
+                </a:solidFill>
+                <a:latin typeface="Times New Roman" panose="02020603050405020304" pitchFamily="18" charset="0"/>
+                <a:cs typeface="Times New Roman" panose="02020603050405020304" pitchFamily="18" charset="0"/>
+              </a:rPr>
+              <a:t>: trabalho em equipe; capacidade de lidar com conflitos; o aprendizado contínuo e colaborativo; e a liderança para a execução de ações nos diversos ambientes organizacionais.</a:t>
+            </a:r>
+          </a:p>
+        </p:txBody>
+      </p:sp>
+      <p:cxnSp>
+        <p:nvCxnSpPr>
+          <p:cNvPr id="4" name="Conector reto 3">
+            <a:extLst>
+              <a:ext uri="{FF2B5EF4-FFF2-40B4-BE49-F238E27FC236}">
+                <a16:creationId xmlns:a16="http://schemas.microsoft.com/office/drawing/2014/main" id="{53C1D5BE-B08D-43BA-9100-4319F7669DAD}"/>
+              </a:ext>
+            </a:extLst>
+          </p:cNvPr>
+          <p:cNvCxnSpPr>
+            <a:cxnSpLocks/>
+          </p:cNvCxnSpPr>
+          <p:nvPr/>
+        </p:nvCxnSpPr>
+        <p:spPr>
+          <a:xfrm flipV="1">
+            <a:off x="310728" y="902136"/>
+            <a:ext cx="8699160" cy="40954"/>
+          </a:xfrm>
+          <a:prstGeom prst="line">
+            <a:avLst/>
+          </a:prstGeom>
+          <a:ln w="38100">
+            <a:headEnd type="none" w="med" len="med"/>
+            <a:tailEnd type="none" w="med" len="med"/>
+          </a:ln>
+          <a:scene3d>
+            <a:camera prst="orthographicFront"/>
+            <a:lightRig rig="threePt" dir="t"/>
+          </a:scene3d>
+          <a:sp3d>
+            <a:bevelT prst="convex"/>
+          </a:sp3d>
+        </p:spPr>
+        <p:style>
+          <a:lnRef idx="3">
+            <a:schemeClr val="accent1"/>
+          </a:lnRef>
+          <a:fillRef idx="0">
+            <a:schemeClr val="accent1"/>
+          </a:fillRef>
+          <a:effectRef idx="2">
+            <a:schemeClr val="accent1"/>
+          </a:effectRef>
+          <a:fontRef idx="minor">
+            <a:schemeClr val="tx1"/>
+          </a:fontRef>
+        </p:style>
+      </p:cxnSp>
+    </p:spTree>
+    <p:extLst>
+      <p:ext uri="{BB962C8B-B14F-4D97-AF65-F5344CB8AC3E}">
+        <p14:creationId xmlns:p14="http://schemas.microsoft.com/office/powerpoint/2010/main" val="3905993212"/>
+      </p:ext>
+    </p:extLst>
+  </p:cSld>
+  <p:clrMapOvr>
+    <a:masterClrMapping/>
+  </p:clrMapOvr>
+  <p:transition spd="med"/>
+</p:sld>
+</file>
+
+<file path=ppt/slides/slide8.xml><?xml version="1.0" encoding="utf-8"?>
+<p:sld xmlns:a="http://schemas.openxmlformats.org/drawingml/2006/main" xmlns:r="http://schemas.openxmlformats.org/officeDocument/2006/relationships" xmlns:p="http://schemas.openxmlformats.org/presentationml/2006/main">
+  <p:cSld>
+    <p:spTree>
+      <p:nvGrpSpPr>
+        <p:cNvPr id="1" name=""/>
+        <p:cNvGrpSpPr/>
+        <p:nvPr/>
+      </p:nvGrpSpPr>
+      <p:grpSpPr>
+        <a:xfrm>
+          <a:off x="0" y="0"/>
+          <a:ext cx="0" cy="0"/>
+          <a:chOff x="0" y="0"/>
+          <a:chExt cx="0" cy="0"/>
+        </a:xfrm>
+      </p:grpSpPr>
+      <p:sp>
+        <p:nvSpPr>
+          <p:cNvPr id="6" name="Title 1"/>
+          <p:cNvSpPr>
+            <a:spLocks noGrp="1"/>
+          </p:cNvSpPr>
+          <p:nvPr>
+            <p:ph type="title"/>
+          </p:nvPr>
+        </p:nvSpPr>
+        <p:spPr>
+          <a:xfrm>
+            <a:off x="457200" y="205980"/>
+            <a:ext cx="8229600" cy="857251"/>
+          </a:xfrm>
+        </p:spPr>
+        <p:txBody>
+          <a:bodyPr/>
+          <a:lstStyle/>
+          <a:p>
+            <a:r>
+              <a:rPr lang="en-US" b="1" dirty="0" err="1">
+                <a:solidFill>
+                  <a:srgbClr val="0070C0"/>
+                </a:solidFill>
+              </a:rPr>
+              <a:t>Unidades</a:t>
+            </a:r>
+            <a:r>
+              <a:rPr lang="en-US" b="1" dirty="0">
+                <a:solidFill>
+                  <a:srgbClr val="0070C0"/>
+                </a:solidFill>
+              </a:rPr>
+              <a:t>/</a:t>
+            </a:r>
+            <a:r>
+              <a:rPr lang="en-US" b="1" dirty="0" err="1">
+                <a:solidFill>
+                  <a:srgbClr val="0070C0"/>
+                </a:solidFill>
+              </a:rPr>
+              <a:t>Conteúdos</a:t>
+            </a:r>
+            <a:endParaRPr lang="en-US" b="1" dirty="0">
+              <a:solidFill>
+                <a:srgbClr val="0070C0"/>
+              </a:solidFill>
+            </a:endParaRPr>
+          </a:p>
+        </p:txBody>
+      </p:sp>
+      <p:sp>
+        <p:nvSpPr>
+          <p:cNvPr id="8" name="Text Placeholder 2"/>
+          <p:cNvSpPr>
+            <a:spLocks noGrp="1"/>
+          </p:cNvSpPr>
+          <p:nvPr>
+            <p:ph type="body" sz="half" idx="1"/>
+          </p:nvPr>
+        </p:nvSpPr>
+        <p:spPr>
+          <a:xfrm>
+            <a:off x="142865" y="1104186"/>
+            <a:ext cx="8865056" cy="3833334"/>
+          </a:xfrm>
+        </p:spPr>
+        <p:txBody>
+          <a:bodyPr>
+            <a:noAutofit/>
+          </a:bodyPr>
+          <a:lstStyle/>
+          <a:p>
+            <a:pPr marL="457200" indent="-457200" algn="just" eaLnBrk="0" hangingPunct="0">
+              <a:buAutoNum type="arabicPeriod"/>
+            </a:pPr>
+            <a:r>
+              <a:rPr lang="pt-BR" sz="2200" dirty="0">
+                <a:solidFill>
+                  <a:schemeClr val="tx1"/>
+                </a:solidFill>
+                <a:latin typeface="Times New Roman" panose="02020603050405020304" pitchFamily="18" charset="0"/>
+                <a:cs typeface="Times New Roman" panose="02020603050405020304" pitchFamily="18" charset="0"/>
+              </a:rPr>
+              <a:t>Princípios De Big Data</a:t>
+            </a:r>
+          </a:p>
+          <a:p>
+            <a:pPr marL="457200" indent="-457200" algn="just" eaLnBrk="0" hangingPunct="0">
+              <a:buAutoNum type="arabicPeriod"/>
+            </a:pPr>
+            <a:endParaRPr lang="pt-BR" sz="2200" dirty="0">
+              <a:solidFill>
+                <a:schemeClr val="tx1"/>
+              </a:solidFill>
+              <a:latin typeface="Times New Roman" panose="02020603050405020304" pitchFamily="18" charset="0"/>
+              <a:cs typeface="Times New Roman" panose="02020603050405020304" pitchFamily="18" charset="0"/>
+            </a:endParaRPr>
+          </a:p>
+          <a:p>
+            <a:pPr marL="0" indent="0" algn="just" eaLnBrk="0" hangingPunct="0">
+              <a:buNone/>
+            </a:pPr>
+            <a:r>
+              <a:rPr lang="pt-BR" sz="2200" dirty="0">
+                <a:solidFill>
+                  <a:schemeClr val="tx1"/>
+                </a:solidFill>
+                <a:latin typeface="Times New Roman" panose="02020603050405020304" pitchFamily="18" charset="0"/>
+                <a:cs typeface="Times New Roman" panose="02020603050405020304" pitchFamily="18" charset="0"/>
+              </a:rPr>
+              <a:t>1.1 Introdução E Aplicações Ao Big Data</a:t>
+            </a:r>
+          </a:p>
+          <a:p>
+            <a:pPr marL="0" indent="0" algn="just" eaLnBrk="0" hangingPunct="0">
+              <a:buNone/>
+            </a:pPr>
+            <a:endParaRPr lang="pt-BR" sz="2200" dirty="0">
+              <a:solidFill>
+                <a:schemeClr val="tx1"/>
+              </a:solidFill>
+              <a:latin typeface="Times New Roman" panose="02020603050405020304" pitchFamily="18" charset="0"/>
+              <a:cs typeface="Times New Roman" panose="02020603050405020304" pitchFamily="18" charset="0"/>
+            </a:endParaRPr>
+          </a:p>
+          <a:p>
+            <a:pPr marL="0" indent="0" algn="just" eaLnBrk="0" hangingPunct="0">
+              <a:buNone/>
+            </a:pPr>
+            <a:r>
+              <a:rPr lang="pt-BR" sz="2200" dirty="0">
+                <a:solidFill>
+                  <a:schemeClr val="tx1"/>
+                </a:solidFill>
+                <a:latin typeface="Times New Roman" panose="02020603050405020304" pitchFamily="18" charset="0"/>
+                <a:cs typeface="Times New Roman" panose="02020603050405020304" pitchFamily="18" charset="0"/>
+              </a:rPr>
+              <a:t>1.2 Conceitos De </a:t>
+            </a:r>
+            <a:r>
+              <a:rPr lang="pt-BR" sz="2200" dirty="0" err="1">
+                <a:solidFill>
+                  <a:schemeClr val="tx1"/>
+                </a:solidFill>
+                <a:latin typeface="Times New Roman" panose="02020603050405020304" pitchFamily="18" charset="0"/>
+                <a:cs typeface="Times New Roman" panose="02020603050405020304" pitchFamily="18" charset="0"/>
+              </a:rPr>
+              <a:t>Iot</a:t>
+            </a:r>
+            <a:r>
+              <a:rPr lang="pt-BR" sz="2200" dirty="0">
+                <a:solidFill>
+                  <a:schemeClr val="tx1"/>
+                </a:solidFill>
+                <a:latin typeface="Times New Roman" panose="02020603050405020304" pitchFamily="18" charset="0"/>
+                <a:cs typeface="Times New Roman" panose="02020603050405020304" pitchFamily="18" charset="0"/>
+              </a:rPr>
+              <a:t> E Computação Distribuída</a:t>
+            </a:r>
+          </a:p>
+          <a:p>
+            <a:pPr marL="0" indent="0" algn="just" eaLnBrk="0" hangingPunct="0">
+              <a:buNone/>
+            </a:pPr>
+            <a:endParaRPr lang="pt-BR" sz="2200" dirty="0">
+              <a:solidFill>
+                <a:schemeClr val="tx1"/>
+              </a:solidFill>
+              <a:latin typeface="Times New Roman" panose="02020603050405020304" pitchFamily="18" charset="0"/>
+              <a:cs typeface="Times New Roman" panose="02020603050405020304" pitchFamily="18" charset="0"/>
+            </a:endParaRPr>
+          </a:p>
+          <a:p>
+            <a:pPr marL="0" indent="0" algn="just" eaLnBrk="0" hangingPunct="0">
+              <a:buNone/>
+            </a:pPr>
+            <a:r>
+              <a:rPr lang="pt-BR" sz="2200" dirty="0">
+                <a:solidFill>
+                  <a:schemeClr val="tx1"/>
+                </a:solidFill>
+                <a:latin typeface="Times New Roman" panose="02020603050405020304" pitchFamily="18" charset="0"/>
+                <a:cs typeface="Times New Roman" panose="02020603050405020304" pitchFamily="18" charset="0"/>
+              </a:rPr>
+              <a:t>1.3 Plataformas Em Nuvem Para Aplicações De </a:t>
+            </a:r>
+            <a:r>
+              <a:rPr lang="pt-BR" sz="2200" dirty="0" err="1">
+                <a:solidFill>
+                  <a:schemeClr val="tx1"/>
+                </a:solidFill>
+                <a:latin typeface="Times New Roman" panose="02020603050405020304" pitchFamily="18" charset="0"/>
+                <a:cs typeface="Times New Roman" panose="02020603050405020304" pitchFamily="18" charset="0"/>
+              </a:rPr>
+              <a:t>Bigdata</a:t>
+            </a:r>
+            <a:endParaRPr lang="pt-BR" sz="2200" dirty="0">
+              <a:solidFill>
+                <a:schemeClr val="tx1"/>
+              </a:solidFill>
+              <a:latin typeface="Times New Roman" panose="02020603050405020304" pitchFamily="18" charset="0"/>
+              <a:cs typeface="Times New Roman" panose="02020603050405020304" pitchFamily="18" charset="0"/>
+            </a:endParaRPr>
+          </a:p>
+          <a:p>
+            <a:pPr marL="0" indent="0" algn="just" eaLnBrk="0" hangingPunct="0">
+              <a:buNone/>
+            </a:pPr>
+            <a:endParaRPr lang="pt-BR" sz="2200" dirty="0">
+              <a:solidFill>
+                <a:schemeClr val="tx1"/>
+              </a:solidFill>
+              <a:latin typeface="Times New Roman" panose="02020603050405020304" pitchFamily="18" charset="0"/>
+              <a:cs typeface="Times New Roman" panose="02020603050405020304" pitchFamily="18" charset="0"/>
+            </a:endParaRPr>
+          </a:p>
+          <a:p>
+            <a:pPr marL="0" indent="0" algn="just" eaLnBrk="0" hangingPunct="0">
+              <a:buNone/>
+            </a:pPr>
+            <a:r>
+              <a:rPr lang="pt-BR" sz="2200" dirty="0">
+                <a:solidFill>
+                  <a:schemeClr val="tx1"/>
+                </a:solidFill>
+                <a:latin typeface="Times New Roman" panose="02020603050405020304" pitchFamily="18" charset="0"/>
+                <a:cs typeface="Times New Roman" panose="02020603050405020304" pitchFamily="18" charset="0"/>
+              </a:rPr>
+              <a:t>1.4 Processamento E Streaming De Dados</a:t>
+            </a:r>
+          </a:p>
+          <a:p>
+            <a:pPr marL="0" indent="0" algn="just" eaLnBrk="0" hangingPunct="0">
+              <a:buNone/>
+            </a:pPr>
+            <a:endParaRPr lang="pt-BR" sz="2200" dirty="0">
+              <a:solidFill>
+                <a:schemeClr val="tx1"/>
+              </a:solidFill>
+              <a:latin typeface="Times New Roman" panose="02020603050405020304" pitchFamily="18" charset="0"/>
+              <a:cs typeface="Times New Roman" panose="02020603050405020304" pitchFamily="18" charset="0"/>
+            </a:endParaRPr>
+          </a:p>
+        </p:txBody>
+      </p:sp>
+      <p:cxnSp>
+        <p:nvCxnSpPr>
+          <p:cNvPr id="4" name="Conector reto 3">
+            <a:extLst>
+              <a:ext uri="{FF2B5EF4-FFF2-40B4-BE49-F238E27FC236}">
+                <a16:creationId xmlns:a16="http://schemas.microsoft.com/office/drawing/2014/main" id="{53C1D5BE-B08D-43BA-9100-4319F7669DAD}"/>
+              </a:ext>
+            </a:extLst>
+          </p:cNvPr>
+          <p:cNvCxnSpPr>
+            <a:cxnSpLocks/>
+          </p:cNvCxnSpPr>
+          <p:nvPr/>
+        </p:nvCxnSpPr>
+        <p:spPr>
+          <a:xfrm flipV="1">
+            <a:off x="310728" y="902136"/>
+            <a:ext cx="8699160" cy="40954"/>
+          </a:xfrm>
+          <a:prstGeom prst="line">
+            <a:avLst/>
+          </a:prstGeom>
+          <a:ln w="38100">
+            <a:headEnd type="none" w="med" len="med"/>
+            <a:tailEnd type="none" w="med" len="med"/>
+          </a:ln>
+          <a:scene3d>
+            <a:camera prst="orthographicFront"/>
+            <a:lightRig rig="threePt" dir="t"/>
+          </a:scene3d>
+          <a:sp3d>
+            <a:bevelT prst="convex"/>
+          </a:sp3d>
+        </p:spPr>
+        <p:style>
+          <a:lnRef idx="3">
+            <a:schemeClr val="accent1"/>
+          </a:lnRef>
+          <a:fillRef idx="0">
+            <a:schemeClr val="accent1"/>
+          </a:fillRef>
+          <a:effectRef idx="2">
+            <a:schemeClr val="accent1"/>
+          </a:effectRef>
+          <a:fontRef idx="minor">
+            <a:schemeClr val="tx1"/>
+          </a:fontRef>
+        </p:style>
+      </p:cxnSp>
+    </p:spTree>
+    <p:extLst>
+      <p:ext uri="{BB962C8B-B14F-4D97-AF65-F5344CB8AC3E}">
+        <p14:creationId xmlns:p14="http://schemas.microsoft.com/office/powerpoint/2010/main" val="1452653908"/>
+      </p:ext>
+    </p:extLst>
+  </p:cSld>
+  <p:clrMapOvr>
+    <a:masterClrMapping/>
+  </p:clrMapOvr>
+  <p:transition spd="med"/>
+</p:sld>
+</file>
+
+<file path=ppt/slides/slide9.xml><?xml version="1.0" encoding="utf-8"?>
+<p:sld xmlns:a="http://schemas.openxmlformats.org/drawingml/2006/main" xmlns:r="http://schemas.openxmlformats.org/officeDocument/2006/relationships" xmlns:p="http://schemas.openxmlformats.org/presentationml/2006/main">
+  <p:cSld>
+    <p:spTree>
+      <p:nvGrpSpPr>
+        <p:cNvPr id="1" name=""/>
+        <p:cNvGrpSpPr/>
+        <p:nvPr/>
+      </p:nvGrpSpPr>
+      <p:grpSpPr>
+        <a:xfrm>
+          <a:off x="0" y="0"/>
+          <a:ext cx="0" cy="0"/>
+          <a:chOff x="0" y="0"/>
+          <a:chExt cx="0" cy="0"/>
+        </a:xfrm>
+      </p:grpSpPr>
+      <p:sp>
+        <p:nvSpPr>
+          <p:cNvPr id="6" name="Title 1"/>
+          <p:cNvSpPr>
+            <a:spLocks noGrp="1"/>
+          </p:cNvSpPr>
+          <p:nvPr>
+            <p:ph type="title"/>
+          </p:nvPr>
+        </p:nvSpPr>
+        <p:spPr>
+          <a:xfrm>
+            <a:off x="457200" y="205980"/>
+            <a:ext cx="8229600" cy="857251"/>
+          </a:xfrm>
+        </p:spPr>
+        <p:txBody>
+          <a:bodyPr/>
+          <a:lstStyle/>
+          <a:p>
+            <a:r>
+              <a:rPr lang="en-US" b="1" dirty="0" err="1">
+                <a:solidFill>
+                  <a:srgbClr val="0070C0"/>
+                </a:solidFill>
+              </a:rPr>
+              <a:t>Unidades</a:t>
+            </a:r>
+            <a:r>
+              <a:rPr lang="en-US" b="1" dirty="0">
+                <a:solidFill>
+                  <a:srgbClr val="0070C0"/>
+                </a:solidFill>
+              </a:rPr>
+              <a:t>/</a:t>
+            </a:r>
+            <a:r>
+              <a:rPr lang="en-US" b="1" dirty="0" err="1">
+                <a:solidFill>
+                  <a:srgbClr val="0070C0"/>
+                </a:solidFill>
+              </a:rPr>
+              <a:t>Conteúdos</a:t>
+            </a:r>
+            <a:endParaRPr lang="en-US" b="1" dirty="0">
+              <a:solidFill>
+                <a:srgbClr val="0070C0"/>
+              </a:solidFill>
+            </a:endParaRPr>
+          </a:p>
+        </p:txBody>
+      </p:sp>
+      <p:sp>
+        <p:nvSpPr>
+          <p:cNvPr id="8" name="Text Placeholder 2"/>
+          <p:cNvSpPr>
+            <a:spLocks noGrp="1"/>
+          </p:cNvSpPr>
+          <p:nvPr>
+            <p:ph type="body" sz="half" idx="1"/>
+          </p:nvPr>
+        </p:nvSpPr>
+        <p:spPr>
+          <a:xfrm>
+            <a:off x="142865" y="1104186"/>
+            <a:ext cx="8865056" cy="3833334"/>
+          </a:xfrm>
+        </p:spPr>
+        <p:txBody>
+          <a:bodyPr>
+            <a:noAutofit/>
+          </a:bodyPr>
+          <a:lstStyle/>
+          <a:p>
+            <a:pPr marL="457200" indent="-457200" algn="just" eaLnBrk="0" hangingPunct="0">
+              <a:buAutoNum type="arabicPeriod" startAt="2"/>
+            </a:pPr>
+            <a:r>
+              <a:rPr lang="pt-BR" sz="2200" dirty="0" err="1">
+                <a:solidFill>
+                  <a:schemeClr val="tx1"/>
+                </a:solidFill>
+                <a:latin typeface="Times New Roman" panose="02020603050405020304" pitchFamily="18" charset="0"/>
+                <a:cs typeface="Times New Roman" panose="02020603050405020304" pitchFamily="18" charset="0"/>
+              </a:rPr>
+              <a:t>Hadoop</a:t>
+            </a:r>
+            <a:r>
+              <a:rPr lang="pt-BR" sz="2200" dirty="0">
+                <a:solidFill>
+                  <a:schemeClr val="tx1"/>
+                </a:solidFill>
+                <a:latin typeface="Times New Roman" panose="02020603050405020304" pitchFamily="18" charset="0"/>
+                <a:cs typeface="Times New Roman" panose="02020603050405020304" pitchFamily="18" charset="0"/>
+              </a:rPr>
+              <a:t> E Armazenamento De Dados</a:t>
+            </a:r>
+          </a:p>
+          <a:p>
+            <a:pPr marL="457200" indent="-457200" algn="just" eaLnBrk="0" hangingPunct="0">
+              <a:buAutoNum type="arabicPeriod" startAt="2"/>
+            </a:pPr>
+            <a:endParaRPr lang="pt-BR" sz="2200" dirty="0">
+              <a:solidFill>
+                <a:schemeClr val="tx1"/>
+              </a:solidFill>
+              <a:latin typeface="Times New Roman" panose="02020603050405020304" pitchFamily="18" charset="0"/>
+              <a:cs typeface="Times New Roman" panose="02020603050405020304" pitchFamily="18" charset="0"/>
+            </a:endParaRPr>
+          </a:p>
+          <a:p>
+            <a:pPr marL="0" indent="0" algn="just" eaLnBrk="0" hangingPunct="0">
+              <a:buNone/>
+            </a:pPr>
+            <a:r>
+              <a:rPr lang="pt-BR" sz="2200" dirty="0">
+                <a:solidFill>
+                  <a:schemeClr val="tx1"/>
+                </a:solidFill>
+                <a:latin typeface="Times New Roman" panose="02020603050405020304" pitchFamily="18" charset="0"/>
+                <a:cs typeface="Times New Roman" panose="02020603050405020304" pitchFamily="18" charset="0"/>
+              </a:rPr>
+              <a:t>2.1 Introdução E Arquitetura Ao </a:t>
+            </a:r>
+            <a:r>
+              <a:rPr lang="pt-BR" sz="2200" dirty="0" err="1">
+                <a:solidFill>
+                  <a:schemeClr val="tx1"/>
+                </a:solidFill>
+                <a:latin typeface="Times New Roman" panose="02020603050405020304" pitchFamily="18" charset="0"/>
+                <a:cs typeface="Times New Roman" panose="02020603050405020304" pitchFamily="18" charset="0"/>
+              </a:rPr>
+              <a:t>Hadoop</a:t>
+            </a:r>
+            <a:endParaRPr lang="pt-BR" sz="2200" dirty="0">
+              <a:solidFill>
+                <a:schemeClr val="tx1"/>
+              </a:solidFill>
+              <a:latin typeface="Times New Roman" panose="02020603050405020304" pitchFamily="18" charset="0"/>
+              <a:cs typeface="Times New Roman" panose="02020603050405020304" pitchFamily="18" charset="0"/>
+            </a:endParaRPr>
+          </a:p>
+          <a:p>
+            <a:pPr marL="0" indent="0" algn="just" eaLnBrk="0" hangingPunct="0">
+              <a:buNone/>
+            </a:pPr>
+            <a:endParaRPr lang="pt-BR" sz="2200" dirty="0">
+              <a:solidFill>
+                <a:schemeClr val="tx1"/>
+              </a:solidFill>
+              <a:latin typeface="Times New Roman" panose="02020603050405020304" pitchFamily="18" charset="0"/>
+              <a:cs typeface="Times New Roman" panose="02020603050405020304" pitchFamily="18" charset="0"/>
+            </a:endParaRPr>
+          </a:p>
+          <a:p>
+            <a:pPr marL="0" indent="0" algn="just" eaLnBrk="0" hangingPunct="0">
+              <a:buNone/>
+            </a:pPr>
+            <a:r>
+              <a:rPr lang="pt-BR" sz="2200" dirty="0">
+                <a:solidFill>
+                  <a:schemeClr val="tx1"/>
+                </a:solidFill>
+                <a:latin typeface="Times New Roman" panose="02020603050405020304" pitchFamily="18" charset="0"/>
+                <a:cs typeface="Times New Roman" panose="02020603050405020304" pitchFamily="18" charset="0"/>
+              </a:rPr>
+              <a:t>2.2 Ecossistema E Soluções Com </a:t>
+            </a:r>
+            <a:r>
+              <a:rPr lang="pt-BR" sz="2200" dirty="0" err="1">
+                <a:solidFill>
+                  <a:schemeClr val="tx1"/>
+                </a:solidFill>
+                <a:latin typeface="Times New Roman" panose="02020603050405020304" pitchFamily="18" charset="0"/>
+                <a:cs typeface="Times New Roman" panose="02020603050405020304" pitchFamily="18" charset="0"/>
+              </a:rPr>
+              <a:t>Hadoop</a:t>
+            </a:r>
+            <a:endParaRPr lang="pt-BR" sz="2200" dirty="0">
+              <a:solidFill>
+                <a:schemeClr val="tx1"/>
+              </a:solidFill>
+              <a:latin typeface="Times New Roman" panose="02020603050405020304" pitchFamily="18" charset="0"/>
+              <a:cs typeface="Times New Roman" panose="02020603050405020304" pitchFamily="18" charset="0"/>
+            </a:endParaRPr>
+          </a:p>
+          <a:p>
+            <a:pPr marL="0" indent="0" algn="just" eaLnBrk="0" hangingPunct="0">
+              <a:buNone/>
+            </a:pPr>
+            <a:endParaRPr lang="pt-BR" sz="2200" dirty="0">
+              <a:solidFill>
+                <a:schemeClr val="tx1"/>
+              </a:solidFill>
+              <a:latin typeface="Times New Roman" panose="02020603050405020304" pitchFamily="18" charset="0"/>
+              <a:cs typeface="Times New Roman" panose="02020603050405020304" pitchFamily="18" charset="0"/>
+            </a:endParaRPr>
+          </a:p>
+          <a:p>
+            <a:pPr marL="0" indent="0" algn="just" eaLnBrk="0" hangingPunct="0">
+              <a:buNone/>
+            </a:pPr>
+            <a:r>
+              <a:rPr lang="pt-BR" sz="2200" dirty="0">
+                <a:solidFill>
+                  <a:schemeClr val="tx1"/>
+                </a:solidFill>
+                <a:latin typeface="Times New Roman" panose="02020603050405020304" pitchFamily="18" charset="0"/>
+                <a:cs typeface="Times New Roman" panose="02020603050405020304" pitchFamily="18" charset="0"/>
+              </a:rPr>
+              <a:t>2.3 </a:t>
+            </a:r>
+            <a:r>
+              <a:rPr lang="pt-BR" sz="2200" dirty="0" err="1">
+                <a:solidFill>
+                  <a:schemeClr val="tx1"/>
+                </a:solidFill>
+                <a:latin typeface="Times New Roman" panose="02020603050405020304" pitchFamily="18" charset="0"/>
+                <a:cs typeface="Times New Roman" panose="02020603050405020304" pitchFamily="18" charset="0"/>
+              </a:rPr>
+              <a:t>Hdfs</a:t>
+            </a:r>
+            <a:r>
+              <a:rPr lang="pt-BR" sz="2200" dirty="0">
+                <a:solidFill>
+                  <a:schemeClr val="tx1"/>
+                </a:solidFill>
+                <a:latin typeface="Times New Roman" panose="02020603050405020304" pitchFamily="18" charset="0"/>
+                <a:cs typeface="Times New Roman" panose="02020603050405020304" pitchFamily="18" charset="0"/>
+              </a:rPr>
+              <a:t> </a:t>
+            </a:r>
+            <a:r>
+              <a:rPr lang="pt-BR" sz="2200" dirty="0" err="1">
+                <a:solidFill>
+                  <a:schemeClr val="tx1"/>
+                </a:solidFill>
+                <a:latin typeface="Times New Roman" panose="02020603050405020304" pitchFamily="18" charset="0"/>
+                <a:cs typeface="Times New Roman" panose="02020603050405020304" pitchFamily="18" charset="0"/>
+              </a:rPr>
+              <a:t>Vs</a:t>
+            </a:r>
+            <a:r>
+              <a:rPr lang="pt-BR" sz="2200" dirty="0">
+                <a:solidFill>
+                  <a:schemeClr val="tx1"/>
+                </a:solidFill>
+                <a:latin typeface="Times New Roman" panose="02020603050405020304" pitchFamily="18" charset="0"/>
+                <a:cs typeface="Times New Roman" panose="02020603050405020304" pitchFamily="18" charset="0"/>
+              </a:rPr>
+              <a:t> </a:t>
+            </a:r>
+            <a:r>
+              <a:rPr lang="pt-BR" sz="2200" dirty="0" err="1">
+                <a:solidFill>
+                  <a:schemeClr val="tx1"/>
+                </a:solidFill>
+                <a:latin typeface="Times New Roman" panose="02020603050405020304" pitchFamily="18" charset="0"/>
+                <a:cs typeface="Times New Roman" panose="02020603050405020304" pitchFamily="18" charset="0"/>
+              </a:rPr>
+              <a:t>Rdbms</a:t>
+            </a:r>
+            <a:endParaRPr lang="pt-BR" sz="2200" dirty="0">
+              <a:solidFill>
+                <a:schemeClr val="tx1"/>
+              </a:solidFill>
+              <a:latin typeface="Times New Roman" panose="02020603050405020304" pitchFamily="18" charset="0"/>
+              <a:cs typeface="Times New Roman" panose="02020603050405020304" pitchFamily="18" charset="0"/>
+            </a:endParaRPr>
+          </a:p>
+          <a:p>
+            <a:pPr marL="0" indent="0" algn="just" eaLnBrk="0" hangingPunct="0">
+              <a:buNone/>
+            </a:pPr>
+            <a:endParaRPr lang="pt-BR" sz="2200" dirty="0">
+              <a:solidFill>
+                <a:schemeClr val="tx1"/>
+              </a:solidFill>
+              <a:latin typeface="Times New Roman" panose="02020603050405020304" pitchFamily="18" charset="0"/>
+              <a:cs typeface="Times New Roman" panose="02020603050405020304" pitchFamily="18" charset="0"/>
+            </a:endParaRPr>
+          </a:p>
+          <a:p>
+            <a:pPr marL="0" indent="0" algn="just" eaLnBrk="0" hangingPunct="0">
+              <a:buNone/>
+            </a:pPr>
+            <a:r>
+              <a:rPr lang="pt-BR" sz="2200" dirty="0">
+                <a:solidFill>
+                  <a:schemeClr val="tx1"/>
+                </a:solidFill>
+                <a:latin typeface="Times New Roman" panose="02020603050405020304" pitchFamily="18" charset="0"/>
+                <a:cs typeface="Times New Roman" panose="02020603050405020304" pitchFamily="18" charset="0"/>
+              </a:rPr>
+              <a:t>2.4 Entendo Um Data Lake</a:t>
+            </a:r>
+          </a:p>
+        </p:txBody>
+      </p:sp>
+      <p:cxnSp>
+        <p:nvCxnSpPr>
+          <p:cNvPr id="4" name="Conector reto 3">
+            <a:extLst>
+              <a:ext uri="{FF2B5EF4-FFF2-40B4-BE49-F238E27FC236}">
+                <a16:creationId xmlns:a16="http://schemas.microsoft.com/office/drawing/2014/main" id="{53C1D5BE-B08D-43BA-9100-4319F7669DAD}"/>
+              </a:ext>
+            </a:extLst>
+          </p:cNvPr>
+          <p:cNvCxnSpPr>
+            <a:cxnSpLocks/>
+          </p:cNvCxnSpPr>
+          <p:nvPr/>
+        </p:nvCxnSpPr>
+        <p:spPr>
+          <a:xfrm flipV="1">
+            <a:off x="310728" y="902136"/>
+            <a:ext cx="8699160" cy="40954"/>
+          </a:xfrm>
+          <a:prstGeom prst="line">
+            <a:avLst/>
+          </a:prstGeom>
+          <a:ln w="38100">
+            <a:headEnd type="none" w="med" len="med"/>
+            <a:tailEnd type="none" w="med" len="med"/>
+          </a:ln>
+          <a:scene3d>
+            <a:camera prst="orthographicFront"/>
+            <a:lightRig rig="threePt" dir="t"/>
+          </a:scene3d>
+          <a:sp3d>
+            <a:bevelT prst="convex"/>
+          </a:sp3d>
+        </p:spPr>
+        <p:style>
+          <a:lnRef idx="3">
+            <a:schemeClr val="accent1"/>
+          </a:lnRef>
+          <a:fillRef idx="0">
+            <a:schemeClr val="accent1"/>
+          </a:fillRef>
+          <a:effectRef idx="2">
+            <a:schemeClr val="accent1"/>
+          </a:effectRef>
+          <a:fontRef idx="minor">
+            <a:schemeClr val="tx1"/>
+          </a:fontRef>
+        </p:style>
+      </p:cxnSp>
+    </p:spTree>
+    <p:extLst>
+      <p:ext uri="{BB962C8B-B14F-4D97-AF65-F5344CB8AC3E}">
+        <p14:creationId xmlns:p14="http://schemas.microsoft.com/office/powerpoint/2010/main" val="1557037115"/>
+      </p:ext>
+    </p:extLst>
+  </p:cSld>
+  <p:clrMapOvr>
+    <a:masterClrMapping/>
+  </p:clrMapOvr>
+  <p:transition spd="med"/>
 </p:sld>
 </file>
 
